--- a/ANN Diagram.pptx
+++ b/ANN Diagram.pptx
@@ -20,6 +20,7 @@
     <p:sldId id="268" r:id="rId14"/>
     <p:sldId id="269" r:id="rId15"/>
     <p:sldId id="270" r:id="rId16"/>
+    <p:sldId id="271" r:id="rId17"/>
   </p:sldIdLst>
   <p:sldSz cx="12192000" cy="6858000"/>
   <p:notesSz cx="6858000" cy="9144000"/>
@@ -296,7 +297,7 @@
           <a:p>
             <a:fld id="{C2F77027-3C40-4359-A277-7487BD58E41D}" type="datetimeFigureOut">
               <a:rPr lang="en-US" smtClean="0"/>
-              <a:t>11/27/2019</a:t>
+              <a:t>12/4/2019</a:t>
             </a:fld>
             <a:endParaRPr lang="en-US"/>
           </a:p>
@@ -494,7 +495,7 @@
           <a:p>
             <a:fld id="{C2F77027-3C40-4359-A277-7487BD58E41D}" type="datetimeFigureOut">
               <a:rPr lang="en-US" smtClean="0"/>
-              <a:t>11/27/2019</a:t>
+              <a:t>12/4/2019</a:t>
             </a:fld>
             <a:endParaRPr lang="en-US"/>
           </a:p>
@@ -702,7 +703,7 @@
           <a:p>
             <a:fld id="{C2F77027-3C40-4359-A277-7487BD58E41D}" type="datetimeFigureOut">
               <a:rPr lang="en-US" smtClean="0"/>
-              <a:t>11/27/2019</a:t>
+              <a:t>12/4/2019</a:t>
             </a:fld>
             <a:endParaRPr lang="en-US"/>
           </a:p>
@@ -900,7 +901,7 @@
           <a:p>
             <a:fld id="{C2F77027-3C40-4359-A277-7487BD58E41D}" type="datetimeFigureOut">
               <a:rPr lang="en-US" smtClean="0"/>
-              <a:t>11/27/2019</a:t>
+              <a:t>12/4/2019</a:t>
             </a:fld>
             <a:endParaRPr lang="en-US"/>
           </a:p>
@@ -1175,7 +1176,7 @@
           <a:p>
             <a:fld id="{C2F77027-3C40-4359-A277-7487BD58E41D}" type="datetimeFigureOut">
               <a:rPr lang="en-US" smtClean="0"/>
-              <a:t>11/27/2019</a:t>
+              <a:t>12/4/2019</a:t>
             </a:fld>
             <a:endParaRPr lang="en-US"/>
           </a:p>
@@ -1440,7 +1441,7 @@
           <a:p>
             <a:fld id="{C2F77027-3C40-4359-A277-7487BD58E41D}" type="datetimeFigureOut">
               <a:rPr lang="en-US" smtClean="0"/>
-              <a:t>11/27/2019</a:t>
+              <a:t>12/4/2019</a:t>
             </a:fld>
             <a:endParaRPr lang="en-US"/>
           </a:p>
@@ -1852,7 +1853,7 @@
           <a:p>
             <a:fld id="{C2F77027-3C40-4359-A277-7487BD58E41D}" type="datetimeFigureOut">
               <a:rPr lang="en-US" smtClean="0"/>
-              <a:t>11/27/2019</a:t>
+              <a:t>12/4/2019</a:t>
             </a:fld>
             <a:endParaRPr lang="en-US"/>
           </a:p>
@@ -1993,7 +1994,7 @@
           <a:p>
             <a:fld id="{C2F77027-3C40-4359-A277-7487BD58E41D}" type="datetimeFigureOut">
               <a:rPr lang="en-US" smtClean="0"/>
-              <a:t>11/27/2019</a:t>
+              <a:t>12/4/2019</a:t>
             </a:fld>
             <a:endParaRPr lang="en-US"/>
           </a:p>
@@ -2106,7 +2107,7 @@
           <a:p>
             <a:fld id="{C2F77027-3C40-4359-A277-7487BD58E41D}" type="datetimeFigureOut">
               <a:rPr lang="en-US" smtClean="0"/>
-              <a:t>11/27/2019</a:t>
+              <a:t>12/4/2019</a:t>
             </a:fld>
             <a:endParaRPr lang="en-US"/>
           </a:p>
@@ -2417,7 +2418,7 @@
           <a:p>
             <a:fld id="{C2F77027-3C40-4359-A277-7487BD58E41D}" type="datetimeFigureOut">
               <a:rPr lang="en-US" smtClean="0"/>
-              <a:t>11/27/2019</a:t>
+              <a:t>12/4/2019</a:t>
             </a:fld>
             <a:endParaRPr lang="en-US"/>
           </a:p>
@@ -2705,7 +2706,7 @@
           <a:p>
             <a:fld id="{C2F77027-3C40-4359-A277-7487BD58E41D}" type="datetimeFigureOut">
               <a:rPr lang="en-US" smtClean="0"/>
-              <a:t>11/27/2019</a:t>
+              <a:t>12/4/2019</a:t>
             </a:fld>
             <a:endParaRPr lang="en-US"/>
           </a:p>
@@ -2946,7 +2947,7 @@
           <a:p>
             <a:fld id="{C2F77027-3C40-4359-A277-7487BD58E41D}" type="datetimeFigureOut">
               <a:rPr lang="en-US" smtClean="0"/>
-              <a:t>11/27/2019</a:t>
+              <a:t>12/4/2019</a:t>
             </a:fld>
             <a:endParaRPr lang="en-US"/>
           </a:p>
@@ -15095,8 +15096,8 @@
           </a:p>
         </p:txBody>
       </p:sp>
-      <mc:AlternateContent xmlns:mc="http://schemas.openxmlformats.org/markup-compatibility/2006">
-        <mc:Choice xmlns:a14="http://schemas.microsoft.com/office/drawing/2010/main" Requires="a14">
+      <mc:AlternateContent xmlns:mc="http://schemas.openxmlformats.org/markup-compatibility/2006" xmlns:a14="http://schemas.microsoft.com/office/drawing/2010/main">
+        <mc:Choice Requires="a14">
           <p:sp>
             <p:nvSpPr>
               <p:cNvPr id="8" name="Oval 7">
@@ -15184,7 +15185,7 @@
             </p:txBody>
           </p:sp>
         </mc:Choice>
-        <mc:Fallback>
+        <mc:Fallback xmlns="">
           <p:sp>
             <p:nvSpPr>
               <p:cNvPr id="8" name="Oval 7">
@@ -15229,8 +15230,8 @@
           </p:sp>
         </mc:Fallback>
       </mc:AlternateContent>
-      <mc:AlternateContent xmlns:mc="http://schemas.openxmlformats.org/markup-compatibility/2006">
-        <mc:Choice xmlns:a14="http://schemas.microsoft.com/office/drawing/2010/main" Requires="a14">
+      <mc:AlternateContent xmlns:mc="http://schemas.openxmlformats.org/markup-compatibility/2006" xmlns:a14="http://schemas.microsoft.com/office/drawing/2010/main">
+        <mc:Choice Requires="a14">
           <p:sp>
             <p:nvSpPr>
               <p:cNvPr id="10" name="Oval 9">
@@ -15318,7 +15319,7 @@
             </p:txBody>
           </p:sp>
         </mc:Choice>
-        <mc:Fallback>
+        <mc:Fallback xmlns="">
           <p:sp>
             <p:nvSpPr>
               <p:cNvPr id="10" name="Oval 9">
@@ -15363,8 +15364,8 @@
           </p:sp>
         </mc:Fallback>
       </mc:AlternateContent>
-      <mc:AlternateContent xmlns:mc="http://schemas.openxmlformats.org/markup-compatibility/2006">
-        <mc:Choice xmlns:a14="http://schemas.microsoft.com/office/drawing/2010/main" Requires="a14">
+      <mc:AlternateContent xmlns:mc="http://schemas.openxmlformats.org/markup-compatibility/2006" xmlns:a14="http://schemas.microsoft.com/office/drawing/2010/main">
+        <mc:Choice Requires="a14">
           <p:sp>
             <p:nvSpPr>
               <p:cNvPr id="11" name="Oval 10">
@@ -15452,7 +15453,7 @@
             </p:txBody>
           </p:sp>
         </mc:Choice>
-        <mc:Fallback>
+        <mc:Fallback xmlns="">
           <p:sp>
             <p:nvSpPr>
               <p:cNvPr id="11" name="Oval 10">
@@ -15585,8 +15586,8 @@
           </a:p>
         </p:txBody>
       </p:sp>
-      <mc:AlternateContent xmlns:mc="http://schemas.openxmlformats.org/markup-compatibility/2006">
-        <mc:Choice xmlns:a14="http://schemas.microsoft.com/office/drawing/2010/main" Requires="a14">
+      <mc:AlternateContent xmlns:mc="http://schemas.openxmlformats.org/markup-compatibility/2006" xmlns:a14="http://schemas.microsoft.com/office/drawing/2010/main">
+        <mc:Choice Requires="a14">
           <p:sp>
             <p:nvSpPr>
               <p:cNvPr id="14" name="Oval 13">
@@ -15674,7 +15675,7 @@
             </p:txBody>
           </p:sp>
         </mc:Choice>
-        <mc:Fallback>
+        <mc:Fallback xmlns="">
           <p:sp>
             <p:nvSpPr>
               <p:cNvPr id="14" name="Oval 13">
@@ -15719,8 +15720,8 @@
           </p:sp>
         </mc:Fallback>
       </mc:AlternateContent>
-      <mc:AlternateContent xmlns:mc="http://schemas.openxmlformats.org/markup-compatibility/2006">
-        <mc:Choice xmlns:a14="http://schemas.microsoft.com/office/drawing/2010/main" Requires="a14">
+      <mc:AlternateContent xmlns:mc="http://schemas.openxmlformats.org/markup-compatibility/2006" xmlns:a14="http://schemas.microsoft.com/office/drawing/2010/main">
+        <mc:Choice Requires="a14">
           <p:sp>
             <p:nvSpPr>
               <p:cNvPr id="15" name="Oval 14">
@@ -15808,7 +15809,7 @@
             </p:txBody>
           </p:sp>
         </mc:Choice>
-        <mc:Fallback>
+        <mc:Fallback xmlns="">
           <p:sp>
             <p:nvSpPr>
               <p:cNvPr id="15" name="Oval 14">
@@ -15941,8 +15942,8 @@
           </a:p>
         </p:txBody>
       </p:sp>
-      <mc:AlternateContent xmlns:mc="http://schemas.openxmlformats.org/markup-compatibility/2006">
-        <mc:Choice xmlns:a14="http://schemas.microsoft.com/office/drawing/2010/main" Requires="a14">
+      <mc:AlternateContent xmlns:mc="http://schemas.openxmlformats.org/markup-compatibility/2006" xmlns:a14="http://schemas.microsoft.com/office/drawing/2010/main">
+        <mc:Choice Requires="a14">
           <p:sp>
             <p:nvSpPr>
               <p:cNvPr id="18" name="Oval 17">
@@ -16030,7 +16031,7 @@
             </p:txBody>
           </p:sp>
         </mc:Choice>
-        <mc:Fallback>
+        <mc:Fallback xmlns="">
           <p:sp>
             <p:nvSpPr>
               <p:cNvPr id="18" name="Oval 17">
@@ -16075,8 +16076,8 @@
           </p:sp>
         </mc:Fallback>
       </mc:AlternateContent>
-      <mc:AlternateContent xmlns:mc="http://schemas.openxmlformats.org/markup-compatibility/2006">
-        <mc:Choice xmlns:a14="http://schemas.microsoft.com/office/drawing/2010/main" Requires="a14">
+      <mc:AlternateContent xmlns:mc="http://schemas.openxmlformats.org/markup-compatibility/2006" xmlns:a14="http://schemas.microsoft.com/office/drawing/2010/main">
+        <mc:Choice Requires="a14">
           <p:sp>
             <p:nvSpPr>
               <p:cNvPr id="19" name="Oval 18">
@@ -16164,7 +16165,7 @@
             </p:txBody>
           </p:sp>
         </mc:Choice>
-        <mc:Fallback>
+        <mc:Fallback xmlns="">
           <p:sp>
             <p:nvSpPr>
               <p:cNvPr id="19" name="Oval 18">
@@ -16297,8 +16298,8 @@
           </a:p>
         </p:txBody>
       </p:sp>
-      <mc:AlternateContent xmlns:mc="http://schemas.openxmlformats.org/markup-compatibility/2006">
-        <mc:Choice xmlns:a14="http://schemas.microsoft.com/office/drawing/2010/main" Requires="a14">
+      <mc:AlternateContent xmlns:mc="http://schemas.openxmlformats.org/markup-compatibility/2006" xmlns:a14="http://schemas.microsoft.com/office/drawing/2010/main">
+        <mc:Choice Requires="a14">
           <p:sp>
             <p:nvSpPr>
               <p:cNvPr id="22" name="TextBox 21">
@@ -16355,13 +16356,7 @@
                             <a:rPr lang="en-US" b="0" i="1" smtClean="0">
                               <a:latin typeface="Cambria Math" panose="02040503050406030204" pitchFamily="18" charset="0"/>
                             </a:rPr>
-                            <m:t>0,</m:t>
-                          </m:r>
-                          <m:r>
-                            <a:rPr lang="en-US" b="0" i="1" smtClean="0">
-                              <a:latin typeface="Cambria Math" panose="02040503050406030204" pitchFamily="18" charset="0"/>
-                            </a:rPr>
-                            <m:t>0</m:t>
+                            <m:t>0,0</m:t>
                           </m:r>
                         </m:sub>
                         <m:sup>
@@ -16381,7 +16376,7 @@
             </p:txBody>
           </p:sp>
         </mc:Choice>
-        <mc:Fallback>
+        <mc:Fallback xmlns="">
           <p:sp>
             <p:nvSpPr>
               <p:cNvPr id="22" name="TextBox 21">
@@ -16426,8 +16421,8 @@
           </p:sp>
         </mc:Fallback>
       </mc:AlternateContent>
-      <mc:AlternateContent xmlns:mc="http://schemas.openxmlformats.org/markup-compatibility/2006">
-        <mc:Choice xmlns:a14="http://schemas.microsoft.com/office/drawing/2010/main" Requires="a14">
+      <mc:AlternateContent xmlns:mc="http://schemas.openxmlformats.org/markup-compatibility/2006" xmlns:a14="http://schemas.microsoft.com/office/drawing/2010/main">
+        <mc:Choice Requires="a14">
           <p:sp>
             <p:nvSpPr>
               <p:cNvPr id="23" name="TextBox 22">
@@ -16484,13 +16479,7 @@
                             <a:rPr lang="en-US" b="0" i="1" smtClean="0">
                               <a:latin typeface="Cambria Math" panose="02040503050406030204" pitchFamily="18" charset="0"/>
                             </a:rPr>
-                            <m:t>0,</m:t>
-                          </m:r>
-                          <m:r>
-                            <a:rPr lang="en-US" b="0" i="1" smtClean="0">
-                              <a:latin typeface="Cambria Math" panose="02040503050406030204" pitchFamily="18" charset="0"/>
-                            </a:rPr>
-                            <m:t>1</m:t>
+                            <m:t>0,1</m:t>
                           </m:r>
                         </m:sub>
                         <m:sup>
@@ -16510,7 +16499,7 @@
             </p:txBody>
           </p:sp>
         </mc:Choice>
-        <mc:Fallback>
+        <mc:Fallback xmlns="">
           <p:sp>
             <p:nvSpPr>
               <p:cNvPr id="23" name="TextBox 22">
@@ -16555,8 +16544,8 @@
           </p:sp>
         </mc:Fallback>
       </mc:AlternateContent>
-      <mc:AlternateContent xmlns:mc="http://schemas.openxmlformats.org/markup-compatibility/2006">
-        <mc:Choice xmlns:a14="http://schemas.microsoft.com/office/drawing/2010/main" Requires="a14">
+      <mc:AlternateContent xmlns:mc="http://schemas.openxmlformats.org/markup-compatibility/2006" xmlns:a14="http://schemas.microsoft.com/office/drawing/2010/main">
+        <mc:Choice Requires="a14">
           <p:sp>
             <p:nvSpPr>
               <p:cNvPr id="24" name="TextBox 23">
@@ -16613,13 +16602,7 @@
                             <a:rPr lang="en-US" b="0" i="1" smtClean="0">
                               <a:latin typeface="Cambria Math" panose="02040503050406030204" pitchFamily="18" charset="0"/>
                             </a:rPr>
-                            <m:t>1,</m:t>
-                          </m:r>
-                          <m:r>
-                            <a:rPr lang="en-US" b="0" i="1" smtClean="0">
-                              <a:latin typeface="Cambria Math" panose="02040503050406030204" pitchFamily="18" charset="0"/>
-                            </a:rPr>
-                            <m:t>0</m:t>
+                            <m:t>1,0</m:t>
                           </m:r>
                         </m:sub>
                         <m:sup>
@@ -16639,7 +16622,7 @@
             </p:txBody>
           </p:sp>
         </mc:Choice>
-        <mc:Fallback>
+        <mc:Fallback xmlns="">
           <p:sp>
             <p:nvSpPr>
               <p:cNvPr id="24" name="TextBox 23">
@@ -16684,8 +16667,8 @@
           </p:sp>
         </mc:Fallback>
       </mc:AlternateContent>
-      <mc:AlternateContent xmlns:mc="http://schemas.openxmlformats.org/markup-compatibility/2006">
-        <mc:Choice xmlns:a14="http://schemas.microsoft.com/office/drawing/2010/main" Requires="a14">
+      <mc:AlternateContent xmlns:mc="http://schemas.openxmlformats.org/markup-compatibility/2006" xmlns:a14="http://schemas.microsoft.com/office/drawing/2010/main">
+        <mc:Choice Requires="a14">
           <p:sp>
             <p:nvSpPr>
               <p:cNvPr id="25" name="TextBox 24">
@@ -16742,13 +16725,7 @@
                             <a:rPr lang="en-US" b="0" i="1" smtClean="0">
                               <a:latin typeface="Cambria Math" panose="02040503050406030204" pitchFamily="18" charset="0"/>
                             </a:rPr>
-                            <m:t>1,</m:t>
-                          </m:r>
-                          <m:r>
-                            <a:rPr lang="en-US" b="0" i="1" smtClean="0">
-                              <a:latin typeface="Cambria Math" panose="02040503050406030204" pitchFamily="18" charset="0"/>
-                            </a:rPr>
-                            <m:t>1</m:t>
+                            <m:t>1,1</m:t>
                           </m:r>
                         </m:sub>
                         <m:sup>
@@ -16768,7 +16745,7 @@
             </p:txBody>
           </p:sp>
         </mc:Choice>
-        <mc:Fallback>
+        <mc:Fallback xmlns="">
           <p:sp>
             <p:nvSpPr>
               <p:cNvPr id="25" name="TextBox 24">
@@ -16813,8 +16790,8 @@
           </p:sp>
         </mc:Fallback>
       </mc:AlternateContent>
-      <mc:AlternateContent xmlns:mc="http://schemas.openxmlformats.org/markup-compatibility/2006">
-        <mc:Choice xmlns:a14="http://schemas.microsoft.com/office/drawing/2010/main" Requires="a14">
+      <mc:AlternateContent xmlns:mc="http://schemas.openxmlformats.org/markup-compatibility/2006" xmlns:a14="http://schemas.microsoft.com/office/drawing/2010/main">
+        <mc:Choice Requires="a14">
           <p:sp>
             <p:nvSpPr>
               <p:cNvPr id="26" name="TextBox 25">
@@ -16891,7 +16868,7 @@
             </p:txBody>
           </p:sp>
         </mc:Choice>
-        <mc:Fallback>
+        <mc:Fallback xmlns="">
           <p:sp>
             <p:nvSpPr>
               <p:cNvPr id="26" name="TextBox 25">
@@ -16936,8 +16913,8 @@
           </p:sp>
         </mc:Fallback>
       </mc:AlternateContent>
-      <mc:AlternateContent xmlns:mc="http://schemas.openxmlformats.org/markup-compatibility/2006">
-        <mc:Choice xmlns:a14="http://schemas.microsoft.com/office/drawing/2010/main" Requires="a14">
+      <mc:AlternateContent xmlns:mc="http://schemas.openxmlformats.org/markup-compatibility/2006" xmlns:a14="http://schemas.microsoft.com/office/drawing/2010/main">
+        <mc:Choice Requires="a14">
           <p:sp>
             <p:nvSpPr>
               <p:cNvPr id="27" name="TextBox 26">
@@ -17014,7 +16991,7 @@
             </p:txBody>
           </p:sp>
         </mc:Choice>
-        <mc:Fallback>
+        <mc:Fallback xmlns="">
           <p:sp>
             <p:nvSpPr>
               <p:cNvPr id="27" name="TextBox 26">
@@ -17059,8 +17036,8 @@
           </p:sp>
         </mc:Fallback>
       </mc:AlternateContent>
-      <mc:AlternateContent xmlns:mc="http://schemas.openxmlformats.org/markup-compatibility/2006">
-        <mc:Choice xmlns:a14="http://schemas.microsoft.com/office/drawing/2010/main" Requires="a14">
+      <mc:AlternateContent xmlns:mc="http://schemas.openxmlformats.org/markup-compatibility/2006" xmlns:a14="http://schemas.microsoft.com/office/drawing/2010/main">
+        <mc:Choice Requires="a14">
           <p:sp>
             <p:nvSpPr>
               <p:cNvPr id="28" name="TextBox 27">
@@ -17137,7 +17114,7 @@
             </p:txBody>
           </p:sp>
         </mc:Choice>
-        <mc:Fallback>
+        <mc:Fallback xmlns="">
           <p:sp>
             <p:nvSpPr>
               <p:cNvPr id="28" name="TextBox 27">
@@ -17182,8 +17159,8 @@
           </p:sp>
         </mc:Fallback>
       </mc:AlternateContent>
-      <mc:AlternateContent xmlns:mc="http://schemas.openxmlformats.org/markup-compatibility/2006">
-        <mc:Choice xmlns:a14="http://schemas.microsoft.com/office/drawing/2010/main" Requires="a14">
+      <mc:AlternateContent xmlns:mc="http://schemas.openxmlformats.org/markup-compatibility/2006" xmlns:a14="http://schemas.microsoft.com/office/drawing/2010/main">
+        <mc:Choice Requires="a14">
           <p:sp>
             <p:nvSpPr>
               <p:cNvPr id="29" name="TextBox 28">
@@ -17260,7 +17237,7 @@
             </p:txBody>
           </p:sp>
         </mc:Choice>
-        <mc:Fallback>
+        <mc:Fallback xmlns="">
           <p:sp>
             <p:nvSpPr>
               <p:cNvPr id="29" name="TextBox 28">
@@ -17305,8 +17282,8 @@
           </p:sp>
         </mc:Fallback>
       </mc:AlternateContent>
-      <mc:AlternateContent xmlns:mc="http://schemas.openxmlformats.org/markup-compatibility/2006">
-        <mc:Choice xmlns:a14="http://schemas.microsoft.com/office/drawing/2010/main" Requires="a14">
+      <mc:AlternateContent xmlns:mc="http://schemas.openxmlformats.org/markup-compatibility/2006" xmlns:a14="http://schemas.microsoft.com/office/drawing/2010/main">
+        <mc:Choice Requires="a14">
           <p:sp>
             <p:nvSpPr>
               <p:cNvPr id="30" name="TextBox 29">
@@ -17383,7 +17360,7 @@
             </p:txBody>
           </p:sp>
         </mc:Choice>
-        <mc:Fallback>
+        <mc:Fallback xmlns="">
           <p:sp>
             <p:nvSpPr>
               <p:cNvPr id="30" name="TextBox 29">
@@ -17428,8 +17405,8 @@
           </p:sp>
         </mc:Fallback>
       </mc:AlternateContent>
-      <mc:AlternateContent xmlns:mc="http://schemas.openxmlformats.org/markup-compatibility/2006">
-        <mc:Choice xmlns:a14="http://schemas.microsoft.com/office/drawing/2010/main" Requires="a14">
+      <mc:AlternateContent xmlns:mc="http://schemas.openxmlformats.org/markup-compatibility/2006" xmlns:a14="http://schemas.microsoft.com/office/drawing/2010/main">
+        <mc:Choice Requires="a14">
           <p:sp>
             <p:nvSpPr>
               <p:cNvPr id="31" name="TextBox 30">
@@ -17506,7 +17483,7 @@
             </p:txBody>
           </p:sp>
         </mc:Choice>
-        <mc:Fallback>
+        <mc:Fallback xmlns="">
           <p:sp>
             <p:nvSpPr>
               <p:cNvPr id="31" name="TextBox 30">
@@ -17551,8 +17528,8 @@
           </p:sp>
         </mc:Fallback>
       </mc:AlternateContent>
-      <mc:AlternateContent xmlns:mc="http://schemas.openxmlformats.org/markup-compatibility/2006">
-        <mc:Choice xmlns:a14="http://schemas.microsoft.com/office/drawing/2010/main" Requires="a14">
+      <mc:AlternateContent xmlns:mc="http://schemas.openxmlformats.org/markup-compatibility/2006" xmlns:a14="http://schemas.microsoft.com/office/drawing/2010/main">
+        <mc:Choice Requires="a14">
           <p:sp>
             <p:nvSpPr>
               <p:cNvPr id="32" name="TextBox 31">
@@ -17629,7 +17606,7 @@
             </p:txBody>
           </p:sp>
         </mc:Choice>
-        <mc:Fallback>
+        <mc:Fallback xmlns="">
           <p:sp>
             <p:nvSpPr>
               <p:cNvPr id="32" name="TextBox 31">
@@ -17674,8 +17651,8 @@
           </p:sp>
         </mc:Fallback>
       </mc:AlternateContent>
-      <mc:AlternateContent xmlns:mc="http://schemas.openxmlformats.org/markup-compatibility/2006">
-        <mc:Choice xmlns:a14="http://schemas.microsoft.com/office/drawing/2010/main" Requires="a14">
+      <mc:AlternateContent xmlns:mc="http://schemas.openxmlformats.org/markup-compatibility/2006" xmlns:a14="http://schemas.microsoft.com/office/drawing/2010/main">
+        <mc:Choice Requires="a14">
           <p:sp>
             <p:nvSpPr>
               <p:cNvPr id="33" name="TextBox 32">
@@ -17752,7 +17729,7 @@
             </p:txBody>
           </p:sp>
         </mc:Choice>
-        <mc:Fallback>
+        <mc:Fallback xmlns="">
           <p:sp>
             <p:nvSpPr>
               <p:cNvPr id="33" name="TextBox 32">
@@ -17797,8 +17774,8 @@
           </p:sp>
         </mc:Fallback>
       </mc:AlternateContent>
-      <mc:AlternateContent xmlns:mc="http://schemas.openxmlformats.org/markup-compatibility/2006">
-        <mc:Choice xmlns:a14="http://schemas.microsoft.com/office/drawing/2010/main" Requires="a14">
+      <mc:AlternateContent xmlns:mc="http://schemas.openxmlformats.org/markup-compatibility/2006" xmlns:a14="http://schemas.microsoft.com/office/drawing/2010/main">
+        <mc:Choice Requires="a14">
           <p:sp>
             <p:nvSpPr>
               <p:cNvPr id="34" name="Oval 33">
@@ -17898,7 +17875,7 @@
             </p:txBody>
           </p:sp>
         </mc:Choice>
-        <mc:Fallback>
+        <mc:Fallback xmlns="">
           <p:sp>
             <p:nvSpPr>
               <p:cNvPr id="34" name="Oval 33">
@@ -17987,8 +17964,8 @@
           </a:p>
         </p:txBody>
       </p:sp>
-      <mc:AlternateContent xmlns:mc="http://schemas.openxmlformats.org/markup-compatibility/2006">
-        <mc:Choice xmlns:a14="http://schemas.microsoft.com/office/drawing/2010/main" Requires="a14">
+      <mc:AlternateContent xmlns:mc="http://schemas.openxmlformats.org/markup-compatibility/2006" xmlns:a14="http://schemas.microsoft.com/office/drawing/2010/main">
+        <mc:Choice Requires="a14">
           <p:sp>
             <p:nvSpPr>
               <p:cNvPr id="36" name="Oval 35">
@@ -18088,7 +18065,7 @@
             </p:txBody>
           </p:sp>
         </mc:Choice>
-        <mc:Fallback>
+        <mc:Fallback xmlns="">
           <p:sp>
             <p:nvSpPr>
               <p:cNvPr id="36" name="Oval 35">
@@ -18133,8 +18110,8 @@
           </p:sp>
         </mc:Fallback>
       </mc:AlternateContent>
-      <mc:AlternateContent xmlns:mc="http://schemas.openxmlformats.org/markup-compatibility/2006">
-        <mc:Choice xmlns:a14="http://schemas.microsoft.com/office/drawing/2010/main" Requires="a14">
+      <mc:AlternateContent xmlns:mc="http://schemas.openxmlformats.org/markup-compatibility/2006" xmlns:a14="http://schemas.microsoft.com/office/drawing/2010/main">
+        <mc:Choice Requires="a14">
           <p:sp>
             <p:nvSpPr>
               <p:cNvPr id="37" name="TextBox 36">
@@ -18263,7 +18240,7 @@
             </p:txBody>
           </p:sp>
         </mc:Choice>
-        <mc:Fallback>
+        <mc:Fallback xmlns="">
           <p:sp>
             <p:nvSpPr>
               <p:cNvPr id="37" name="TextBox 36">
@@ -18308,8 +18285,8 @@
           </p:sp>
         </mc:Fallback>
       </mc:AlternateContent>
-      <mc:AlternateContent xmlns:mc="http://schemas.openxmlformats.org/markup-compatibility/2006">
-        <mc:Choice xmlns:a14="http://schemas.microsoft.com/office/drawing/2010/main" Requires="a14">
+      <mc:AlternateContent xmlns:mc="http://schemas.openxmlformats.org/markup-compatibility/2006" xmlns:a14="http://schemas.microsoft.com/office/drawing/2010/main">
+        <mc:Choice Requires="a14">
           <p:sp>
             <p:nvSpPr>
               <p:cNvPr id="38" name="Oval 37">
@@ -18397,7 +18374,7 @@
             </p:txBody>
           </p:sp>
         </mc:Choice>
-        <mc:Fallback>
+        <mc:Fallback xmlns="">
           <p:sp>
             <p:nvSpPr>
               <p:cNvPr id="38" name="Oval 37">
@@ -18524,8 +18501,8 @@
           </a:p>
         </p:txBody>
       </p:sp>
-      <mc:AlternateContent xmlns:mc="http://schemas.openxmlformats.org/markup-compatibility/2006">
-        <mc:Choice xmlns:a14="http://schemas.microsoft.com/office/drawing/2010/main" Requires="a14">
+      <mc:AlternateContent xmlns:mc="http://schemas.openxmlformats.org/markup-compatibility/2006" xmlns:a14="http://schemas.microsoft.com/office/drawing/2010/main">
+        <mc:Choice Requires="a14">
           <p:sp>
             <p:nvSpPr>
               <p:cNvPr id="62" name="TextBox 61">
@@ -18594,7 +18571,7 @@
             </p:txBody>
           </p:sp>
         </mc:Choice>
-        <mc:Fallback>
+        <mc:Fallback xmlns="">
           <p:sp>
             <p:nvSpPr>
               <p:cNvPr id="62" name="TextBox 61">
@@ -18683,8 +18660,8 @@
           </a:p>
         </p:txBody>
       </p:sp>
-      <mc:AlternateContent xmlns:mc="http://schemas.openxmlformats.org/markup-compatibility/2006">
-        <mc:Choice xmlns:a14="http://schemas.microsoft.com/office/drawing/2010/main" Requires="a14">
+      <mc:AlternateContent xmlns:mc="http://schemas.openxmlformats.org/markup-compatibility/2006" xmlns:a14="http://schemas.microsoft.com/office/drawing/2010/main">
+        <mc:Choice Requires="a14">
           <p:sp>
             <p:nvSpPr>
               <p:cNvPr id="64" name="TextBox 63">
@@ -18753,7 +18730,7 @@
             </p:txBody>
           </p:sp>
         </mc:Choice>
-        <mc:Fallback>
+        <mc:Fallback xmlns="">
           <p:sp>
             <p:nvSpPr>
               <p:cNvPr id="64" name="TextBox 63">
@@ -19110,8 +19087,8 @@
           </a:p>
         </p:txBody>
       </p:sp>
-      <mc:AlternateContent xmlns:mc="http://schemas.openxmlformats.org/markup-compatibility/2006">
-        <mc:Choice xmlns:a14="http://schemas.microsoft.com/office/drawing/2010/main" Requires="a14">
+      <mc:AlternateContent xmlns:mc="http://schemas.openxmlformats.org/markup-compatibility/2006" xmlns:a14="http://schemas.microsoft.com/office/drawing/2010/main">
+        <mc:Choice Requires="a14">
           <p:sp>
             <p:nvSpPr>
               <p:cNvPr id="99" name="Oval 98">
@@ -19200,7 +19177,7 @@
             </p:txBody>
           </p:sp>
         </mc:Choice>
-        <mc:Fallback>
+        <mc:Fallback xmlns="">
           <p:sp>
             <p:nvSpPr>
               <p:cNvPr id="99" name="Oval 98">
@@ -19246,8 +19223,8 @@
           </p:sp>
         </mc:Fallback>
       </mc:AlternateContent>
-      <mc:AlternateContent xmlns:mc="http://schemas.openxmlformats.org/markup-compatibility/2006">
-        <mc:Choice xmlns:a14="http://schemas.microsoft.com/office/drawing/2010/main" Requires="a14">
+      <mc:AlternateContent xmlns:mc="http://schemas.openxmlformats.org/markup-compatibility/2006" xmlns:a14="http://schemas.microsoft.com/office/drawing/2010/main">
+        <mc:Choice Requires="a14">
           <p:sp>
             <p:nvSpPr>
               <p:cNvPr id="100" name="Oval 99">
@@ -19336,7 +19313,7 @@
             </p:txBody>
           </p:sp>
         </mc:Choice>
-        <mc:Fallback>
+        <mc:Fallback xmlns="">
           <p:sp>
             <p:nvSpPr>
               <p:cNvPr id="100" name="Oval 99">
@@ -19382,8 +19359,8 @@
           </p:sp>
         </mc:Fallback>
       </mc:AlternateContent>
-      <mc:AlternateContent xmlns:mc="http://schemas.openxmlformats.org/markup-compatibility/2006">
-        <mc:Choice xmlns:a14="http://schemas.microsoft.com/office/drawing/2010/main" Requires="a14">
+      <mc:AlternateContent xmlns:mc="http://schemas.openxmlformats.org/markup-compatibility/2006" xmlns:a14="http://schemas.microsoft.com/office/drawing/2010/main">
+        <mc:Choice Requires="a14">
           <p:sp>
             <p:nvSpPr>
               <p:cNvPr id="101" name="Oval 100">
@@ -19472,7 +19449,7 @@
             </p:txBody>
           </p:sp>
         </mc:Choice>
-        <mc:Fallback>
+        <mc:Fallback xmlns="">
           <p:sp>
             <p:nvSpPr>
               <p:cNvPr id="101" name="Oval 100">
@@ -19614,8 +19591,8 @@
           </a:p>
         </p:txBody>
       </p:sp>
-      <mc:AlternateContent xmlns:mc="http://schemas.openxmlformats.org/markup-compatibility/2006">
-        <mc:Choice xmlns:a14="http://schemas.microsoft.com/office/drawing/2010/main" Requires="a14">
+      <mc:AlternateContent xmlns:mc="http://schemas.openxmlformats.org/markup-compatibility/2006" xmlns:a14="http://schemas.microsoft.com/office/drawing/2010/main">
+        <mc:Choice Requires="a14">
           <p:sp>
             <p:nvSpPr>
               <p:cNvPr id="57" name="TextBox 56">
@@ -19692,7 +19669,7 @@
             </p:txBody>
           </p:sp>
         </mc:Choice>
-        <mc:Fallback>
+        <mc:Fallback xmlns="">
           <p:sp>
             <p:nvSpPr>
               <p:cNvPr id="57" name="TextBox 56">
@@ -19737,8 +19714,8 @@
           </p:sp>
         </mc:Fallback>
       </mc:AlternateContent>
-      <mc:AlternateContent xmlns:mc="http://schemas.openxmlformats.org/markup-compatibility/2006">
-        <mc:Choice xmlns:a14="http://schemas.microsoft.com/office/drawing/2010/main" Requires="a14">
+      <mc:AlternateContent xmlns:mc="http://schemas.openxmlformats.org/markup-compatibility/2006" xmlns:a14="http://schemas.microsoft.com/office/drawing/2010/main">
+        <mc:Choice Requires="a14">
           <p:sp>
             <p:nvSpPr>
               <p:cNvPr id="58" name="TextBox 57">
@@ -19815,7 +19792,7 @@
             </p:txBody>
           </p:sp>
         </mc:Choice>
-        <mc:Fallback>
+        <mc:Fallback xmlns="">
           <p:sp>
             <p:nvSpPr>
               <p:cNvPr id="58" name="TextBox 57">
@@ -19860,8 +19837,8 @@
           </p:sp>
         </mc:Fallback>
       </mc:AlternateContent>
-      <mc:AlternateContent xmlns:mc="http://schemas.openxmlformats.org/markup-compatibility/2006">
-        <mc:Choice xmlns:a14="http://schemas.microsoft.com/office/drawing/2010/main" Requires="a14">
+      <mc:AlternateContent xmlns:mc="http://schemas.openxmlformats.org/markup-compatibility/2006" xmlns:a14="http://schemas.microsoft.com/office/drawing/2010/main">
+        <mc:Choice Requires="a14">
           <p:sp>
             <p:nvSpPr>
               <p:cNvPr id="59" name="TextBox 58">
@@ -19926,19 +19903,7 @@
                             <a:rPr lang="en-US" b="0" i="1" smtClean="0">
                               <a:latin typeface="Cambria Math" panose="02040503050406030204" pitchFamily="18" charset="0"/>
                             </a:rPr>
-                            <m:t>(</m:t>
-                          </m:r>
-                          <m:r>
-                            <a:rPr lang="en-US" b="0" i="1" smtClean="0">
-                              <a:latin typeface="Cambria Math" panose="02040503050406030204" pitchFamily="18" charset="0"/>
-                            </a:rPr>
-                            <m:t>2</m:t>
-                          </m:r>
-                          <m:r>
-                            <a:rPr lang="en-US" b="0" i="1" smtClean="0">
-                              <a:latin typeface="Cambria Math" panose="02040503050406030204" pitchFamily="18" charset="0"/>
-                            </a:rPr>
-                            <m:t>)</m:t>
+                            <m:t>(2)</m:t>
                           </m:r>
                         </m:sup>
                       </m:sSubSup>
@@ -19950,7 +19915,7 @@
             </p:txBody>
           </p:sp>
         </mc:Choice>
-        <mc:Fallback>
+        <mc:Fallback xmlns="">
           <p:sp>
             <p:nvSpPr>
               <p:cNvPr id="59" name="TextBox 58">
@@ -19995,8 +19960,8 @@
           </p:sp>
         </mc:Fallback>
       </mc:AlternateContent>
-      <mc:AlternateContent xmlns:mc="http://schemas.openxmlformats.org/markup-compatibility/2006">
-        <mc:Choice xmlns:a14="http://schemas.microsoft.com/office/drawing/2010/main" Requires="a14">
+      <mc:AlternateContent xmlns:mc="http://schemas.openxmlformats.org/markup-compatibility/2006" xmlns:a14="http://schemas.microsoft.com/office/drawing/2010/main">
+        <mc:Choice Requires="a14">
           <p:sp>
             <p:nvSpPr>
               <p:cNvPr id="60" name="TextBox 59">
@@ -20061,19 +20026,7 @@
                             <a:rPr lang="en-US" b="0" i="1" smtClean="0">
                               <a:latin typeface="Cambria Math" panose="02040503050406030204" pitchFamily="18" charset="0"/>
                             </a:rPr>
-                            <m:t>(</m:t>
-                          </m:r>
-                          <m:r>
-                            <a:rPr lang="en-US" b="0" i="1" smtClean="0">
-                              <a:latin typeface="Cambria Math" panose="02040503050406030204" pitchFamily="18" charset="0"/>
-                            </a:rPr>
-                            <m:t>2</m:t>
-                          </m:r>
-                          <m:r>
-                            <a:rPr lang="en-US" b="0" i="1" smtClean="0">
-                              <a:latin typeface="Cambria Math" panose="02040503050406030204" pitchFamily="18" charset="0"/>
-                            </a:rPr>
-                            <m:t>)</m:t>
+                            <m:t>(2)</m:t>
                           </m:r>
                         </m:sup>
                       </m:sSubSup>
@@ -20085,7 +20038,7 @@
             </p:txBody>
           </p:sp>
         </mc:Choice>
-        <mc:Fallback>
+        <mc:Fallback xmlns="">
           <p:sp>
             <p:nvSpPr>
               <p:cNvPr id="60" name="TextBox 59">
@@ -20130,8 +20083,8 @@
           </p:sp>
         </mc:Fallback>
       </mc:AlternateContent>
-      <mc:AlternateContent xmlns:mc="http://schemas.openxmlformats.org/markup-compatibility/2006">
-        <mc:Choice xmlns:a14="http://schemas.microsoft.com/office/drawing/2010/main" Requires="a14">
+      <mc:AlternateContent xmlns:mc="http://schemas.openxmlformats.org/markup-compatibility/2006" xmlns:a14="http://schemas.microsoft.com/office/drawing/2010/main">
+        <mc:Choice Requires="a14">
           <p:sp>
             <p:nvSpPr>
               <p:cNvPr id="65" name="TextBox 64">
@@ -20196,19 +20149,7 @@
                             <a:rPr lang="en-US" b="0" i="1" smtClean="0">
                               <a:latin typeface="Cambria Math" panose="02040503050406030204" pitchFamily="18" charset="0"/>
                             </a:rPr>
-                            <m:t>(</m:t>
-                          </m:r>
-                          <m:r>
-                            <a:rPr lang="en-US" b="0" i="1" smtClean="0">
-                              <a:latin typeface="Cambria Math" panose="02040503050406030204" pitchFamily="18" charset="0"/>
-                            </a:rPr>
-                            <m:t>3</m:t>
-                          </m:r>
-                          <m:r>
-                            <a:rPr lang="en-US" b="0" i="1" smtClean="0">
-                              <a:latin typeface="Cambria Math" panose="02040503050406030204" pitchFamily="18" charset="0"/>
-                            </a:rPr>
-                            <m:t>)</m:t>
+                            <m:t>(3)</m:t>
                           </m:r>
                         </m:sup>
                       </m:sSubSup>
@@ -20220,7 +20161,7 @@
             </p:txBody>
           </p:sp>
         </mc:Choice>
-        <mc:Fallback>
+        <mc:Fallback xmlns="">
           <p:sp>
             <p:nvSpPr>
               <p:cNvPr id="65" name="TextBox 64">
@@ -20265,8 +20206,8 @@
           </p:sp>
         </mc:Fallback>
       </mc:AlternateContent>
-      <mc:AlternateContent xmlns:mc="http://schemas.openxmlformats.org/markup-compatibility/2006">
-        <mc:Choice xmlns:a14="http://schemas.microsoft.com/office/drawing/2010/main" Requires="a14">
+      <mc:AlternateContent xmlns:mc="http://schemas.openxmlformats.org/markup-compatibility/2006" xmlns:a14="http://schemas.microsoft.com/office/drawing/2010/main">
+        <mc:Choice Requires="a14">
           <p:sp>
             <p:nvSpPr>
               <p:cNvPr id="66" name="TextBox 65">
@@ -20331,19 +20272,7 @@
                             <a:rPr lang="en-US" b="0" i="1" smtClean="0">
                               <a:latin typeface="Cambria Math" panose="02040503050406030204" pitchFamily="18" charset="0"/>
                             </a:rPr>
-                            <m:t>(</m:t>
-                          </m:r>
-                          <m:r>
-                            <a:rPr lang="en-US" b="0" i="1" smtClean="0">
-                              <a:latin typeface="Cambria Math" panose="02040503050406030204" pitchFamily="18" charset="0"/>
-                            </a:rPr>
-                            <m:t>3</m:t>
-                          </m:r>
-                          <m:r>
-                            <a:rPr lang="en-US" b="0" i="1" smtClean="0">
-                              <a:latin typeface="Cambria Math" panose="02040503050406030204" pitchFamily="18" charset="0"/>
-                            </a:rPr>
-                            <m:t>)</m:t>
+                            <m:t>(3)</m:t>
                           </m:r>
                         </m:sup>
                       </m:sSubSup>
@@ -20355,7 +20284,7 @@
             </p:txBody>
           </p:sp>
         </mc:Choice>
-        <mc:Fallback>
+        <mc:Fallback xmlns="">
           <p:sp>
             <p:nvSpPr>
               <p:cNvPr id="66" name="TextBox 65">
@@ -21563,8 +21492,8 @@
           </p:sp>
         </mc:Fallback>
       </mc:AlternateContent>
-      <mc:AlternateContent xmlns:mc="http://schemas.openxmlformats.org/markup-compatibility/2006" xmlns:a14="http://schemas.microsoft.com/office/drawing/2010/main">
-        <mc:Choice Requires="a14">
+      <mc:AlternateContent xmlns:mc="http://schemas.openxmlformats.org/markup-compatibility/2006">
+        <mc:Choice xmlns:a14="http://schemas.microsoft.com/office/drawing/2010/main" Requires="a14">
           <p:sp>
             <p:nvSpPr>
               <p:cNvPr id="15" name="Oval 14">
@@ -21632,7 +21561,7 @@
                             <a:rPr lang="en-US" b="0" i="1" smtClean="0">
                               <a:latin typeface="Cambria Math" panose="02040503050406030204" pitchFamily="18" charset="0"/>
                             </a:rPr>
-                            <m:t>2</m:t>
+                            <m:t>0</m:t>
                           </m:r>
                         </m:sub>
                         <m:sup>
@@ -21652,7 +21581,7 @@
             </p:txBody>
           </p:sp>
         </mc:Choice>
-        <mc:Fallback xmlns="">
+        <mc:Fallback>
           <p:sp>
             <p:nvSpPr>
               <p:cNvPr id="15" name="Oval 14">
@@ -21697,8 +21626,8 @@
           </p:sp>
         </mc:Fallback>
       </mc:AlternateContent>
-      <mc:AlternateContent xmlns:mc="http://schemas.openxmlformats.org/markup-compatibility/2006" xmlns:a14="http://schemas.microsoft.com/office/drawing/2010/main">
-        <mc:Choice Requires="a14">
+      <mc:AlternateContent xmlns:mc="http://schemas.openxmlformats.org/markup-compatibility/2006">
+        <mc:Choice xmlns:a14="http://schemas.microsoft.com/office/drawing/2010/main" Requires="a14">
           <p:sp>
             <p:nvSpPr>
               <p:cNvPr id="16" name="Oval 15">
@@ -21766,7 +21695,7 @@
                             <a:rPr lang="en-US" b="0" i="1" dirty="0" smtClean="0">
                               <a:latin typeface="Cambria Math" panose="02040503050406030204" pitchFamily="18" charset="0"/>
                             </a:rPr>
-                            <m:t>3</m:t>
+                            <m:t>1</m:t>
                           </m:r>
                         </m:sub>
                         <m:sup>
@@ -21786,7 +21715,7 @@
             </p:txBody>
           </p:sp>
         </mc:Choice>
-        <mc:Fallback xmlns="">
+        <mc:Fallback>
           <p:sp>
             <p:nvSpPr>
               <p:cNvPr id="16" name="Oval 15">
@@ -21919,8 +21848,8 @@
           </a:p>
         </p:txBody>
       </p:sp>
-      <mc:AlternateContent xmlns:mc="http://schemas.openxmlformats.org/markup-compatibility/2006" xmlns:a14="http://schemas.microsoft.com/office/drawing/2010/main">
-        <mc:Choice Requires="a14">
+      <mc:AlternateContent xmlns:mc="http://schemas.openxmlformats.org/markup-compatibility/2006">
+        <mc:Choice xmlns:a14="http://schemas.microsoft.com/office/drawing/2010/main" Requires="a14">
           <p:sp>
             <p:nvSpPr>
               <p:cNvPr id="19" name="Oval 18">
@@ -21988,7 +21917,7 @@
                             <a:rPr lang="en-US" b="0" i="1" dirty="0" smtClean="0">
                               <a:latin typeface="Cambria Math" panose="02040503050406030204" pitchFamily="18" charset="0"/>
                             </a:rPr>
-                            <m:t>4</m:t>
+                            <m:t>0</m:t>
                           </m:r>
                         </m:sub>
                         <m:sup>
@@ -22008,7 +21937,7 @@
             </p:txBody>
           </p:sp>
         </mc:Choice>
-        <mc:Fallback xmlns="">
+        <mc:Fallback>
           <p:sp>
             <p:nvSpPr>
               <p:cNvPr id="19" name="Oval 18">
@@ -22053,8 +21982,8 @@
           </p:sp>
         </mc:Fallback>
       </mc:AlternateContent>
-      <mc:AlternateContent xmlns:mc="http://schemas.openxmlformats.org/markup-compatibility/2006" xmlns:a14="http://schemas.microsoft.com/office/drawing/2010/main">
-        <mc:Choice Requires="a14">
+      <mc:AlternateContent xmlns:mc="http://schemas.openxmlformats.org/markup-compatibility/2006">
+        <mc:Choice xmlns:a14="http://schemas.microsoft.com/office/drawing/2010/main" Requires="a14">
           <p:sp>
             <p:nvSpPr>
               <p:cNvPr id="20" name="Oval 19">
@@ -22122,7 +22051,7 @@
                             <a:rPr lang="en-US" b="0" i="1" dirty="0" smtClean="0">
                               <a:latin typeface="Cambria Math" panose="02040503050406030204" pitchFamily="18" charset="0"/>
                             </a:rPr>
-                            <m:t>5</m:t>
+                            <m:t>1</m:t>
                           </m:r>
                         </m:sub>
                         <m:sup>
@@ -22142,7 +22071,7 @@
             </p:txBody>
           </p:sp>
         </mc:Choice>
-        <mc:Fallback xmlns="">
+        <mc:Fallback>
           <p:sp>
             <p:nvSpPr>
               <p:cNvPr id="20" name="Oval 19">
@@ -22275,8 +22204,8 @@
           </a:p>
         </p:txBody>
       </p:sp>
-      <mc:AlternateContent xmlns:mc="http://schemas.openxmlformats.org/markup-compatibility/2006" xmlns:a14="http://schemas.microsoft.com/office/drawing/2010/main">
-        <mc:Choice Requires="a14">
+      <mc:AlternateContent xmlns:mc="http://schemas.openxmlformats.org/markup-compatibility/2006">
+        <mc:Choice xmlns:a14="http://schemas.microsoft.com/office/drawing/2010/main" Requires="a14">
           <p:sp>
             <p:nvSpPr>
               <p:cNvPr id="23" name="Oval 22">
@@ -22344,7 +22273,7 @@
                             <a:rPr lang="en-US" b="0" i="1" dirty="0" smtClean="0">
                               <a:latin typeface="Cambria Math" panose="02040503050406030204" pitchFamily="18" charset="0"/>
                             </a:rPr>
-                            <m:t>6</m:t>
+                            <m:t>0</m:t>
                           </m:r>
                         </m:sub>
                         <m:sup>
@@ -22364,7 +22293,7 @@
             </p:txBody>
           </p:sp>
         </mc:Choice>
-        <mc:Fallback xmlns="">
+        <mc:Fallback>
           <p:sp>
             <p:nvSpPr>
               <p:cNvPr id="23" name="Oval 22">
@@ -22409,8 +22338,8 @@
           </p:sp>
         </mc:Fallback>
       </mc:AlternateContent>
-      <mc:AlternateContent xmlns:mc="http://schemas.openxmlformats.org/markup-compatibility/2006" xmlns:a14="http://schemas.microsoft.com/office/drawing/2010/main">
-        <mc:Choice Requires="a14">
+      <mc:AlternateContent xmlns:mc="http://schemas.openxmlformats.org/markup-compatibility/2006">
+        <mc:Choice xmlns:a14="http://schemas.microsoft.com/office/drawing/2010/main" Requires="a14">
           <p:sp>
             <p:nvSpPr>
               <p:cNvPr id="24" name="Oval 23">
@@ -22478,7 +22407,7 @@
                             <a:rPr lang="en-US" b="0" i="1" dirty="0" smtClean="0">
                               <a:latin typeface="Cambria Math" panose="02040503050406030204" pitchFamily="18" charset="0"/>
                             </a:rPr>
-                            <m:t>7</m:t>
+                            <m:t>1</m:t>
                           </m:r>
                         </m:sub>
                         <m:sup>
@@ -22498,7 +22427,7 @@
             </p:txBody>
           </p:sp>
         </mc:Choice>
-        <mc:Fallback xmlns="">
+        <mc:Fallback>
           <p:sp>
             <p:nvSpPr>
               <p:cNvPr id="24" name="Oval 23">
@@ -22880,51 +22809,115 @@
           </p:sp>
         </mc:Fallback>
       </mc:AlternateContent>
-      <p:sp>
-        <p:nvSpPr>
-          <p:cNvPr id="42" name="Oval 41">
-            <a:extLst>
-              <a:ext uri="{FF2B5EF4-FFF2-40B4-BE49-F238E27FC236}">
-                <a16:creationId xmlns:a16="http://schemas.microsoft.com/office/drawing/2014/main" id="{88D3AF28-67D5-46E7-B61E-F01E32F03BDD}"/>
-              </a:ext>
-            </a:extLst>
-          </p:cNvPr>
-          <p:cNvSpPr/>
-          <p:nvPr/>
-        </p:nvSpPr>
-        <p:spPr>
-          <a:xfrm>
-            <a:off x="4693912" y="4137260"/>
-            <a:ext cx="711200" cy="711200"/>
-          </a:xfrm>
-          <a:prstGeom prst="ellipse">
-            <a:avLst/>
-          </a:prstGeom>
-          <a:ln/>
-        </p:spPr>
-        <p:style>
-          <a:lnRef idx="0">
-            <a:schemeClr val="accent3"/>
-          </a:lnRef>
-          <a:fillRef idx="3">
-            <a:schemeClr val="accent3"/>
-          </a:fillRef>
-          <a:effectRef idx="3">
-            <a:schemeClr val="accent3"/>
-          </a:effectRef>
-          <a:fontRef idx="minor">
-            <a:schemeClr val="lt1"/>
-          </a:fontRef>
-        </p:style>
-        <p:txBody>
-          <a:bodyPr rtlCol="0" anchor="ctr"/>
-          <a:lstStyle/>
-          <a:p>
-            <a:pPr algn="ctr"/>
-            <a:endParaRPr lang="en-US" baseline="-25000" dirty="0"/>
-          </a:p>
-        </p:txBody>
-      </p:sp>
+      <mc:AlternateContent xmlns:mc="http://schemas.openxmlformats.org/markup-compatibility/2006">
+        <mc:Choice xmlns:a14="http://schemas.microsoft.com/office/drawing/2010/main" Requires="a14">
+          <p:sp>
+            <p:nvSpPr>
+              <p:cNvPr id="42" name="Oval 41">
+                <a:extLst>
+                  <a:ext uri="{FF2B5EF4-FFF2-40B4-BE49-F238E27FC236}">
+                    <a16:creationId xmlns:a16="http://schemas.microsoft.com/office/drawing/2014/main" id="{88D3AF28-67D5-46E7-B61E-F01E32F03BDD}"/>
+                  </a:ext>
+                </a:extLst>
+              </p:cNvPr>
+              <p:cNvSpPr/>
+              <p:nvPr/>
+            </p:nvSpPr>
+            <p:spPr>
+              <a:xfrm>
+                <a:off x="4693912" y="4137260"/>
+                <a:ext cx="711200" cy="711200"/>
+              </a:xfrm>
+              <a:prstGeom prst="ellipse">
+                <a:avLst/>
+              </a:prstGeom>
+              <a:ln/>
+            </p:spPr>
+            <p:style>
+              <a:lnRef idx="0">
+                <a:schemeClr val="accent3"/>
+              </a:lnRef>
+              <a:fillRef idx="3">
+                <a:schemeClr val="accent3"/>
+              </a:fillRef>
+              <a:effectRef idx="3">
+                <a:schemeClr val="accent3"/>
+              </a:effectRef>
+              <a:fontRef idx="minor">
+                <a:schemeClr val="lt1"/>
+              </a:fontRef>
+            </p:style>
+            <p:txBody>
+              <a:bodyPr rtlCol="0" anchor="ctr"/>
+              <a:lstStyle/>
+              <a:p>
+                <a:pPr algn="ctr"/>
+                <a14:m>
+                  <m:oMathPara xmlns:m="http://schemas.openxmlformats.org/officeDocument/2006/math">
+                    <m:oMathParaPr>
+                      <m:jc m:val="centerGroup"/>
+                    </m:oMathParaPr>
+                    <m:oMath xmlns:m="http://schemas.openxmlformats.org/officeDocument/2006/math">
+                      <m:r>
+                        <a:rPr lang="en-US" b="0" i="1" smtClean="0">
+                          <a:latin typeface="Cambria Math" panose="02040503050406030204" pitchFamily="18" charset="0"/>
+                        </a:rPr>
+                        <m:t>+1</m:t>
+                      </m:r>
+                    </m:oMath>
+                  </m:oMathPara>
+                </a14:m>
+                <a:endParaRPr lang="en-US" dirty="0"/>
+              </a:p>
+            </p:txBody>
+          </p:sp>
+        </mc:Choice>
+        <mc:Fallback>
+          <p:sp>
+            <p:nvSpPr>
+              <p:cNvPr id="42" name="Oval 41">
+                <a:extLst>
+                  <a:ext uri="{FF2B5EF4-FFF2-40B4-BE49-F238E27FC236}">
+                    <a16:creationId xmlns:a16="http://schemas.microsoft.com/office/drawing/2014/main" id="{88D3AF28-67D5-46E7-B61E-F01E32F03BDD}"/>
+                  </a:ext>
+                </a:extLst>
+              </p:cNvPr>
+              <p:cNvSpPr>
+                <a:spLocks noRot="1" noChangeAspect="1" noMove="1" noResize="1" noEditPoints="1" noAdjustHandles="1" noChangeArrowheads="1" noChangeShapeType="1" noTextEdit="1"/>
+              </p:cNvSpPr>
+              <p:nvPr/>
+            </p:nvSpPr>
+            <p:spPr>
+              <a:xfrm>
+                <a:off x="4693912" y="4137260"/>
+                <a:ext cx="711200" cy="711200"/>
+              </a:xfrm>
+              <a:prstGeom prst="ellipse">
+                <a:avLst/>
+              </a:prstGeom>
+              <a:blipFill>
+                <a:blip r:embed="rId11"/>
+                <a:stretch>
+                  <a:fillRect/>
+                </a:stretch>
+              </a:blipFill>
+              <a:ln/>
+            </p:spPr>
+            <p:txBody>
+              <a:bodyPr/>
+              <a:lstStyle/>
+              <a:p>
+                <a:r>
+                  <a:rPr lang="en-US">
+                    <a:noFill/>
+                  </a:rPr>
+                  <a:t> </a:t>
+                </a:r>
+              </a:p>
+            </p:txBody>
+          </p:sp>
+        </mc:Fallback>
+      </mc:AlternateContent>
       <mc:AlternateContent xmlns:mc="http://schemas.openxmlformats.org/markup-compatibility/2006" xmlns:a14="http://schemas.microsoft.com/office/drawing/2010/main">
         <mc:Choice Requires="a14">
           <p:sp>
@@ -23012,7 +23005,7 @@
                 <a:avLst/>
               </a:prstGeom>
               <a:blipFill>
-                <a:blip r:embed="rId11"/>
+                <a:blip r:embed="rId12"/>
                 <a:stretch>
                   <a:fillRect/>
                 </a:stretch>
@@ -23109,7 +23102,7 @@
                 <a:avLst/>
               </a:prstGeom>
               <a:blipFill>
-                <a:blip r:embed="rId12"/>
+                <a:blip r:embed="rId13"/>
                 <a:stretch>
                   <a:fillRect l="-11321" r="-11321" b="-3226"/>
                 </a:stretch>
@@ -23205,7 +23198,7 @@
                 <a:avLst/>
               </a:prstGeom>
               <a:blipFill>
-                <a:blip r:embed="rId13"/>
+                <a:blip r:embed="rId14"/>
                 <a:stretch>
                   <a:fillRect l="-11321" r="-11321" b="-6667"/>
                 </a:stretch>
@@ -23301,7 +23294,7 @@
                 <a:avLst/>
               </a:prstGeom>
               <a:blipFill>
-                <a:blip r:embed="rId14"/>
+                <a:blip r:embed="rId15"/>
                 <a:stretch>
                   <a:fillRect l="-11538" r="-13462" b="-6667"/>
                 </a:stretch>
@@ -23397,7 +23390,7 @@
                 <a:avLst/>
               </a:prstGeom>
               <a:blipFill>
-                <a:blip r:embed="rId15"/>
+                <a:blip r:embed="rId16"/>
                 <a:stretch>
                   <a:fillRect l="-11321" r="-11321" b="-10000"/>
                 </a:stretch>
@@ -23493,7 +23486,7 @@
                 <a:avLst/>
               </a:prstGeom>
               <a:blipFill>
-                <a:blip r:embed="rId16"/>
+                <a:blip r:embed="rId17"/>
                 <a:stretch>
                   <a:fillRect l="-11321" r="-11321" b="-6667"/>
                 </a:stretch>
@@ -23589,7 +23582,7 @@
                 <a:avLst/>
               </a:prstGeom>
               <a:blipFill>
-                <a:blip r:embed="rId17"/>
+                <a:blip r:embed="rId18"/>
                 <a:stretch>
                   <a:fillRect l="-11321" r="-13208" b="-6667"/>
                 </a:stretch>
@@ -23685,7 +23678,7 @@
                 <a:avLst/>
               </a:prstGeom>
               <a:blipFill>
-                <a:blip r:embed="rId18"/>
+                <a:blip r:embed="rId19"/>
                 <a:stretch>
                   <a:fillRect l="-11538" r="-13462" b="-6667"/>
                 </a:stretch>
@@ -23781,7 +23774,7 @@
                 <a:avLst/>
               </a:prstGeom>
               <a:blipFill>
-                <a:blip r:embed="rId19"/>
+                <a:blip r:embed="rId20"/>
                 <a:stretch>
                   <a:fillRect l="-11321" r="-11321" b="-6667"/>
                 </a:stretch>
@@ -23877,7 +23870,7 @@
                 <a:avLst/>
               </a:prstGeom>
               <a:blipFill>
-                <a:blip r:embed="rId20"/>
+                <a:blip r:embed="rId21"/>
                 <a:stretch>
                   <a:fillRect l="-11538" r="-13462" b="-6667"/>
                 </a:stretch>
@@ -23973,7 +23966,7 @@
                 <a:avLst/>
               </a:prstGeom>
               <a:blipFill>
-                <a:blip r:embed="rId21"/>
+                <a:blip r:embed="rId22"/>
                 <a:stretch>
                   <a:fillRect l="-11321" r="-11321" b="-3226"/>
                 </a:stretch>
@@ -24069,7 +24062,7 @@
                 <a:avLst/>
               </a:prstGeom>
               <a:blipFill>
-                <a:blip r:embed="rId22"/>
+                <a:blip r:embed="rId23"/>
                 <a:stretch>
                   <a:fillRect l="-11321" r="-11321" b="-6667"/>
                 </a:stretch>
@@ -24165,7 +24158,7 @@
                 <a:avLst/>
               </a:prstGeom>
               <a:blipFill>
-                <a:blip r:embed="rId23"/>
+                <a:blip r:embed="rId24"/>
                 <a:stretch>
                   <a:fillRect l="-11321" r="-11321" b="-6667"/>
                 </a:stretch>
@@ -24261,7 +24254,7 @@
                 <a:avLst/>
               </a:prstGeom>
               <a:blipFill>
-                <a:blip r:embed="rId24"/>
+                <a:blip r:embed="rId25"/>
                 <a:stretch>
                   <a:fillRect l="-11321" r="-11321" b="-6667"/>
                 </a:stretch>
@@ -24357,7 +24350,7 @@
                 <a:avLst/>
               </a:prstGeom>
               <a:blipFill>
-                <a:blip r:embed="rId25"/>
+                <a:blip r:embed="rId26"/>
                 <a:stretch>
                   <a:fillRect l="-11321" r="-11321" b="-6667"/>
                 </a:stretch>
@@ -24453,7 +24446,7 @@
                 <a:avLst/>
               </a:prstGeom>
               <a:blipFill>
-                <a:blip r:embed="rId26"/>
+                <a:blip r:embed="rId27"/>
                 <a:stretch>
                   <a:fillRect l="-11538" r="-13462" b="-3226"/>
                 </a:stretch>
@@ -24549,7 +24542,7 @@
                 <a:avLst/>
               </a:prstGeom>
               <a:blipFill>
-                <a:blip r:embed="rId27"/>
+                <a:blip r:embed="rId28"/>
                 <a:stretch>
                   <a:fillRect l="-11321" r="-13208" b="-10000"/>
                 </a:stretch>
@@ -24645,7 +24638,7 @@
                 <a:avLst/>
               </a:prstGeom>
               <a:blipFill>
-                <a:blip r:embed="rId22"/>
+                <a:blip r:embed="rId23"/>
                 <a:stretch>
                   <a:fillRect l="-11321" r="-11321" b="-3226"/>
                 </a:stretch>
@@ -24741,7 +24734,7 @@
                 <a:avLst/>
               </a:prstGeom>
               <a:blipFill>
-                <a:blip r:embed="rId28"/>
+                <a:blip r:embed="rId29"/>
                 <a:stretch>
                   <a:fillRect l="-11321" r="-13208" b="-6452"/>
                 </a:stretch>
@@ -24900,7 +24893,7 @@
                 <a:avLst/>
               </a:prstGeom>
               <a:blipFill>
-                <a:blip r:embed="rId29"/>
+                <a:blip r:embed="rId30"/>
                 <a:stretch>
                   <a:fillRect l="-21739" r="-6522" b="-23913"/>
                 </a:stretch>
@@ -25059,7 +25052,7 @@
                 <a:avLst/>
               </a:prstGeom>
               <a:blipFill>
-                <a:blip r:embed="rId30"/>
+                <a:blip r:embed="rId31"/>
                 <a:stretch>
                   <a:fillRect l="-22222" r="-6667" b="-23913"/>
                 </a:stretch>
@@ -25690,132 +25683,6 @@
         <mc:Choice Requires="a14">
           <p:sp>
             <p:nvSpPr>
-              <p:cNvPr id="14" name="Oval 13">
-                <a:extLst>
-                  <a:ext uri="{FF2B5EF4-FFF2-40B4-BE49-F238E27FC236}">
-                    <a16:creationId xmlns:a16="http://schemas.microsoft.com/office/drawing/2014/main" id="{6CBFCC76-0E57-4156-AD9D-E4B050FF06B8}"/>
-                  </a:ext>
-                </a:extLst>
-              </p:cNvPr>
-              <p:cNvSpPr/>
-              <p:nvPr/>
-            </p:nvSpPr>
-            <p:spPr>
-              <a:xfrm>
-                <a:off x="2542325" y="1385732"/>
-                <a:ext cx="711200" cy="711200"/>
-              </a:xfrm>
-              <a:prstGeom prst="ellipse">
-                <a:avLst/>
-              </a:prstGeom>
-            </p:spPr>
-            <p:style>
-              <a:lnRef idx="0">
-                <a:schemeClr val="accent6"/>
-              </a:lnRef>
-              <a:fillRef idx="3">
-                <a:schemeClr val="accent6"/>
-              </a:fillRef>
-              <a:effectRef idx="3">
-                <a:schemeClr val="accent6"/>
-              </a:effectRef>
-              <a:fontRef idx="minor">
-                <a:schemeClr val="lt1"/>
-              </a:fontRef>
-            </p:style>
-            <p:txBody>
-              <a:bodyPr rtlCol="0" anchor="ctr"/>
-              <a:lstStyle/>
-              <a:p>
-                <a:pPr algn="ctr"/>
-                <a14:m>
-                  <m:oMathPara xmlns:m="http://schemas.openxmlformats.org/officeDocument/2006/math">
-                    <m:oMathParaPr>
-                      <m:jc m:val="centerGroup"/>
-                    </m:oMathParaPr>
-                    <m:oMath xmlns:m="http://schemas.openxmlformats.org/officeDocument/2006/math">
-                      <m:sSub>
-                        <m:sSubPr>
-                          <m:ctrlPr>
-                            <a:rPr lang="en-US" i="1" smtClean="0">
-                              <a:latin typeface="Cambria Math" panose="02040503050406030204" pitchFamily="18" charset="0"/>
-                            </a:rPr>
-                          </m:ctrlPr>
-                        </m:sSubPr>
-                        <m:e>
-                          <m:r>
-                            <a:rPr lang="en-US" b="0" i="1" smtClean="0">
-                              <a:latin typeface="Cambria Math" panose="02040503050406030204" pitchFamily="18" charset="0"/>
-                            </a:rPr>
-                            <m:t>𝑥</m:t>
-                          </m:r>
-                        </m:e>
-                        <m:sub>
-                          <m:r>
-                            <a:rPr lang="en-US" b="0" i="1" smtClean="0">
-                              <a:latin typeface="Cambria Math" panose="02040503050406030204" pitchFamily="18" charset="0"/>
-                            </a:rPr>
-                            <m:t>0</m:t>
-                          </m:r>
-                        </m:sub>
-                      </m:sSub>
-                    </m:oMath>
-                  </m:oMathPara>
-                </a14:m>
-                <a:endParaRPr lang="en-US" dirty="0"/>
-              </a:p>
-            </p:txBody>
-          </p:sp>
-        </mc:Choice>
-        <mc:Fallback xmlns="">
-          <p:sp>
-            <p:nvSpPr>
-              <p:cNvPr id="14" name="Oval 13">
-                <a:extLst>
-                  <a:ext uri="{FF2B5EF4-FFF2-40B4-BE49-F238E27FC236}">
-                    <a16:creationId xmlns:a16="http://schemas.microsoft.com/office/drawing/2014/main" id="{6CBFCC76-0E57-4156-AD9D-E4B050FF06B8}"/>
-                  </a:ext>
-                </a:extLst>
-              </p:cNvPr>
-              <p:cNvSpPr>
-                <a:spLocks noRot="1" noChangeAspect="1" noMove="1" noResize="1" noEditPoints="1" noAdjustHandles="1" noChangeArrowheads="1" noChangeShapeType="1" noTextEdit="1"/>
-              </p:cNvSpPr>
-              <p:nvPr/>
-            </p:nvSpPr>
-            <p:spPr>
-              <a:xfrm>
-                <a:off x="2542325" y="1385732"/>
-                <a:ext cx="711200" cy="711200"/>
-              </a:xfrm>
-              <a:prstGeom prst="ellipse">
-                <a:avLst/>
-              </a:prstGeom>
-              <a:blipFill>
-                <a:blip r:embed="rId2"/>
-                <a:stretch>
-                  <a:fillRect/>
-                </a:stretch>
-              </a:blipFill>
-            </p:spPr>
-            <p:txBody>
-              <a:bodyPr/>
-              <a:lstStyle/>
-              <a:p>
-                <a:r>
-                  <a:rPr lang="en-US">
-                    <a:noFill/>
-                  </a:rPr>
-                  <a:t> </a:t>
-                </a:r>
-              </a:p>
-            </p:txBody>
-          </p:sp>
-        </mc:Fallback>
-      </mc:AlternateContent>
-      <mc:AlternateContent xmlns:mc="http://schemas.openxmlformats.org/markup-compatibility/2006" xmlns:a14="http://schemas.microsoft.com/office/drawing/2010/main">
-        <mc:Choice Requires="a14">
-          <p:sp>
-            <p:nvSpPr>
               <p:cNvPr id="15" name="Oval 14">
                 <a:extLst>
                   <a:ext uri="{FF2B5EF4-FFF2-40B4-BE49-F238E27FC236}">
@@ -26854,132 +26721,6 @@
         <mc:Choice Requires="a14">
           <p:sp>
             <p:nvSpPr>
-              <p:cNvPr id="27" name="Oval 26">
-                <a:extLst>
-                  <a:ext uri="{FF2B5EF4-FFF2-40B4-BE49-F238E27FC236}">
-                    <a16:creationId xmlns:a16="http://schemas.microsoft.com/office/drawing/2014/main" id="{94652B79-D00E-45EC-A83B-A92B67607CA4}"/>
-                  </a:ext>
-                </a:extLst>
-              </p:cNvPr>
-              <p:cNvSpPr/>
-              <p:nvPr/>
-            </p:nvSpPr>
-            <p:spPr>
-              <a:xfrm>
-                <a:off x="2541970" y="2762216"/>
-                <a:ext cx="711200" cy="711200"/>
-              </a:xfrm>
-              <a:prstGeom prst="ellipse">
-                <a:avLst/>
-              </a:prstGeom>
-            </p:spPr>
-            <p:style>
-              <a:lnRef idx="0">
-                <a:schemeClr val="accent6"/>
-              </a:lnRef>
-              <a:fillRef idx="3">
-                <a:schemeClr val="accent6"/>
-              </a:fillRef>
-              <a:effectRef idx="3">
-                <a:schemeClr val="accent6"/>
-              </a:effectRef>
-              <a:fontRef idx="minor">
-                <a:schemeClr val="lt1"/>
-              </a:fontRef>
-            </p:style>
-            <p:txBody>
-              <a:bodyPr rtlCol="0" anchor="ctr"/>
-              <a:lstStyle/>
-              <a:p>
-                <a:pPr algn="ctr"/>
-                <a14:m>
-                  <m:oMathPara xmlns:m="http://schemas.openxmlformats.org/officeDocument/2006/math">
-                    <m:oMathParaPr>
-                      <m:jc m:val="centerGroup"/>
-                    </m:oMathParaPr>
-                    <m:oMath xmlns:m="http://schemas.openxmlformats.org/officeDocument/2006/math">
-                      <m:sSub>
-                        <m:sSubPr>
-                          <m:ctrlPr>
-                            <a:rPr lang="en-US" i="1" smtClean="0">
-                              <a:latin typeface="Cambria Math" panose="02040503050406030204" pitchFamily="18" charset="0"/>
-                            </a:rPr>
-                          </m:ctrlPr>
-                        </m:sSubPr>
-                        <m:e>
-                          <m:r>
-                            <a:rPr lang="en-US" b="0" i="1" smtClean="0">
-                              <a:latin typeface="Cambria Math" panose="02040503050406030204" pitchFamily="18" charset="0"/>
-                            </a:rPr>
-                            <m:t>𝑥</m:t>
-                          </m:r>
-                        </m:e>
-                        <m:sub>
-                          <m:r>
-                            <a:rPr lang="en-US" b="0" i="1" smtClean="0">
-                              <a:latin typeface="Cambria Math" panose="02040503050406030204" pitchFamily="18" charset="0"/>
-                            </a:rPr>
-                            <m:t>1</m:t>
-                          </m:r>
-                        </m:sub>
-                      </m:sSub>
-                    </m:oMath>
-                  </m:oMathPara>
-                </a14:m>
-                <a:endParaRPr lang="en-US" dirty="0"/>
-              </a:p>
-            </p:txBody>
-          </p:sp>
-        </mc:Choice>
-        <mc:Fallback xmlns="">
-          <p:sp>
-            <p:nvSpPr>
-              <p:cNvPr id="27" name="Oval 26">
-                <a:extLst>
-                  <a:ext uri="{FF2B5EF4-FFF2-40B4-BE49-F238E27FC236}">
-                    <a16:creationId xmlns:a16="http://schemas.microsoft.com/office/drawing/2014/main" id="{94652B79-D00E-45EC-A83B-A92B67607CA4}"/>
-                  </a:ext>
-                </a:extLst>
-              </p:cNvPr>
-              <p:cNvSpPr>
-                <a:spLocks noRot="1" noChangeAspect="1" noMove="1" noResize="1" noEditPoints="1" noAdjustHandles="1" noChangeArrowheads="1" noChangeShapeType="1" noTextEdit="1"/>
-              </p:cNvSpPr>
-              <p:nvPr/>
-            </p:nvSpPr>
-            <p:spPr>
-              <a:xfrm>
-                <a:off x="2541970" y="2762216"/>
-                <a:ext cx="711200" cy="711200"/>
-              </a:xfrm>
-              <a:prstGeom prst="ellipse">
-                <a:avLst/>
-              </a:prstGeom>
-              <a:blipFill>
-                <a:blip r:embed="rId9"/>
-                <a:stretch>
-                  <a:fillRect/>
-                </a:stretch>
-              </a:blipFill>
-            </p:spPr>
-            <p:txBody>
-              <a:bodyPr/>
-              <a:lstStyle/>
-              <a:p>
-                <a:r>
-                  <a:rPr lang="en-US">
-                    <a:noFill/>
-                  </a:rPr>
-                  <a:t> </a:t>
-                </a:r>
-              </a:p>
-            </p:txBody>
-          </p:sp>
-        </mc:Fallback>
-      </mc:AlternateContent>
-      <mc:AlternateContent xmlns:mc="http://schemas.openxmlformats.org/markup-compatibility/2006" xmlns:a14="http://schemas.microsoft.com/office/drawing/2010/main">
-        <mc:Choice Requires="a14">
-          <p:sp>
-            <p:nvSpPr>
               <p:cNvPr id="28" name="Oval 27">
                 <a:extLst>
                   <a:ext uri="{FF2B5EF4-FFF2-40B4-BE49-F238E27FC236}">
@@ -29355,10 +29096,4539 @@
           </p:sp>
         </mc:Fallback>
       </mc:AlternateContent>
+      <mc:AlternateContent xmlns:mc="http://schemas.openxmlformats.org/markup-compatibility/2006">
+        <mc:Choice xmlns:a14="http://schemas.microsoft.com/office/drawing/2010/main" Requires="a14">
+          <p:sp>
+            <p:nvSpPr>
+              <p:cNvPr id="53" name="Oval 52">
+                <a:extLst>
+                  <a:ext uri="{FF2B5EF4-FFF2-40B4-BE49-F238E27FC236}">
+                    <a16:creationId xmlns:a16="http://schemas.microsoft.com/office/drawing/2014/main" id="{953F7EF7-806A-4431-AD70-5152DD692E19}"/>
+                  </a:ext>
+                </a:extLst>
+              </p:cNvPr>
+              <p:cNvSpPr/>
+              <p:nvPr/>
+            </p:nvSpPr>
+            <p:spPr>
+              <a:xfrm>
+                <a:off x="2542325" y="1385732"/>
+                <a:ext cx="711200" cy="711200"/>
+              </a:xfrm>
+              <a:prstGeom prst="ellipse">
+                <a:avLst/>
+              </a:prstGeom>
+            </p:spPr>
+            <p:style>
+              <a:lnRef idx="0">
+                <a:schemeClr val="accent6"/>
+              </a:lnRef>
+              <a:fillRef idx="3">
+                <a:schemeClr val="accent6"/>
+              </a:fillRef>
+              <a:effectRef idx="3">
+                <a:schemeClr val="accent6"/>
+              </a:effectRef>
+              <a:fontRef idx="minor">
+                <a:schemeClr val="lt1"/>
+              </a:fontRef>
+            </p:style>
+            <p:txBody>
+              <a:bodyPr rtlCol="0" anchor="ctr"/>
+              <a:lstStyle/>
+              <a:p>
+                <a:pPr algn="ctr"/>
+                <a14:m>
+                  <m:oMathPara xmlns:m="http://schemas.openxmlformats.org/officeDocument/2006/math">
+                    <m:oMathParaPr>
+                      <m:jc m:val="centerGroup"/>
+                    </m:oMathParaPr>
+                    <m:oMath xmlns:m="http://schemas.openxmlformats.org/officeDocument/2006/math">
+                      <m:sSubSup>
+                        <m:sSubSupPr>
+                          <m:ctrlPr>
+                            <a:rPr lang="en-US" i="1" smtClean="0">
+                              <a:latin typeface="Cambria Math" panose="02040503050406030204" pitchFamily="18" charset="0"/>
+                            </a:rPr>
+                          </m:ctrlPr>
+                        </m:sSubSupPr>
+                        <m:e>
+                          <m:r>
+                            <a:rPr lang="en-US" b="0" i="1" smtClean="0">
+                              <a:latin typeface="Cambria Math" panose="02040503050406030204" pitchFamily="18" charset="0"/>
+                            </a:rPr>
+                            <m:t>𝑎</m:t>
+                          </m:r>
+                        </m:e>
+                        <m:sub>
+                          <m:r>
+                            <a:rPr lang="en-US" b="0" i="1" smtClean="0">
+                              <a:latin typeface="Cambria Math" panose="02040503050406030204" pitchFamily="18" charset="0"/>
+                            </a:rPr>
+                            <m:t>0</m:t>
+                          </m:r>
+                        </m:sub>
+                        <m:sup>
+                          <m:r>
+                            <a:rPr lang="en-US" b="0" i="1" smtClean="0">
+                              <a:latin typeface="Cambria Math" panose="02040503050406030204" pitchFamily="18" charset="0"/>
+                            </a:rPr>
+                            <m:t>(</m:t>
+                          </m:r>
+                          <m:r>
+                            <a:rPr lang="en-US" b="0" i="1" smtClean="0">
+                              <a:latin typeface="Cambria Math" panose="02040503050406030204" pitchFamily="18" charset="0"/>
+                            </a:rPr>
+                            <m:t>0</m:t>
+                          </m:r>
+                          <m:r>
+                            <a:rPr lang="en-US" b="0" i="1" smtClean="0">
+                              <a:latin typeface="Cambria Math" panose="02040503050406030204" pitchFamily="18" charset="0"/>
+                            </a:rPr>
+                            <m:t>)</m:t>
+                          </m:r>
+                        </m:sup>
+                      </m:sSubSup>
+                    </m:oMath>
+                  </m:oMathPara>
+                </a14:m>
+                <a:endParaRPr lang="en-US" dirty="0"/>
+              </a:p>
+            </p:txBody>
+          </p:sp>
+        </mc:Choice>
+        <mc:Fallback>
+          <p:sp>
+            <p:nvSpPr>
+              <p:cNvPr id="53" name="Oval 52">
+                <a:extLst>
+                  <a:ext uri="{FF2B5EF4-FFF2-40B4-BE49-F238E27FC236}">
+                    <a16:creationId xmlns:a16="http://schemas.microsoft.com/office/drawing/2014/main" id="{953F7EF7-806A-4431-AD70-5152DD692E19}"/>
+                  </a:ext>
+                </a:extLst>
+              </p:cNvPr>
+              <p:cNvSpPr>
+                <a:spLocks noRot="1" noChangeAspect="1" noMove="1" noResize="1" noEditPoints="1" noAdjustHandles="1" noChangeArrowheads="1" noChangeShapeType="1" noTextEdit="1"/>
+              </p:cNvSpPr>
+              <p:nvPr/>
+            </p:nvSpPr>
+            <p:spPr>
+              <a:xfrm>
+                <a:off x="2542325" y="1385732"/>
+                <a:ext cx="711200" cy="711200"/>
+              </a:xfrm>
+              <a:prstGeom prst="ellipse">
+                <a:avLst/>
+              </a:prstGeom>
+              <a:blipFill>
+                <a:blip r:embed="rId32"/>
+                <a:stretch>
+                  <a:fillRect/>
+                </a:stretch>
+              </a:blipFill>
+            </p:spPr>
+            <p:txBody>
+              <a:bodyPr/>
+              <a:lstStyle/>
+              <a:p>
+                <a:r>
+                  <a:rPr lang="en-US">
+                    <a:noFill/>
+                  </a:rPr>
+                  <a:t> </a:t>
+                </a:r>
+              </a:p>
+            </p:txBody>
+          </p:sp>
+        </mc:Fallback>
+      </mc:AlternateContent>
+      <mc:AlternateContent xmlns:mc="http://schemas.openxmlformats.org/markup-compatibility/2006">
+        <mc:Choice xmlns:a14="http://schemas.microsoft.com/office/drawing/2010/main" Requires="a14">
+          <p:sp>
+            <p:nvSpPr>
+              <p:cNvPr id="54" name="Oval 53">
+                <a:extLst>
+                  <a:ext uri="{FF2B5EF4-FFF2-40B4-BE49-F238E27FC236}">
+                    <a16:creationId xmlns:a16="http://schemas.microsoft.com/office/drawing/2014/main" id="{F61EBB91-8C84-4A34-B50E-88DC2F26D0F8}"/>
+                  </a:ext>
+                </a:extLst>
+              </p:cNvPr>
+              <p:cNvSpPr/>
+              <p:nvPr/>
+            </p:nvSpPr>
+            <p:spPr>
+              <a:xfrm>
+                <a:off x="2541970" y="2762216"/>
+                <a:ext cx="711200" cy="711200"/>
+              </a:xfrm>
+              <a:prstGeom prst="ellipse">
+                <a:avLst/>
+              </a:prstGeom>
+            </p:spPr>
+            <p:style>
+              <a:lnRef idx="0">
+                <a:schemeClr val="accent6"/>
+              </a:lnRef>
+              <a:fillRef idx="3">
+                <a:schemeClr val="accent6"/>
+              </a:fillRef>
+              <a:effectRef idx="3">
+                <a:schemeClr val="accent6"/>
+              </a:effectRef>
+              <a:fontRef idx="minor">
+                <a:schemeClr val="lt1"/>
+              </a:fontRef>
+            </p:style>
+            <p:txBody>
+              <a:bodyPr rtlCol="0" anchor="ctr"/>
+              <a:lstStyle/>
+              <a:p>
+                <a:pPr algn="ctr"/>
+                <a14:m>
+                  <m:oMathPara xmlns:m="http://schemas.openxmlformats.org/officeDocument/2006/math">
+                    <m:oMathParaPr>
+                      <m:jc m:val="centerGroup"/>
+                    </m:oMathParaPr>
+                    <m:oMath xmlns:m="http://schemas.openxmlformats.org/officeDocument/2006/math">
+                      <m:sSubSup>
+                        <m:sSubSupPr>
+                          <m:ctrlPr>
+                            <a:rPr lang="en-US" i="1" smtClean="0">
+                              <a:latin typeface="Cambria Math" panose="02040503050406030204" pitchFamily="18" charset="0"/>
+                            </a:rPr>
+                          </m:ctrlPr>
+                        </m:sSubSupPr>
+                        <m:e>
+                          <m:r>
+                            <a:rPr lang="en-US" b="0" i="1" smtClean="0">
+                              <a:latin typeface="Cambria Math" panose="02040503050406030204" pitchFamily="18" charset="0"/>
+                            </a:rPr>
+                            <m:t>𝑎</m:t>
+                          </m:r>
+                        </m:e>
+                        <m:sub>
+                          <m:r>
+                            <a:rPr lang="en-US" b="0" i="1" smtClean="0">
+                              <a:latin typeface="Cambria Math" panose="02040503050406030204" pitchFamily="18" charset="0"/>
+                            </a:rPr>
+                            <m:t>1</m:t>
+                          </m:r>
+                        </m:sub>
+                        <m:sup>
+                          <m:r>
+                            <a:rPr lang="en-US" b="0" i="1" smtClean="0">
+                              <a:latin typeface="Cambria Math" panose="02040503050406030204" pitchFamily="18" charset="0"/>
+                            </a:rPr>
+                            <m:t>(</m:t>
+                          </m:r>
+                          <m:r>
+                            <a:rPr lang="en-US" b="0" i="1" smtClean="0">
+                              <a:latin typeface="Cambria Math" panose="02040503050406030204" pitchFamily="18" charset="0"/>
+                            </a:rPr>
+                            <m:t>0</m:t>
+                          </m:r>
+                          <m:r>
+                            <a:rPr lang="en-US" b="0" i="1" smtClean="0">
+                              <a:latin typeface="Cambria Math" panose="02040503050406030204" pitchFamily="18" charset="0"/>
+                            </a:rPr>
+                            <m:t>)</m:t>
+                          </m:r>
+                        </m:sup>
+                      </m:sSubSup>
+                    </m:oMath>
+                  </m:oMathPara>
+                </a14:m>
+                <a:endParaRPr lang="en-US" dirty="0"/>
+              </a:p>
+            </p:txBody>
+          </p:sp>
+        </mc:Choice>
+        <mc:Fallback>
+          <p:sp>
+            <p:nvSpPr>
+              <p:cNvPr id="54" name="Oval 53">
+                <a:extLst>
+                  <a:ext uri="{FF2B5EF4-FFF2-40B4-BE49-F238E27FC236}">
+                    <a16:creationId xmlns:a16="http://schemas.microsoft.com/office/drawing/2014/main" id="{F61EBB91-8C84-4A34-B50E-88DC2F26D0F8}"/>
+                  </a:ext>
+                </a:extLst>
+              </p:cNvPr>
+              <p:cNvSpPr>
+                <a:spLocks noRot="1" noChangeAspect="1" noMove="1" noResize="1" noEditPoints="1" noAdjustHandles="1" noChangeArrowheads="1" noChangeShapeType="1" noTextEdit="1"/>
+              </p:cNvSpPr>
+              <p:nvPr/>
+            </p:nvSpPr>
+            <p:spPr>
+              <a:xfrm>
+                <a:off x="2541970" y="2762216"/>
+                <a:ext cx="711200" cy="711200"/>
+              </a:xfrm>
+              <a:prstGeom prst="ellipse">
+                <a:avLst/>
+              </a:prstGeom>
+              <a:blipFill>
+                <a:blip r:embed="rId33"/>
+                <a:stretch>
+                  <a:fillRect/>
+                </a:stretch>
+              </a:blipFill>
+            </p:spPr>
+            <p:txBody>
+              <a:bodyPr/>
+              <a:lstStyle/>
+              <a:p>
+                <a:r>
+                  <a:rPr lang="en-US">
+                    <a:noFill/>
+                  </a:rPr>
+                  <a:t> </a:t>
+                </a:r>
+              </a:p>
+            </p:txBody>
+          </p:sp>
+        </mc:Fallback>
+      </mc:AlternateContent>
     </p:spTree>
     <p:extLst>
       <p:ext uri="{BB962C8B-B14F-4D97-AF65-F5344CB8AC3E}">
         <p14:creationId xmlns:p14="http://schemas.microsoft.com/office/powerpoint/2010/main" val="662076069"/>
+      </p:ext>
+    </p:extLst>
+  </p:cSld>
+  <p:clrMapOvr>
+    <a:masterClrMapping/>
+  </p:clrMapOvr>
+</p:sld>
+</file>
+
+<file path=ppt/slides/slide16.xml><?xml version="1.0" encoding="utf-8"?>
+<p:sld xmlns:a="http://schemas.openxmlformats.org/drawingml/2006/main" xmlns:r="http://schemas.openxmlformats.org/officeDocument/2006/relationships" xmlns:p="http://schemas.openxmlformats.org/presentationml/2006/main">
+  <p:cSld>
+    <p:spTree>
+      <p:nvGrpSpPr>
+        <p:cNvPr id="1" name=""/>
+        <p:cNvGrpSpPr/>
+        <p:nvPr/>
+      </p:nvGrpSpPr>
+      <p:grpSpPr>
+        <a:xfrm>
+          <a:off x="0" y="0"/>
+          <a:ext cx="0" cy="0"/>
+          <a:chOff x="0" y="0"/>
+          <a:chExt cx="0" cy="0"/>
+        </a:xfrm>
+      </p:grpSpPr>
+      <p:sp>
+        <p:nvSpPr>
+          <p:cNvPr id="2" name="Arrow: Right 1">
+            <a:extLst>
+              <a:ext uri="{FF2B5EF4-FFF2-40B4-BE49-F238E27FC236}">
+                <a16:creationId xmlns:a16="http://schemas.microsoft.com/office/drawing/2014/main" id="{A563DD4A-9E85-4854-BD4F-31118B231F33}"/>
+              </a:ext>
+            </a:extLst>
+          </p:cNvPr>
+          <p:cNvSpPr/>
+          <p:nvPr/>
+        </p:nvSpPr>
+        <p:spPr>
+          <a:xfrm rot="18023465" flipV="1">
+            <a:off x="2525093" y="3127688"/>
+            <a:ext cx="2878903" cy="94642"/>
+          </a:xfrm>
+          <a:prstGeom prst="rightArrow">
+            <a:avLst/>
+          </a:prstGeom>
+          <a:solidFill>
+            <a:schemeClr val="accent3">
+              <a:alpha val="50000"/>
+            </a:schemeClr>
+          </a:solidFill>
+          <a:ln>
+            <a:noFill/>
+          </a:ln>
+        </p:spPr>
+        <p:style>
+          <a:lnRef idx="0">
+            <a:scrgbClr r="0" g="0" b="0"/>
+          </a:lnRef>
+          <a:fillRef idx="0">
+            <a:scrgbClr r="0" g="0" b="0"/>
+          </a:fillRef>
+          <a:effectRef idx="0">
+            <a:scrgbClr r="0" g="0" b="0"/>
+          </a:effectRef>
+          <a:fontRef idx="minor">
+            <a:schemeClr val="lt1"/>
+          </a:fontRef>
+        </p:style>
+        <p:txBody>
+          <a:bodyPr rtlCol="0" anchor="ctr"/>
+          <a:lstStyle/>
+          <a:p>
+            <a:pPr algn="ctr"/>
+            <a:endParaRPr lang="en-US"/>
+          </a:p>
+        </p:txBody>
+      </p:sp>
+      <p:sp>
+        <p:nvSpPr>
+          <p:cNvPr id="3" name="Arrow: Right 2">
+            <a:extLst>
+              <a:ext uri="{FF2B5EF4-FFF2-40B4-BE49-F238E27FC236}">
+                <a16:creationId xmlns:a16="http://schemas.microsoft.com/office/drawing/2014/main" id="{8C090BD6-1ECF-4AEF-962D-5A7F9EEDB45D}"/>
+              </a:ext>
+            </a:extLst>
+          </p:cNvPr>
+          <p:cNvSpPr/>
+          <p:nvPr/>
+        </p:nvSpPr>
+        <p:spPr>
+          <a:xfrm rot="18023465" flipV="1">
+            <a:off x="4652753" y="3127688"/>
+            <a:ext cx="2878903" cy="94642"/>
+          </a:xfrm>
+          <a:prstGeom prst="rightArrow">
+            <a:avLst/>
+          </a:prstGeom>
+          <a:solidFill>
+            <a:schemeClr val="accent3">
+              <a:alpha val="50000"/>
+            </a:schemeClr>
+          </a:solidFill>
+          <a:ln>
+            <a:noFill/>
+          </a:ln>
+        </p:spPr>
+        <p:style>
+          <a:lnRef idx="0">
+            <a:scrgbClr r="0" g="0" b="0"/>
+          </a:lnRef>
+          <a:fillRef idx="0">
+            <a:scrgbClr r="0" g="0" b="0"/>
+          </a:fillRef>
+          <a:effectRef idx="0">
+            <a:scrgbClr r="0" g="0" b="0"/>
+          </a:effectRef>
+          <a:fontRef idx="minor">
+            <a:schemeClr val="lt1"/>
+          </a:fontRef>
+        </p:style>
+        <p:txBody>
+          <a:bodyPr rtlCol="0" anchor="ctr"/>
+          <a:lstStyle/>
+          <a:p>
+            <a:pPr algn="ctr"/>
+            <a:endParaRPr lang="en-US"/>
+          </a:p>
+        </p:txBody>
+      </p:sp>
+      <p:sp>
+        <p:nvSpPr>
+          <p:cNvPr id="4" name="Arrow: Right 3">
+            <a:extLst>
+              <a:ext uri="{FF2B5EF4-FFF2-40B4-BE49-F238E27FC236}">
+                <a16:creationId xmlns:a16="http://schemas.microsoft.com/office/drawing/2014/main" id="{13A91CBD-0E31-4A6E-9FF6-3393B405D5AD}"/>
+              </a:ext>
+            </a:extLst>
+          </p:cNvPr>
+          <p:cNvSpPr/>
+          <p:nvPr/>
+        </p:nvSpPr>
+        <p:spPr>
+          <a:xfrm rot="18023465" flipV="1">
+            <a:off x="6775877" y="3136092"/>
+            <a:ext cx="2878903" cy="94642"/>
+          </a:xfrm>
+          <a:prstGeom prst="rightArrow">
+            <a:avLst/>
+          </a:prstGeom>
+          <a:solidFill>
+            <a:schemeClr val="accent3">
+              <a:alpha val="50000"/>
+            </a:schemeClr>
+          </a:solidFill>
+          <a:ln>
+            <a:noFill/>
+          </a:ln>
+        </p:spPr>
+        <p:style>
+          <a:lnRef idx="0">
+            <a:scrgbClr r="0" g="0" b="0"/>
+          </a:lnRef>
+          <a:fillRef idx="0">
+            <a:scrgbClr r="0" g="0" b="0"/>
+          </a:fillRef>
+          <a:effectRef idx="0">
+            <a:scrgbClr r="0" g="0" b="0"/>
+          </a:effectRef>
+          <a:fontRef idx="minor">
+            <a:schemeClr val="lt1"/>
+          </a:fontRef>
+        </p:style>
+        <p:txBody>
+          <a:bodyPr rtlCol="0" anchor="ctr"/>
+          <a:lstStyle/>
+          <a:p>
+            <a:pPr algn="ctr"/>
+            <a:endParaRPr lang="en-US"/>
+          </a:p>
+        </p:txBody>
+      </p:sp>
+      <p:sp>
+        <p:nvSpPr>
+          <p:cNvPr id="5" name="Arrow: Right 4">
+            <a:extLst>
+              <a:ext uri="{FF2B5EF4-FFF2-40B4-BE49-F238E27FC236}">
+                <a16:creationId xmlns:a16="http://schemas.microsoft.com/office/drawing/2014/main" id="{B1DEA72D-BE33-4A4A-95C4-49AE4C5480DA}"/>
+              </a:ext>
+            </a:extLst>
+          </p:cNvPr>
+          <p:cNvSpPr/>
+          <p:nvPr/>
+        </p:nvSpPr>
+        <p:spPr>
+          <a:xfrm rot="19206241" flipV="1">
+            <a:off x="7270524" y="3783646"/>
+            <a:ext cx="1856065" cy="94642"/>
+          </a:xfrm>
+          <a:prstGeom prst="rightArrow">
+            <a:avLst/>
+          </a:prstGeom>
+          <a:solidFill>
+            <a:schemeClr val="accent3">
+              <a:alpha val="50000"/>
+            </a:schemeClr>
+          </a:solidFill>
+          <a:ln>
+            <a:noFill/>
+          </a:ln>
+        </p:spPr>
+        <p:style>
+          <a:lnRef idx="0">
+            <a:scrgbClr r="0" g="0" b="0"/>
+          </a:lnRef>
+          <a:fillRef idx="0">
+            <a:scrgbClr r="0" g="0" b="0"/>
+          </a:fillRef>
+          <a:effectRef idx="0">
+            <a:scrgbClr r="0" g="0" b="0"/>
+          </a:effectRef>
+          <a:fontRef idx="minor">
+            <a:schemeClr val="lt1"/>
+          </a:fontRef>
+        </p:style>
+        <p:txBody>
+          <a:bodyPr rtlCol="0" anchor="ctr"/>
+          <a:lstStyle/>
+          <a:p>
+            <a:pPr algn="ctr"/>
+            <a:endParaRPr lang="en-US"/>
+          </a:p>
+        </p:txBody>
+      </p:sp>
+      <p:sp>
+        <p:nvSpPr>
+          <p:cNvPr id="6" name="Arrow: Right 5">
+            <a:extLst>
+              <a:ext uri="{FF2B5EF4-FFF2-40B4-BE49-F238E27FC236}">
+                <a16:creationId xmlns:a16="http://schemas.microsoft.com/office/drawing/2014/main" id="{D51F46CE-5328-4497-BA69-70A0B54D57B5}"/>
+              </a:ext>
+            </a:extLst>
+          </p:cNvPr>
+          <p:cNvSpPr/>
+          <p:nvPr/>
+        </p:nvSpPr>
+        <p:spPr>
+          <a:xfrm rot="19206241" flipV="1">
+            <a:off x="3005460" y="3803124"/>
+            <a:ext cx="1856065" cy="94642"/>
+          </a:xfrm>
+          <a:prstGeom prst="rightArrow">
+            <a:avLst/>
+          </a:prstGeom>
+          <a:solidFill>
+            <a:schemeClr val="accent3">
+              <a:alpha val="50000"/>
+            </a:schemeClr>
+          </a:solidFill>
+          <a:ln>
+            <a:noFill/>
+          </a:ln>
+        </p:spPr>
+        <p:style>
+          <a:lnRef idx="0">
+            <a:scrgbClr r="0" g="0" b="0"/>
+          </a:lnRef>
+          <a:fillRef idx="0">
+            <a:scrgbClr r="0" g="0" b="0"/>
+          </a:fillRef>
+          <a:effectRef idx="0">
+            <a:scrgbClr r="0" g="0" b="0"/>
+          </a:effectRef>
+          <a:fontRef idx="minor">
+            <a:schemeClr val="lt1"/>
+          </a:fontRef>
+        </p:style>
+        <p:txBody>
+          <a:bodyPr rtlCol="0" anchor="ctr"/>
+          <a:lstStyle/>
+          <a:p>
+            <a:pPr algn="ctr"/>
+            <a:endParaRPr lang="en-US"/>
+          </a:p>
+        </p:txBody>
+      </p:sp>
+      <p:sp>
+        <p:nvSpPr>
+          <p:cNvPr id="7" name="Arrow: Right 6">
+            <a:extLst>
+              <a:ext uri="{FF2B5EF4-FFF2-40B4-BE49-F238E27FC236}">
+                <a16:creationId xmlns:a16="http://schemas.microsoft.com/office/drawing/2014/main" id="{7AE433A5-B19A-454E-8507-133061E1178E}"/>
+              </a:ext>
+            </a:extLst>
+          </p:cNvPr>
+          <p:cNvSpPr/>
+          <p:nvPr/>
+        </p:nvSpPr>
+        <p:spPr>
+          <a:xfrm rot="19206241" flipV="1">
+            <a:off x="5134827" y="3811091"/>
+            <a:ext cx="1856065" cy="94642"/>
+          </a:xfrm>
+          <a:prstGeom prst="rightArrow">
+            <a:avLst/>
+          </a:prstGeom>
+          <a:solidFill>
+            <a:schemeClr val="accent3">
+              <a:alpha val="50000"/>
+            </a:schemeClr>
+          </a:solidFill>
+          <a:ln>
+            <a:noFill/>
+          </a:ln>
+        </p:spPr>
+        <p:style>
+          <a:lnRef idx="0">
+            <a:scrgbClr r="0" g="0" b="0"/>
+          </a:lnRef>
+          <a:fillRef idx="0">
+            <a:scrgbClr r="0" g="0" b="0"/>
+          </a:fillRef>
+          <a:effectRef idx="0">
+            <a:scrgbClr r="0" g="0" b="0"/>
+          </a:effectRef>
+          <a:fontRef idx="minor">
+            <a:schemeClr val="lt1"/>
+          </a:fontRef>
+        </p:style>
+        <p:txBody>
+          <a:bodyPr rtlCol="0" anchor="ctr"/>
+          <a:lstStyle/>
+          <a:p>
+            <a:pPr algn="ctr"/>
+            <a:endParaRPr lang="en-US"/>
+          </a:p>
+        </p:txBody>
+      </p:sp>
+      <p:sp>
+        <p:nvSpPr>
+          <p:cNvPr id="8" name="Arrow: Right 7">
+            <a:extLst>
+              <a:ext uri="{FF2B5EF4-FFF2-40B4-BE49-F238E27FC236}">
+                <a16:creationId xmlns:a16="http://schemas.microsoft.com/office/drawing/2014/main" id="{D8C819D5-DD7E-4F38-9D09-54656DFCA39C}"/>
+              </a:ext>
+            </a:extLst>
+          </p:cNvPr>
+          <p:cNvSpPr/>
+          <p:nvPr/>
+        </p:nvSpPr>
+        <p:spPr>
+          <a:xfrm rot="19057246" flipV="1">
+            <a:off x="7233848" y="2417819"/>
+            <a:ext cx="1926911" cy="94642"/>
+          </a:xfrm>
+          <a:prstGeom prst="rightArrow">
+            <a:avLst/>
+          </a:prstGeom>
+        </p:spPr>
+        <p:style>
+          <a:lnRef idx="0">
+            <a:schemeClr val="dk1"/>
+          </a:lnRef>
+          <a:fillRef idx="3">
+            <a:schemeClr val="dk1"/>
+          </a:fillRef>
+          <a:effectRef idx="3">
+            <a:schemeClr val="dk1"/>
+          </a:effectRef>
+          <a:fontRef idx="minor">
+            <a:schemeClr val="lt1"/>
+          </a:fontRef>
+        </p:style>
+        <p:txBody>
+          <a:bodyPr rtlCol="0" anchor="ctr"/>
+          <a:lstStyle/>
+          <a:p>
+            <a:pPr algn="ctr"/>
+            <a:endParaRPr lang="en-US"/>
+          </a:p>
+        </p:txBody>
+      </p:sp>
+      <p:sp>
+        <p:nvSpPr>
+          <p:cNvPr id="9" name="Arrow: Right 8">
+            <a:extLst>
+              <a:ext uri="{FF2B5EF4-FFF2-40B4-BE49-F238E27FC236}">
+                <a16:creationId xmlns:a16="http://schemas.microsoft.com/office/drawing/2014/main" id="{6B7BA95A-0C3F-4F9A-A0D8-EB0A8C84759E}"/>
+              </a:ext>
+            </a:extLst>
+          </p:cNvPr>
+          <p:cNvSpPr/>
+          <p:nvPr/>
+        </p:nvSpPr>
+        <p:spPr>
+          <a:xfrm rot="2542754">
+            <a:off x="7233847" y="2370496"/>
+            <a:ext cx="1926911" cy="94642"/>
+          </a:xfrm>
+          <a:prstGeom prst="rightArrow">
+            <a:avLst/>
+          </a:prstGeom>
+        </p:spPr>
+        <p:style>
+          <a:lnRef idx="0">
+            <a:schemeClr val="dk1"/>
+          </a:lnRef>
+          <a:fillRef idx="3">
+            <a:schemeClr val="dk1"/>
+          </a:fillRef>
+          <a:effectRef idx="3">
+            <a:schemeClr val="dk1"/>
+          </a:effectRef>
+          <a:fontRef idx="minor">
+            <a:schemeClr val="lt1"/>
+          </a:fontRef>
+        </p:style>
+        <p:txBody>
+          <a:bodyPr rtlCol="0" anchor="ctr"/>
+          <a:lstStyle/>
+          <a:p>
+            <a:pPr algn="ctr"/>
+            <a:endParaRPr lang="en-US"/>
+          </a:p>
+        </p:txBody>
+      </p:sp>
+      <p:sp>
+        <p:nvSpPr>
+          <p:cNvPr id="10" name="Arrow: Right 9">
+            <a:extLst>
+              <a:ext uri="{FF2B5EF4-FFF2-40B4-BE49-F238E27FC236}">
+                <a16:creationId xmlns:a16="http://schemas.microsoft.com/office/drawing/2014/main" id="{4B3B38B7-968E-4EAE-AEE7-64DF63CDFF51}"/>
+              </a:ext>
+            </a:extLst>
+          </p:cNvPr>
+          <p:cNvSpPr/>
+          <p:nvPr/>
+        </p:nvSpPr>
+        <p:spPr>
+          <a:xfrm rot="19057246" flipV="1">
+            <a:off x="5112948" y="2417819"/>
+            <a:ext cx="1926911" cy="94642"/>
+          </a:xfrm>
+          <a:prstGeom prst="rightArrow">
+            <a:avLst/>
+          </a:prstGeom>
+        </p:spPr>
+        <p:style>
+          <a:lnRef idx="0">
+            <a:schemeClr val="dk1"/>
+          </a:lnRef>
+          <a:fillRef idx="3">
+            <a:schemeClr val="dk1"/>
+          </a:fillRef>
+          <a:effectRef idx="3">
+            <a:schemeClr val="dk1"/>
+          </a:effectRef>
+          <a:fontRef idx="minor">
+            <a:schemeClr val="lt1"/>
+          </a:fontRef>
+        </p:style>
+        <p:txBody>
+          <a:bodyPr rtlCol="0" anchor="ctr"/>
+          <a:lstStyle/>
+          <a:p>
+            <a:pPr algn="ctr"/>
+            <a:endParaRPr lang="en-US"/>
+          </a:p>
+        </p:txBody>
+      </p:sp>
+      <p:sp>
+        <p:nvSpPr>
+          <p:cNvPr id="11" name="Arrow: Right 10">
+            <a:extLst>
+              <a:ext uri="{FF2B5EF4-FFF2-40B4-BE49-F238E27FC236}">
+                <a16:creationId xmlns:a16="http://schemas.microsoft.com/office/drawing/2014/main" id="{F5FC70E2-84C5-4944-9C6F-2F6BBF5EC7FF}"/>
+              </a:ext>
+            </a:extLst>
+          </p:cNvPr>
+          <p:cNvSpPr/>
+          <p:nvPr/>
+        </p:nvSpPr>
+        <p:spPr>
+          <a:xfrm rot="2542754">
+            <a:off x="5112947" y="2370496"/>
+            <a:ext cx="1926911" cy="94642"/>
+          </a:xfrm>
+          <a:prstGeom prst="rightArrow">
+            <a:avLst/>
+          </a:prstGeom>
+        </p:spPr>
+        <p:style>
+          <a:lnRef idx="0">
+            <a:schemeClr val="dk1"/>
+          </a:lnRef>
+          <a:fillRef idx="3">
+            <a:schemeClr val="dk1"/>
+          </a:fillRef>
+          <a:effectRef idx="3">
+            <a:schemeClr val="dk1"/>
+          </a:effectRef>
+          <a:fontRef idx="minor">
+            <a:schemeClr val="lt1"/>
+          </a:fontRef>
+        </p:style>
+        <p:txBody>
+          <a:bodyPr rtlCol="0" anchor="ctr"/>
+          <a:lstStyle/>
+          <a:p>
+            <a:pPr algn="ctr"/>
+            <a:endParaRPr lang="en-US"/>
+          </a:p>
+        </p:txBody>
+      </p:sp>
+      <p:sp>
+        <p:nvSpPr>
+          <p:cNvPr id="12" name="Arrow: Right 11">
+            <a:extLst>
+              <a:ext uri="{FF2B5EF4-FFF2-40B4-BE49-F238E27FC236}">
+                <a16:creationId xmlns:a16="http://schemas.microsoft.com/office/drawing/2014/main" id="{73CB2B20-EFB0-49C9-85ED-443B1AC3DA1E}"/>
+              </a:ext>
+            </a:extLst>
+          </p:cNvPr>
+          <p:cNvSpPr/>
+          <p:nvPr/>
+        </p:nvSpPr>
+        <p:spPr>
+          <a:xfrm rot="19057246" flipV="1">
+            <a:off x="2992048" y="2421756"/>
+            <a:ext cx="1926911" cy="94642"/>
+          </a:xfrm>
+          <a:prstGeom prst="rightArrow">
+            <a:avLst/>
+          </a:prstGeom>
+        </p:spPr>
+        <p:style>
+          <a:lnRef idx="0">
+            <a:schemeClr val="dk1"/>
+          </a:lnRef>
+          <a:fillRef idx="3">
+            <a:schemeClr val="dk1"/>
+          </a:fillRef>
+          <a:effectRef idx="3">
+            <a:schemeClr val="dk1"/>
+          </a:effectRef>
+          <a:fontRef idx="minor">
+            <a:schemeClr val="lt1"/>
+          </a:fontRef>
+        </p:style>
+        <p:txBody>
+          <a:bodyPr rtlCol="0" anchor="ctr"/>
+          <a:lstStyle/>
+          <a:p>
+            <a:pPr algn="ctr"/>
+            <a:endParaRPr lang="en-US"/>
+          </a:p>
+        </p:txBody>
+      </p:sp>
+      <p:sp>
+        <p:nvSpPr>
+          <p:cNvPr id="13" name="Arrow: Right 12">
+            <a:extLst>
+              <a:ext uri="{FF2B5EF4-FFF2-40B4-BE49-F238E27FC236}">
+                <a16:creationId xmlns:a16="http://schemas.microsoft.com/office/drawing/2014/main" id="{9DA0499F-A51E-4C79-8941-4FB9D38C9CDE}"/>
+              </a:ext>
+            </a:extLst>
+          </p:cNvPr>
+          <p:cNvSpPr/>
+          <p:nvPr/>
+        </p:nvSpPr>
+        <p:spPr>
+          <a:xfrm rot="2542754">
+            <a:off x="2992047" y="2374433"/>
+            <a:ext cx="1926911" cy="94642"/>
+          </a:xfrm>
+          <a:prstGeom prst="rightArrow">
+            <a:avLst/>
+          </a:prstGeom>
+        </p:spPr>
+        <p:style>
+          <a:lnRef idx="0">
+            <a:schemeClr val="dk1"/>
+          </a:lnRef>
+          <a:fillRef idx="3">
+            <a:schemeClr val="dk1"/>
+          </a:fillRef>
+          <a:effectRef idx="3">
+            <a:schemeClr val="dk1"/>
+          </a:effectRef>
+          <a:fontRef idx="minor">
+            <a:schemeClr val="lt1"/>
+          </a:fontRef>
+        </p:style>
+        <p:txBody>
+          <a:bodyPr rtlCol="0" anchor="ctr"/>
+          <a:lstStyle/>
+          <a:p>
+            <a:pPr algn="ctr"/>
+            <a:endParaRPr lang="en-US"/>
+          </a:p>
+        </p:txBody>
+      </p:sp>
+      <mc:AlternateContent xmlns:mc="http://schemas.openxmlformats.org/markup-compatibility/2006" xmlns:a14="http://schemas.microsoft.com/office/drawing/2010/main">
+        <mc:Choice Requires="a14">
+          <p:sp>
+            <p:nvSpPr>
+              <p:cNvPr id="14" name="Oval 13">
+                <a:extLst>
+                  <a:ext uri="{FF2B5EF4-FFF2-40B4-BE49-F238E27FC236}">
+                    <a16:creationId xmlns:a16="http://schemas.microsoft.com/office/drawing/2014/main" id="{6CBFCC76-0E57-4156-AD9D-E4B050FF06B8}"/>
+                  </a:ext>
+                </a:extLst>
+              </p:cNvPr>
+              <p:cNvSpPr/>
+              <p:nvPr/>
+            </p:nvSpPr>
+            <p:spPr>
+              <a:xfrm>
+                <a:off x="2542325" y="1385732"/>
+                <a:ext cx="711200" cy="711200"/>
+              </a:xfrm>
+              <a:prstGeom prst="ellipse">
+                <a:avLst/>
+              </a:prstGeom>
+            </p:spPr>
+            <p:style>
+              <a:lnRef idx="0">
+                <a:schemeClr val="accent6"/>
+              </a:lnRef>
+              <a:fillRef idx="3">
+                <a:schemeClr val="accent6"/>
+              </a:fillRef>
+              <a:effectRef idx="3">
+                <a:schemeClr val="accent6"/>
+              </a:effectRef>
+              <a:fontRef idx="minor">
+                <a:schemeClr val="lt1"/>
+              </a:fontRef>
+            </p:style>
+            <p:txBody>
+              <a:bodyPr rtlCol="0" anchor="ctr"/>
+              <a:lstStyle/>
+              <a:p>
+                <a:pPr algn="ctr"/>
+                <a14:m>
+                  <m:oMathPara xmlns:m="http://schemas.openxmlformats.org/officeDocument/2006/math">
+                    <m:oMathParaPr>
+                      <m:jc m:val="centerGroup"/>
+                    </m:oMathParaPr>
+                    <m:oMath xmlns:m="http://schemas.openxmlformats.org/officeDocument/2006/math">
+                      <m:r>
+                        <a:rPr lang="en-US" b="0" i="1" smtClean="0">
+                          <a:latin typeface="Cambria Math" panose="02040503050406030204" pitchFamily="18" charset="0"/>
+                        </a:rPr>
+                        <m:t>2</m:t>
+                      </m:r>
+                    </m:oMath>
+                  </m:oMathPara>
+                </a14:m>
+                <a:endParaRPr lang="en-US" dirty="0"/>
+              </a:p>
+            </p:txBody>
+          </p:sp>
+        </mc:Choice>
+        <mc:Fallback xmlns="">
+          <p:sp>
+            <p:nvSpPr>
+              <p:cNvPr id="14" name="Oval 13">
+                <a:extLst>
+                  <a:ext uri="{FF2B5EF4-FFF2-40B4-BE49-F238E27FC236}">
+                    <a16:creationId xmlns:a16="http://schemas.microsoft.com/office/drawing/2014/main" id="{6CBFCC76-0E57-4156-AD9D-E4B050FF06B8}"/>
+                  </a:ext>
+                </a:extLst>
+              </p:cNvPr>
+              <p:cNvSpPr>
+                <a:spLocks noRot="1" noChangeAspect="1" noMove="1" noResize="1" noEditPoints="1" noAdjustHandles="1" noChangeArrowheads="1" noChangeShapeType="1" noTextEdit="1"/>
+              </p:cNvSpPr>
+              <p:nvPr/>
+            </p:nvSpPr>
+            <p:spPr>
+              <a:xfrm>
+                <a:off x="2542325" y="1385732"/>
+                <a:ext cx="711200" cy="711200"/>
+              </a:xfrm>
+              <a:prstGeom prst="ellipse">
+                <a:avLst/>
+              </a:prstGeom>
+              <a:blipFill>
+                <a:blip r:embed="rId2"/>
+                <a:stretch>
+                  <a:fillRect/>
+                </a:stretch>
+              </a:blipFill>
+            </p:spPr>
+            <p:txBody>
+              <a:bodyPr/>
+              <a:lstStyle/>
+              <a:p>
+                <a:r>
+                  <a:rPr lang="en-US">
+                    <a:noFill/>
+                  </a:rPr>
+                  <a:t> </a:t>
+                </a:r>
+              </a:p>
+            </p:txBody>
+          </p:sp>
+        </mc:Fallback>
+      </mc:AlternateContent>
+      <mc:AlternateContent xmlns:mc="http://schemas.openxmlformats.org/markup-compatibility/2006" xmlns:a14="http://schemas.microsoft.com/office/drawing/2010/main">
+        <mc:Choice Requires="a14">
+          <p:sp>
+            <p:nvSpPr>
+              <p:cNvPr id="15" name="Oval 14">
+                <a:extLst>
+                  <a:ext uri="{FF2B5EF4-FFF2-40B4-BE49-F238E27FC236}">
+                    <a16:creationId xmlns:a16="http://schemas.microsoft.com/office/drawing/2014/main" id="{E038A14F-1D9F-4E1B-9130-857E46A2EA2B}"/>
+                  </a:ext>
+                </a:extLst>
+              </p:cNvPr>
+              <p:cNvSpPr/>
+              <p:nvPr/>
+            </p:nvSpPr>
+            <p:spPr>
+              <a:xfrm>
+                <a:off x="4663225" y="1385732"/>
+                <a:ext cx="711200" cy="711200"/>
+              </a:xfrm>
+              <a:prstGeom prst="ellipse">
+                <a:avLst/>
+              </a:prstGeom>
+            </p:spPr>
+            <p:style>
+              <a:lnRef idx="0">
+                <a:schemeClr val="accent2"/>
+              </a:lnRef>
+              <a:fillRef idx="3">
+                <a:schemeClr val="accent2"/>
+              </a:fillRef>
+              <a:effectRef idx="3">
+                <a:schemeClr val="accent2"/>
+              </a:effectRef>
+              <a:fontRef idx="minor">
+                <a:schemeClr val="lt1"/>
+              </a:fontRef>
+            </p:style>
+            <p:txBody>
+              <a:bodyPr rtlCol="0" anchor="ctr"/>
+              <a:lstStyle/>
+              <a:p>
+                <a:pPr algn="ctr"/>
+                <a14:m>
+                  <m:oMathPara xmlns:m="http://schemas.openxmlformats.org/officeDocument/2006/math">
+                    <m:oMathParaPr>
+                      <m:jc m:val="centerGroup"/>
+                    </m:oMathParaPr>
+                    <m:oMath xmlns:m="http://schemas.openxmlformats.org/officeDocument/2006/math">
+                      <m:r>
+                        <a:rPr lang="en-US" i="1">
+                          <a:latin typeface="Cambria Math" panose="02040503050406030204" pitchFamily="18" charset="0"/>
+                          <a:ea typeface="Cambria Math" panose="02040503050406030204" pitchFamily="18" charset="0"/>
+                        </a:rPr>
+                        <m:t>𝜎</m:t>
+                      </m:r>
+                      <m:r>
+                        <a:rPr lang="en-US" i="1">
+                          <a:latin typeface="Cambria Math" panose="02040503050406030204" pitchFamily="18" charset="0"/>
+                          <a:ea typeface="Cambria Math" panose="02040503050406030204" pitchFamily="18" charset="0"/>
+                        </a:rPr>
+                        <m:t>(</m:t>
+                      </m:r>
+                      <m:r>
+                        <a:rPr lang="en-US" i="1">
+                          <a:latin typeface="Cambria Math" panose="02040503050406030204" pitchFamily="18" charset="0"/>
+                          <a:ea typeface="Cambria Math" panose="02040503050406030204" pitchFamily="18" charset="0"/>
+                        </a:rPr>
+                        <m:t>𝑧</m:t>
+                      </m:r>
+                      <m:r>
+                        <a:rPr lang="en-US" i="1">
+                          <a:latin typeface="Cambria Math" panose="02040503050406030204" pitchFamily="18" charset="0"/>
+                          <a:ea typeface="Cambria Math" panose="02040503050406030204" pitchFamily="18" charset="0"/>
+                        </a:rPr>
+                        <m:t>)</m:t>
+                      </m:r>
+                    </m:oMath>
+                  </m:oMathPara>
+                </a14:m>
+                <a:endParaRPr lang="en-US" dirty="0"/>
+              </a:p>
+            </p:txBody>
+          </p:sp>
+        </mc:Choice>
+        <mc:Fallback xmlns="">
+          <p:sp>
+            <p:nvSpPr>
+              <p:cNvPr id="15" name="Oval 14">
+                <a:extLst>
+                  <a:ext uri="{FF2B5EF4-FFF2-40B4-BE49-F238E27FC236}">
+                    <a16:creationId xmlns:a16="http://schemas.microsoft.com/office/drawing/2014/main" id="{E038A14F-1D9F-4E1B-9130-857E46A2EA2B}"/>
+                  </a:ext>
+                </a:extLst>
+              </p:cNvPr>
+              <p:cNvSpPr>
+                <a:spLocks noRot="1" noChangeAspect="1" noMove="1" noResize="1" noEditPoints="1" noAdjustHandles="1" noChangeArrowheads="1" noChangeShapeType="1" noTextEdit="1"/>
+              </p:cNvSpPr>
+              <p:nvPr/>
+            </p:nvSpPr>
+            <p:spPr>
+              <a:xfrm>
+                <a:off x="4663225" y="1385732"/>
+                <a:ext cx="711200" cy="711200"/>
+              </a:xfrm>
+              <a:prstGeom prst="ellipse">
+                <a:avLst/>
+              </a:prstGeom>
+              <a:blipFill>
+                <a:blip r:embed="rId3"/>
+                <a:stretch>
+                  <a:fillRect/>
+                </a:stretch>
+              </a:blipFill>
+            </p:spPr>
+            <p:txBody>
+              <a:bodyPr/>
+              <a:lstStyle/>
+              <a:p>
+                <a:r>
+                  <a:rPr lang="en-US">
+                    <a:noFill/>
+                  </a:rPr>
+                  <a:t> </a:t>
+                </a:r>
+              </a:p>
+            </p:txBody>
+          </p:sp>
+        </mc:Fallback>
+      </mc:AlternateContent>
+      <mc:AlternateContent xmlns:mc="http://schemas.openxmlformats.org/markup-compatibility/2006" xmlns:a14="http://schemas.microsoft.com/office/drawing/2010/main">
+        <mc:Choice Requires="a14">
+          <p:sp>
+            <p:nvSpPr>
+              <p:cNvPr id="16" name="Oval 15">
+                <a:extLst>
+                  <a:ext uri="{FF2B5EF4-FFF2-40B4-BE49-F238E27FC236}">
+                    <a16:creationId xmlns:a16="http://schemas.microsoft.com/office/drawing/2014/main" id="{1241267A-1ED9-46B6-A8C0-740B848F2482}"/>
+                  </a:ext>
+                </a:extLst>
+              </p:cNvPr>
+              <p:cNvSpPr/>
+              <p:nvPr/>
+            </p:nvSpPr>
+            <p:spPr>
+              <a:xfrm>
+                <a:off x="4675753" y="2816358"/>
+                <a:ext cx="711200" cy="711200"/>
+              </a:xfrm>
+              <a:prstGeom prst="ellipse">
+                <a:avLst/>
+              </a:prstGeom>
+            </p:spPr>
+            <p:style>
+              <a:lnRef idx="0">
+                <a:schemeClr val="accent2"/>
+              </a:lnRef>
+              <a:fillRef idx="3">
+                <a:schemeClr val="accent2"/>
+              </a:fillRef>
+              <a:effectRef idx="3">
+                <a:schemeClr val="accent2"/>
+              </a:effectRef>
+              <a:fontRef idx="minor">
+                <a:schemeClr val="lt1"/>
+              </a:fontRef>
+            </p:style>
+            <p:txBody>
+              <a:bodyPr rtlCol="0" anchor="ctr"/>
+              <a:lstStyle/>
+              <a:p>
+                <a:pPr algn="ctr"/>
+                <a14:m>
+                  <m:oMathPara xmlns:m="http://schemas.openxmlformats.org/officeDocument/2006/math">
+                    <m:oMathParaPr>
+                      <m:jc m:val="centerGroup"/>
+                    </m:oMathParaPr>
+                    <m:oMath xmlns:m="http://schemas.openxmlformats.org/officeDocument/2006/math">
+                      <m:r>
+                        <a:rPr lang="en-US" i="1">
+                          <a:latin typeface="Cambria Math" panose="02040503050406030204" pitchFamily="18" charset="0"/>
+                          <a:ea typeface="Cambria Math" panose="02040503050406030204" pitchFamily="18" charset="0"/>
+                        </a:rPr>
+                        <m:t>𝜎</m:t>
+                      </m:r>
+                      <m:r>
+                        <a:rPr lang="en-US" i="1">
+                          <a:latin typeface="Cambria Math" panose="02040503050406030204" pitchFamily="18" charset="0"/>
+                          <a:ea typeface="Cambria Math" panose="02040503050406030204" pitchFamily="18" charset="0"/>
+                        </a:rPr>
+                        <m:t>(</m:t>
+                      </m:r>
+                      <m:r>
+                        <a:rPr lang="en-US" i="1">
+                          <a:latin typeface="Cambria Math" panose="02040503050406030204" pitchFamily="18" charset="0"/>
+                          <a:ea typeface="Cambria Math" panose="02040503050406030204" pitchFamily="18" charset="0"/>
+                        </a:rPr>
+                        <m:t>𝑧</m:t>
+                      </m:r>
+                      <m:r>
+                        <a:rPr lang="en-US" i="1">
+                          <a:latin typeface="Cambria Math" panose="02040503050406030204" pitchFamily="18" charset="0"/>
+                          <a:ea typeface="Cambria Math" panose="02040503050406030204" pitchFamily="18" charset="0"/>
+                        </a:rPr>
+                        <m:t>)</m:t>
+                      </m:r>
+                    </m:oMath>
+                  </m:oMathPara>
+                </a14:m>
+                <a:endParaRPr lang="en-US" dirty="0"/>
+              </a:p>
+            </p:txBody>
+          </p:sp>
+        </mc:Choice>
+        <mc:Fallback xmlns="">
+          <p:sp>
+            <p:nvSpPr>
+              <p:cNvPr id="16" name="Oval 15">
+                <a:extLst>
+                  <a:ext uri="{FF2B5EF4-FFF2-40B4-BE49-F238E27FC236}">
+                    <a16:creationId xmlns:a16="http://schemas.microsoft.com/office/drawing/2014/main" id="{1241267A-1ED9-46B6-A8C0-740B848F2482}"/>
+                  </a:ext>
+                </a:extLst>
+              </p:cNvPr>
+              <p:cNvSpPr>
+                <a:spLocks noRot="1" noChangeAspect="1" noMove="1" noResize="1" noEditPoints="1" noAdjustHandles="1" noChangeArrowheads="1" noChangeShapeType="1" noTextEdit="1"/>
+              </p:cNvSpPr>
+              <p:nvPr/>
+            </p:nvSpPr>
+            <p:spPr>
+              <a:xfrm>
+                <a:off x="4675753" y="2816358"/>
+                <a:ext cx="711200" cy="711200"/>
+              </a:xfrm>
+              <a:prstGeom prst="ellipse">
+                <a:avLst/>
+              </a:prstGeom>
+              <a:blipFill>
+                <a:blip r:embed="rId4"/>
+                <a:stretch>
+                  <a:fillRect/>
+                </a:stretch>
+              </a:blipFill>
+            </p:spPr>
+            <p:txBody>
+              <a:bodyPr/>
+              <a:lstStyle/>
+              <a:p>
+                <a:r>
+                  <a:rPr lang="en-US">
+                    <a:noFill/>
+                  </a:rPr>
+                  <a:t> </a:t>
+                </a:r>
+              </a:p>
+            </p:txBody>
+          </p:sp>
+        </mc:Fallback>
+      </mc:AlternateContent>
+      <p:sp>
+        <p:nvSpPr>
+          <p:cNvPr id="17" name="Arrow: Right 16">
+            <a:extLst>
+              <a:ext uri="{FF2B5EF4-FFF2-40B4-BE49-F238E27FC236}">
+                <a16:creationId xmlns:a16="http://schemas.microsoft.com/office/drawing/2014/main" id="{6300CCF6-F56B-4128-8934-437ADA354298}"/>
+              </a:ext>
+            </a:extLst>
+          </p:cNvPr>
+          <p:cNvSpPr/>
+          <p:nvPr/>
+        </p:nvSpPr>
+        <p:spPr>
+          <a:xfrm>
+            <a:off x="3253525" y="1694011"/>
+            <a:ext cx="1409700" cy="94642"/>
+          </a:xfrm>
+          <a:prstGeom prst="rightArrow">
+            <a:avLst/>
+          </a:prstGeom>
+        </p:spPr>
+        <p:style>
+          <a:lnRef idx="0">
+            <a:schemeClr val="dk1"/>
+          </a:lnRef>
+          <a:fillRef idx="3">
+            <a:schemeClr val="dk1"/>
+          </a:fillRef>
+          <a:effectRef idx="3">
+            <a:schemeClr val="dk1"/>
+          </a:effectRef>
+          <a:fontRef idx="minor">
+            <a:schemeClr val="lt1"/>
+          </a:fontRef>
+        </p:style>
+        <p:txBody>
+          <a:bodyPr rtlCol="0" anchor="ctr"/>
+          <a:lstStyle/>
+          <a:p>
+            <a:pPr algn="ctr"/>
+            <a:endParaRPr lang="en-US"/>
+          </a:p>
+        </p:txBody>
+      </p:sp>
+      <p:sp>
+        <p:nvSpPr>
+          <p:cNvPr id="18" name="Arrow: Right 17">
+            <a:extLst>
+              <a:ext uri="{FF2B5EF4-FFF2-40B4-BE49-F238E27FC236}">
+                <a16:creationId xmlns:a16="http://schemas.microsoft.com/office/drawing/2014/main" id="{931BC1F5-93E1-4FE5-8280-57581D416A1E}"/>
+              </a:ext>
+            </a:extLst>
+          </p:cNvPr>
+          <p:cNvSpPr/>
+          <p:nvPr/>
+        </p:nvSpPr>
+        <p:spPr>
+          <a:xfrm>
+            <a:off x="3253525" y="3103711"/>
+            <a:ext cx="1409700" cy="94642"/>
+          </a:xfrm>
+          <a:prstGeom prst="rightArrow">
+            <a:avLst/>
+          </a:prstGeom>
+        </p:spPr>
+        <p:style>
+          <a:lnRef idx="0">
+            <a:schemeClr val="dk1"/>
+          </a:lnRef>
+          <a:fillRef idx="3">
+            <a:schemeClr val="dk1"/>
+          </a:fillRef>
+          <a:effectRef idx="3">
+            <a:schemeClr val="dk1"/>
+          </a:effectRef>
+          <a:fontRef idx="minor">
+            <a:schemeClr val="lt1"/>
+          </a:fontRef>
+        </p:style>
+        <p:txBody>
+          <a:bodyPr rtlCol="0" anchor="ctr"/>
+          <a:lstStyle/>
+          <a:p>
+            <a:pPr algn="ctr"/>
+            <a:endParaRPr lang="en-US"/>
+          </a:p>
+        </p:txBody>
+      </p:sp>
+      <mc:AlternateContent xmlns:mc="http://schemas.openxmlformats.org/markup-compatibility/2006" xmlns:a14="http://schemas.microsoft.com/office/drawing/2010/main">
+        <mc:Choice Requires="a14">
+          <p:sp>
+            <p:nvSpPr>
+              <p:cNvPr id="19" name="Oval 18">
+                <a:extLst>
+                  <a:ext uri="{FF2B5EF4-FFF2-40B4-BE49-F238E27FC236}">
+                    <a16:creationId xmlns:a16="http://schemas.microsoft.com/office/drawing/2014/main" id="{572575F7-95FF-470B-A0AC-DB1DCED87D94}"/>
+                  </a:ext>
+                </a:extLst>
+              </p:cNvPr>
+              <p:cNvSpPr/>
+              <p:nvPr/>
+            </p:nvSpPr>
+            <p:spPr>
+              <a:xfrm>
+                <a:off x="6784125" y="1381795"/>
+                <a:ext cx="711200" cy="711200"/>
+              </a:xfrm>
+              <a:prstGeom prst="ellipse">
+                <a:avLst/>
+              </a:prstGeom>
+            </p:spPr>
+            <p:style>
+              <a:lnRef idx="0">
+                <a:schemeClr val="accent2"/>
+              </a:lnRef>
+              <a:fillRef idx="3">
+                <a:schemeClr val="accent2"/>
+              </a:fillRef>
+              <a:effectRef idx="3">
+                <a:schemeClr val="accent2"/>
+              </a:effectRef>
+              <a:fontRef idx="minor">
+                <a:schemeClr val="lt1"/>
+              </a:fontRef>
+            </p:style>
+            <p:txBody>
+              <a:bodyPr rtlCol="0" anchor="ctr"/>
+              <a:lstStyle/>
+              <a:p>
+                <a:pPr algn="ctr"/>
+                <a14:m>
+                  <m:oMathPara xmlns:m="http://schemas.openxmlformats.org/officeDocument/2006/math">
+                    <m:oMathParaPr>
+                      <m:jc m:val="centerGroup"/>
+                    </m:oMathParaPr>
+                    <m:oMath xmlns:m="http://schemas.openxmlformats.org/officeDocument/2006/math">
+                      <m:r>
+                        <a:rPr lang="en-US" i="1">
+                          <a:latin typeface="Cambria Math" panose="02040503050406030204" pitchFamily="18" charset="0"/>
+                          <a:ea typeface="Cambria Math" panose="02040503050406030204" pitchFamily="18" charset="0"/>
+                        </a:rPr>
+                        <m:t>𝜎</m:t>
+                      </m:r>
+                      <m:r>
+                        <a:rPr lang="en-US" i="1">
+                          <a:latin typeface="Cambria Math" panose="02040503050406030204" pitchFamily="18" charset="0"/>
+                          <a:ea typeface="Cambria Math" panose="02040503050406030204" pitchFamily="18" charset="0"/>
+                        </a:rPr>
+                        <m:t>(</m:t>
+                      </m:r>
+                      <m:r>
+                        <a:rPr lang="en-US" i="1">
+                          <a:latin typeface="Cambria Math" panose="02040503050406030204" pitchFamily="18" charset="0"/>
+                          <a:ea typeface="Cambria Math" panose="02040503050406030204" pitchFamily="18" charset="0"/>
+                        </a:rPr>
+                        <m:t>𝑧</m:t>
+                      </m:r>
+                      <m:r>
+                        <a:rPr lang="en-US" i="1">
+                          <a:latin typeface="Cambria Math" panose="02040503050406030204" pitchFamily="18" charset="0"/>
+                          <a:ea typeface="Cambria Math" panose="02040503050406030204" pitchFamily="18" charset="0"/>
+                        </a:rPr>
+                        <m:t>)</m:t>
+                      </m:r>
+                    </m:oMath>
+                  </m:oMathPara>
+                </a14:m>
+                <a:endParaRPr lang="en-US" dirty="0"/>
+              </a:p>
+            </p:txBody>
+          </p:sp>
+        </mc:Choice>
+        <mc:Fallback xmlns="">
+          <p:sp>
+            <p:nvSpPr>
+              <p:cNvPr id="19" name="Oval 18">
+                <a:extLst>
+                  <a:ext uri="{FF2B5EF4-FFF2-40B4-BE49-F238E27FC236}">
+                    <a16:creationId xmlns:a16="http://schemas.microsoft.com/office/drawing/2014/main" id="{572575F7-95FF-470B-A0AC-DB1DCED87D94}"/>
+                  </a:ext>
+                </a:extLst>
+              </p:cNvPr>
+              <p:cNvSpPr>
+                <a:spLocks noRot="1" noChangeAspect="1" noMove="1" noResize="1" noEditPoints="1" noAdjustHandles="1" noChangeArrowheads="1" noChangeShapeType="1" noTextEdit="1"/>
+              </p:cNvSpPr>
+              <p:nvPr/>
+            </p:nvSpPr>
+            <p:spPr>
+              <a:xfrm>
+                <a:off x="6784125" y="1381795"/>
+                <a:ext cx="711200" cy="711200"/>
+              </a:xfrm>
+              <a:prstGeom prst="ellipse">
+                <a:avLst/>
+              </a:prstGeom>
+              <a:blipFill>
+                <a:blip r:embed="rId5"/>
+                <a:stretch>
+                  <a:fillRect/>
+                </a:stretch>
+              </a:blipFill>
+            </p:spPr>
+            <p:txBody>
+              <a:bodyPr/>
+              <a:lstStyle/>
+              <a:p>
+                <a:r>
+                  <a:rPr lang="en-US">
+                    <a:noFill/>
+                  </a:rPr>
+                  <a:t> </a:t>
+                </a:r>
+              </a:p>
+            </p:txBody>
+          </p:sp>
+        </mc:Fallback>
+      </mc:AlternateContent>
+      <mc:AlternateContent xmlns:mc="http://schemas.openxmlformats.org/markup-compatibility/2006" xmlns:a14="http://schemas.microsoft.com/office/drawing/2010/main">
+        <mc:Choice Requires="a14">
+          <p:sp>
+            <p:nvSpPr>
+              <p:cNvPr id="20" name="Oval 19">
+                <a:extLst>
+                  <a:ext uri="{FF2B5EF4-FFF2-40B4-BE49-F238E27FC236}">
+                    <a16:creationId xmlns:a16="http://schemas.microsoft.com/office/drawing/2014/main" id="{95D5EC81-4801-4D70-A56E-5700CF0F1E31}"/>
+                  </a:ext>
+                </a:extLst>
+              </p:cNvPr>
+              <p:cNvSpPr/>
+              <p:nvPr/>
+            </p:nvSpPr>
+            <p:spPr>
+              <a:xfrm>
+                <a:off x="6784125" y="2791495"/>
+                <a:ext cx="711200" cy="711200"/>
+              </a:xfrm>
+              <a:prstGeom prst="ellipse">
+                <a:avLst/>
+              </a:prstGeom>
+            </p:spPr>
+            <p:style>
+              <a:lnRef idx="0">
+                <a:schemeClr val="accent2"/>
+              </a:lnRef>
+              <a:fillRef idx="3">
+                <a:schemeClr val="accent2"/>
+              </a:fillRef>
+              <a:effectRef idx="3">
+                <a:schemeClr val="accent2"/>
+              </a:effectRef>
+              <a:fontRef idx="minor">
+                <a:schemeClr val="lt1"/>
+              </a:fontRef>
+            </p:style>
+            <p:txBody>
+              <a:bodyPr rtlCol="0" anchor="ctr"/>
+              <a:lstStyle/>
+              <a:p>
+                <a:pPr algn="ctr"/>
+                <a14:m>
+                  <m:oMathPara xmlns:m="http://schemas.openxmlformats.org/officeDocument/2006/math">
+                    <m:oMathParaPr>
+                      <m:jc m:val="centerGroup"/>
+                    </m:oMathParaPr>
+                    <m:oMath xmlns:m="http://schemas.openxmlformats.org/officeDocument/2006/math">
+                      <m:r>
+                        <a:rPr lang="en-US" i="1">
+                          <a:latin typeface="Cambria Math" panose="02040503050406030204" pitchFamily="18" charset="0"/>
+                          <a:ea typeface="Cambria Math" panose="02040503050406030204" pitchFamily="18" charset="0"/>
+                        </a:rPr>
+                        <m:t>𝜎</m:t>
+                      </m:r>
+                      <m:r>
+                        <a:rPr lang="en-US" i="1">
+                          <a:latin typeface="Cambria Math" panose="02040503050406030204" pitchFamily="18" charset="0"/>
+                          <a:ea typeface="Cambria Math" panose="02040503050406030204" pitchFamily="18" charset="0"/>
+                        </a:rPr>
+                        <m:t>(</m:t>
+                      </m:r>
+                      <m:r>
+                        <a:rPr lang="en-US" i="1">
+                          <a:latin typeface="Cambria Math" panose="02040503050406030204" pitchFamily="18" charset="0"/>
+                          <a:ea typeface="Cambria Math" panose="02040503050406030204" pitchFamily="18" charset="0"/>
+                        </a:rPr>
+                        <m:t>𝑧</m:t>
+                      </m:r>
+                      <m:r>
+                        <a:rPr lang="en-US" i="1">
+                          <a:latin typeface="Cambria Math" panose="02040503050406030204" pitchFamily="18" charset="0"/>
+                          <a:ea typeface="Cambria Math" panose="02040503050406030204" pitchFamily="18" charset="0"/>
+                        </a:rPr>
+                        <m:t>)</m:t>
+                      </m:r>
+                    </m:oMath>
+                  </m:oMathPara>
+                </a14:m>
+                <a:endParaRPr lang="en-US" dirty="0"/>
+              </a:p>
+            </p:txBody>
+          </p:sp>
+        </mc:Choice>
+        <mc:Fallback xmlns="">
+          <p:sp>
+            <p:nvSpPr>
+              <p:cNvPr id="20" name="Oval 19">
+                <a:extLst>
+                  <a:ext uri="{FF2B5EF4-FFF2-40B4-BE49-F238E27FC236}">
+                    <a16:creationId xmlns:a16="http://schemas.microsoft.com/office/drawing/2014/main" id="{95D5EC81-4801-4D70-A56E-5700CF0F1E31}"/>
+                  </a:ext>
+                </a:extLst>
+              </p:cNvPr>
+              <p:cNvSpPr>
+                <a:spLocks noRot="1" noChangeAspect="1" noMove="1" noResize="1" noEditPoints="1" noAdjustHandles="1" noChangeArrowheads="1" noChangeShapeType="1" noTextEdit="1"/>
+              </p:cNvSpPr>
+              <p:nvPr/>
+            </p:nvSpPr>
+            <p:spPr>
+              <a:xfrm>
+                <a:off x="6784125" y="2791495"/>
+                <a:ext cx="711200" cy="711200"/>
+              </a:xfrm>
+              <a:prstGeom prst="ellipse">
+                <a:avLst/>
+              </a:prstGeom>
+              <a:blipFill>
+                <a:blip r:embed="rId6"/>
+                <a:stretch>
+                  <a:fillRect/>
+                </a:stretch>
+              </a:blipFill>
+            </p:spPr>
+            <p:txBody>
+              <a:bodyPr/>
+              <a:lstStyle/>
+              <a:p>
+                <a:r>
+                  <a:rPr lang="en-US">
+                    <a:noFill/>
+                  </a:rPr>
+                  <a:t> </a:t>
+                </a:r>
+              </a:p>
+            </p:txBody>
+          </p:sp>
+        </mc:Fallback>
+      </mc:AlternateContent>
+      <p:sp>
+        <p:nvSpPr>
+          <p:cNvPr id="21" name="Arrow: Right 20">
+            <a:extLst>
+              <a:ext uri="{FF2B5EF4-FFF2-40B4-BE49-F238E27FC236}">
+                <a16:creationId xmlns:a16="http://schemas.microsoft.com/office/drawing/2014/main" id="{D41393A6-CBD4-442E-A2AF-D4D488D7B3DA}"/>
+              </a:ext>
+            </a:extLst>
+          </p:cNvPr>
+          <p:cNvSpPr/>
+          <p:nvPr/>
+        </p:nvSpPr>
+        <p:spPr>
+          <a:xfrm>
+            <a:off x="5368075" y="1690072"/>
+            <a:ext cx="1409700" cy="94642"/>
+          </a:xfrm>
+          <a:prstGeom prst="rightArrow">
+            <a:avLst/>
+          </a:prstGeom>
+        </p:spPr>
+        <p:style>
+          <a:lnRef idx="0">
+            <a:schemeClr val="dk1"/>
+          </a:lnRef>
+          <a:fillRef idx="3">
+            <a:schemeClr val="dk1"/>
+          </a:fillRef>
+          <a:effectRef idx="3">
+            <a:schemeClr val="dk1"/>
+          </a:effectRef>
+          <a:fontRef idx="minor">
+            <a:schemeClr val="lt1"/>
+          </a:fontRef>
+        </p:style>
+        <p:txBody>
+          <a:bodyPr rtlCol="0" anchor="ctr"/>
+          <a:lstStyle/>
+          <a:p>
+            <a:pPr algn="ctr"/>
+            <a:endParaRPr lang="en-US"/>
+          </a:p>
+        </p:txBody>
+      </p:sp>
+      <p:sp>
+        <p:nvSpPr>
+          <p:cNvPr id="22" name="Arrow: Right 21">
+            <a:extLst>
+              <a:ext uri="{FF2B5EF4-FFF2-40B4-BE49-F238E27FC236}">
+                <a16:creationId xmlns:a16="http://schemas.microsoft.com/office/drawing/2014/main" id="{E17435A7-68D2-48B5-81E3-4001C2CC2FB1}"/>
+              </a:ext>
+            </a:extLst>
+          </p:cNvPr>
+          <p:cNvSpPr/>
+          <p:nvPr/>
+        </p:nvSpPr>
+        <p:spPr>
+          <a:xfrm>
+            <a:off x="5374425" y="3099774"/>
+            <a:ext cx="1409700" cy="94642"/>
+          </a:xfrm>
+          <a:prstGeom prst="rightArrow">
+            <a:avLst/>
+          </a:prstGeom>
+        </p:spPr>
+        <p:style>
+          <a:lnRef idx="0">
+            <a:schemeClr val="dk1"/>
+          </a:lnRef>
+          <a:fillRef idx="3">
+            <a:schemeClr val="dk1"/>
+          </a:fillRef>
+          <a:effectRef idx="3">
+            <a:schemeClr val="dk1"/>
+          </a:effectRef>
+          <a:fontRef idx="minor">
+            <a:schemeClr val="lt1"/>
+          </a:fontRef>
+        </p:style>
+        <p:txBody>
+          <a:bodyPr rtlCol="0" anchor="ctr"/>
+          <a:lstStyle/>
+          <a:p>
+            <a:pPr algn="ctr"/>
+            <a:endParaRPr lang="en-US"/>
+          </a:p>
+        </p:txBody>
+      </p:sp>
+      <mc:AlternateContent xmlns:mc="http://schemas.openxmlformats.org/markup-compatibility/2006" xmlns:a14="http://schemas.microsoft.com/office/drawing/2010/main">
+        <mc:Choice Requires="a14">
+          <p:sp>
+            <p:nvSpPr>
+              <p:cNvPr id="23" name="Oval 22">
+                <a:extLst>
+                  <a:ext uri="{FF2B5EF4-FFF2-40B4-BE49-F238E27FC236}">
+                    <a16:creationId xmlns:a16="http://schemas.microsoft.com/office/drawing/2014/main" id="{8A39F4A2-2760-4EFE-8CF4-80ADBA48E90B}"/>
+                  </a:ext>
+                </a:extLst>
+              </p:cNvPr>
+              <p:cNvSpPr/>
+              <p:nvPr/>
+            </p:nvSpPr>
+            <p:spPr>
+              <a:xfrm>
+                <a:off x="8905025" y="1381795"/>
+                <a:ext cx="711200" cy="711200"/>
+              </a:xfrm>
+              <a:prstGeom prst="ellipse">
+                <a:avLst/>
+              </a:prstGeom>
+            </p:spPr>
+            <p:style>
+              <a:lnRef idx="0">
+                <a:schemeClr val="accent1"/>
+              </a:lnRef>
+              <a:fillRef idx="3">
+                <a:schemeClr val="accent1"/>
+              </a:fillRef>
+              <a:effectRef idx="3">
+                <a:schemeClr val="accent1"/>
+              </a:effectRef>
+              <a:fontRef idx="minor">
+                <a:schemeClr val="lt1"/>
+              </a:fontRef>
+            </p:style>
+            <p:txBody>
+              <a:bodyPr rtlCol="0" anchor="ctr"/>
+              <a:lstStyle/>
+              <a:p>
+                <a:pPr algn="ctr"/>
+                <a14:m>
+                  <m:oMathPara xmlns:m="http://schemas.openxmlformats.org/officeDocument/2006/math">
+                    <m:oMathParaPr>
+                      <m:jc m:val="centerGroup"/>
+                    </m:oMathParaPr>
+                    <m:oMath xmlns:m="http://schemas.openxmlformats.org/officeDocument/2006/math">
+                      <m:r>
+                        <a:rPr lang="en-US" i="1">
+                          <a:latin typeface="Cambria Math" panose="02040503050406030204" pitchFamily="18" charset="0"/>
+                          <a:ea typeface="Cambria Math" panose="02040503050406030204" pitchFamily="18" charset="0"/>
+                        </a:rPr>
+                        <m:t>𝜎</m:t>
+                      </m:r>
+                      <m:r>
+                        <a:rPr lang="en-US" i="1">
+                          <a:latin typeface="Cambria Math" panose="02040503050406030204" pitchFamily="18" charset="0"/>
+                          <a:ea typeface="Cambria Math" panose="02040503050406030204" pitchFamily="18" charset="0"/>
+                        </a:rPr>
+                        <m:t>(</m:t>
+                      </m:r>
+                      <m:r>
+                        <a:rPr lang="en-US" i="1">
+                          <a:latin typeface="Cambria Math" panose="02040503050406030204" pitchFamily="18" charset="0"/>
+                          <a:ea typeface="Cambria Math" panose="02040503050406030204" pitchFamily="18" charset="0"/>
+                        </a:rPr>
+                        <m:t>𝑧</m:t>
+                      </m:r>
+                      <m:r>
+                        <a:rPr lang="en-US" i="1">
+                          <a:latin typeface="Cambria Math" panose="02040503050406030204" pitchFamily="18" charset="0"/>
+                          <a:ea typeface="Cambria Math" panose="02040503050406030204" pitchFamily="18" charset="0"/>
+                        </a:rPr>
+                        <m:t>)</m:t>
+                      </m:r>
+                    </m:oMath>
+                  </m:oMathPara>
+                </a14:m>
+                <a:endParaRPr lang="en-US" dirty="0"/>
+              </a:p>
+            </p:txBody>
+          </p:sp>
+        </mc:Choice>
+        <mc:Fallback xmlns="">
+          <p:sp>
+            <p:nvSpPr>
+              <p:cNvPr id="23" name="Oval 22">
+                <a:extLst>
+                  <a:ext uri="{FF2B5EF4-FFF2-40B4-BE49-F238E27FC236}">
+                    <a16:creationId xmlns:a16="http://schemas.microsoft.com/office/drawing/2014/main" id="{8A39F4A2-2760-4EFE-8CF4-80ADBA48E90B}"/>
+                  </a:ext>
+                </a:extLst>
+              </p:cNvPr>
+              <p:cNvSpPr>
+                <a:spLocks noRot="1" noChangeAspect="1" noMove="1" noResize="1" noEditPoints="1" noAdjustHandles="1" noChangeArrowheads="1" noChangeShapeType="1" noTextEdit="1"/>
+              </p:cNvSpPr>
+              <p:nvPr/>
+            </p:nvSpPr>
+            <p:spPr>
+              <a:xfrm>
+                <a:off x="8905025" y="1381795"/>
+                <a:ext cx="711200" cy="711200"/>
+              </a:xfrm>
+              <a:prstGeom prst="ellipse">
+                <a:avLst/>
+              </a:prstGeom>
+              <a:blipFill>
+                <a:blip r:embed="rId7"/>
+                <a:stretch>
+                  <a:fillRect/>
+                </a:stretch>
+              </a:blipFill>
+            </p:spPr>
+            <p:txBody>
+              <a:bodyPr/>
+              <a:lstStyle/>
+              <a:p>
+                <a:r>
+                  <a:rPr lang="en-US">
+                    <a:noFill/>
+                  </a:rPr>
+                  <a:t> </a:t>
+                </a:r>
+              </a:p>
+            </p:txBody>
+          </p:sp>
+        </mc:Fallback>
+      </mc:AlternateContent>
+      <mc:AlternateContent xmlns:mc="http://schemas.openxmlformats.org/markup-compatibility/2006" xmlns:a14="http://schemas.microsoft.com/office/drawing/2010/main">
+        <mc:Choice Requires="a14">
+          <p:sp>
+            <p:nvSpPr>
+              <p:cNvPr id="24" name="Oval 23">
+                <a:extLst>
+                  <a:ext uri="{FF2B5EF4-FFF2-40B4-BE49-F238E27FC236}">
+                    <a16:creationId xmlns:a16="http://schemas.microsoft.com/office/drawing/2014/main" id="{60FF0C26-F8B8-458C-A90E-2E71C7E27612}"/>
+                  </a:ext>
+                </a:extLst>
+              </p:cNvPr>
+              <p:cNvSpPr/>
+              <p:nvPr/>
+            </p:nvSpPr>
+            <p:spPr>
+              <a:xfrm>
+                <a:off x="8905025" y="2791495"/>
+                <a:ext cx="711200" cy="711200"/>
+              </a:xfrm>
+              <a:prstGeom prst="ellipse">
+                <a:avLst/>
+              </a:prstGeom>
+            </p:spPr>
+            <p:style>
+              <a:lnRef idx="0">
+                <a:schemeClr val="accent1"/>
+              </a:lnRef>
+              <a:fillRef idx="3">
+                <a:schemeClr val="accent1"/>
+              </a:fillRef>
+              <a:effectRef idx="3">
+                <a:schemeClr val="accent1"/>
+              </a:effectRef>
+              <a:fontRef idx="minor">
+                <a:schemeClr val="lt1"/>
+              </a:fontRef>
+            </p:style>
+            <p:txBody>
+              <a:bodyPr rtlCol="0" anchor="ctr"/>
+              <a:lstStyle/>
+              <a:p>
+                <a:pPr algn="ctr"/>
+                <a14:m>
+                  <m:oMathPara xmlns:m="http://schemas.openxmlformats.org/officeDocument/2006/math">
+                    <m:oMathParaPr>
+                      <m:jc m:val="centerGroup"/>
+                    </m:oMathParaPr>
+                    <m:oMath xmlns:m="http://schemas.openxmlformats.org/officeDocument/2006/math">
+                      <m:r>
+                        <a:rPr lang="en-US" i="1">
+                          <a:latin typeface="Cambria Math" panose="02040503050406030204" pitchFamily="18" charset="0"/>
+                          <a:ea typeface="Cambria Math" panose="02040503050406030204" pitchFamily="18" charset="0"/>
+                        </a:rPr>
+                        <m:t>𝜎</m:t>
+                      </m:r>
+                      <m:r>
+                        <a:rPr lang="en-US" i="1">
+                          <a:latin typeface="Cambria Math" panose="02040503050406030204" pitchFamily="18" charset="0"/>
+                          <a:ea typeface="Cambria Math" panose="02040503050406030204" pitchFamily="18" charset="0"/>
+                        </a:rPr>
+                        <m:t>(</m:t>
+                      </m:r>
+                      <m:r>
+                        <a:rPr lang="en-US" i="1">
+                          <a:latin typeface="Cambria Math" panose="02040503050406030204" pitchFamily="18" charset="0"/>
+                          <a:ea typeface="Cambria Math" panose="02040503050406030204" pitchFamily="18" charset="0"/>
+                        </a:rPr>
+                        <m:t>𝑧</m:t>
+                      </m:r>
+                      <m:r>
+                        <a:rPr lang="en-US" i="1">
+                          <a:latin typeface="Cambria Math" panose="02040503050406030204" pitchFamily="18" charset="0"/>
+                          <a:ea typeface="Cambria Math" panose="02040503050406030204" pitchFamily="18" charset="0"/>
+                        </a:rPr>
+                        <m:t>)</m:t>
+                      </m:r>
+                    </m:oMath>
+                  </m:oMathPara>
+                </a14:m>
+                <a:endParaRPr lang="en-US" dirty="0"/>
+              </a:p>
+            </p:txBody>
+          </p:sp>
+        </mc:Choice>
+        <mc:Fallback xmlns="">
+          <p:sp>
+            <p:nvSpPr>
+              <p:cNvPr id="24" name="Oval 23">
+                <a:extLst>
+                  <a:ext uri="{FF2B5EF4-FFF2-40B4-BE49-F238E27FC236}">
+                    <a16:creationId xmlns:a16="http://schemas.microsoft.com/office/drawing/2014/main" id="{60FF0C26-F8B8-458C-A90E-2E71C7E27612}"/>
+                  </a:ext>
+                </a:extLst>
+              </p:cNvPr>
+              <p:cNvSpPr>
+                <a:spLocks noRot="1" noChangeAspect="1" noMove="1" noResize="1" noEditPoints="1" noAdjustHandles="1" noChangeArrowheads="1" noChangeShapeType="1" noTextEdit="1"/>
+              </p:cNvSpPr>
+              <p:nvPr/>
+            </p:nvSpPr>
+            <p:spPr>
+              <a:xfrm>
+                <a:off x="8905025" y="2791495"/>
+                <a:ext cx="711200" cy="711200"/>
+              </a:xfrm>
+              <a:prstGeom prst="ellipse">
+                <a:avLst/>
+              </a:prstGeom>
+              <a:blipFill>
+                <a:blip r:embed="rId8"/>
+                <a:stretch>
+                  <a:fillRect/>
+                </a:stretch>
+              </a:blipFill>
+            </p:spPr>
+            <p:txBody>
+              <a:bodyPr/>
+              <a:lstStyle/>
+              <a:p>
+                <a:r>
+                  <a:rPr lang="en-US">
+                    <a:noFill/>
+                  </a:rPr>
+                  <a:t> </a:t>
+                </a:r>
+              </a:p>
+            </p:txBody>
+          </p:sp>
+        </mc:Fallback>
+      </mc:AlternateContent>
+      <p:sp>
+        <p:nvSpPr>
+          <p:cNvPr id="25" name="Arrow: Right 24">
+            <a:extLst>
+              <a:ext uri="{FF2B5EF4-FFF2-40B4-BE49-F238E27FC236}">
+                <a16:creationId xmlns:a16="http://schemas.microsoft.com/office/drawing/2014/main" id="{B4BB5F51-9948-49CB-9111-486E8CC84A28}"/>
+              </a:ext>
+            </a:extLst>
+          </p:cNvPr>
+          <p:cNvSpPr/>
+          <p:nvPr/>
+        </p:nvSpPr>
+        <p:spPr>
+          <a:xfrm>
+            <a:off x="7495325" y="1690074"/>
+            <a:ext cx="1409700" cy="94642"/>
+          </a:xfrm>
+          <a:prstGeom prst="rightArrow">
+            <a:avLst/>
+          </a:prstGeom>
+        </p:spPr>
+        <p:style>
+          <a:lnRef idx="0">
+            <a:schemeClr val="dk1"/>
+          </a:lnRef>
+          <a:fillRef idx="3">
+            <a:schemeClr val="dk1"/>
+          </a:fillRef>
+          <a:effectRef idx="3">
+            <a:schemeClr val="dk1"/>
+          </a:effectRef>
+          <a:fontRef idx="minor">
+            <a:schemeClr val="lt1"/>
+          </a:fontRef>
+        </p:style>
+        <p:txBody>
+          <a:bodyPr rtlCol="0" anchor="ctr"/>
+          <a:lstStyle/>
+          <a:p>
+            <a:pPr algn="ctr"/>
+            <a:endParaRPr lang="en-US"/>
+          </a:p>
+        </p:txBody>
+      </p:sp>
+      <p:sp>
+        <p:nvSpPr>
+          <p:cNvPr id="26" name="Arrow: Right 25">
+            <a:extLst>
+              <a:ext uri="{FF2B5EF4-FFF2-40B4-BE49-F238E27FC236}">
+                <a16:creationId xmlns:a16="http://schemas.microsoft.com/office/drawing/2014/main" id="{EA6FCC1D-C348-4EE2-8852-18525FE3EC1D}"/>
+              </a:ext>
+            </a:extLst>
+          </p:cNvPr>
+          <p:cNvSpPr/>
+          <p:nvPr/>
+        </p:nvSpPr>
+        <p:spPr>
+          <a:xfrm>
+            <a:off x="7495325" y="3099774"/>
+            <a:ext cx="1409700" cy="94642"/>
+          </a:xfrm>
+          <a:prstGeom prst="rightArrow">
+            <a:avLst/>
+          </a:prstGeom>
+        </p:spPr>
+        <p:style>
+          <a:lnRef idx="0">
+            <a:schemeClr val="dk1"/>
+          </a:lnRef>
+          <a:fillRef idx="3">
+            <a:schemeClr val="dk1"/>
+          </a:fillRef>
+          <a:effectRef idx="3">
+            <a:schemeClr val="dk1"/>
+          </a:effectRef>
+          <a:fontRef idx="minor">
+            <a:schemeClr val="lt1"/>
+          </a:fontRef>
+        </p:style>
+        <p:txBody>
+          <a:bodyPr rtlCol="0" anchor="ctr"/>
+          <a:lstStyle/>
+          <a:p>
+            <a:pPr algn="ctr"/>
+            <a:endParaRPr lang="en-US"/>
+          </a:p>
+        </p:txBody>
+      </p:sp>
+      <mc:AlternateContent xmlns:mc="http://schemas.openxmlformats.org/markup-compatibility/2006" xmlns:a14="http://schemas.microsoft.com/office/drawing/2010/main">
+        <mc:Choice Requires="a14">
+          <p:sp>
+            <p:nvSpPr>
+              <p:cNvPr id="27" name="Oval 26">
+                <a:extLst>
+                  <a:ext uri="{FF2B5EF4-FFF2-40B4-BE49-F238E27FC236}">
+                    <a16:creationId xmlns:a16="http://schemas.microsoft.com/office/drawing/2014/main" id="{94652B79-D00E-45EC-A83B-A92B67607CA4}"/>
+                  </a:ext>
+                </a:extLst>
+              </p:cNvPr>
+              <p:cNvSpPr/>
+              <p:nvPr/>
+            </p:nvSpPr>
+            <p:spPr>
+              <a:xfrm>
+                <a:off x="2541970" y="2762216"/>
+                <a:ext cx="711200" cy="711200"/>
+              </a:xfrm>
+              <a:prstGeom prst="ellipse">
+                <a:avLst/>
+              </a:prstGeom>
+            </p:spPr>
+            <p:style>
+              <a:lnRef idx="0">
+                <a:schemeClr val="accent6"/>
+              </a:lnRef>
+              <a:fillRef idx="3">
+                <a:schemeClr val="accent6"/>
+              </a:fillRef>
+              <a:effectRef idx="3">
+                <a:schemeClr val="accent6"/>
+              </a:effectRef>
+              <a:fontRef idx="minor">
+                <a:schemeClr val="lt1"/>
+              </a:fontRef>
+            </p:style>
+            <p:txBody>
+              <a:bodyPr rtlCol="0" anchor="ctr"/>
+              <a:lstStyle/>
+              <a:p>
+                <a:pPr algn="ctr"/>
+                <a14:m>
+                  <m:oMathPara xmlns:m="http://schemas.openxmlformats.org/officeDocument/2006/math">
+                    <m:oMathParaPr>
+                      <m:jc m:val="centerGroup"/>
+                    </m:oMathParaPr>
+                    <m:oMath xmlns:m="http://schemas.openxmlformats.org/officeDocument/2006/math">
+                      <m:r>
+                        <a:rPr lang="en-US" b="0" i="1" smtClean="0">
+                          <a:latin typeface="Cambria Math" panose="02040503050406030204" pitchFamily="18" charset="0"/>
+                        </a:rPr>
+                        <m:t>1</m:t>
+                      </m:r>
+                    </m:oMath>
+                  </m:oMathPara>
+                </a14:m>
+                <a:endParaRPr lang="en-US" dirty="0"/>
+              </a:p>
+            </p:txBody>
+          </p:sp>
+        </mc:Choice>
+        <mc:Fallback xmlns="">
+          <p:sp>
+            <p:nvSpPr>
+              <p:cNvPr id="27" name="Oval 26">
+                <a:extLst>
+                  <a:ext uri="{FF2B5EF4-FFF2-40B4-BE49-F238E27FC236}">
+                    <a16:creationId xmlns:a16="http://schemas.microsoft.com/office/drawing/2014/main" id="{94652B79-D00E-45EC-A83B-A92B67607CA4}"/>
+                  </a:ext>
+                </a:extLst>
+              </p:cNvPr>
+              <p:cNvSpPr>
+                <a:spLocks noRot="1" noChangeAspect="1" noMove="1" noResize="1" noEditPoints="1" noAdjustHandles="1" noChangeArrowheads="1" noChangeShapeType="1" noTextEdit="1"/>
+              </p:cNvSpPr>
+              <p:nvPr/>
+            </p:nvSpPr>
+            <p:spPr>
+              <a:xfrm>
+                <a:off x="2541970" y="2762216"/>
+                <a:ext cx="711200" cy="711200"/>
+              </a:xfrm>
+              <a:prstGeom prst="ellipse">
+                <a:avLst/>
+              </a:prstGeom>
+              <a:blipFill>
+                <a:blip r:embed="rId9"/>
+                <a:stretch>
+                  <a:fillRect/>
+                </a:stretch>
+              </a:blipFill>
+            </p:spPr>
+            <p:txBody>
+              <a:bodyPr/>
+              <a:lstStyle/>
+              <a:p>
+                <a:r>
+                  <a:rPr lang="en-US">
+                    <a:noFill/>
+                  </a:rPr>
+                  <a:t> </a:t>
+                </a:r>
+              </a:p>
+            </p:txBody>
+          </p:sp>
+        </mc:Fallback>
+      </mc:AlternateContent>
+      <mc:AlternateContent xmlns:mc="http://schemas.openxmlformats.org/markup-compatibility/2006" xmlns:a14="http://schemas.microsoft.com/office/drawing/2010/main">
+        <mc:Choice Requires="a14">
+          <p:sp>
+            <p:nvSpPr>
+              <p:cNvPr id="28" name="Oval 27">
+                <a:extLst>
+                  <a:ext uri="{FF2B5EF4-FFF2-40B4-BE49-F238E27FC236}">
+                    <a16:creationId xmlns:a16="http://schemas.microsoft.com/office/drawing/2014/main" id="{31E8C427-30B7-44AA-B352-9D9D40A03DA6}"/>
+                  </a:ext>
+                </a:extLst>
+              </p:cNvPr>
+              <p:cNvSpPr/>
+              <p:nvPr/>
+            </p:nvSpPr>
+            <p:spPr>
+              <a:xfrm>
+                <a:off x="2519365" y="4137260"/>
+                <a:ext cx="711200" cy="711200"/>
+              </a:xfrm>
+              <a:prstGeom prst="ellipse">
+                <a:avLst/>
+              </a:prstGeom>
+              <a:ln/>
+            </p:spPr>
+            <p:style>
+              <a:lnRef idx="0">
+                <a:schemeClr val="accent3"/>
+              </a:lnRef>
+              <a:fillRef idx="3">
+                <a:schemeClr val="accent3"/>
+              </a:fillRef>
+              <a:effectRef idx="3">
+                <a:schemeClr val="accent3"/>
+              </a:effectRef>
+              <a:fontRef idx="minor">
+                <a:schemeClr val="lt1"/>
+              </a:fontRef>
+            </p:style>
+            <p:txBody>
+              <a:bodyPr rtlCol="0" anchor="ctr"/>
+              <a:lstStyle/>
+              <a:p>
+                <a:pPr algn="ctr"/>
+                <a14:m>
+                  <m:oMathPara xmlns:m="http://schemas.openxmlformats.org/officeDocument/2006/math">
+                    <m:oMathParaPr>
+                      <m:jc m:val="centerGroup"/>
+                    </m:oMathParaPr>
+                    <m:oMath xmlns:m="http://schemas.openxmlformats.org/officeDocument/2006/math">
+                      <m:r>
+                        <a:rPr lang="en-US" i="1" dirty="0">
+                          <a:latin typeface="Cambria Math" panose="02040503050406030204" pitchFamily="18" charset="0"/>
+                        </a:rPr>
+                        <m:t>+</m:t>
+                      </m:r>
+                      <m:r>
+                        <a:rPr lang="en-US" b="0" i="1" dirty="0" smtClean="0">
+                          <a:latin typeface="Cambria Math" panose="02040503050406030204" pitchFamily="18" charset="0"/>
+                        </a:rPr>
+                        <m:t>1</m:t>
+                      </m:r>
+                    </m:oMath>
+                  </m:oMathPara>
+                </a14:m>
+                <a:endParaRPr lang="en-US" baseline="-25000" dirty="0"/>
+              </a:p>
+            </p:txBody>
+          </p:sp>
+        </mc:Choice>
+        <mc:Fallback xmlns="">
+          <p:sp>
+            <p:nvSpPr>
+              <p:cNvPr id="28" name="Oval 27">
+                <a:extLst>
+                  <a:ext uri="{FF2B5EF4-FFF2-40B4-BE49-F238E27FC236}">
+                    <a16:creationId xmlns:a16="http://schemas.microsoft.com/office/drawing/2014/main" id="{31E8C427-30B7-44AA-B352-9D9D40A03DA6}"/>
+                  </a:ext>
+                </a:extLst>
+              </p:cNvPr>
+              <p:cNvSpPr>
+                <a:spLocks noRot="1" noChangeAspect="1" noMove="1" noResize="1" noEditPoints="1" noAdjustHandles="1" noChangeArrowheads="1" noChangeShapeType="1" noTextEdit="1"/>
+              </p:cNvSpPr>
+              <p:nvPr/>
+            </p:nvSpPr>
+            <p:spPr>
+              <a:xfrm>
+                <a:off x="2519365" y="4137260"/>
+                <a:ext cx="711200" cy="711200"/>
+              </a:xfrm>
+              <a:prstGeom prst="ellipse">
+                <a:avLst/>
+              </a:prstGeom>
+              <a:blipFill>
+                <a:blip r:embed="rId10"/>
+                <a:stretch>
+                  <a:fillRect/>
+                </a:stretch>
+              </a:blipFill>
+              <a:ln/>
+            </p:spPr>
+            <p:txBody>
+              <a:bodyPr/>
+              <a:lstStyle/>
+              <a:p>
+                <a:r>
+                  <a:rPr lang="en-US">
+                    <a:noFill/>
+                  </a:rPr>
+                  <a:t> </a:t>
+                </a:r>
+              </a:p>
+            </p:txBody>
+          </p:sp>
+        </mc:Fallback>
+      </mc:AlternateContent>
+      <mc:AlternateContent xmlns:mc="http://schemas.openxmlformats.org/markup-compatibility/2006" xmlns:a14="http://schemas.microsoft.com/office/drawing/2010/main">
+        <mc:Choice Requires="a14">
+          <p:sp>
+            <p:nvSpPr>
+              <p:cNvPr id="29" name="Oval 28">
+                <a:extLst>
+                  <a:ext uri="{FF2B5EF4-FFF2-40B4-BE49-F238E27FC236}">
+                    <a16:creationId xmlns:a16="http://schemas.microsoft.com/office/drawing/2014/main" id="{5F7BB37A-F4FD-410E-AE34-1E2F38D13271}"/>
+                  </a:ext>
+                </a:extLst>
+              </p:cNvPr>
+              <p:cNvSpPr/>
+              <p:nvPr/>
+            </p:nvSpPr>
+            <p:spPr>
+              <a:xfrm>
+                <a:off x="4693912" y="4137260"/>
+                <a:ext cx="711200" cy="711200"/>
+              </a:xfrm>
+              <a:prstGeom prst="ellipse">
+                <a:avLst/>
+              </a:prstGeom>
+              <a:ln/>
+            </p:spPr>
+            <p:style>
+              <a:lnRef idx="0">
+                <a:schemeClr val="accent3"/>
+              </a:lnRef>
+              <a:fillRef idx="3">
+                <a:schemeClr val="accent3"/>
+              </a:fillRef>
+              <a:effectRef idx="3">
+                <a:schemeClr val="accent3"/>
+              </a:effectRef>
+              <a:fontRef idx="minor">
+                <a:schemeClr val="lt1"/>
+              </a:fontRef>
+            </p:style>
+            <p:txBody>
+              <a:bodyPr rtlCol="0" anchor="ctr"/>
+              <a:lstStyle/>
+              <a:p>
+                <a:pPr algn="ctr"/>
+                <a14:m>
+                  <m:oMathPara xmlns:m="http://schemas.openxmlformats.org/officeDocument/2006/math">
+                    <m:oMathParaPr>
+                      <m:jc m:val="centerGroup"/>
+                    </m:oMathParaPr>
+                    <m:oMath xmlns:m="http://schemas.openxmlformats.org/officeDocument/2006/math">
+                      <m:r>
+                        <a:rPr lang="en-US" b="0" i="1" dirty="0" smtClean="0">
+                          <a:latin typeface="Cambria Math" panose="02040503050406030204" pitchFamily="18" charset="0"/>
+                        </a:rPr>
+                        <m:t>+1</m:t>
+                      </m:r>
+                    </m:oMath>
+                  </m:oMathPara>
+                </a14:m>
+                <a:endParaRPr lang="en-US" baseline="-25000" dirty="0"/>
+              </a:p>
+            </p:txBody>
+          </p:sp>
+        </mc:Choice>
+        <mc:Fallback xmlns="">
+          <p:sp>
+            <p:nvSpPr>
+              <p:cNvPr id="29" name="Oval 28">
+                <a:extLst>
+                  <a:ext uri="{FF2B5EF4-FFF2-40B4-BE49-F238E27FC236}">
+                    <a16:creationId xmlns:a16="http://schemas.microsoft.com/office/drawing/2014/main" id="{5F7BB37A-F4FD-410E-AE34-1E2F38D13271}"/>
+                  </a:ext>
+                </a:extLst>
+              </p:cNvPr>
+              <p:cNvSpPr>
+                <a:spLocks noRot="1" noChangeAspect="1" noMove="1" noResize="1" noEditPoints="1" noAdjustHandles="1" noChangeArrowheads="1" noChangeShapeType="1" noTextEdit="1"/>
+              </p:cNvSpPr>
+              <p:nvPr/>
+            </p:nvSpPr>
+            <p:spPr>
+              <a:xfrm>
+                <a:off x="4693912" y="4137260"/>
+                <a:ext cx="711200" cy="711200"/>
+              </a:xfrm>
+              <a:prstGeom prst="ellipse">
+                <a:avLst/>
+              </a:prstGeom>
+              <a:blipFill>
+                <a:blip r:embed="rId11"/>
+                <a:stretch>
+                  <a:fillRect/>
+                </a:stretch>
+              </a:blipFill>
+              <a:ln/>
+            </p:spPr>
+            <p:txBody>
+              <a:bodyPr/>
+              <a:lstStyle/>
+              <a:p>
+                <a:r>
+                  <a:rPr lang="en-US">
+                    <a:noFill/>
+                  </a:rPr>
+                  <a:t> </a:t>
+                </a:r>
+              </a:p>
+            </p:txBody>
+          </p:sp>
+        </mc:Fallback>
+      </mc:AlternateContent>
+      <mc:AlternateContent xmlns:mc="http://schemas.openxmlformats.org/markup-compatibility/2006" xmlns:a14="http://schemas.microsoft.com/office/drawing/2010/main">
+        <mc:Choice Requires="a14">
+          <p:sp>
+            <p:nvSpPr>
+              <p:cNvPr id="30" name="Oval 29">
+                <a:extLst>
+                  <a:ext uri="{FF2B5EF4-FFF2-40B4-BE49-F238E27FC236}">
+                    <a16:creationId xmlns:a16="http://schemas.microsoft.com/office/drawing/2014/main" id="{BC87A455-6206-4D23-99D9-E783B78D7294}"/>
+                  </a:ext>
+                </a:extLst>
+              </p:cNvPr>
+              <p:cNvSpPr/>
+              <p:nvPr/>
+            </p:nvSpPr>
+            <p:spPr>
+              <a:xfrm>
+                <a:off x="6789557" y="4134354"/>
+                <a:ext cx="711200" cy="711200"/>
+              </a:xfrm>
+              <a:prstGeom prst="ellipse">
+                <a:avLst/>
+              </a:prstGeom>
+              <a:ln/>
+            </p:spPr>
+            <p:style>
+              <a:lnRef idx="0">
+                <a:schemeClr val="accent3"/>
+              </a:lnRef>
+              <a:fillRef idx="3">
+                <a:schemeClr val="accent3"/>
+              </a:fillRef>
+              <a:effectRef idx="3">
+                <a:schemeClr val="accent3"/>
+              </a:effectRef>
+              <a:fontRef idx="minor">
+                <a:schemeClr val="lt1"/>
+              </a:fontRef>
+            </p:style>
+            <p:txBody>
+              <a:bodyPr rtlCol="0" anchor="ctr"/>
+              <a:lstStyle/>
+              <a:p>
+                <a:pPr algn="ctr"/>
+                <a14:m>
+                  <m:oMathPara xmlns:m="http://schemas.openxmlformats.org/officeDocument/2006/math">
+                    <m:oMathParaPr>
+                      <m:jc m:val="centerGroup"/>
+                    </m:oMathParaPr>
+                    <m:oMath xmlns:m="http://schemas.openxmlformats.org/officeDocument/2006/math">
+                      <m:r>
+                        <a:rPr lang="en-US" b="0" i="1" dirty="0" smtClean="0">
+                          <a:latin typeface="Cambria Math" panose="02040503050406030204" pitchFamily="18" charset="0"/>
+                        </a:rPr>
+                        <m:t>+1</m:t>
+                      </m:r>
+                    </m:oMath>
+                  </m:oMathPara>
+                </a14:m>
+                <a:endParaRPr lang="en-US" baseline="-25000" dirty="0"/>
+              </a:p>
+            </p:txBody>
+          </p:sp>
+        </mc:Choice>
+        <mc:Fallback xmlns="">
+          <p:sp>
+            <p:nvSpPr>
+              <p:cNvPr id="30" name="Oval 29">
+                <a:extLst>
+                  <a:ext uri="{FF2B5EF4-FFF2-40B4-BE49-F238E27FC236}">
+                    <a16:creationId xmlns:a16="http://schemas.microsoft.com/office/drawing/2014/main" id="{BC87A455-6206-4D23-99D9-E783B78D7294}"/>
+                  </a:ext>
+                </a:extLst>
+              </p:cNvPr>
+              <p:cNvSpPr>
+                <a:spLocks noRot="1" noChangeAspect="1" noMove="1" noResize="1" noEditPoints="1" noAdjustHandles="1" noChangeArrowheads="1" noChangeShapeType="1" noTextEdit="1"/>
+              </p:cNvSpPr>
+              <p:nvPr/>
+            </p:nvSpPr>
+            <p:spPr>
+              <a:xfrm>
+                <a:off x="6789557" y="4134354"/>
+                <a:ext cx="711200" cy="711200"/>
+              </a:xfrm>
+              <a:prstGeom prst="ellipse">
+                <a:avLst/>
+              </a:prstGeom>
+              <a:blipFill>
+                <a:blip r:embed="rId12"/>
+                <a:stretch>
+                  <a:fillRect/>
+                </a:stretch>
+              </a:blipFill>
+              <a:ln/>
+            </p:spPr>
+            <p:txBody>
+              <a:bodyPr/>
+              <a:lstStyle/>
+              <a:p>
+                <a:r>
+                  <a:rPr lang="en-US">
+                    <a:noFill/>
+                  </a:rPr>
+                  <a:t> </a:t>
+                </a:r>
+              </a:p>
+            </p:txBody>
+          </p:sp>
+        </mc:Fallback>
+      </mc:AlternateContent>
+      <mc:AlternateContent xmlns:mc="http://schemas.openxmlformats.org/markup-compatibility/2006" xmlns:a14="http://schemas.microsoft.com/office/drawing/2010/main">
+        <mc:Choice Requires="a14">
+          <p:sp>
+            <p:nvSpPr>
+              <p:cNvPr id="31" name="TextBox 30">
+                <a:extLst>
+                  <a:ext uri="{FF2B5EF4-FFF2-40B4-BE49-F238E27FC236}">
+                    <a16:creationId xmlns:a16="http://schemas.microsoft.com/office/drawing/2014/main" id="{80BA8DF6-D053-4FB2-A511-EAA360F11138}"/>
+                  </a:ext>
+                </a:extLst>
+              </p:cNvPr>
+              <p:cNvSpPr txBox="1"/>
+              <p:nvPr/>
+            </p:nvSpPr>
+            <p:spPr>
+              <a:xfrm>
+                <a:off x="3794400" y="1520550"/>
+                <a:ext cx="322203" cy="184666"/>
+              </a:xfrm>
+              <a:prstGeom prst="rect">
+                <a:avLst/>
+              </a:prstGeom>
+              <a:noFill/>
+            </p:spPr>
+            <p:txBody>
+              <a:bodyPr wrap="none" lIns="0" tIns="0" rIns="0" bIns="0" rtlCol="0">
+                <a:spAutoFit/>
+              </a:bodyPr>
+              <a:lstStyle/>
+              <a:p>
+                <a:pPr/>
+                <a14:m>
+                  <m:oMathPara xmlns:m="http://schemas.openxmlformats.org/officeDocument/2006/math">
+                    <m:oMathParaPr>
+                      <m:jc m:val="centerGroup"/>
+                    </m:oMathParaPr>
+                    <m:oMath xmlns:m="http://schemas.openxmlformats.org/officeDocument/2006/math">
+                      <m:r>
+                        <a:rPr lang="en-US" sz="1200" b="0" i="1" smtClean="0">
+                          <a:latin typeface="Cambria Math" panose="02040503050406030204" pitchFamily="18" charset="0"/>
+                        </a:rPr>
+                        <m:t>0.63</m:t>
+                      </m:r>
+                    </m:oMath>
+                  </m:oMathPara>
+                </a14:m>
+                <a:endParaRPr lang="en-US" sz="1200" dirty="0"/>
+              </a:p>
+            </p:txBody>
+          </p:sp>
+        </mc:Choice>
+        <mc:Fallback xmlns="">
+          <p:sp>
+            <p:nvSpPr>
+              <p:cNvPr id="31" name="TextBox 30">
+                <a:extLst>
+                  <a:ext uri="{FF2B5EF4-FFF2-40B4-BE49-F238E27FC236}">
+                    <a16:creationId xmlns:a16="http://schemas.microsoft.com/office/drawing/2014/main" id="{80BA8DF6-D053-4FB2-A511-EAA360F11138}"/>
+                  </a:ext>
+                </a:extLst>
+              </p:cNvPr>
+              <p:cNvSpPr txBox="1">
+                <a:spLocks noRot="1" noChangeAspect="1" noMove="1" noResize="1" noEditPoints="1" noAdjustHandles="1" noChangeArrowheads="1" noChangeShapeType="1" noTextEdit="1"/>
+              </p:cNvSpPr>
+              <p:nvPr/>
+            </p:nvSpPr>
+            <p:spPr>
+              <a:xfrm>
+                <a:off x="3794400" y="1520550"/>
+                <a:ext cx="322203" cy="184666"/>
+              </a:xfrm>
+              <a:prstGeom prst="rect">
+                <a:avLst/>
+              </a:prstGeom>
+              <a:blipFill>
+                <a:blip r:embed="rId13"/>
+                <a:stretch>
+                  <a:fillRect l="-11321" r="-11321" b="-3226"/>
+                </a:stretch>
+              </a:blipFill>
+            </p:spPr>
+            <p:txBody>
+              <a:bodyPr/>
+              <a:lstStyle/>
+              <a:p>
+                <a:r>
+                  <a:rPr lang="en-US">
+                    <a:noFill/>
+                  </a:rPr>
+                  <a:t> </a:t>
+                </a:r>
+              </a:p>
+            </p:txBody>
+          </p:sp>
+        </mc:Fallback>
+      </mc:AlternateContent>
+      <mc:AlternateContent xmlns:mc="http://schemas.openxmlformats.org/markup-compatibility/2006" xmlns:a14="http://schemas.microsoft.com/office/drawing/2010/main">
+        <mc:Choice Requires="a14">
+          <p:sp>
+            <p:nvSpPr>
+              <p:cNvPr id="32" name="TextBox 31">
+                <a:extLst>
+                  <a:ext uri="{FF2B5EF4-FFF2-40B4-BE49-F238E27FC236}">
+                    <a16:creationId xmlns:a16="http://schemas.microsoft.com/office/drawing/2014/main" id="{10EB6E47-DA68-4534-BF60-7A0CDF36A44B}"/>
+                  </a:ext>
+                </a:extLst>
+              </p:cNvPr>
+              <p:cNvSpPr txBox="1"/>
+              <p:nvPr/>
+            </p:nvSpPr>
+            <p:spPr>
+              <a:xfrm>
+                <a:off x="5918173" y="1516338"/>
+                <a:ext cx="322204" cy="184666"/>
+              </a:xfrm>
+              <a:prstGeom prst="rect">
+                <a:avLst/>
+              </a:prstGeom>
+              <a:noFill/>
+            </p:spPr>
+            <p:txBody>
+              <a:bodyPr wrap="none" lIns="0" tIns="0" rIns="0" bIns="0" rtlCol="0">
+                <a:spAutoFit/>
+              </a:bodyPr>
+              <a:lstStyle/>
+              <a:p>
+                <a:pPr/>
+                <a14:m>
+                  <m:oMathPara xmlns:m="http://schemas.openxmlformats.org/officeDocument/2006/math">
+                    <m:oMathParaPr>
+                      <m:jc m:val="centerGroup"/>
+                    </m:oMathParaPr>
+                    <m:oMath xmlns:m="http://schemas.openxmlformats.org/officeDocument/2006/math">
+                      <m:r>
+                        <a:rPr lang="en-US" sz="1200" b="0" i="1" smtClean="0">
+                          <a:latin typeface="Cambria Math" panose="02040503050406030204" pitchFamily="18" charset="0"/>
+                        </a:rPr>
+                        <m:t>0.28</m:t>
+                      </m:r>
+                    </m:oMath>
+                  </m:oMathPara>
+                </a14:m>
+                <a:endParaRPr lang="en-US" sz="1200" dirty="0"/>
+              </a:p>
+            </p:txBody>
+          </p:sp>
+        </mc:Choice>
+        <mc:Fallback xmlns="">
+          <p:sp>
+            <p:nvSpPr>
+              <p:cNvPr id="32" name="TextBox 31">
+                <a:extLst>
+                  <a:ext uri="{FF2B5EF4-FFF2-40B4-BE49-F238E27FC236}">
+                    <a16:creationId xmlns:a16="http://schemas.microsoft.com/office/drawing/2014/main" id="{10EB6E47-DA68-4534-BF60-7A0CDF36A44B}"/>
+                  </a:ext>
+                </a:extLst>
+              </p:cNvPr>
+              <p:cNvSpPr txBox="1">
+                <a:spLocks noRot="1" noChangeAspect="1" noMove="1" noResize="1" noEditPoints="1" noAdjustHandles="1" noChangeArrowheads="1" noChangeShapeType="1" noTextEdit="1"/>
+              </p:cNvSpPr>
+              <p:nvPr/>
+            </p:nvSpPr>
+            <p:spPr>
+              <a:xfrm>
+                <a:off x="5918173" y="1516338"/>
+                <a:ext cx="322204" cy="184666"/>
+              </a:xfrm>
+              <a:prstGeom prst="rect">
+                <a:avLst/>
+              </a:prstGeom>
+              <a:blipFill>
+                <a:blip r:embed="rId14"/>
+                <a:stretch>
+                  <a:fillRect l="-11321" r="-11321" b="-6667"/>
+                </a:stretch>
+              </a:blipFill>
+            </p:spPr>
+            <p:txBody>
+              <a:bodyPr/>
+              <a:lstStyle/>
+              <a:p>
+                <a:r>
+                  <a:rPr lang="en-US">
+                    <a:noFill/>
+                  </a:rPr>
+                  <a:t> </a:t>
+                </a:r>
+              </a:p>
+            </p:txBody>
+          </p:sp>
+        </mc:Fallback>
+      </mc:AlternateContent>
+      <mc:AlternateContent xmlns:mc="http://schemas.openxmlformats.org/markup-compatibility/2006" xmlns:a14="http://schemas.microsoft.com/office/drawing/2010/main">
+        <mc:Choice Requires="a14">
+          <p:sp>
+            <p:nvSpPr>
+              <p:cNvPr id="33" name="TextBox 32">
+                <a:extLst>
+                  <a:ext uri="{FF2B5EF4-FFF2-40B4-BE49-F238E27FC236}">
+                    <a16:creationId xmlns:a16="http://schemas.microsoft.com/office/drawing/2014/main" id="{2AE8AA52-7CCD-498D-9509-A073734765B4}"/>
+                  </a:ext>
+                </a:extLst>
+              </p:cNvPr>
+              <p:cNvSpPr txBox="1"/>
+              <p:nvPr/>
+            </p:nvSpPr>
+            <p:spPr>
+              <a:xfrm>
+                <a:off x="8038075" y="1504000"/>
+                <a:ext cx="322204" cy="184666"/>
+              </a:xfrm>
+              <a:prstGeom prst="rect">
+                <a:avLst/>
+              </a:prstGeom>
+              <a:noFill/>
+            </p:spPr>
+            <p:txBody>
+              <a:bodyPr wrap="none" lIns="0" tIns="0" rIns="0" bIns="0" rtlCol="0">
+                <a:spAutoFit/>
+              </a:bodyPr>
+              <a:lstStyle/>
+              <a:p>
+                <a:pPr/>
+                <a14:m>
+                  <m:oMathPara xmlns:m="http://schemas.openxmlformats.org/officeDocument/2006/math">
+                    <m:oMathParaPr>
+                      <m:jc m:val="centerGroup"/>
+                    </m:oMathParaPr>
+                    <m:oMath xmlns:m="http://schemas.openxmlformats.org/officeDocument/2006/math">
+                      <m:r>
+                        <a:rPr lang="en-US" sz="1200" b="0" i="1" smtClean="0">
+                          <a:latin typeface="Cambria Math" panose="02040503050406030204" pitchFamily="18" charset="0"/>
+                        </a:rPr>
+                        <m:t>0.32</m:t>
+                      </m:r>
+                    </m:oMath>
+                  </m:oMathPara>
+                </a14:m>
+                <a:endParaRPr lang="en-US" sz="1200" dirty="0"/>
+              </a:p>
+            </p:txBody>
+          </p:sp>
+        </mc:Choice>
+        <mc:Fallback xmlns="">
+          <p:sp>
+            <p:nvSpPr>
+              <p:cNvPr id="33" name="TextBox 32">
+                <a:extLst>
+                  <a:ext uri="{FF2B5EF4-FFF2-40B4-BE49-F238E27FC236}">
+                    <a16:creationId xmlns:a16="http://schemas.microsoft.com/office/drawing/2014/main" id="{2AE8AA52-7CCD-498D-9509-A073734765B4}"/>
+                  </a:ext>
+                </a:extLst>
+              </p:cNvPr>
+              <p:cNvSpPr txBox="1">
+                <a:spLocks noRot="1" noChangeAspect="1" noMove="1" noResize="1" noEditPoints="1" noAdjustHandles="1" noChangeArrowheads="1" noChangeShapeType="1" noTextEdit="1"/>
+              </p:cNvSpPr>
+              <p:nvPr/>
+            </p:nvSpPr>
+            <p:spPr>
+              <a:xfrm>
+                <a:off x="8038075" y="1504000"/>
+                <a:ext cx="322204" cy="184666"/>
+              </a:xfrm>
+              <a:prstGeom prst="rect">
+                <a:avLst/>
+              </a:prstGeom>
+              <a:blipFill>
+                <a:blip r:embed="rId15"/>
+                <a:stretch>
+                  <a:fillRect l="-11538" r="-13462" b="-6667"/>
+                </a:stretch>
+              </a:blipFill>
+            </p:spPr>
+            <p:txBody>
+              <a:bodyPr/>
+              <a:lstStyle/>
+              <a:p>
+                <a:r>
+                  <a:rPr lang="en-US">
+                    <a:noFill/>
+                  </a:rPr>
+                  <a:t> </a:t>
+                </a:r>
+              </a:p>
+            </p:txBody>
+          </p:sp>
+        </mc:Fallback>
+      </mc:AlternateContent>
+      <mc:AlternateContent xmlns:mc="http://schemas.openxmlformats.org/markup-compatibility/2006" xmlns:a14="http://schemas.microsoft.com/office/drawing/2010/main">
+        <mc:Choice Requires="a14">
+          <p:sp>
+            <p:nvSpPr>
+              <p:cNvPr id="34" name="TextBox 33">
+                <a:extLst>
+                  <a:ext uri="{FF2B5EF4-FFF2-40B4-BE49-F238E27FC236}">
+                    <a16:creationId xmlns:a16="http://schemas.microsoft.com/office/drawing/2014/main" id="{3BB5F539-3E2E-4A46-840B-087FE262CBD3}"/>
+                  </a:ext>
+                </a:extLst>
+              </p:cNvPr>
+              <p:cNvSpPr txBox="1"/>
+              <p:nvPr/>
+            </p:nvSpPr>
+            <p:spPr>
+              <a:xfrm>
+                <a:off x="3632996" y="1945482"/>
+                <a:ext cx="322204" cy="184666"/>
+              </a:xfrm>
+              <a:prstGeom prst="rect">
+                <a:avLst/>
+              </a:prstGeom>
+              <a:noFill/>
+            </p:spPr>
+            <p:txBody>
+              <a:bodyPr wrap="none" lIns="0" tIns="0" rIns="0" bIns="0" rtlCol="0">
+                <a:spAutoFit/>
+              </a:bodyPr>
+              <a:lstStyle/>
+              <a:p>
+                <a:pPr/>
+                <a14:m>
+                  <m:oMathPara xmlns:m="http://schemas.openxmlformats.org/officeDocument/2006/math">
+                    <m:oMathParaPr>
+                      <m:jc m:val="centerGroup"/>
+                    </m:oMathParaPr>
+                    <m:oMath xmlns:m="http://schemas.openxmlformats.org/officeDocument/2006/math">
+                      <m:r>
+                        <a:rPr lang="en-US" sz="1200" b="0" i="1" smtClean="0">
+                          <a:latin typeface="Cambria Math" panose="02040503050406030204" pitchFamily="18" charset="0"/>
+                        </a:rPr>
+                        <m:t>0.50</m:t>
+                      </m:r>
+                    </m:oMath>
+                  </m:oMathPara>
+                </a14:m>
+                <a:endParaRPr lang="en-US" sz="1200" dirty="0"/>
+              </a:p>
+            </p:txBody>
+          </p:sp>
+        </mc:Choice>
+        <mc:Fallback xmlns="">
+          <p:sp>
+            <p:nvSpPr>
+              <p:cNvPr id="34" name="TextBox 33">
+                <a:extLst>
+                  <a:ext uri="{FF2B5EF4-FFF2-40B4-BE49-F238E27FC236}">
+                    <a16:creationId xmlns:a16="http://schemas.microsoft.com/office/drawing/2014/main" id="{3BB5F539-3E2E-4A46-840B-087FE262CBD3}"/>
+                  </a:ext>
+                </a:extLst>
+              </p:cNvPr>
+              <p:cNvSpPr txBox="1">
+                <a:spLocks noRot="1" noChangeAspect="1" noMove="1" noResize="1" noEditPoints="1" noAdjustHandles="1" noChangeArrowheads="1" noChangeShapeType="1" noTextEdit="1"/>
+              </p:cNvSpPr>
+              <p:nvPr/>
+            </p:nvSpPr>
+            <p:spPr>
+              <a:xfrm>
+                <a:off x="3632996" y="1945482"/>
+                <a:ext cx="322204" cy="184666"/>
+              </a:xfrm>
+              <a:prstGeom prst="rect">
+                <a:avLst/>
+              </a:prstGeom>
+              <a:blipFill>
+                <a:blip r:embed="rId16"/>
+                <a:stretch>
+                  <a:fillRect l="-11321" r="-11321" b="-10000"/>
+                </a:stretch>
+              </a:blipFill>
+            </p:spPr>
+            <p:txBody>
+              <a:bodyPr/>
+              <a:lstStyle/>
+              <a:p>
+                <a:r>
+                  <a:rPr lang="en-US">
+                    <a:noFill/>
+                  </a:rPr>
+                  <a:t> </a:t>
+                </a:r>
+              </a:p>
+            </p:txBody>
+          </p:sp>
+        </mc:Fallback>
+      </mc:AlternateContent>
+      <mc:AlternateContent xmlns:mc="http://schemas.openxmlformats.org/markup-compatibility/2006" xmlns:a14="http://schemas.microsoft.com/office/drawing/2010/main">
+        <mc:Choice Requires="a14">
+          <p:sp>
+            <p:nvSpPr>
+              <p:cNvPr id="35" name="TextBox 34">
+                <a:extLst>
+                  <a:ext uri="{FF2B5EF4-FFF2-40B4-BE49-F238E27FC236}">
+                    <a16:creationId xmlns:a16="http://schemas.microsoft.com/office/drawing/2014/main" id="{45277563-0FC0-47EF-A671-717AFA5BCD82}"/>
+                  </a:ext>
+                </a:extLst>
+              </p:cNvPr>
+              <p:cNvSpPr txBox="1"/>
+              <p:nvPr/>
+            </p:nvSpPr>
+            <p:spPr>
+              <a:xfrm>
+                <a:off x="3635816" y="2747210"/>
+                <a:ext cx="322204" cy="184666"/>
+              </a:xfrm>
+              <a:prstGeom prst="rect">
+                <a:avLst/>
+              </a:prstGeom>
+              <a:noFill/>
+            </p:spPr>
+            <p:txBody>
+              <a:bodyPr wrap="none" lIns="0" tIns="0" rIns="0" bIns="0" rtlCol="0">
+                <a:spAutoFit/>
+              </a:bodyPr>
+              <a:lstStyle/>
+              <a:p>
+                <a:pPr/>
+                <a14:m>
+                  <m:oMathPara xmlns:m="http://schemas.openxmlformats.org/officeDocument/2006/math">
+                    <m:oMathParaPr>
+                      <m:jc m:val="centerGroup"/>
+                    </m:oMathParaPr>
+                    <m:oMath xmlns:m="http://schemas.openxmlformats.org/officeDocument/2006/math">
+                      <m:r>
+                        <a:rPr lang="en-US" sz="1200" b="0" i="1" smtClean="0">
+                          <a:latin typeface="Cambria Math" panose="02040503050406030204" pitchFamily="18" charset="0"/>
+                        </a:rPr>
+                        <m:t>0.39</m:t>
+                      </m:r>
+                    </m:oMath>
+                  </m:oMathPara>
+                </a14:m>
+                <a:endParaRPr lang="en-US" sz="1200" dirty="0"/>
+              </a:p>
+            </p:txBody>
+          </p:sp>
+        </mc:Choice>
+        <mc:Fallback xmlns="">
+          <p:sp>
+            <p:nvSpPr>
+              <p:cNvPr id="35" name="TextBox 34">
+                <a:extLst>
+                  <a:ext uri="{FF2B5EF4-FFF2-40B4-BE49-F238E27FC236}">
+                    <a16:creationId xmlns:a16="http://schemas.microsoft.com/office/drawing/2014/main" id="{45277563-0FC0-47EF-A671-717AFA5BCD82}"/>
+                  </a:ext>
+                </a:extLst>
+              </p:cNvPr>
+              <p:cNvSpPr txBox="1">
+                <a:spLocks noRot="1" noChangeAspect="1" noMove="1" noResize="1" noEditPoints="1" noAdjustHandles="1" noChangeArrowheads="1" noChangeShapeType="1" noTextEdit="1"/>
+              </p:cNvSpPr>
+              <p:nvPr/>
+            </p:nvSpPr>
+            <p:spPr>
+              <a:xfrm>
+                <a:off x="3635816" y="2747210"/>
+                <a:ext cx="322204" cy="184666"/>
+              </a:xfrm>
+              <a:prstGeom prst="rect">
+                <a:avLst/>
+              </a:prstGeom>
+              <a:blipFill>
+                <a:blip r:embed="rId17"/>
+                <a:stretch>
+                  <a:fillRect l="-11321" r="-11321" b="-6667"/>
+                </a:stretch>
+              </a:blipFill>
+            </p:spPr>
+            <p:txBody>
+              <a:bodyPr/>
+              <a:lstStyle/>
+              <a:p>
+                <a:r>
+                  <a:rPr lang="en-US">
+                    <a:noFill/>
+                  </a:rPr>
+                  <a:t> </a:t>
+                </a:r>
+              </a:p>
+            </p:txBody>
+          </p:sp>
+        </mc:Fallback>
+      </mc:AlternateContent>
+      <mc:AlternateContent xmlns:mc="http://schemas.openxmlformats.org/markup-compatibility/2006" xmlns:a14="http://schemas.microsoft.com/office/drawing/2010/main">
+        <mc:Choice Requires="a14">
+          <p:sp>
+            <p:nvSpPr>
+              <p:cNvPr id="36" name="TextBox 35">
+                <a:extLst>
+                  <a:ext uri="{FF2B5EF4-FFF2-40B4-BE49-F238E27FC236}">
+                    <a16:creationId xmlns:a16="http://schemas.microsoft.com/office/drawing/2014/main" id="{98A7FB2A-B5FA-4F74-BED5-0B40E3BCC2C3}"/>
+                  </a:ext>
+                </a:extLst>
+              </p:cNvPr>
+              <p:cNvSpPr txBox="1"/>
+              <p:nvPr/>
+            </p:nvSpPr>
+            <p:spPr>
+              <a:xfrm>
+                <a:off x="3792375" y="3203897"/>
+                <a:ext cx="322204" cy="184666"/>
+              </a:xfrm>
+              <a:prstGeom prst="rect">
+                <a:avLst/>
+              </a:prstGeom>
+              <a:noFill/>
+            </p:spPr>
+            <p:txBody>
+              <a:bodyPr wrap="none" lIns="0" tIns="0" rIns="0" bIns="0" rtlCol="0">
+                <a:spAutoFit/>
+              </a:bodyPr>
+              <a:lstStyle/>
+              <a:p>
+                <a:pPr/>
+                <a14:m>
+                  <m:oMathPara xmlns:m="http://schemas.openxmlformats.org/officeDocument/2006/math">
+                    <m:oMathParaPr>
+                      <m:jc m:val="centerGroup"/>
+                    </m:oMathParaPr>
+                    <m:oMath xmlns:m="http://schemas.openxmlformats.org/officeDocument/2006/math">
+                      <m:r>
+                        <a:rPr lang="en-US" sz="1200" b="0" i="1" smtClean="0">
+                          <a:latin typeface="Cambria Math" panose="02040503050406030204" pitchFamily="18" charset="0"/>
+                        </a:rPr>
+                        <m:t>0.50</m:t>
+                      </m:r>
+                    </m:oMath>
+                  </m:oMathPara>
+                </a14:m>
+                <a:endParaRPr lang="en-US" sz="1200" dirty="0"/>
+              </a:p>
+            </p:txBody>
+          </p:sp>
+        </mc:Choice>
+        <mc:Fallback xmlns="">
+          <p:sp>
+            <p:nvSpPr>
+              <p:cNvPr id="36" name="TextBox 35">
+                <a:extLst>
+                  <a:ext uri="{FF2B5EF4-FFF2-40B4-BE49-F238E27FC236}">
+                    <a16:creationId xmlns:a16="http://schemas.microsoft.com/office/drawing/2014/main" id="{98A7FB2A-B5FA-4F74-BED5-0B40E3BCC2C3}"/>
+                  </a:ext>
+                </a:extLst>
+              </p:cNvPr>
+              <p:cNvSpPr txBox="1">
+                <a:spLocks noRot="1" noChangeAspect="1" noMove="1" noResize="1" noEditPoints="1" noAdjustHandles="1" noChangeArrowheads="1" noChangeShapeType="1" noTextEdit="1"/>
+              </p:cNvSpPr>
+              <p:nvPr/>
+            </p:nvSpPr>
+            <p:spPr>
+              <a:xfrm>
+                <a:off x="3792375" y="3203897"/>
+                <a:ext cx="322204" cy="184666"/>
+              </a:xfrm>
+              <a:prstGeom prst="rect">
+                <a:avLst/>
+              </a:prstGeom>
+              <a:blipFill>
+                <a:blip r:embed="rId18"/>
+                <a:stretch>
+                  <a:fillRect l="-11321" r="-13208" b="-6667"/>
+                </a:stretch>
+              </a:blipFill>
+            </p:spPr>
+            <p:txBody>
+              <a:bodyPr/>
+              <a:lstStyle/>
+              <a:p>
+                <a:r>
+                  <a:rPr lang="en-US">
+                    <a:noFill/>
+                  </a:rPr>
+                  <a:t> </a:t>
+                </a:r>
+              </a:p>
+            </p:txBody>
+          </p:sp>
+        </mc:Fallback>
+      </mc:AlternateContent>
+      <mc:AlternateContent xmlns:mc="http://schemas.openxmlformats.org/markup-compatibility/2006" xmlns:a14="http://schemas.microsoft.com/office/drawing/2010/main">
+        <mc:Choice Requires="a14">
+          <p:sp>
+            <p:nvSpPr>
+              <p:cNvPr id="37" name="TextBox 36">
+                <a:extLst>
+                  <a:ext uri="{FF2B5EF4-FFF2-40B4-BE49-F238E27FC236}">
+                    <a16:creationId xmlns:a16="http://schemas.microsoft.com/office/drawing/2014/main" id="{9C50C135-A68B-4A07-BA9F-C41901304D5A}"/>
+                  </a:ext>
+                </a:extLst>
+              </p:cNvPr>
+              <p:cNvSpPr txBox="1"/>
+              <p:nvPr/>
+            </p:nvSpPr>
+            <p:spPr>
+              <a:xfrm>
+                <a:off x="5770001" y="1950511"/>
+                <a:ext cx="322204" cy="184666"/>
+              </a:xfrm>
+              <a:prstGeom prst="rect">
+                <a:avLst/>
+              </a:prstGeom>
+              <a:noFill/>
+            </p:spPr>
+            <p:txBody>
+              <a:bodyPr wrap="none" lIns="0" tIns="0" rIns="0" bIns="0" rtlCol="0">
+                <a:spAutoFit/>
+              </a:bodyPr>
+              <a:lstStyle/>
+              <a:p>
+                <a:pPr/>
+                <a14:m>
+                  <m:oMathPara xmlns:m="http://schemas.openxmlformats.org/officeDocument/2006/math">
+                    <m:oMathParaPr>
+                      <m:jc m:val="centerGroup"/>
+                    </m:oMathParaPr>
+                    <m:oMath xmlns:m="http://schemas.openxmlformats.org/officeDocument/2006/math">
+                      <m:r>
+                        <a:rPr lang="en-US" sz="1200" b="0" i="1" smtClean="0">
+                          <a:latin typeface="Cambria Math" panose="02040503050406030204" pitchFamily="18" charset="0"/>
+                        </a:rPr>
+                        <m:t>0.82</m:t>
+                      </m:r>
+                    </m:oMath>
+                  </m:oMathPara>
+                </a14:m>
+                <a:endParaRPr lang="en-US" sz="1200" dirty="0"/>
+              </a:p>
+            </p:txBody>
+          </p:sp>
+        </mc:Choice>
+        <mc:Fallback xmlns="">
+          <p:sp>
+            <p:nvSpPr>
+              <p:cNvPr id="37" name="TextBox 36">
+                <a:extLst>
+                  <a:ext uri="{FF2B5EF4-FFF2-40B4-BE49-F238E27FC236}">
+                    <a16:creationId xmlns:a16="http://schemas.microsoft.com/office/drawing/2014/main" id="{9C50C135-A68B-4A07-BA9F-C41901304D5A}"/>
+                  </a:ext>
+                </a:extLst>
+              </p:cNvPr>
+              <p:cNvSpPr txBox="1">
+                <a:spLocks noRot="1" noChangeAspect="1" noMove="1" noResize="1" noEditPoints="1" noAdjustHandles="1" noChangeArrowheads="1" noChangeShapeType="1" noTextEdit="1"/>
+              </p:cNvSpPr>
+              <p:nvPr/>
+            </p:nvSpPr>
+            <p:spPr>
+              <a:xfrm>
+                <a:off x="5770001" y="1950511"/>
+                <a:ext cx="322204" cy="184666"/>
+              </a:xfrm>
+              <a:prstGeom prst="rect">
+                <a:avLst/>
+              </a:prstGeom>
+              <a:blipFill>
+                <a:blip r:embed="rId19"/>
+                <a:stretch>
+                  <a:fillRect l="-11538" r="-13462" b="-6667"/>
+                </a:stretch>
+              </a:blipFill>
+            </p:spPr>
+            <p:txBody>
+              <a:bodyPr/>
+              <a:lstStyle/>
+              <a:p>
+                <a:r>
+                  <a:rPr lang="en-US">
+                    <a:noFill/>
+                  </a:rPr>
+                  <a:t> </a:t>
+                </a:r>
+              </a:p>
+            </p:txBody>
+          </p:sp>
+        </mc:Fallback>
+      </mc:AlternateContent>
+      <mc:AlternateContent xmlns:mc="http://schemas.openxmlformats.org/markup-compatibility/2006" xmlns:a14="http://schemas.microsoft.com/office/drawing/2010/main">
+        <mc:Choice Requires="a14">
+          <p:sp>
+            <p:nvSpPr>
+              <p:cNvPr id="38" name="TextBox 37">
+                <a:extLst>
+                  <a:ext uri="{FF2B5EF4-FFF2-40B4-BE49-F238E27FC236}">
+                    <a16:creationId xmlns:a16="http://schemas.microsoft.com/office/drawing/2014/main" id="{11F2C69D-8658-4DE6-92B0-2FC796FF2DC0}"/>
+                  </a:ext>
+                </a:extLst>
+              </p:cNvPr>
+              <p:cNvSpPr txBox="1"/>
+              <p:nvPr/>
+            </p:nvSpPr>
+            <p:spPr>
+              <a:xfrm>
+                <a:off x="5757071" y="2780366"/>
+                <a:ext cx="322204" cy="184666"/>
+              </a:xfrm>
+              <a:prstGeom prst="rect">
+                <a:avLst/>
+              </a:prstGeom>
+              <a:noFill/>
+            </p:spPr>
+            <p:txBody>
+              <a:bodyPr wrap="none" lIns="0" tIns="0" rIns="0" bIns="0" rtlCol="0">
+                <a:spAutoFit/>
+              </a:bodyPr>
+              <a:lstStyle/>
+              <a:p>
+                <a:pPr/>
+                <a14:m>
+                  <m:oMathPara xmlns:m="http://schemas.openxmlformats.org/officeDocument/2006/math">
+                    <m:oMathParaPr>
+                      <m:jc m:val="centerGroup"/>
+                    </m:oMathParaPr>
+                    <m:oMath xmlns:m="http://schemas.openxmlformats.org/officeDocument/2006/math">
+                      <m:r>
+                        <a:rPr lang="en-US" sz="1200" b="0" i="1" smtClean="0">
+                          <a:latin typeface="Cambria Math" panose="02040503050406030204" pitchFamily="18" charset="0"/>
+                        </a:rPr>
+                        <m:t>0.42</m:t>
+                      </m:r>
+                    </m:oMath>
+                  </m:oMathPara>
+                </a14:m>
+                <a:endParaRPr lang="en-US" sz="1200" dirty="0"/>
+              </a:p>
+            </p:txBody>
+          </p:sp>
+        </mc:Choice>
+        <mc:Fallback xmlns="">
+          <p:sp>
+            <p:nvSpPr>
+              <p:cNvPr id="38" name="TextBox 37">
+                <a:extLst>
+                  <a:ext uri="{FF2B5EF4-FFF2-40B4-BE49-F238E27FC236}">
+                    <a16:creationId xmlns:a16="http://schemas.microsoft.com/office/drawing/2014/main" id="{11F2C69D-8658-4DE6-92B0-2FC796FF2DC0}"/>
+                  </a:ext>
+                </a:extLst>
+              </p:cNvPr>
+              <p:cNvSpPr txBox="1">
+                <a:spLocks noRot="1" noChangeAspect="1" noMove="1" noResize="1" noEditPoints="1" noAdjustHandles="1" noChangeArrowheads="1" noChangeShapeType="1" noTextEdit="1"/>
+              </p:cNvSpPr>
+              <p:nvPr/>
+            </p:nvSpPr>
+            <p:spPr>
+              <a:xfrm>
+                <a:off x="5757071" y="2780366"/>
+                <a:ext cx="322204" cy="184666"/>
+              </a:xfrm>
+              <a:prstGeom prst="rect">
+                <a:avLst/>
+              </a:prstGeom>
+              <a:blipFill>
+                <a:blip r:embed="rId20"/>
+                <a:stretch>
+                  <a:fillRect l="-11321" r="-11321" b="-6667"/>
+                </a:stretch>
+              </a:blipFill>
+            </p:spPr>
+            <p:txBody>
+              <a:bodyPr/>
+              <a:lstStyle/>
+              <a:p>
+                <a:r>
+                  <a:rPr lang="en-US">
+                    <a:noFill/>
+                  </a:rPr>
+                  <a:t> </a:t>
+                </a:r>
+              </a:p>
+            </p:txBody>
+          </p:sp>
+        </mc:Fallback>
+      </mc:AlternateContent>
+      <mc:AlternateContent xmlns:mc="http://schemas.openxmlformats.org/markup-compatibility/2006" xmlns:a14="http://schemas.microsoft.com/office/drawing/2010/main">
+        <mc:Choice Requires="a14">
+          <p:sp>
+            <p:nvSpPr>
+              <p:cNvPr id="39" name="TextBox 38">
+                <a:extLst>
+                  <a:ext uri="{FF2B5EF4-FFF2-40B4-BE49-F238E27FC236}">
+                    <a16:creationId xmlns:a16="http://schemas.microsoft.com/office/drawing/2014/main" id="{E7A8860F-9517-4F44-8553-9B7AD5926347}"/>
+                  </a:ext>
+                </a:extLst>
+              </p:cNvPr>
+              <p:cNvSpPr txBox="1"/>
+              <p:nvPr/>
+            </p:nvSpPr>
+            <p:spPr>
+              <a:xfrm>
+                <a:off x="5916283" y="3194416"/>
+                <a:ext cx="322204" cy="184666"/>
+              </a:xfrm>
+              <a:prstGeom prst="rect">
+                <a:avLst/>
+              </a:prstGeom>
+              <a:noFill/>
+            </p:spPr>
+            <p:txBody>
+              <a:bodyPr wrap="none" lIns="0" tIns="0" rIns="0" bIns="0" rtlCol="0">
+                <a:spAutoFit/>
+              </a:bodyPr>
+              <a:lstStyle/>
+              <a:p>
+                <a:pPr/>
+                <a14:m>
+                  <m:oMathPara xmlns:m="http://schemas.openxmlformats.org/officeDocument/2006/math">
+                    <m:oMathParaPr>
+                      <m:jc m:val="centerGroup"/>
+                    </m:oMathParaPr>
+                    <m:oMath xmlns:m="http://schemas.openxmlformats.org/officeDocument/2006/math">
+                      <m:r>
+                        <a:rPr lang="en-US" sz="1200" b="0" i="1" smtClean="0">
+                          <a:latin typeface="Cambria Math" panose="02040503050406030204" pitchFamily="18" charset="0"/>
+                        </a:rPr>
+                        <m:t>0.49</m:t>
+                      </m:r>
+                    </m:oMath>
+                  </m:oMathPara>
+                </a14:m>
+                <a:endParaRPr lang="en-US" sz="1200" dirty="0"/>
+              </a:p>
+            </p:txBody>
+          </p:sp>
+        </mc:Choice>
+        <mc:Fallback xmlns="">
+          <p:sp>
+            <p:nvSpPr>
+              <p:cNvPr id="39" name="TextBox 38">
+                <a:extLst>
+                  <a:ext uri="{FF2B5EF4-FFF2-40B4-BE49-F238E27FC236}">
+                    <a16:creationId xmlns:a16="http://schemas.microsoft.com/office/drawing/2014/main" id="{E7A8860F-9517-4F44-8553-9B7AD5926347}"/>
+                  </a:ext>
+                </a:extLst>
+              </p:cNvPr>
+              <p:cNvSpPr txBox="1">
+                <a:spLocks noRot="1" noChangeAspect="1" noMove="1" noResize="1" noEditPoints="1" noAdjustHandles="1" noChangeArrowheads="1" noChangeShapeType="1" noTextEdit="1"/>
+              </p:cNvSpPr>
+              <p:nvPr/>
+            </p:nvSpPr>
+            <p:spPr>
+              <a:xfrm>
+                <a:off x="5916283" y="3194416"/>
+                <a:ext cx="322204" cy="184666"/>
+              </a:xfrm>
+              <a:prstGeom prst="rect">
+                <a:avLst/>
+              </a:prstGeom>
+              <a:blipFill>
+                <a:blip r:embed="rId21"/>
+                <a:stretch>
+                  <a:fillRect l="-11538" r="-13462" b="-6667"/>
+                </a:stretch>
+              </a:blipFill>
+            </p:spPr>
+            <p:txBody>
+              <a:bodyPr/>
+              <a:lstStyle/>
+              <a:p>
+                <a:r>
+                  <a:rPr lang="en-US">
+                    <a:noFill/>
+                  </a:rPr>
+                  <a:t> </a:t>
+                </a:r>
+              </a:p>
+            </p:txBody>
+          </p:sp>
+        </mc:Fallback>
+      </mc:AlternateContent>
+      <mc:AlternateContent xmlns:mc="http://schemas.openxmlformats.org/markup-compatibility/2006" xmlns:a14="http://schemas.microsoft.com/office/drawing/2010/main">
+        <mc:Choice Requires="a14">
+          <p:sp>
+            <p:nvSpPr>
+              <p:cNvPr id="40" name="TextBox 39">
+                <a:extLst>
+                  <a:ext uri="{FF2B5EF4-FFF2-40B4-BE49-F238E27FC236}">
+                    <a16:creationId xmlns:a16="http://schemas.microsoft.com/office/drawing/2014/main" id="{9F443E3D-1ED5-4718-B00C-5AEAA11D6BA7}"/>
+                  </a:ext>
+                </a:extLst>
+              </p:cNvPr>
+              <p:cNvSpPr txBox="1"/>
+              <p:nvPr/>
+            </p:nvSpPr>
+            <p:spPr>
+              <a:xfrm>
+                <a:off x="8020195" y="3190263"/>
+                <a:ext cx="322204" cy="184666"/>
+              </a:xfrm>
+              <a:prstGeom prst="rect">
+                <a:avLst/>
+              </a:prstGeom>
+              <a:noFill/>
+            </p:spPr>
+            <p:txBody>
+              <a:bodyPr wrap="none" lIns="0" tIns="0" rIns="0" bIns="0" rtlCol="0">
+                <a:spAutoFit/>
+              </a:bodyPr>
+              <a:lstStyle/>
+              <a:p>
+                <a:pPr/>
+                <a14:m>
+                  <m:oMathPara xmlns:m="http://schemas.openxmlformats.org/officeDocument/2006/math">
+                    <m:oMathParaPr>
+                      <m:jc m:val="centerGroup"/>
+                    </m:oMathParaPr>
+                    <m:oMath xmlns:m="http://schemas.openxmlformats.org/officeDocument/2006/math">
+                      <m:r>
+                        <a:rPr lang="en-US" sz="1200" b="0" i="1" smtClean="0">
+                          <a:latin typeface="Cambria Math" panose="02040503050406030204" pitchFamily="18" charset="0"/>
+                        </a:rPr>
+                        <m:t>0.72</m:t>
+                      </m:r>
+                    </m:oMath>
+                  </m:oMathPara>
+                </a14:m>
+                <a:endParaRPr lang="en-US" sz="1200" dirty="0"/>
+              </a:p>
+            </p:txBody>
+          </p:sp>
+        </mc:Choice>
+        <mc:Fallback xmlns="">
+          <p:sp>
+            <p:nvSpPr>
+              <p:cNvPr id="40" name="TextBox 39">
+                <a:extLst>
+                  <a:ext uri="{FF2B5EF4-FFF2-40B4-BE49-F238E27FC236}">
+                    <a16:creationId xmlns:a16="http://schemas.microsoft.com/office/drawing/2014/main" id="{9F443E3D-1ED5-4718-B00C-5AEAA11D6BA7}"/>
+                  </a:ext>
+                </a:extLst>
+              </p:cNvPr>
+              <p:cNvSpPr txBox="1">
+                <a:spLocks noRot="1" noChangeAspect="1" noMove="1" noResize="1" noEditPoints="1" noAdjustHandles="1" noChangeArrowheads="1" noChangeShapeType="1" noTextEdit="1"/>
+              </p:cNvSpPr>
+              <p:nvPr/>
+            </p:nvSpPr>
+            <p:spPr>
+              <a:xfrm>
+                <a:off x="8020195" y="3190263"/>
+                <a:ext cx="322204" cy="184666"/>
+              </a:xfrm>
+              <a:prstGeom prst="rect">
+                <a:avLst/>
+              </a:prstGeom>
+              <a:blipFill>
+                <a:blip r:embed="rId22"/>
+                <a:stretch>
+                  <a:fillRect l="-11321" r="-11321" b="-3226"/>
+                </a:stretch>
+              </a:blipFill>
+            </p:spPr>
+            <p:txBody>
+              <a:bodyPr/>
+              <a:lstStyle/>
+              <a:p>
+                <a:r>
+                  <a:rPr lang="en-US">
+                    <a:noFill/>
+                  </a:rPr>
+                  <a:t> </a:t>
+                </a:r>
+              </a:p>
+            </p:txBody>
+          </p:sp>
+        </mc:Fallback>
+      </mc:AlternateContent>
+      <mc:AlternateContent xmlns:mc="http://schemas.openxmlformats.org/markup-compatibility/2006" xmlns:a14="http://schemas.microsoft.com/office/drawing/2010/main">
+        <mc:Choice Requires="a14">
+          <p:sp>
+            <p:nvSpPr>
+              <p:cNvPr id="41" name="TextBox 40">
+                <a:extLst>
+                  <a:ext uri="{FF2B5EF4-FFF2-40B4-BE49-F238E27FC236}">
+                    <a16:creationId xmlns:a16="http://schemas.microsoft.com/office/drawing/2014/main" id="{6E70D286-FF2B-47FE-ACE2-C16D01ADB8F9}"/>
+                  </a:ext>
+                </a:extLst>
+              </p:cNvPr>
+              <p:cNvSpPr txBox="1"/>
+              <p:nvPr/>
+            </p:nvSpPr>
+            <p:spPr>
+              <a:xfrm>
+                <a:off x="7907500" y="1954947"/>
+                <a:ext cx="322204" cy="184666"/>
+              </a:xfrm>
+              <a:prstGeom prst="rect">
+                <a:avLst/>
+              </a:prstGeom>
+              <a:noFill/>
+            </p:spPr>
+            <p:txBody>
+              <a:bodyPr wrap="none" lIns="0" tIns="0" rIns="0" bIns="0" rtlCol="0">
+                <a:spAutoFit/>
+              </a:bodyPr>
+              <a:lstStyle/>
+              <a:p>
+                <a:pPr/>
+                <a14:m>
+                  <m:oMathPara xmlns:m="http://schemas.openxmlformats.org/officeDocument/2006/math">
+                    <m:oMathParaPr>
+                      <m:jc m:val="centerGroup"/>
+                    </m:oMathParaPr>
+                    <m:oMath xmlns:m="http://schemas.openxmlformats.org/officeDocument/2006/math">
+                      <m:r>
+                        <a:rPr lang="en-US" sz="1200" b="0" i="1" smtClean="0">
+                          <a:latin typeface="Cambria Math" panose="02040503050406030204" pitchFamily="18" charset="0"/>
+                        </a:rPr>
+                        <m:t>0.70</m:t>
+                      </m:r>
+                    </m:oMath>
+                  </m:oMathPara>
+                </a14:m>
+                <a:endParaRPr lang="en-US" sz="1200" dirty="0"/>
+              </a:p>
+            </p:txBody>
+          </p:sp>
+        </mc:Choice>
+        <mc:Fallback xmlns="">
+          <p:sp>
+            <p:nvSpPr>
+              <p:cNvPr id="41" name="TextBox 40">
+                <a:extLst>
+                  <a:ext uri="{FF2B5EF4-FFF2-40B4-BE49-F238E27FC236}">
+                    <a16:creationId xmlns:a16="http://schemas.microsoft.com/office/drawing/2014/main" id="{6E70D286-FF2B-47FE-ACE2-C16D01ADB8F9}"/>
+                  </a:ext>
+                </a:extLst>
+              </p:cNvPr>
+              <p:cNvSpPr txBox="1">
+                <a:spLocks noRot="1" noChangeAspect="1" noMove="1" noResize="1" noEditPoints="1" noAdjustHandles="1" noChangeArrowheads="1" noChangeShapeType="1" noTextEdit="1"/>
+              </p:cNvSpPr>
+              <p:nvPr/>
+            </p:nvSpPr>
+            <p:spPr>
+              <a:xfrm>
+                <a:off x="7907500" y="1954947"/>
+                <a:ext cx="322204" cy="184666"/>
+              </a:xfrm>
+              <a:prstGeom prst="rect">
+                <a:avLst/>
+              </a:prstGeom>
+              <a:blipFill>
+                <a:blip r:embed="rId23"/>
+                <a:stretch>
+                  <a:fillRect l="-11321" r="-11321" b="-6667"/>
+                </a:stretch>
+              </a:blipFill>
+            </p:spPr>
+            <p:txBody>
+              <a:bodyPr/>
+              <a:lstStyle/>
+              <a:p>
+                <a:r>
+                  <a:rPr lang="en-US">
+                    <a:noFill/>
+                  </a:rPr>
+                  <a:t> </a:t>
+                </a:r>
+              </a:p>
+            </p:txBody>
+          </p:sp>
+        </mc:Fallback>
+      </mc:AlternateContent>
+      <mc:AlternateContent xmlns:mc="http://schemas.openxmlformats.org/markup-compatibility/2006" xmlns:a14="http://schemas.microsoft.com/office/drawing/2010/main">
+        <mc:Choice Requires="a14">
+          <p:sp>
+            <p:nvSpPr>
+              <p:cNvPr id="42" name="TextBox 41">
+                <a:extLst>
+                  <a:ext uri="{FF2B5EF4-FFF2-40B4-BE49-F238E27FC236}">
+                    <a16:creationId xmlns:a16="http://schemas.microsoft.com/office/drawing/2014/main" id="{2D645E8E-2AEF-4DD3-A416-76ADB3380150}"/>
+                  </a:ext>
+                </a:extLst>
+              </p:cNvPr>
+              <p:cNvSpPr txBox="1"/>
+              <p:nvPr/>
+            </p:nvSpPr>
+            <p:spPr>
+              <a:xfrm>
+                <a:off x="7883108" y="2755952"/>
+                <a:ext cx="322204" cy="184666"/>
+              </a:xfrm>
+              <a:prstGeom prst="rect">
+                <a:avLst/>
+              </a:prstGeom>
+              <a:noFill/>
+            </p:spPr>
+            <p:txBody>
+              <a:bodyPr wrap="none" lIns="0" tIns="0" rIns="0" bIns="0" rtlCol="0">
+                <a:spAutoFit/>
+              </a:bodyPr>
+              <a:lstStyle/>
+              <a:p>
+                <a:pPr/>
+                <a14:m>
+                  <m:oMathPara xmlns:m="http://schemas.openxmlformats.org/officeDocument/2006/math">
+                    <m:oMathParaPr>
+                      <m:jc m:val="centerGroup"/>
+                    </m:oMathParaPr>
+                    <m:oMath xmlns:m="http://schemas.openxmlformats.org/officeDocument/2006/math">
+                      <m:r>
+                        <a:rPr lang="en-US" sz="1200" b="0" i="1" smtClean="0">
+                          <a:latin typeface="Cambria Math" panose="02040503050406030204" pitchFamily="18" charset="0"/>
+                        </a:rPr>
+                        <m:t>0.83</m:t>
+                      </m:r>
+                    </m:oMath>
+                  </m:oMathPara>
+                </a14:m>
+                <a:endParaRPr lang="en-US" sz="1200" dirty="0"/>
+              </a:p>
+            </p:txBody>
+          </p:sp>
+        </mc:Choice>
+        <mc:Fallback xmlns="">
+          <p:sp>
+            <p:nvSpPr>
+              <p:cNvPr id="42" name="TextBox 41">
+                <a:extLst>
+                  <a:ext uri="{FF2B5EF4-FFF2-40B4-BE49-F238E27FC236}">
+                    <a16:creationId xmlns:a16="http://schemas.microsoft.com/office/drawing/2014/main" id="{2D645E8E-2AEF-4DD3-A416-76ADB3380150}"/>
+                  </a:ext>
+                </a:extLst>
+              </p:cNvPr>
+              <p:cNvSpPr txBox="1">
+                <a:spLocks noRot="1" noChangeAspect="1" noMove="1" noResize="1" noEditPoints="1" noAdjustHandles="1" noChangeArrowheads="1" noChangeShapeType="1" noTextEdit="1"/>
+              </p:cNvSpPr>
+              <p:nvPr/>
+            </p:nvSpPr>
+            <p:spPr>
+              <a:xfrm>
+                <a:off x="7883108" y="2755952"/>
+                <a:ext cx="322204" cy="184666"/>
+              </a:xfrm>
+              <a:prstGeom prst="rect">
+                <a:avLst/>
+              </a:prstGeom>
+              <a:blipFill>
+                <a:blip r:embed="rId24"/>
+                <a:stretch>
+                  <a:fillRect l="-11321" r="-11321" b="-6667"/>
+                </a:stretch>
+              </a:blipFill>
+            </p:spPr>
+            <p:txBody>
+              <a:bodyPr/>
+              <a:lstStyle/>
+              <a:p>
+                <a:r>
+                  <a:rPr lang="en-US">
+                    <a:noFill/>
+                  </a:rPr>
+                  <a:t> </a:t>
+                </a:r>
+              </a:p>
+            </p:txBody>
+          </p:sp>
+        </mc:Fallback>
+      </mc:AlternateContent>
+      <mc:AlternateContent xmlns:mc="http://schemas.openxmlformats.org/markup-compatibility/2006" xmlns:a14="http://schemas.microsoft.com/office/drawing/2010/main">
+        <mc:Choice Requires="a14">
+          <p:sp>
+            <p:nvSpPr>
+              <p:cNvPr id="43" name="TextBox 42">
+                <a:extLst>
+                  <a:ext uri="{FF2B5EF4-FFF2-40B4-BE49-F238E27FC236}">
+                    <a16:creationId xmlns:a16="http://schemas.microsoft.com/office/drawing/2014/main" id="{39693143-290A-40B3-89A7-A901215C2E02}"/>
+                  </a:ext>
+                </a:extLst>
+              </p:cNvPr>
+              <p:cNvSpPr txBox="1"/>
+              <p:nvPr/>
+            </p:nvSpPr>
+            <p:spPr>
+              <a:xfrm>
+                <a:off x="3187567" y="3713005"/>
+                <a:ext cx="322204" cy="184666"/>
+              </a:xfrm>
+              <a:prstGeom prst="rect">
+                <a:avLst/>
+              </a:prstGeom>
+              <a:noFill/>
+            </p:spPr>
+            <p:txBody>
+              <a:bodyPr wrap="none" lIns="0" tIns="0" rIns="0" bIns="0" rtlCol="0">
+                <a:spAutoFit/>
+              </a:bodyPr>
+              <a:lstStyle/>
+              <a:p>
+                <a:pPr/>
+                <a14:m>
+                  <m:oMathPara xmlns:m="http://schemas.openxmlformats.org/officeDocument/2006/math">
+                    <m:oMathParaPr>
+                      <m:jc m:val="centerGroup"/>
+                    </m:oMathParaPr>
+                    <m:oMath xmlns:m="http://schemas.openxmlformats.org/officeDocument/2006/math">
+                      <m:r>
+                        <a:rPr lang="en-US" sz="1200" b="0" i="1" smtClean="0">
+                          <a:latin typeface="Cambria Math" panose="02040503050406030204" pitchFamily="18" charset="0"/>
+                        </a:rPr>
+                        <m:t>0.34</m:t>
+                      </m:r>
+                    </m:oMath>
+                  </m:oMathPara>
+                </a14:m>
+                <a:endParaRPr lang="en-US" sz="1200" dirty="0"/>
+              </a:p>
+            </p:txBody>
+          </p:sp>
+        </mc:Choice>
+        <mc:Fallback xmlns="">
+          <p:sp>
+            <p:nvSpPr>
+              <p:cNvPr id="43" name="TextBox 42">
+                <a:extLst>
+                  <a:ext uri="{FF2B5EF4-FFF2-40B4-BE49-F238E27FC236}">
+                    <a16:creationId xmlns:a16="http://schemas.microsoft.com/office/drawing/2014/main" id="{39693143-290A-40B3-89A7-A901215C2E02}"/>
+                  </a:ext>
+                </a:extLst>
+              </p:cNvPr>
+              <p:cNvSpPr txBox="1">
+                <a:spLocks noRot="1" noChangeAspect="1" noMove="1" noResize="1" noEditPoints="1" noAdjustHandles="1" noChangeArrowheads="1" noChangeShapeType="1" noTextEdit="1"/>
+              </p:cNvSpPr>
+              <p:nvPr/>
+            </p:nvSpPr>
+            <p:spPr>
+              <a:xfrm>
+                <a:off x="3187567" y="3713005"/>
+                <a:ext cx="322204" cy="184666"/>
+              </a:xfrm>
+              <a:prstGeom prst="rect">
+                <a:avLst/>
+              </a:prstGeom>
+              <a:blipFill>
+                <a:blip r:embed="rId25"/>
+                <a:stretch>
+                  <a:fillRect l="-11321" r="-11321" b="-6667"/>
+                </a:stretch>
+              </a:blipFill>
+            </p:spPr>
+            <p:txBody>
+              <a:bodyPr/>
+              <a:lstStyle/>
+              <a:p>
+                <a:r>
+                  <a:rPr lang="en-US">
+                    <a:noFill/>
+                  </a:rPr>
+                  <a:t> </a:t>
+                </a:r>
+              </a:p>
+            </p:txBody>
+          </p:sp>
+        </mc:Fallback>
+      </mc:AlternateContent>
+      <mc:AlternateContent xmlns:mc="http://schemas.openxmlformats.org/markup-compatibility/2006" xmlns:a14="http://schemas.microsoft.com/office/drawing/2010/main">
+        <mc:Choice Requires="a14">
+          <p:sp>
+            <p:nvSpPr>
+              <p:cNvPr id="44" name="TextBox 43">
+                <a:extLst>
+                  <a:ext uri="{FF2B5EF4-FFF2-40B4-BE49-F238E27FC236}">
+                    <a16:creationId xmlns:a16="http://schemas.microsoft.com/office/drawing/2014/main" id="{CE43BAB5-C5DC-4A64-8789-36CF443F6345}"/>
+                  </a:ext>
+                </a:extLst>
+              </p:cNvPr>
+              <p:cNvSpPr txBox="1"/>
+              <p:nvPr/>
+            </p:nvSpPr>
+            <p:spPr>
+              <a:xfrm>
+                <a:off x="4114578" y="3719217"/>
+                <a:ext cx="322204" cy="184666"/>
+              </a:xfrm>
+              <a:prstGeom prst="rect">
+                <a:avLst/>
+              </a:prstGeom>
+              <a:noFill/>
+            </p:spPr>
+            <p:txBody>
+              <a:bodyPr wrap="none" lIns="0" tIns="0" rIns="0" bIns="0" rtlCol="0">
+                <a:spAutoFit/>
+              </a:bodyPr>
+              <a:lstStyle/>
+              <a:p>
+                <a:pPr/>
+                <a14:m>
+                  <m:oMathPara xmlns:m="http://schemas.openxmlformats.org/officeDocument/2006/math">
+                    <m:oMathParaPr>
+                      <m:jc m:val="centerGroup"/>
+                    </m:oMathParaPr>
+                    <m:oMath xmlns:m="http://schemas.openxmlformats.org/officeDocument/2006/math">
+                      <m:r>
+                        <a:rPr lang="en-US" sz="1200" b="0" i="1" smtClean="0">
+                          <a:latin typeface="Cambria Math" panose="02040503050406030204" pitchFamily="18" charset="0"/>
+                        </a:rPr>
+                        <m:t>0.71</m:t>
+                      </m:r>
+                    </m:oMath>
+                  </m:oMathPara>
+                </a14:m>
+                <a:endParaRPr lang="en-US" sz="1200" dirty="0"/>
+              </a:p>
+            </p:txBody>
+          </p:sp>
+        </mc:Choice>
+        <mc:Fallback xmlns="">
+          <p:sp>
+            <p:nvSpPr>
+              <p:cNvPr id="44" name="TextBox 43">
+                <a:extLst>
+                  <a:ext uri="{FF2B5EF4-FFF2-40B4-BE49-F238E27FC236}">
+                    <a16:creationId xmlns:a16="http://schemas.microsoft.com/office/drawing/2014/main" id="{CE43BAB5-C5DC-4A64-8789-36CF443F6345}"/>
+                  </a:ext>
+                </a:extLst>
+              </p:cNvPr>
+              <p:cNvSpPr txBox="1">
+                <a:spLocks noRot="1" noChangeAspect="1" noMove="1" noResize="1" noEditPoints="1" noAdjustHandles="1" noChangeArrowheads="1" noChangeShapeType="1" noTextEdit="1"/>
+              </p:cNvSpPr>
+              <p:nvPr/>
+            </p:nvSpPr>
+            <p:spPr>
+              <a:xfrm>
+                <a:off x="4114578" y="3719217"/>
+                <a:ext cx="322204" cy="184666"/>
+              </a:xfrm>
+              <a:prstGeom prst="rect">
+                <a:avLst/>
+              </a:prstGeom>
+              <a:blipFill>
+                <a:blip r:embed="rId26"/>
+                <a:stretch>
+                  <a:fillRect l="-11321" r="-11321" b="-6667"/>
+                </a:stretch>
+              </a:blipFill>
+            </p:spPr>
+            <p:txBody>
+              <a:bodyPr/>
+              <a:lstStyle/>
+              <a:p>
+                <a:r>
+                  <a:rPr lang="en-US">
+                    <a:noFill/>
+                  </a:rPr>
+                  <a:t> </a:t>
+                </a:r>
+              </a:p>
+            </p:txBody>
+          </p:sp>
+        </mc:Fallback>
+      </mc:AlternateContent>
+      <mc:AlternateContent xmlns:mc="http://schemas.openxmlformats.org/markup-compatibility/2006" xmlns:a14="http://schemas.microsoft.com/office/drawing/2010/main">
+        <mc:Choice Requires="a14">
+          <p:sp>
+            <p:nvSpPr>
+              <p:cNvPr id="45" name="TextBox 44">
+                <a:extLst>
+                  <a:ext uri="{FF2B5EF4-FFF2-40B4-BE49-F238E27FC236}">
+                    <a16:creationId xmlns:a16="http://schemas.microsoft.com/office/drawing/2014/main" id="{8C58619C-BE79-4D15-B244-28D8D9749B2B}"/>
+                  </a:ext>
+                </a:extLst>
+              </p:cNvPr>
+              <p:cNvSpPr txBox="1"/>
+              <p:nvPr/>
+            </p:nvSpPr>
+            <p:spPr>
+              <a:xfrm>
+                <a:off x="5325015" y="3714112"/>
+                <a:ext cx="322204" cy="184666"/>
+              </a:xfrm>
+              <a:prstGeom prst="rect">
+                <a:avLst/>
+              </a:prstGeom>
+              <a:noFill/>
+            </p:spPr>
+            <p:txBody>
+              <a:bodyPr wrap="none" lIns="0" tIns="0" rIns="0" bIns="0" rtlCol="0">
+                <a:spAutoFit/>
+              </a:bodyPr>
+              <a:lstStyle/>
+              <a:p>
+                <a:pPr/>
+                <a14:m>
+                  <m:oMathPara xmlns:m="http://schemas.openxmlformats.org/officeDocument/2006/math">
+                    <m:oMathParaPr>
+                      <m:jc m:val="centerGroup"/>
+                    </m:oMathParaPr>
+                    <m:oMath xmlns:m="http://schemas.openxmlformats.org/officeDocument/2006/math">
+                      <m:r>
+                        <a:rPr lang="en-US" sz="1200" b="0" i="1" smtClean="0">
+                          <a:latin typeface="Cambria Math" panose="02040503050406030204" pitchFamily="18" charset="0"/>
+                        </a:rPr>
+                        <m:t>0.27</m:t>
+                      </m:r>
+                    </m:oMath>
+                  </m:oMathPara>
+                </a14:m>
+                <a:endParaRPr lang="en-US" sz="1200" dirty="0"/>
+              </a:p>
+            </p:txBody>
+          </p:sp>
+        </mc:Choice>
+        <mc:Fallback xmlns="">
+          <p:sp>
+            <p:nvSpPr>
+              <p:cNvPr id="45" name="TextBox 44">
+                <a:extLst>
+                  <a:ext uri="{FF2B5EF4-FFF2-40B4-BE49-F238E27FC236}">
+                    <a16:creationId xmlns:a16="http://schemas.microsoft.com/office/drawing/2014/main" id="{8C58619C-BE79-4D15-B244-28D8D9749B2B}"/>
+                  </a:ext>
+                </a:extLst>
+              </p:cNvPr>
+              <p:cNvSpPr txBox="1">
+                <a:spLocks noRot="1" noChangeAspect="1" noMove="1" noResize="1" noEditPoints="1" noAdjustHandles="1" noChangeArrowheads="1" noChangeShapeType="1" noTextEdit="1"/>
+              </p:cNvSpPr>
+              <p:nvPr/>
+            </p:nvSpPr>
+            <p:spPr>
+              <a:xfrm>
+                <a:off x="5325015" y="3714112"/>
+                <a:ext cx="322204" cy="184666"/>
+              </a:xfrm>
+              <a:prstGeom prst="rect">
+                <a:avLst/>
+              </a:prstGeom>
+              <a:blipFill>
+                <a:blip r:embed="rId27"/>
+                <a:stretch>
+                  <a:fillRect l="-11538" r="-13462" b="-3226"/>
+                </a:stretch>
+              </a:blipFill>
+            </p:spPr>
+            <p:txBody>
+              <a:bodyPr/>
+              <a:lstStyle/>
+              <a:p>
+                <a:r>
+                  <a:rPr lang="en-US">
+                    <a:noFill/>
+                  </a:rPr>
+                  <a:t> </a:t>
+                </a:r>
+              </a:p>
+            </p:txBody>
+          </p:sp>
+        </mc:Fallback>
+      </mc:AlternateContent>
+      <mc:AlternateContent xmlns:mc="http://schemas.openxmlformats.org/markup-compatibility/2006" xmlns:a14="http://schemas.microsoft.com/office/drawing/2010/main">
+        <mc:Choice Requires="a14">
+          <p:sp>
+            <p:nvSpPr>
+              <p:cNvPr id="46" name="TextBox 45">
+                <a:extLst>
+                  <a:ext uri="{FF2B5EF4-FFF2-40B4-BE49-F238E27FC236}">
+                    <a16:creationId xmlns:a16="http://schemas.microsoft.com/office/drawing/2014/main" id="{BE0D7C29-8321-4C8F-8BD6-6BA550428CFA}"/>
+                  </a:ext>
+                </a:extLst>
+              </p:cNvPr>
+              <p:cNvSpPr txBox="1"/>
+              <p:nvPr/>
+            </p:nvSpPr>
+            <p:spPr>
+              <a:xfrm>
+                <a:off x="6232267" y="3713005"/>
+                <a:ext cx="322204" cy="184666"/>
+              </a:xfrm>
+              <a:prstGeom prst="rect">
+                <a:avLst/>
+              </a:prstGeom>
+              <a:noFill/>
+            </p:spPr>
+            <p:txBody>
+              <a:bodyPr wrap="none" lIns="0" tIns="0" rIns="0" bIns="0" rtlCol="0">
+                <a:spAutoFit/>
+              </a:bodyPr>
+              <a:lstStyle/>
+              <a:p>
+                <a:pPr/>
+                <a14:m>
+                  <m:oMathPara xmlns:m="http://schemas.openxmlformats.org/officeDocument/2006/math">
+                    <m:oMathParaPr>
+                      <m:jc m:val="centerGroup"/>
+                    </m:oMathParaPr>
+                    <m:oMath xmlns:m="http://schemas.openxmlformats.org/officeDocument/2006/math">
+                      <m:r>
+                        <a:rPr lang="en-US" sz="1200" b="0" i="1" smtClean="0">
+                          <a:latin typeface="Cambria Math" panose="02040503050406030204" pitchFamily="18" charset="0"/>
+                        </a:rPr>
+                        <m:t>0.45</m:t>
+                      </m:r>
+                    </m:oMath>
+                  </m:oMathPara>
+                </a14:m>
+                <a:endParaRPr lang="en-US" sz="1200" dirty="0"/>
+              </a:p>
+            </p:txBody>
+          </p:sp>
+        </mc:Choice>
+        <mc:Fallback xmlns="">
+          <p:sp>
+            <p:nvSpPr>
+              <p:cNvPr id="46" name="TextBox 45">
+                <a:extLst>
+                  <a:ext uri="{FF2B5EF4-FFF2-40B4-BE49-F238E27FC236}">
+                    <a16:creationId xmlns:a16="http://schemas.microsoft.com/office/drawing/2014/main" id="{BE0D7C29-8321-4C8F-8BD6-6BA550428CFA}"/>
+                  </a:ext>
+                </a:extLst>
+              </p:cNvPr>
+              <p:cNvSpPr txBox="1">
+                <a:spLocks noRot="1" noChangeAspect="1" noMove="1" noResize="1" noEditPoints="1" noAdjustHandles="1" noChangeArrowheads="1" noChangeShapeType="1" noTextEdit="1"/>
+              </p:cNvSpPr>
+              <p:nvPr/>
+            </p:nvSpPr>
+            <p:spPr>
+              <a:xfrm>
+                <a:off x="6232267" y="3713005"/>
+                <a:ext cx="322204" cy="184666"/>
+              </a:xfrm>
+              <a:prstGeom prst="rect">
+                <a:avLst/>
+              </a:prstGeom>
+              <a:blipFill>
+                <a:blip r:embed="rId28"/>
+                <a:stretch>
+                  <a:fillRect l="-11321" r="-13208" b="-10000"/>
+                </a:stretch>
+              </a:blipFill>
+            </p:spPr>
+            <p:txBody>
+              <a:bodyPr/>
+              <a:lstStyle/>
+              <a:p>
+                <a:r>
+                  <a:rPr lang="en-US">
+                    <a:noFill/>
+                  </a:rPr>
+                  <a:t> </a:t>
+                </a:r>
+              </a:p>
+            </p:txBody>
+          </p:sp>
+        </mc:Fallback>
+      </mc:AlternateContent>
+      <mc:AlternateContent xmlns:mc="http://schemas.openxmlformats.org/markup-compatibility/2006" xmlns:a14="http://schemas.microsoft.com/office/drawing/2010/main">
+        <mc:Choice Requires="a14">
+          <p:sp>
+            <p:nvSpPr>
+              <p:cNvPr id="47" name="TextBox 46">
+                <a:extLst>
+                  <a:ext uri="{FF2B5EF4-FFF2-40B4-BE49-F238E27FC236}">
+                    <a16:creationId xmlns:a16="http://schemas.microsoft.com/office/drawing/2014/main" id="{24F77001-A22E-4D6E-8C18-A8078B2AA22F}"/>
+                  </a:ext>
+                </a:extLst>
+              </p:cNvPr>
+              <p:cNvSpPr txBox="1"/>
+              <p:nvPr/>
+            </p:nvSpPr>
+            <p:spPr>
+              <a:xfrm>
+                <a:off x="7463570" y="3708343"/>
+                <a:ext cx="322204" cy="184666"/>
+              </a:xfrm>
+              <a:prstGeom prst="rect">
+                <a:avLst/>
+              </a:prstGeom>
+              <a:noFill/>
+            </p:spPr>
+            <p:txBody>
+              <a:bodyPr wrap="none" lIns="0" tIns="0" rIns="0" bIns="0" rtlCol="0">
+                <a:spAutoFit/>
+              </a:bodyPr>
+              <a:lstStyle/>
+              <a:p>
+                <a:pPr/>
+                <a14:m>
+                  <m:oMathPara xmlns:m="http://schemas.openxmlformats.org/officeDocument/2006/math">
+                    <m:oMathParaPr>
+                      <m:jc m:val="centerGroup"/>
+                    </m:oMathParaPr>
+                    <m:oMath xmlns:m="http://schemas.openxmlformats.org/officeDocument/2006/math">
+                      <m:r>
+                        <a:rPr lang="en-US" sz="1200" b="0" i="1" smtClean="0">
+                          <a:latin typeface="Cambria Math" panose="02040503050406030204" pitchFamily="18" charset="0"/>
+                        </a:rPr>
+                        <m:t>0.70</m:t>
+                      </m:r>
+                    </m:oMath>
+                  </m:oMathPara>
+                </a14:m>
+                <a:endParaRPr lang="en-US" sz="1200" dirty="0"/>
+              </a:p>
+            </p:txBody>
+          </p:sp>
+        </mc:Choice>
+        <mc:Fallback xmlns="">
+          <p:sp>
+            <p:nvSpPr>
+              <p:cNvPr id="47" name="TextBox 46">
+                <a:extLst>
+                  <a:ext uri="{FF2B5EF4-FFF2-40B4-BE49-F238E27FC236}">
+                    <a16:creationId xmlns:a16="http://schemas.microsoft.com/office/drawing/2014/main" id="{24F77001-A22E-4D6E-8C18-A8078B2AA22F}"/>
+                  </a:ext>
+                </a:extLst>
+              </p:cNvPr>
+              <p:cNvSpPr txBox="1">
+                <a:spLocks noRot="1" noChangeAspect="1" noMove="1" noResize="1" noEditPoints="1" noAdjustHandles="1" noChangeArrowheads="1" noChangeShapeType="1" noTextEdit="1"/>
+              </p:cNvSpPr>
+              <p:nvPr/>
+            </p:nvSpPr>
+            <p:spPr>
+              <a:xfrm>
+                <a:off x="7463570" y="3708343"/>
+                <a:ext cx="322204" cy="184666"/>
+              </a:xfrm>
+              <a:prstGeom prst="rect">
+                <a:avLst/>
+              </a:prstGeom>
+              <a:blipFill>
+                <a:blip r:embed="rId23"/>
+                <a:stretch>
+                  <a:fillRect l="-11321" r="-11321" b="-3226"/>
+                </a:stretch>
+              </a:blipFill>
+            </p:spPr>
+            <p:txBody>
+              <a:bodyPr/>
+              <a:lstStyle/>
+              <a:p>
+                <a:r>
+                  <a:rPr lang="en-US">
+                    <a:noFill/>
+                  </a:rPr>
+                  <a:t> </a:t>
+                </a:r>
+              </a:p>
+            </p:txBody>
+          </p:sp>
+        </mc:Fallback>
+      </mc:AlternateContent>
+      <mc:AlternateContent xmlns:mc="http://schemas.openxmlformats.org/markup-compatibility/2006" xmlns:a14="http://schemas.microsoft.com/office/drawing/2010/main">
+        <mc:Choice Requires="a14">
+          <p:sp>
+            <p:nvSpPr>
+              <p:cNvPr id="48" name="TextBox 47">
+                <a:extLst>
+                  <a:ext uri="{FF2B5EF4-FFF2-40B4-BE49-F238E27FC236}">
+                    <a16:creationId xmlns:a16="http://schemas.microsoft.com/office/drawing/2014/main" id="{341C6D02-5502-4A98-B7E6-81B83B0D9755}"/>
+                  </a:ext>
+                </a:extLst>
+              </p:cNvPr>
+              <p:cNvSpPr txBox="1"/>
+              <p:nvPr/>
+            </p:nvSpPr>
+            <p:spPr>
+              <a:xfrm>
+                <a:off x="8370822" y="3708343"/>
+                <a:ext cx="322204" cy="184666"/>
+              </a:xfrm>
+              <a:prstGeom prst="rect">
+                <a:avLst/>
+              </a:prstGeom>
+              <a:noFill/>
+            </p:spPr>
+            <p:txBody>
+              <a:bodyPr wrap="none" lIns="0" tIns="0" rIns="0" bIns="0" rtlCol="0">
+                <a:spAutoFit/>
+              </a:bodyPr>
+              <a:lstStyle/>
+              <a:p>
+                <a:pPr/>
+                <a14:m>
+                  <m:oMathPara xmlns:m="http://schemas.openxmlformats.org/officeDocument/2006/math">
+                    <m:oMathParaPr>
+                      <m:jc m:val="centerGroup"/>
+                    </m:oMathParaPr>
+                    <m:oMath xmlns:m="http://schemas.openxmlformats.org/officeDocument/2006/math">
+                      <m:r>
+                        <a:rPr lang="en-US" sz="1200" b="0" i="1" smtClean="0">
+                          <a:latin typeface="Cambria Math" panose="02040503050406030204" pitchFamily="18" charset="0"/>
+                        </a:rPr>
+                        <m:t>0.59</m:t>
+                      </m:r>
+                    </m:oMath>
+                  </m:oMathPara>
+                </a14:m>
+                <a:endParaRPr lang="en-US" sz="1200" dirty="0"/>
+              </a:p>
+            </p:txBody>
+          </p:sp>
+        </mc:Choice>
+        <mc:Fallback xmlns="">
+          <p:sp>
+            <p:nvSpPr>
+              <p:cNvPr id="48" name="TextBox 47">
+                <a:extLst>
+                  <a:ext uri="{FF2B5EF4-FFF2-40B4-BE49-F238E27FC236}">
+                    <a16:creationId xmlns:a16="http://schemas.microsoft.com/office/drawing/2014/main" id="{341C6D02-5502-4A98-B7E6-81B83B0D9755}"/>
+                  </a:ext>
+                </a:extLst>
+              </p:cNvPr>
+              <p:cNvSpPr txBox="1">
+                <a:spLocks noRot="1" noChangeAspect="1" noMove="1" noResize="1" noEditPoints="1" noAdjustHandles="1" noChangeArrowheads="1" noChangeShapeType="1" noTextEdit="1"/>
+              </p:cNvSpPr>
+              <p:nvPr/>
+            </p:nvSpPr>
+            <p:spPr>
+              <a:xfrm>
+                <a:off x="8370822" y="3708343"/>
+                <a:ext cx="322204" cy="184666"/>
+              </a:xfrm>
+              <a:prstGeom prst="rect">
+                <a:avLst/>
+              </a:prstGeom>
+              <a:blipFill>
+                <a:blip r:embed="rId29"/>
+                <a:stretch>
+                  <a:fillRect l="-11321" r="-13208" b="-6452"/>
+                </a:stretch>
+              </a:blipFill>
+            </p:spPr>
+            <p:txBody>
+              <a:bodyPr/>
+              <a:lstStyle/>
+              <a:p>
+                <a:r>
+                  <a:rPr lang="en-US">
+                    <a:noFill/>
+                  </a:rPr>
+                  <a:t> </a:t>
+                </a:r>
+              </a:p>
+            </p:txBody>
+          </p:sp>
+        </mc:Fallback>
+      </mc:AlternateContent>
+      <p:sp>
+        <p:nvSpPr>
+          <p:cNvPr id="97" name="Arrow: Right 96">
+            <a:extLst>
+              <a:ext uri="{FF2B5EF4-FFF2-40B4-BE49-F238E27FC236}">
+                <a16:creationId xmlns:a16="http://schemas.microsoft.com/office/drawing/2014/main" id="{E7514FED-F454-492B-AF63-408C4C5C8018}"/>
+              </a:ext>
+            </a:extLst>
+          </p:cNvPr>
+          <p:cNvSpPr/>
+          <p:nvPr/>
+        </p:nvSpPr>
+        <p:spPr>
+          <a:xfrm>
+            <a:off x="9616224" y="1682673"/>
+            <a:ext cx="818279" cy="94642"/>
+          </a:xfrm>
+          <a:prstGeom prst="rightArrow">
+            <a:avLst/>
+          </a:prstGeom>
+        </p:spPr>
+        <p:style>
+          <a:lnRef idx="0">
+            <a:schemeClr val="dk1"/>
+          </a:lnRef>
+          <a:fillRef idx="3">
+            <a:schemeClr val="dk1"/>
+          </a:fillRef>
+          <a:effectRef idx="3">
+            <a:schemeClr val="dk1"/>
+          </a:effectRef>
+          <a:fontRef idx="minor">
+            <a:schemeClr val="lt1"/>
+          </a:fontRef>
+        </p:style>
+        <p:txBody>
+          <a:bodyPr rtlCol="0" anchor="ctr"/>
+          <a:lstStyle/>
+          <a:p>
+            <a:pPr algn="ctr"/>
+            <a:endParaRPr lang="en-US"/>
+          </a:p>
+        </p:txBody>
+      </p:sp>
+      <mc:AlternateContent xmlns:mc="http://schemas.openxmlformats.org/markup-compatibility/2006" xmlns:a14="http://schemas.microsoft.com/office/drawing/2010/main">
+        <mc:Choice Requires="a14">
+          <p:sp>
+            <p:nvSpPr>
+              <p:cNvPr id="98" name="TextBox 97">
+                <a:extLst>
+                  <a:ext uri="{FF2B5EF4-FFF2-40B4-BE49-F238E27FC236}">
+                    <a16:creationId xmlns:a16="http://schemas.microsoft.com/office/drawing/2014/main" id="{216FC85F-D36D-48F9-B58D-EBDD1D7A486A}"/>
+                  </a:ext>
+                </a:extLst>
+              </p:cNvPr>
+              <p:cNvSpPr txBox="1"/>
+              <p:nvPr/>
+            </p:nvSpPr>
+            <p:spPr>
+              <a:xfrm>
+                <a:off x="10434503" y="1562504"/>
+                <a:ext cx="283091" cy="276999"/>
+              </a:xfrm>
+              <a:prstGeom prst="rect">
+                <a:avLst/>
+              </a:prstGeom>
+              <a:noFill/>
+            </p:spPr>
+            <p:txBody>
+              <a:bodyPr wrap="none" lIns="0" tIns="0" rIns="0" bIns="0" rtlCol="0">
+                <a:spAutoFit/>
+              </a:bodyPr>
+              <a:lstStyle/>
+              <a:p>
+                <a:pPr/>
+                <a14:m>
+                  <m:oMathPara xmlns:m="http://schemas.openxmlformats.org/officeDocument/2006/math">
+                    <m:oMathParaPr>
+                      <m:jc m:val="centerGroup"/>
+                    </m:oMathParaPr>
+                    <m:oMath xmlns:m="http://schemas.openxmlformats.org/officeDocument/2006/math">
+                      <m:sSub>
+                        <m:sSubPr>
+                          <m:ctrlPr>
+                            <a:rPr lang="en-US" i="1" smtClean="0">
+                              <a:latin typeface="Cambria Math" panose="02040503050406030204" pitchFamily="18" charset="0"/>
+                            </a:rPr>
+                          </m:ctrlPr>
+                        </m:sSubPr>
+                        <m:e>
+                          <m:r>
+                            <a:rPr lang="en-US" b="0" i="1" smtClean="0">
+                              <a:latin typeface="Cambria Math" panose="02040503050406030204" pitchFamily="18" charset="0"/>
+                            </a:rPr>
+                            <m:t>𝑦</m:t>
+                          </m:r>
+                        </m:e>
+                        <m:sub>
+                          <m:r>
+                            <a:rPr lang="en-US" b="0" i="1" smtClean="0">
+                              <a:latin typeface="Cambria Math" panose="02040503050406030204" pitchFamily="18" charset="0"/>
+                            </a:rPr>
+                            <m:t>0</m:t>
+                          </m:r>
+                        </m:sub>
+                      </m:sSub>
+                    </m:oMath>
+                  </m:oMathPara>
+                </a14:m>
+                <a:endParaRPr lang="en-US" dirty="0"/>
+              </a:p>
+            </p:txBody>
+          </p:sp>
+        </mc:Choice>
+        <mc:Fallback xmlns="">
+          <p:sp>
+            <p:nvSpPr>
+              <p:cNvPr id="98" name="TextBox 97">
+                <a:extLst>
+                  <a:ext uri="{FF2B5EF4-FFF2-40B4-BE49-F238E27FC236}">
+                    <a16:creationId xmlns:a16="http://schemas.microsoft.com/office/drawing/2014/main" id="{216FC85F-D36D-48F9-B58D-EBDD1D7A486A}"/>
+                  </a:ext>
+                </a:extLst>
+              </p:cNvPr>
+              <p:cNvSpPr txBox="1">
+                <a:spLocks noRot="1" noChangeAspect="1" noMove="1" noResize="1" noEditPoints="1" noAdjustHandles="1" noChangeArrowheads="1" noChangeShapeType="1" noTextEdit="1"/>
+              </p:cNvSpPr>
+              <p:nvPr/>
+            </p:nvSpPr>
+            <p:spPr>
+              <a:xfrm>
+                <a:off x="10434503" y="1562504"/>
+                <a:ext cx="283091" cy="276999"/>
+              </a:xfrm>
+              <a:prstGeom prst="rect">
+                <a:avLst/>
+              </a:prstGeom>
+              <a:blipFill>
+                <a:blip r:embed="rId30"/>
+                <a:stretch>
+                  <a:fillRect l="-21739" r="-6522" b="-23913"/>
+                </a:stretch>
+              </a:blipFill>
+            </p:spPr>
+            <p:txBody>
+              <a:bodyPr/>
+              <a:lstStyle/>
+              <a:p>
+                <a:r>
+                  <a:rPr lang="en-US">
+                    <a:noFill/>
+                  </a:rPr>
+                  <a:t> </a:t>
+                </a:r>
+              </a:p>
+            </p:txBody>
+          </p:sp>
+        </mc:Fallback>
+      </mc:AlternateContent>
+      <p:sp>
+        <p:nvSpPr>
+          <p:cNvPr id="99" name="Arrow: Right 98">
+            <a:extLst>
+              <a:ext uri="{FF2B5EF4-FFF2-40B4-BE49-F238E27FC236}">
+                <a16:creationId xmlns:a16="http://schemas.microsoft.com/office/drawing/2014/main" id="{BA462A80-F9C5-4886-AF7C-6B6D43956DB0}"/>
+              </a:ext>
+            </a:extLst>
+          </p:cNvPr>
+          <p:cNvSpPr/>
+          <p:nvPr/>
+        </p:nvSpPr>
+        <p:spPr>
+          <a:xfrm>
+            <a:off x="9616223" y="3088771"/>
+            <a:ext cx="818279" cy="94642"/>
+          </a:xfrm>
+          <a:prstGeom prst="rightArrow">
+            <a:avLst/>
+          </a:prstGeom>
+        </p:spPr>
+        <p:style>
+          <a:lnRef idx="0">
+            <a:schemeClr val="dk1"/>
+          </a:lnRef>
+          <a:fillRef idx="3">
+            <a:schemeClr val="dk1"/>
+          </a:fillRef>
+          <a:effectRef idx="3">
+            <a:schemeClr val="dk1"/>
+          </a:effectRef>
+          <a:fontRef idx="minor">
+            <a:schemeClr val="lt1"/>
+          </a:fontRef>
+        </p:style>
+        <p:txBody>
+          <a:bodyPr rtlCol="0" anchor="ctr"/>
+          <a:lstStyle/>
+          <a:p>
+            <a:pPr algn="ctr"/>
+            <a:endParaRPr lang="en-US"/>
+          </a:p>
+        </p:txBody>
+      </p:sp>
+      <mc:AlternateContent xmlns:mc="http://schemas.openxmlformats.org/markup-compatibility/2006" xmlns:a14="http://schemas.microsoft.com/office/drawing/2010/main">
+        <mc:Choice Requires="a14">
+          <p:sp>
+            <p:nvSpPr>
+              <p:cNvPr id="100" name="TextBox 99">
+                <a:extLst>
+                  <a:ext uri="{FF2B5EF4-FFF2-40B4-BE49-F238E27FC236}">
+                    <a16:creationId xmlns:a16="http://schemas.microsoft.com/office/drawing/2014/main" id="{A82BEA95-3755-4AC4-9EA7-8F0D2E836C7D}"/>
+                  </a:ext>
+                </a:extLst>
+              </p:cNvPr>
+              <p:cNvSpPr txBox="1"/>
+              <p:nvPr/>
+            </p:nvSpPr>
+            <p:spPr>
+              <a:xfrm>
+                <a:off x="10434502" y="2965032"/>
+                <a:ext cx="277768" cy="276999"/>
+              </a:xfrm>
+              <a:prstGeom prst="rect">
+                <a:avLst/>
+              </a:prstGeom>
+              <a:noFill/>
+            </p:spPr>
+            <p:txBody>
+              <a:bodyPr wrap="none" lIns="0" tIns="0" rIns="0" bIns="0" rtlCol="0">
+                <a:spAutoFit/>
+              </a:bodyPr>
+              <a:lstStyle/>
+              <a:p>
+                <a:pPr/>
+                <a14:m>
+                  <m:oMathPara xmlns:m="http://schemas.openxmlformats.org/officeDocument/2006/math">
+                    <m:oMathParaPr>
+                      <m:jc m:val="centerGroup"/>
+                    </m:oMathParaPr>
+                    <m:oMath xmlns:m="http://schemas.openxmlformats.org/officeDocument/2006/math">
+                      <m:sSub>
+                        <m:sSubPr>
+                          <m:ctrlPr>
+                            <a:rPr lang="en-US" i="1" smtClean="0">
+                              <a:latin typeface="Cambria Math" panose="02040503050406030204" pitchFamily="18" charset="0"/>
+                            </a:rPr>
+                          </m:ctrlPr>
+                        </m:sSubPr>
+                        <m:e>
+                          <m:r>
+                            <a:rPr lang="en-US" b="0" i="1" smtClean="0">
+                              <a:latin typeface="Cambria Math" panose="02040503050406030204" pitchFamily="18" charset="0"/>
+                            </a:rPr>
+                            <m:t>𝑦</m:t>
+                          </m:r>
+                        </m:e>
+                        <m:sub>
+                          <m:r>
+                            <a:rPr lang="en-US" b="0" i="1" smtClean="0">
+                              <a:latin typeface="Cambria Math" panose="02040503050406030204" pitchFamily="18" charset="0"/>
+                            </a:rPr>
+                            <m:t>1</m:t>
+                          </m:r>
+                        </m:sub>
+                      </m:sSub>
+                    </m:oMath>
+                  </m:oMathPara>
+                </a14:m>
+                <a:endParaRPr lang="en-US" dirty="0"/>
+              </a:p>
+            </p:txBody>
+          </p:sp>
+        </mc:Choice>
+        <mc:Fallback xmlns="">
+          <p:sp>
+            <p:nvSpPr>
+              <p:cNvPr id="100" name="TextBox 99">
+                <a:extLst>
+                  <a:ext uri="{FF2B5EF4-FFF2-40B4-BE49-F238E27FC236}">
+                    <a16:creationId xmlns:a16="http://schemas.microsoft.com/office/drawing/2014/main" id="{A82BEA95-3755-4AC4-9EA7-8F0D2E836C7D}"/>
+                  </a:ext>
+                </a:extLst>
+              </p:cNvPr>
+              <p:cNvSpPr txBox="1">
+                <a:spLocks noRot="1" noChangeAspect="1" noMove="1" noResize="1" noEditPoints="1" noAdjustHandles="1" noChangeArrowheads="1" noChangeShapeType="1" noTextEdit="1"/>
+              </p:cNvSpPr>
+              <p:nvPr/>
+            </p:nvSpPr>
+            <p:spPr>
+              <a:xfrm>
+                <a:off x="10434502" y="2965032"/>
+                <a:ext cx="277768" cy="276999"/>
+              </a:xfrm>
+              <a:prstGeom prst="rect">
+                <a:avLst/>
+              </a:prstGeom>
+              <a:blipFill>
+                <a:blip r:embed="rId31"/>
+                <a:stretch>
+                  <a:fillRect l="-22222" r="-6667" b="-23913"/>
+                </a:stretch>
+              </a:blipFill>
+            </p:spPr>
+            <p:txBody>
+              <a:bodyPr/>
+              <a:lstStyle/>
+              <a:p>
+                <a:r>
+                  <a:rPr lang="en-US">
+                    <a:noFill/>
+                  </a:rPr>
+                  <a:t> </a:t>
+                </a:r>
+              </a:p>
+            </p:txBody>
+          </p:sp>
+        </mc:Fallback>
+      </mc:AlternateContent>
+    </p:spTree>
+    <p:extLst>
+      <p:ext uri="{BB962C8B-B14F-4D97-AF65-F5344CB8AC3E}">
+        <p14:creationId xmlns:p14="http://schemas.microsoft.com/office/powerpoint/2010/main" val="2609142476"/>
       </p:ext>
     </p:extLst>
   </p:cSld>

--- a/ANN Diagram.pptx
+++ b/ANN Diagram.pptx
@@ -297,7 +297,7 @@
           <a:p>
             <a:fld id="{C2F77027-3C40-4359-A277-7487BD58E41D}" type="datetimeFigureOut">
               <a:rPr lang="en-US" smtClean="0"/>
-              <a:t>12/4/2019</a:t>
+              <a:t>12/5/2019</a:t>
             </a:fld>
             <a:endParaRPr lang="en-US"/>
           </a:p>
@@ -495,7 +495,7 @@
           <a:p>
             <a:fld id="{C2F77027-3C40-4359-A277-7487BD58E41D}" type="datetimeFigureOut">
               <a:rPr lang="en-US" smtClean="0"/>
-              <a:t>12/4/2019</a:t>
+              <a:t>12/5/2019</a:t>
             </a:fld>
             <a:endParaRPr lang="en-US"/>
           </a:p>
@@ -703,7 +703,7 @@
           <a:p>
             <a:fld id="{C2F77027-3C40-4359-A277-7487BD58E41D}" type="datetimeFigureOut">
               <a:rPr lang="en-US" smtClean="0"/>
-              <a:t>12/4/2019</a:t>
+              <a:t>12/5/2019</a:t>
             </a:fld>
             <a:endParaRPr lang="en-US"/>
           </a:p>
@@ -901,7 +901,7 @@
           <a:p>
             <a:fld id="{C2F77027-3C40-4359-A277-7487BD58E41D}" type="datetimeFigureOut">
               <a:rPr lang="en-US" smtClean="0"/>
-              <a:t>12/4/2019</a:t>
+              <a:t>12/5/2019</a:t>
             </a:fld>
             <a:endParaRPr lang="en-US"/>
           </a:p>
@@ -1176,7 +1176,7 @@
           <a:p>
             <a:fld id="{C2F77027-3C40-4359-A277-7487BD58E41D}" type="datetimeFigureOut">
               <a:rPr lang="en-US" smtClean="0"/>
-              <a:t>12/4/2019</a:t>
+              <a:t>12/5/2019</a:t>
             </a:fld>
             <a:endParaRPr lang="en-US"/>
           </a:p>
@@ -1441,7 +1441,7 @@
           <a:p>
             <a:fld id="{C2F77027-3C40-4359-A277-7487BD58E41D}" type="datetimeFigureOut">
               <a:rPr lang="en-US" smtClean="0"/>
-              <a:t>12/4/2019</a:t>
+              <a:t>12/5/2019</a:t>
             </a:fld>
             <a:endParaRPr lang="en-US"/>
           </a:p>
@@ -1853,7 +1853,7 @@
           <a:p>
             <a:fld id="{C2F77027-3C40-4359-A277-7487BD58E41D}" type="datetimeFigureOut">
               <a:rPr lang="en-US" smtClean="0"/>
-              <a:t>12/4/2019</a:t>
+              <a:t>12/5/2019</a:t>
             </a:fld>
             <a:endParaRPr lang="en-US"/>
           </a:p>
@@ -1994,7 +1994,7 @@
           <a:p>
             <a:fld id="{C2F77027-3C40-4359-A277-7487BD58E41D}" type="datetimeFigureOut">
               <a:rPr lang="en-US" smtClean="0"/>
-              <a:t>12/4/2019</a:t>
+              <a:t>12/5/2019</a:t>
             </a:fld>
             <a:endParaRPr lang="en-US"/>
           </a:p>
@@ -2107,7 +2107,7 @@
           <a:p>
             <a:fld id="{C2F77027-3C40-4359-A277-7487BD58E41D}" type="datetimeFigureOut">
               <a:rPr lang="en-US" smtClean="0"/>
-              <a:t>12/4/2019</a:t>
+              <a:t>12/5/2019</a:t>
             </a:fld>
             <a:endParaRPr lang="en-US"/>
           </a:p>
@@ -2418,7 +2418,7 @@
           <a:p>
             <a:fld id="{C2F77027-3C40-4359-A277-7487BD58E41D}" type="datetimeFigureOut">
               <a:rPr lang="en-US" smtClean="0"/>
-              <a:t>12/4/2019</a:t>
+              <a:t>12/5/2019</a:t>
             </a:fld>
             <a:endParaRPr lang="en-US"/>
           </a:p>
@@ -2706,7 +2706,7 @@
           <a:p>
             <a:fld id="{C2F77027-3C40-4359-A277-7487BD58E41D}" type="datetimeFigureOut">
               <a:rPr lang="en-US" smtClean="0"/>
-              <a:t>12/4/2019</a:t>
+              <a:t>12/5/2019</a:t>
             </a:fld>
             <a:endParaRPr lang="en-US"/>
           </a:p>
@@ -2947,7 +2947,7 @@
           <a:p>
             <a:fld id="{C2F77027-3C40-4359-A277-7487BD58E41D}" type="datetimeFigureOut">
               <a:rPr lang="en-US" smtClean="0"/>
-              <a:t>12/4/2019</a:t>
+              <a:t>12/5/2019</a:t>
             </a:fld>
             <a:endParaRPr lang="en-US"/>
           </a:p>
@@ -18501,8 +18501,8 @@
           </a:p>
         </p:txBody>
       </p:sp>
-      <mc:AlternateContent xmlns:mc="http://schemas.openxmlformats.org/markup-compatibility/2006" xmlns:a14="http://schemas.microsoft.com/office/drawing/2010/main">
-        <mc:Choice Requires="a14">
+      <mc:AlternateContent xmlns:mc="http://schemas.openxmlformats.org/markup-compatibility/2006">
+        <mc:Choice xmlns:a14="http://schemas.microsoft.com/office/drawing/2010/main" Requires="a14">
           <p:sp>
             <p:nvSpPr>
               <p:cNvPr id="62" name="TextBox 61">
@@ -18547,12 +18547,24 @@
                           </m:ctrlPr>
                         </m:sSubPr>
                         <m:e>
-                          <m:r>
-                            <a:rPr lang="en-US" b="0" i="1" smtClean="0">
-                              <a:latin typeface="Cambria Math" panose="02040503050406030204" pitchFamily="18" charset="0"/>
-                            </a:rPr>
-                            <m:t>𝑦</m:t>
-                          </m:r>
+                          <m:acc>
+                            <m:accPr>
+                              <m:chr m:val="̂"/>
+                              <m:ctrlPr>
+                                <a:rPr lang="en-US" i="1" smtClean="0">
+                                  <a:latin typeface="Cambria Math" panose="02040503050406030204" pitchFamily="18" charset="0"/>
+                                </a:rPr>
+                              </m:ctrlPr>
+                            </m:accPr>
+                            <m:e>
+                              <m:r>
+                                <a:rPr lang="en-US" b="0" i="1" smtClean="0">
+                                  <a:latin typeface="Cambria Math" panose="02040503050406030204" pitchFamily="18" charset="0"/>
+                                </a:rPr>
+                                <m:t>𝑦</m:t>
+                              </m:r>
+                            </m:e>
+                          </m:acc>
                         </m:e>
                         <m:sub>
                           <m:r>
@@ -18571,7 +18583,7 @@
             </p:txBody>
           </p:sp>
         </mc:Choice>
-        <mc:Fallback xmlns="">
+        <mc:Fallback>
           <p:sp>
             <p:nvSpPr>
               <p:cNvPr id="62" name="TextBox 61">
@@ -18597,7 +18609,7 @@
               <a:blipFill>
                 <a:blip r:embed="rId25"/>
                 <a:stretch>
-                  <a:fillRect l="-21739" r="-6522" b="-26667"/>
+                  <a:fillRect l="-21739" t="-26667" r="-52174" b="-26667"/>
                 </a:stretch>
               </a:blipFill>
             </p:spPr>
@@ -18660,8 +18672,8 @@
           </a:p>
         </p:txBody>
       </p:sp>
-      <mc:AlternateContent xmlns:mc="http://schemas.openxmlformats.org/markup-compatibility/2006" xmlns:a14="http://schemas.microsoft.com/office/drawing/2010/main">
-        <mc:Choice Requires="a14">
+      <mc:AlternateContent xmlns:mc="http://schemas.openxmlformats.org/markup-compatibility/2006">
+        <mc:Choice xmlns:a14="http://schemas.microsoft.com/office/drawing/2010/main" Requires="a14">
           <p:sp>
             <p:nvSpPr>
               <p:cNvPr id="64" name="TextBox 63">
@@ -18706,12 +18718,24 @@
                           </m:ctrlPr>
                         </m:sSubPr>
                         <m:e>
-                          <m:r>
-                            <a:rPr lang="en-US" b="0" i="1" smtClean="0">
-                              <a:latin typeface="Cambria Math" panose="02040503050406030204" pitchFamily="18" charset="0"/>
-                            </a:rPr>
-                            <m:t>𝑦</m:t>
-                          </m:r>
+                          <m:acc>
+                            <m:accPr>
+                              <m:chr m:val="̂"/>
+                              <m:ctrlPr>
+                                <a:rPr lang="en-US" i="1" smtClean="0">
+                                  <a:latin typeface="Cambria Math" panose="02040503050406030204" pitchFamily="18" charset="0"/>
+                                </a:rPr>
+                              </m:ctrlPr>
+                            </m:accPr>
+                            <m:e>
+                              <m:r>
+                                <a:rPr lang="en-US" b="0" i="1" smtClean="0">
+                                  <a:latin typeface="Cambria Math" panose="02040503050406030204" pitchFamily="18" charset="0"/>
+                                </a:rPr>
+                                <m:t>𝑦</m:t>
+                              </m:r>
+                            </m:e>
+                          </m:acc>
                         </m:e>
                         <m:sub>
                           <m:r>
@@ -18730,7 +18754,7 @@
             </p:txBody>
           </p:sp>
         </mc:Choice>
-        <mc:Fallback xmlns="">
+        <mc:Fallback>
           <p:sp>
             <p:nvSpPr>
               <p:cNvPr id="64" name="TextBox 63">
@@ -18756,7 +18780,7 @@
               <a:blipFill>
                 <a:blip r:embed="rId26"/>
                 <a:stretch>
-                  <a:fillRect l="-21739" r="-4348" b="-26667"/>
+                  <a:fillRect l="-21739" t="-26667" r="-50000" b="-26667"/>
                 </a:stretch>
               </a:blipFill>
             </p:spPr>
@@ -21492,8 +21516,8 @@
           </p:sp>
         </mc:Fallback>
       </mc:AlternateContent>
-      <mc:AlternateContent xmlns:mc="http://schemas.openxmlformats.org/markup-compatibility/2006">
-        <mc:Choice xmlns:a14="http://schemas.microsoft.com/office/drawing/2010/main" Requires="a14">
+      <mc:AlternateContent xmlns:mc="http://schemas.openxmlformats.org/markup-compatibility/2006" xmlns:a14="http://schemas.microsoft.com/office/drawing/2010/main">
+        <mc:Choice Requires="a14">
           <p:sp>
             <p:nvSpPr>
               <p:cNvPr id="15" name="Oval 14">
@@ -21581,7 +21605,7 @@
             </p:txBody>
           </p:sp>
         </mc:Choice>
-        <mc:Fallback>
+        <mc:Fallback xmlns="">
           <p:sp>
             <p:nvSpPr>
               <p:cNvPr id="15" name="Oval 14">
@@ -21626,8 +21650,8 @@
           </p:sp>
         </mc:Fallback>
       </mc:AlternateContent>
-      <mc:AlternateContent xmlns:mc="http://schemas.openxmlformats.org/markup-compatibility/2006">
-        <mc:Choice xmlns:a14="http://schemas.microsoft.com/office/drawing/2010/main" Requires="a14">
+      <mc:AlternateContent xmlns:mc="http://schemas.openxmlformats.org/markup-compatibility/2006" xmlns:a14="http://schemas.microsoft.com/office/drawing/2010/main">
+        <mc:Choice Requires="a14">
           <p:sp>
             <p:nvSpPr>
               <p:cNvPr id="16" name="Oval 15">
@@ -21715,7 +21739,7 @@
             </p:txBody>
           </p:sp>
         </mc:Choice>
-        <mc:Fallback>
+        <mc:Fallback xmlns="">
           <p:sp>
             <p:nvSpPr>
               <p:cNvPr id="16" name="Oval 15">
@@ -21848,8 +21872,8 @@
           </a:p>
         </p:txBody>
       </p:sp>
-      <mc:AlternateContent xmlns:mc="http://schemas.openxmlformats.org/markup-compatibility/2006">
-        <mc:Choice xmlns:a14="http://schemas.microsoft.com/office/drawing/2010/main" Requires="a14">
+      <mc:AlternateContent xmlns:mc="http://schemas.openxmlformats.org/markup-compatibility/2006" xmlns:a14="http://schemas.microsoft.com/office/drawing/2010/main">
+        <mc:Choice Requires="a14">
           <p:sp>
             <p:nvSpPr>
               <p:cNvPr id="19" name="Oval 18">
@@ -21937,7 +21961,7 @@
             </p:txBody>
           </p:sp>
         </mc:Choice>
-        <mc:Fallback>
+        <mc:Fallback xmlns="">
           <p:sp>
             <p:nvSpPr>
               <p:cNvPr id="19" name="Oval 18">
@@ -21982,8 +22006,8 @@
           </p:sp>
         </mc:Fallback>
       </mc:AlternateContent>
-      <mc:AlternateContent xmlns:mc="http://schemas.openxmlformats.org/markup-compatibility/2006">
-        <mc:Choice xmlns:a14="http://schemas.microsoft.com/office/drawing/2010/main" Requires="a14">
+      <mc:AlternateContent xmlns:mc="http://schemas.openxmlformats.org/markup-compatibility/2006" xmlns:a14="http://schemas.microsoft.com/office/drawing/2010/main">
+        <mc:Choice Requires="a14">
           <p:sp>
             <p:nvSpPr>
               <p:cNvPr id="20" name="Oval 19">
@@ -22071,7 +22095,7 @@
             </p:txBody>
           </p:sp>
         </mc:Choice>
-        <mc:Fallback>
+        <mc:Fallback xmlns="">
           <p:sp>
             <p:nvSpPr>
               <p:cNvPr id="20" name="Oval 19">
@@ -22204,8 +22228,8 @@
           </a:p>
         </p:txBody>
       </p:sp>
-      <mc:AlternateContent xmlns:mc="http://schemas.openxmlformats.org/markup-compatibility/2006">
-        <mc:Choice xmlns:a14="http://schemas.microsoft.com/office/drawing/2010/main" Requires="a14">
+      <mc:AlternateContent xmlns:mc="http://schemas.openxmlformats.org/markup-compatibility/2006" xmlns:a14="http://schemas.microsoft.com/office/drawing/2010/main">
+        <mc:Choice Requires="a14">
           <p:sp>
             <p:nvSpPr>
               <p:cNvPr id="23" name="Oval 22">
@@ -22293,7 +22317,7 @@
             </p:txBody>
           </p:sp>
         </mc:Choice>
-        <mc:Fallback>
+        <mc:Fallback xmlns="">
           <p:sp>
             <p:nvSpPr>
               <p:cNvPr id="23" name="Oval 22">
@@ -22338,8 +22362,8 @@
           </p:sp>
         </mc:Fallback>
       </mc:AlternateContent>
-      <mc:AlternateContent xmlns:mc="http://schemas.openxmlformats.org/markup-compatibility/2006">
-        <mc:Choice xmlns:a14="http://schemas.microsoft.com/office/drawing/2010/main" Requires="a14">
+      <mc:AlternateContent xmlns:mc="http://schemas.openxmlformats.org/markup-compatibility/2006" xmlns:a14="http://schemas.microsoft.com/office/drawing/2010/main">
+        <mc:Choice Requires="a14">
           <p:sp>
             <p:nvSpPr>
               <p:cNvPr id="24" name="Oval 23">
@@ -22427,7 +22451,7 @@
             </p:txBody>
           </p:sp>
         </mc:Choice>
-        <mc:Fallback>
+        <mc:Fallback xmlns="">
           <p:sp>
             <p:nvSpPr>
               <p:cNvPr id="24" name="Oval 23">
@@ -22809,8 +22833,8 @@
           </p:sp>
         </mc:Fallback>
       </mc:AlternateContent>
-      <mc:AlternateContent xmlns:mc="http://schemas.openxmlformats.org/markup-compatibility/2006">
-        <mc:Choice xmlns:a14="http://schemas.microsoft.com/office/drawing/2010/main" Requires="a14">
+      <mc:AlternateContent xmlns:mc="http://schemas.openxmlformats.org/markup-compatibility/2006" xmlns:a14="http://schemas.microsoft.com/office/drawing/2010/main">
+        <mc:Choice Requires="a14">
           <p:sp>
             <p:nvSpPr>
               <p:cNvPr id="42" name="Oval 41">
@@ -22862,7 +22886,13 @@
                         <a:rPr lang="en-US" b="0" i="1" smtClean="0">
                           <a:latin typeface="Cambria Math" panose="02040503050406030204" pitchFamily="18" charset="0"/>
                         </a:rPr>
-                        <m:t>+1</m:t>
+                        <m:t>+</m:t>
+                      </m:r>
+                      <m:r>
+                        <a:rPr lang="en-US" b="0" i="1" smtClean="0">
+                          <a:latin typeface="Cambria Math" panose="02040503050406030204" pitchFamily="18" charset="0"/>
+                        </a:rPr>
+                        <m:t>1</m:t>
                       </m:r>
                     </m:oMath>
                   </m:oMathPara>
@@ -22872,7 +22902,7 @@
             </p:txBody>
           </p:sp>
         </mc:Choice>
-        <mc:Fallback>
+        <mc:Fallback xmlns="">
           <p:sp>
             <p:nvSpPr>
               <p:cNvPr id="42" name="Oval 41">
@@ -22971,7 +23001,13 @@
                         <a:rPr lang="en-US" b="0" i="1" dirty="0" smtClean="0">
                           <a:latin typeface="Cambria Math" panose="02040503050406030204" pitchFamily="18" charset="0"/>
                         </a:rPr>
-                        <m:t>+1</m:t>
+                        <m:t>+</m:t>
+                      </m:r>
+                      <m:r>
+                        <a:rPr lang="en-US" b="0" i="1" dirty="0" smtClean="0">
+                          <a:latin typeface="Cambria Math" panose="02040503050406030204" pitchFamily="18" charset="0"/>
+                        </a:rPr>
+                        <m:t>1</m:t>
                       </m:r>
                     </m:oMath>
                   </m:oMathPara>
@@ -23068,7 +23104,19 @@
                         <a:rPr lang="en-US" sz="1200" b="0" i="1" smtClean="0">
                           <a:latin typeface="Cambria Math" panose="02040503050406030204" pitchFamily="18" charset="0"/>
                         </a:rPr>
-                        <m:t>0.63</m:t>
+                        <m:t>0</m:t>
+                      </m:r>
+                      <m:r>
+                        <a:rPr lang="en-US" sz="1200" b="0" i="1" smtClean="0">
+                          <a:latin typeface="Cambria Math" panose="02040503050406030204" pitchFamily="18" charset="0"/>
+                        </a:rPr>
+                        <m:t>.</m:t>
+                      </m:r>
+                      <m:r>
+                        <a:rPr lang="en-US" sz="1200" b="0" i="1" smtClean="0">
+                          <a:latin typeface="Cambria Math" panose="02040503050406030204" pitchFamily="18" charset="0"/>
+                        </a:rPr>
+                        <m:t>63</m:t>
                       </m:r>
                     </m:oMath>
                   </m:oMathPara>
@@ -23164,7 +23212,19 @@
                         <a:rPr lang="en-US" sz="1200" b="0" i="1" smtClean="0">
                           <a:latin typeface="Cambria Math" panose="02040503050406030204" pitchFamily="18" charset="0"/>
                         </a:rPr>
-                        <m:t>0.28</m:t>
+                        <m:t>0</m:t>
+                      </m:r>
+                      <m:r>
+                        <a:rPr lang="en-US" sz="1200" b="0" i="1" smtClean="0">
+                          <a:latin typeface="Cambria Math" panose="02040503050406030204" pitchFamily="18" charset="0"/>
+                        </a:rPr>
+                        <m:t>.</m:t>
+                      </m:r>
+                      <m:r>
+                        <a:rPr lang="en-US" sz="1200" b="0" i="1" smtClean="0">
+                          <a:latin typeface="Cambria Math" panose="02040503050406030204" pitchFamily="18" charset="0"/>
+                        </a:rPr>
+                        <m:t>28</m:t>
                       </m:r>
                     </m:oMath>
                   </m:oMathPara>
@@ -23260,7 +23320,19 @@
                         <a:rPr lang="en-US" sz="1200" b="0" i="1" smtClean="0">
                           <a:latin typeface="Cambria Math" panose="02040503050406030204" pitchFamily="18" charset="0"/>
                         </a:rPr>
-                        <m:t>0.32</m:t>
+                        <m:t>0</m:t>
+                      </m:r>
+                      <m:r>
+                        <a:rPr lang="en-US" sz="1200" b="0" i="1" smtClean="0">
+                          <a:latin typeface="Cambria Math" panose="02040503050406030204" pitchFamily="18" charset="0"/>
+                        </a:rPr>
+                        <m:t>.</m:t>
+                      </m:r>
+                      <m:r>
+                        <a:rPr lang="en-US" sz="1200" b="0" i="1" smtClean="0">
+                          <a:latin typeface="Cambria Math" panose="02040503050406030204" pitchFamily="18" charset="0"/>
+                        </a:rPr>
+                        <m:t>32</m:t>
                       </m:r>
                     </m:oMath>
                   </m:oMathPara>
@@ -23356,7 +23428,19 @@
                         <a:rPr lang="en-US" sz="1200" b="0" i="1" smtClean="0">
                           <a:latin typeface="Cambria Math" panose="02040503050406030204" pitchFamily="18" charset="0"/>
                         </a:rPr>
-                        <m:t>0.50</m:t>
+                        <m:t>0</m:t>
+                      </m:r>
+                      <m:r>
+                        <a:rPr lang="en-US" sz="1200" b="0" i="1" smtClean="0">
+                          <a:latin typeface="Cambria Math" panose="02040503050406030204" pitchFamily="18" charset="0"/>
+                        </a:rPr>
+                        <m:t>.</m:t>
+                      </m:r>
+                      <m:r>
+                        <a:rPr lang="en-US" sz="1200" b="0" i="1" smtClean="0">
+                          <a:latin typeface="Cambria Math" panose="02040503050406030204" pitchFamily="18" charset="0"/>
+                        </a:rPr>
+                        <m:t>50</m:t>
                       </m:r>
                     </m:oMath>
                   </m:oMathPara>
@@ -23452,7 +23536,19 @@
                         <a:rPr lang="en-US" sz="1200" b="0" i="1" smtClean="0">
                           <a:latin typeface="Cambria Math" panose="02040503050406030204" pitchFamily="18" charset="0"/>
                         </a:rPr>
-                        <m:t>0.39</m:t>
+                        <m:t>0</m:t>
+                      </m:r>
+                      <m:r>
+                        <a:rPr lang="en-US" sz="1200" b="0" i="1" smtClean="0">
+                          <a:latin typeface="Cambria Math" panose="02040503050406030204" pitchFamily="18" charset="0"/>
+                        </a:rPr>
+                        <m:t>.</m:t>
+                      </m:r>
+                      <m:r>
+                        <a:rPr lang="en-US" sz="1200" b="0" i="1" smtClean="0">
+                          <a:latin typeface="Cambria Math" panose="02040503050406030204" pitchFamily="18" charset="0"/>
+                        </a:rPr>
+                        <m:t>39</m:t>
                       </m:r>
                     </m:oMath>
                   </m:oMathPara>
@@ -23548,7 +23644,19 @@
                         <a:rPr lang="en-US" sz="1200" b="0" i="1" smtClean="0">
                           <a:latin typeface="Cambria Math" panose="02040503050406030204" pitchFamily="18" charset="0"/>
                         </a:rPr>
-                        <m:t>0.50</m:t>
+                        <m:t>0</m:t>
+                      </m:r>
+                      <m:r>
+                        <a:rPr lang="en-US" sz="1200" b="0" i="1" smtClean="0">
+                          <a:latin typeface="Cambria Math" panose="02040503050406030204" pitchFamily="18" charset="0"/>
+                        </a:rPr>
+                        <m:t>.</m:t>
+                      </m:r>
+                      <m:r>
+                        <a:rPr lang="en-US" sz="1200" b="0" i="1" smtClean="0">
+                          <a:latin typeface="Cambria Math" panose="02040503050406030204" pitchFamily="18" charset="0"/>
+                        </a:rPr>
+                        <m:t>50</m:t>
                       </m:r>
                     </m:oMath>
                   </m:oMathPara>
@@ -23644,7 +23752,19 @@
                         <a:rPr lang="en-US" sz="1200" b="0" i="1" smtClean="0">
                           <a:latin typeface="Cambria Math" panose="02040503050406030204" pitchFamily="18" charset="0"/>
                         </a:rPr>
-                        <m:t>0.82</m:t>
+                        <m:t>0</m:t>
+                      </m:r>
+                      <m:r>
+                        <a:rPr lang="en-US" sz="1200" b="0" i="1" smtClean="0">
+                          <a:latin typeface="Cambria Math" panose="02040503050406030204" pitchFamily="18" charset="0"/>
+                        </a:rPr>
+                        <m:t>.</m:t>
+                      </m:r>
+                      <m:r>
+                        <a:rPr lang="en-US" sz="1200" b="0" i="1" smtClean="0">
+                          <a:latin typeface="Cambria Math" panose="02040503050406030204" pitchFamily="18" charset="0"/>
+                        </a:rPr>
+                        <m:t>82</m:t>
                       </m:r>
                     </m:oMath>
                   </m:oMathPara>
@@ -23740,7 +23860,19 @@
                         <a:rPr lang="en-US" sz="1200" b="0" i="1" smtClean="0">
                           <a:latin typeface="Cambria Math" panose="02040503050406030204" pitchFamily="18" charset="0"/>
                         </a:rPr>
-                        <m:t>0.42</m:t>
+                        <m:t>0</m:t>
+                      </m:r>
+                      <m:r>
+                        <a:rPr lang="en-US" sz="1200" b="0" i="1" smtClean="0">
+                          <a:latin typeface="Cambria Math" panose="02040503050406030204" pitchFamily="18" charset="0"/>
+                        </a:rPr>
+                        <m:t>.</m:t>
+                      </m:r>
+                      <m:r>
+                        <a:rPr lang="en-US" sz="1200" b="0" i="1" smtClean="0">
+                          <a:latin typeface="Cambria Math" panose="02040503050406030204" pitchFamily="18" charset="0"/>
+                        </a:rPr>
+                        <m:t>42</m:t>
                       </m:r>
                     </m:oMath>
                   </m:oMathPara>
@@ -23836,7 +23968,19 @@
                         <a:rPr lang="en-US" sz="1200" b="0" i="1" smtClean="0">
                           <a:latin typeface="Cambria Math" panose="02040503050406030204" pitchFamily="18" charset="0"/>
                         </a:rPr>
-                        <m:t>0.49</m:t>
+                        <m:t>0</m:t>
+                      </m:r>
+                      <m:r>
+                        <a:rPr lang="en-US" sz="1200" b="0" i="1" smtClean="0">
+                          <a:latin typeface="Cambria Math" panose="02040503050406030204" pitchFamily="18" charset="0"/>
+                        </a:rPr>
+                        <m:t>.</m:t>
+                      </m:r>
+                      <m:r>
+                        <a:rPr lang="en-US" sz="1200" b="0" i="1" smtClean="0">
+                          <a:latin typeface="Cambria Math" panose="02040503050406030204" pitchFamily="18" charset="0"/>
+                        </a:rPr>
+                        <m:t>49</m:t>
                       </m:r>
                     </m:oMath>
                   </m:oMathPara>
@@ -23932,7 +24076,19 @@
                         <a:rPr lang="en-US" sz="1200" b="0" i="1" smtClean="0">
                           <a:latin typeface="Cambria Math" panose="02040503050406030204" pitchFamily="18" charset="0"/>
                         </a:rPr>
-                        <m:t>0.72</m:t>
+                        <m:t>0</m:t>
+                      </m:r>
+                      <m:r>
+                        <a:rPr lang="en-US" sz="1200" b="0" i="1" smtClean="0">
+                          <a:latin typeface="Cambria Math" panose="02040503050406030204" pitchFamily="18" charset="0"/>
+                        </a:rPr>
+                        <m:t>.</m:t>
+                      </m:r>
+                      <m:r>
+                        <a:rPr lang="en-US" sz="1200" b="0" i="1" smtClean="0">
+                          <a:latin typeface="Cambria Math" panose="02040503050406030204" pitchFamily="18" charset="0"/>
+                        </a:rPr>
+                        <m:t>72</m:t>
                       </m:r>
                     </m:oMath>
                   </m:oMathPara>
@@ -24028,7 +24184,19 @@
                         <a:rPr lang="en-US" sz="1200" b="0" i="1" smtClean="0">
                           <a:latin typeface="Cambria Math" panose="02040503050406030204" pitchFamily="18" charset="0"/>
                         </a:rPr>
-                        <m:t>0.70</m:t>
+                        <m:t>0</m:t>
+                      </m:r>
+                      <m:r>
+                        <a:rPr lang="en-US" sz="1200" b="0" i="1" smtClean="0">
+                          <a:latin typeface="Cambria Math" panose="02040503050406030204" pitchFamily="18" charset="0"/>
+                        </a:rPr>
+                        <m:t>.</m:t>
+                      </m:r>
+                      <m:r>
+                        <a:rPr lang="en-US" sz="1200" b="0" i="1" smtClean="0">
+                          <a:latin typeface="Cambria Math" panose="02040503050406030204" pitchFamily="18" charset="0"/>
+                        </a:rPr>
+                        <m:t>70</m:t>
                       </m:r>
                     </m:oMath>
                   </m:oMathPara>
@@ -24124,7 +24292,19 @@
                         <a:rPr lang="en-US" sz="1200" b="0" i="1" smtClean="0">
                           <a:latin typeface="Cambria Math" panose="02040503050406030204" pitchFamily="18" charset="0"/>
                         </a:rPr>
-                        <m:t>0.83</m:t>
+                        <m:t>0</m:t>
+                      </m:r>
+                      <m:r>
+                        <a:rPr lang="en-US" sz="1200" b="0" i="1" smtClean="0">
+                          <a:latin typeface="Cambria Math" panose="02040503050406030204" pitchFamily="18" charset="0"/>
+                        </a:rPr>
+                        <m:t>.</m:t>
+                      </m:r>
+                      <m:r>
+                        <a:rPr lang="en-US" sz="1200" b="0" i="1" smtClean="0">
+                          <a:latin typeface="Cambria Math" panose="02040503050406030204" pitchFamily="18" charset="0"/>
+                        </a:rPr>
+                        <m:t>83</m:t>
                       </m:r>
                     </m:oMath>
                   </m:oMathPara>
@@ -24220,7 +24400,19 @@
                         <a:rPr lang="en-US" sz="1200" b="0" i="1" smtClean="0">
                           <a:latin typeface="Cambria Math" panose="02040503050406030204" pitchFamily="18" charset="0"/>
                         </a:rPr>
-                        <m:t>0.34</m:t>
+                        <m:t>0</m:t>
+                      </m:r>
+                      <m:r>
+                        <a:rPr lang="en-US" sz="1200" b="0" i="1" smtClean="0">
+                          <a:latin typeface="Cambria Math" panose="02040503050406030204" pitchFamily="18" charset="0"/>
+                        </a:rPr>
+                        <m:t>.</m:t>
+                      </m:r>
+                      <m:r>
+                        <a:rPr lang="en-US" sz="1200" b="0" i="1" smtClean="0">
+                          <a:latin typeface="Cambria Math" panose="02040503050406030204" pitchFamily="18" charset="0"/>
+                        </a:rPr>
+                        <m:t>34</m:t>
                       </m:r>
                     </m:oMath>
                   </m:oMathPara>
@@ -24316,7 +24508,19 @@
                         <a:rPr lang="en-US" sz="1200" b="0" i="1" smtClean="0">
                           <a:latin typeface="Cambria Math" panose="02040503050406030204" pitchFamily="18" charset="0"/>
                         </a:rPr>
-                        <m:t>0.71</m:t>
+                        <m:t>0</m:t>
+                      </m:r>
+                      <m:r>
+                        <a:rPr lang="en-US" sz="1200" b="0" i="1" smtClean="0">
+                          <a:latin typeface="Cambria Math" panose="02040503050406030204" pitchFamily="18" charset="0"/>
+                        </a:rPr>
+                        <m:t>.</m:t>
+                      </m:r>
+                      <m:r>
+                        <a:rPr lang="en-US" sz="1200" b="0" i="1" smtClean="0">
+                          <a:latin typeface="Cambria Math" panose="02040503050406030204" pitchFamily="18" charset="0"/>
+                        </a:rPr>
+                        <m:t>71</m:t>
                       </m:r>
                     </m:oMath>
                   </m:oMathPara>
@@ -24412,7 +24616,19 @@
                         <a:rPr lang="en-US" sz="1200" b="0" i="1" smtClean="0">
                           <a:latin typeface="Cambria Math" panose="02040503050406030204" pitchFamily="18" charset="0"/>
                         </a:rPr>
-                        <m:t>0.27</m:t>
+                        <m:t>0</m:t>
+                      </m:r>
+                      <m:r>
+                        <a:rPr lang="en-US" sz="1200" b="0" i="1" smtClean="0">
+                          <a:latin typeface="Cambria Math" panose="02040503050406030204" pitchFamily="18" charset="0"/>
+                        </a:rPr>
+                        <m:t>.</m:t>
+                      </m:r>
+                      <m:r>
+                        <a:rPr lang="en-US" sz="1200" b="0" i="1" smtClean="0">
+                          <a:latin typeface="Cambria Math" panose="02040503050406030204" pitchFamily="18" charset="0"/>
+                        </a:rPr>
+                        <m:t>27</m:t>
                       </m:r>
                     </m:oMath>
                   </m:oMathPara>
@@ -24508,7 +24724,19 @@
                         <a:rPr lang="en-US" sz="1200" b="0" i="1" smtClean="0">
                           <a:latin typeface="Cambria Math" panose="02040503050406030204" pitchFamily="18" charset="0"/>
                         </a:rPr>
-                        <m:t>0.45</m:t>
+                        <m:t>0</m:t>
+                      </m:r>
+                      <m:r>
+                        <a:rPr lang="en-US" sz="1200" b="0" i="1" smtClean="0">
+                          <a:latin typeface="Cambria Math" panose="02040503050406030204" pitchFamily="18" charset="0"/>
+                        </a:rPr>
+                        <m:t>.</m:t>
+                      </m:r>
+                      <m:r>
+                        <a:rPr lang="en-US" sz="1200" b="0" i="1" smtClean="0">
+                          <a:latin typeface="Cambria Math" panose="02040503050406030204" pitchFamily="18" charset="0"/>
+                        </a:rPr>
+                        <m:t>45</m:t>
                       </m:r>
                     </m:oMath>
                   </m:oMathPara>
@@ -24604,7 +24832,19 @@
                         <a:rPr lang="en-US" sz="1200" b="0" i="1" smtClean="0">
                           <a:latin typeface="Cambria Math" panose="02040503050406030204" pitchFamily="18" charset="0"/>
                         </a:rPr>
-                        <m:t>0.70</m:t>
+                        <m:t>0</m:t>
+                      </m:r>
+                      <m:r>
+                        <a:rPr lang="en-US" sz="1200" b="0" i="1" smtClean="0">
+                          <a:latin typeface="Cambria Math" panose="02040503050406030204" pitchFamily="18" charset="0"/>
+                        </a:rPr>
+                        <m:t>.</m:t>
+                      </m:r>
+                      <m:r>
+                        <a:rPr lang="en-US" sz="1200" b="0" i="1" smtClean="0">
+                          <a:latin typeface="Cambria Math" panose="02040503050406030204" pitchFamily="18" charset="0"/>
+                        </a:rPr>
+                        <m:t>70</m:t>
                       </m:r>
                     </m:oMath>
                   </m:oMathPara>
@@ -24700,7 +24940,19 @@
                         <a:rPr lang="en-US" sz="1200" b="0" i="1" smtClean="0">
                           <a:latin typeface="Cambria Math" panose="02040503050406030204" pitchFamily="18" charset="0"/>
                         </a:rPr>
-                        <m:t>0.59</m:t>
+                        <m:t>0</m:t>
+                      </m:r>
+                      <m:r>
+                        <a:rPr lang="en-US" sz="1200" b="0" i="1" smtClean="0">
+                          <a:latin typeface="Cambria Math" panose="02040503050406030204" pitchFamily="18" charset="0"/>
+                        </a:rPr>
+                        <m:t>.</m:t>
+                      </m:r>
+                      <m:r>
+                        <a:rPr lang="en-US" sz="1200" b="0" i="1" smtClean="0">
+                          <a:latin typeface="Cambria Math" panose="02040503050406030204" pitchFamily="18" charset="0"/>
+                        </a:rPr>
+                        <m:t>59</m:t>
                       </m:r>
                     </m:oMath>
                   </m:oMathPara>
@@ -24799,121 +25051,6 @@
           </a:p>
         </p:txBody>
       </p:sp>
-      <mc:AlternateContent xmlns:mc="http://schemas.openxmlformats.org/markup-compatibility/2006" xmlns:a14="http://schemas.microsoft.com/office/drawing/2010/main">
-        <mc:Choice Requires="a14">
-          <p:sp>
-            <p:nvSpPr>
-              <p:cNvPr id="68" name="TextBox 67">
-                <a:extLst>
-                  <a:ext uri="{FF2B5EF4-FFF2-40B4-BE49-F238E27FC236}">
-                    <a16:creationId xmlns:a16="http://schemas.microsoft.com/office/drawing/2014/main" id="{E1E27891-61F8-40D3-BDF4-2D9E8CBC99D8}"/>
-                  </a:ext>
-                </a:extLst>
-              </p:cNvPr>
-              <p:cNvSpPr txBox="1"/>
-              <p:nvPr/>
-            </p:nvSpPr>
-            <p:spPr>
-              <a:xfrm>
-                <a:off x="10434503" y="1562504"/>
-                <a:ext cx="283091" cy="276999"/>
-              </a:xfrm>
-              <a:prstGeom prst="rect">
-                <a:avLst/>
-              </a:prstGeom>
-              <a:noFill/>
-            </p:spPr>
-            <p:txBody>
-              <a:bodyPr wrap="none" lIns="0" tIns="0" rIns="0" bIns="0" rtlCol="0">
-                <a:spAutoFit/>
-              </a:bodyPr>
-              <a:lstStyle/>
-              <a:p>
-                <a:pPr/>
-                <a14:m>
-                  <m:oMathPara xmlns:m="http://schemas.openxmlformats.org/officeDocument/2006/math">
-                    <m:oMathParaPr>
-                      <m:jc m:val="centerGroup"/>
-                    </m:oMathParaPr>
-                    <m:oMath xmlns:m="http://schemas.openxmlformats.org/officeDocument/2006/math">
-                      <m:sSub>
-                        <m:sSubPr>
-                          <m:ctrlPr>
-                            <a:rPr lang="en-US" i="1" smtClean="0">
-                              <a:latin typeface="Cambria Math" panose="02040503050406030204" pitchFamily="18" charset="0"/>
-                            </a:rPr>
-                          </m:ctrlPr>
-                        </m:sSubPr>
-                        <m:e>
-                          <m:r>
-                            <a:rPr lang="en-US" b="0" i="1" smtClean="0">
-                              <a:latin typeface="Cambria Math" panose="02040503050406030204" pitchFamily="18" charset="0"/>
-                            </a:rPr>
-                            <m:t>𝑦</m:t>
-                          </m:r>
-                        </m:e>
-                        <m:sub>
-                          <m:r>
-                            <a:rPr lang="en-US" b="0" i="1" smtClean="0">
-                              <a:latin typeface="Cambria Math" panose="02040503050406030204" pitchFamily="18" charset="0"/>
-                            </a:rPr>
-                            <m:t>0</m:t>
-                          </m:r>
-                        </m:sub>
-                      </m:sSub>
-                    </m:oMath>
-                  </m:oMathPara>
-                </a14:m>
-                <a:endParaRPr lang="en-US" dirty="0"/>
-              </a:p>
-            </p:txBody>
-          </p:sp>
-        </mc:Choice>
-        <mc:Fallback xmlns="">
-          <p:sp>
-            <p:nvSpPr>
-              <p:cNvPr id="68" name="TextBox 67">
-                <a:extLst>
-                  <a:ext uri="{FF2B5EF4-FFF2-40B4-BE49-F238E27FC236}">
-                    <a16:creationId xmlns:a16="http://schemas.microsoft.com/office/drawing/2014/main" id="{E1E27891-61F8-40D3-BDF4-2D9E8CBC99D8}"/>
-                  </a:ext>
-                </a:extLst>
-              </p:cNvPr>
-              <p:cNvSpPr txBox="1">
-                <a:spLocks noRot="1" noChangeAspect="1" noMove="1" noResize="1" noEditPoints="1" noAdjustHandles="1" noChangeArrowheads="1" noChangeShapeType="1" noTextEdit="1"/>
-              </p:cNvSpPr>
-              <p:nvPr/>
-            </p:nvSpPr>
-            <p:spPr>
-              <a:xfrm>
-                <a:off x="10434503" y="1562504"/>
-                <a:ext cx="283091" cy="276999"/>
-              </a:xfrm>
-              <a:prstGeom prst="rect">
-                <a:avLst/>
-              </a:prstGeom>
-              <a:blipFill>
-                <a:blip r:embed="rId30"/>
-                <a:stretch>
-                  <a:fillRect l="-21739" r="-6522" b="-23913"/>
-                </a:stretch>
-              </a:blipFill>
-            </p:spPr>
-            <p:txBody>
-              <a:bodyPr/>
-              <a:lstStyle/>
-              <a:p>
-                <a:r>
-                  <a:rPr lang="en-US">
-                    <a:noFill/>
-                  </a:rPr>
-                  <a:t> </a:t>
-                </a:r>
-              </a:p>
-            </p:txBody>
-          </p:sp>
-        </mc:Fallback>
-      </mc:AlternateContent>
       <p:sp>
         <p:nvSpPr>
           <p:cNvPr id="69" name="Arrow: Right 68">
@@ -24958,14 +25095,14 @@
           </a:p>
         </p:txBody>
       </p:sp>
-      <mc:AlternateContent xmlns:mc="http://schemas.openxmlformats.org/markup-compatibility/2006" xmlns:a14="http://schemas.microsoft.com/office/drawing/2010/main">
-        <mc:Choice Requires="a14">
-          <p:sp>
-            <p:nvSpPr>
-              <p:cNvPr id="70" name="TextBox 69">
-                <a:extLst>
-                  <a:ext uri="{FF2B5EF4-FFF2-40B4-BE49-F238E27FC236}">
-                    <a16:creationId xmlns:a16="http://schemas.microsoft.com/office/drawing/2014/main" id="{E5FED03E-FD20-48A5-84F8-8DB6ACAC7599}"/>
+      <mc:AlternateContent xmlns:mc="http://schemas.openxmlformats.org/markup-compatibility/2006">
+        <mc:Choice xmlns:a14="http://schemas.microsoft.com/office/drawing/2010/main" Requires="a14">
+          <p:sp>
+            <p:nvSpPr>
+              <p:cNvPr id="71" name="TextBox 70">
+                <a:extLst>
+                  <a:ext uri="{FF2B5EF4-FFF2-40B4-BE49-F238E27FC236}">
+                    <a16:creationId xmlns:a16="http://schemas.microsoft.com/office/drawing/2014/main" id="{0AE398DA-0F0D-4AE7-834C-4D96965F4D19}"/>
                   </a:ext>
                 </a:extLst>
               </p:cNvPr>
@@ -24974,8 +25111,8 @@
             </p:nvSpPr>
             <p:spPr>
               <a:xfrm>
-                <a:off x="10434502" y="2965032"/>
-                <a:ext cx="277768" cy="276999"/>
+                <a:off x="10434503" y="1562504"/>
+                <a:ext cx="283091" cy="276999"/>
               </a:xfrm>
               <a:prstGeom prst="rect">
                 <a:avLst/>
@@ -25004,12 +25141,151 @@
                           </m:ctrlPr>
                         </m:sSubPr>
                         <m:e>
+                          <m:acc>
+                            <m:accPr>
+                              <m:chr m:val="̂"/>
+                              <m:ctrlPr>
+                                <a:rPr lang="en-US" i="1" smtClean="0">
+                                  <a:latin typeface="Cambria Math" panose="02040503050406030204" pitchFamily="18" charset="0"/>
+                                </a:rPr>
+                              </m:ctrlPr>
+                            </m:accPr>
+                            <m:e>
+                              <m:r>
+                                <a:rPr lang="en-US" b="0" i="1" smtClean="0">
+                                  <a:latin typeface="Cambria Math" panose="02040503050406030204" pitchFamily="18" charset="0"/>
+                                </a:rPr>
+                                <m:t>𝑦</m:t>
+                              </m:r>
+                            </m:e>
+                          </m:acc>
+                        </m:e>
+                        <m:sub>
                           <m:r>
                             <a:rPr lang="en-US" b="0" i="1" smtClean="0">
                               <a:latin typeface="Cambria Math" panose="02040503050406030204" pitchFamily="18" charset="0"/>
                             </a:rPr>
-                            <m:t>𝑦</m:t>
+                            <m:t>0</m:t>
                           </m:r>
+                        </m:sub>
+                      </m:sSub>
+                    </m:oMath>
+                  </m:oMathPara>
+                </a14:m>
+                <a:endParaRPr lang="en-US" dirty="0"/>
+              </a:p>
+            </p:txBody>
+          </p:sp>
+        </mc:Choice>
+        <mc:Fallback>
+          <p:sp>
+            <p:nvSpPr>
+              <p:cNvPr id="71" name="TextBox 70">
+                <a:extLst>
+                  <a:ext uri="{FF2B5EF4-FFF2-40B4-BE49-F238E27FC236}">
+                    <a16:creationId xmlns:a16="http://schemas.microsoft.com/office/drawing/2014/main" id="{0AE398DA-0F0D-4AE7-834C-4D96965F4D19}"/>
+                  </a:ext>
+                </a:extLst>
+              </p:cNvPr>
+              <p:cNvSpPr txBox="1">
+                <a:spLocks noRot="1" noChangeAspect="1" noMove="1" noResize="1" noEditPoints="1" noAdjustHandles="1" noChangeArrowheads="1" noChangeShapeType="1" noTextEdit="1"/>
+              </p:cNvSpPr>
+              <p:nvPr/>
+            </p:nvSpPr>
+            <p:spPr>
+              <a:xfrm>
+                <a:off x="10434503" y="1562504"/>
+                <a:ext cx="283091" cy="276999"/>
+              </a:xfrm>
+              <a:prstGeom prst="rect">
+                <a:avLst/>
+              </a:prstGeom>
+              <a:blipFill>
+                <a:blip r:embed="rId30"/>
+                <a:stretch>
+                  <a:fillRect l="-21739" t="-23913" r="-52174" b="-23913"/>
+                </a:stretch>
+              </a:blipFill>
+            </p:spPr>
+            <p:txBody>
+              <a:bodyPr/>
+              <a:lstStyle/>
+              <a:p>
+                <a:r>
+                  <a:rPr lang="en-US">
+                    <a:noFill/>
+                  </a:rPr>
+                  <a:t> </a:t>
+                </a:r>
+              </a:p>
+            </p:txBody>
+          </p:sp>
+        </mc:Fallback>
+      </mc:AlternateContent>
+      <mc:AlternateContent xmlns:mc="http://schemas.openxmlformats.org/markup-compatibility/2006">
+        <mc:Choice xmlns:a14="http://schemas.microsoft.com/office/drawing/2010/main" Requires="a14">
+          <p:sp>
+            <p:nvSpPr>
+              <p:cNvPr id="72" name="TextBox 71">
+                <a:extLst>
+                  <a:ext uri="{FF2B5EF4-FFF2-40B4-BE49-F238E27FC236}">
+                    <a16:creationId xmlns:a16="http://schemas.microsoft.com/office/drawing/2014/main" id="{4AE97A9D-FDB9-4EE2-94C4-167CD023AE28}"/>
+                  </a:ext>
+                </a:extLst>
+              </p:cNvPr>
+              <p:cNvSpPr txBox="1"/>
+              <p:nvPr/>
+            </p:nvSpPr>
+            <p:spPr>
+              <a:xfrm>
+                <a:off x="10434502" y="2965032"/>
+                <a:ext cx="277768" cy="276999"/>
+              </a:xfrm>
+              <a:prstGeom prst="rect">
+                <a:avLst/>
+              </a:prstGeom>
+              <a:noFill/>
+            </p:spPr>
+            <p:txBody>
+              <a:bodyPr wrap="none" lIns="0" tIns="0" rIns="0" bIns="0" rtlCol="0">
+                <a:spAutoFit/>
+              </a:bodyPr>
+              <a:lstStyle/>
+              <a:p>
+                <a:pPr/>
+                <a14:m>
+                  <m:oMathPara xmlns:m="http://schemas.openxmlformats.org/officeDocument/2006/math">
+                    <m:oMathParaPr>
+                      <m:jc m:val="centerGroup"/>
+                    </m:oMathParaPr>
+                    <m:oMath xmlns:m="http://schemas.openxmlformats.org/officeDocument/2006/math">
+                      <m:sSub>
+                        <m:sSubPr>
+                          <m:ctrlPr>
+                            <a:rPr lang="en-US" i="1" smtClean="0">
+                              <a:latin typeface="Cambria Math" panose="02040503050406030204" pitchFamily="18" charset="0"/>
+                            </a:rPr>
+                          </m:ctrlPr>
+                        </m:sSubPr>
+                        <m:e>
+                          <m:acc>
+                            <m:accPr>
+                              <m:chr m:val="̂"/>
+                              <m:ctrlPr>
+                                <a:rPr lang="en-US" i="1" smtClean="0">
+                                  <a:latin typeface="Cambria Math" panose="02040503050406030204" pitchFamily="18" charset="0"/>
+                                </a:rPr>
+                              </m:ctrlPr>
+                            </m:accPr>
+                            <m:e>
+                              <m:r>
+                                <a:rPr lang="en-US" b="0" i="1" smtClean="0">
+                                  <a:latin typeface="Cambria Math" panose="02040503050406030204" pitchFamily="18" charset="0"/>
+                                </a:rPr>
+                                <m:t>𝑦</m:t>
+                              </m:r>
+                            </m:e>
+                          </m:acc>
                         </m:e>
                         <m:sub>
                           <m:r>
@@ -25028,13 +25304,13 @@
             </p:txBody>
           </p:sp>
         </mc:Choice>
-        <mc:Fallback xmlns="">
-          <p:sp>
-            <p:nvSpPr>
-              <p:cNvPr id="70" name="TextBox 69">
-                <a:extLst>
-                  <a:ext uri="{FF2B5EF4-FFF2-40B4-BE49-F238E27FC236}">
-                    <a16:creationId xmlns:a16="http://schemas.microsoft.com/office/drawing/2014/main" id="{E5FED03E-FD20-48A5-84F8-8DB6ACAC7599}"/>
+        <mc:Fallback>
+          <p:sp>
+            <p:nvSpPr>
+              <p:cNvPr id="72" name="TextBox 71">
+                <a:extLst>
+                  <a:ext uri="{FF2B5EF4-FFF2-40B4-BE49-F238E27FC236}">
+                    <a16:creationId xmlns:a16="http://schemas.microsoft.com/office/drawing/2014/main" id="{4AE97A9D-FDB9-4EE2-94C4-167CD023AE28}"/>
                   </a:ext>
                 </a:extLst>
               </p:cNvPr>
@@ -25054,7 +25330,7 @@
               <a:blipFill>
                 <a:blip r:embed="rId31"/>
                 <a:stretch>
-                  <a:fillRect l="-22222" r="-6667" b="-23913"/>
+                  <a:fillRect l="-22222" t="-23913" r="-53333" b="-23913"/>
                 </a:stretch>
               </a:blipFill>
             </p:spPr>
@@ -28822,8 +29098,8 @@
           </a:p>
         </p:txBody>
       </p:sp>
-      <mc:AlternateContent xmlns:mc="http://schemas.openxmlformats.org/markup-compatibility/2006" xmlns:a14="http://schemas.microsoft.com/office/drawing/2010/main">
-        <mc:Choice Requires="a14">
+      <mc:AlternateContent xmlns:mc="http://schemas.openxmlformats.org/markup-compatibility/2006">
+        <mc:Choice xmlns:a14="http://schemas.microsoft.com/office/drawing/2010/main" Requires="a14">
           <p:sp>
             <p:nvSpPr>
               <p:cNvPr id="98" name="TextBox 97">
@@ -28868,12 +29144,24 @@
                           </m:ctrlPr>
                         </m:sSubPr>
                         <m:e>
-                          <m:r>
-                            <a:rPr lang="en-US" b="0" i="1" smtClean="0">
-                              <a:latin typeface="Cambria Math" panose="02040503050406030204" pitchFamily="18" charset="0"/>
-                            </a:rPr>
-                            <m:t>𝑦</m:t>
-                          </m:r>
+                          <m:acc>
+                            <m:accPr>
+                              <m:chr m:val="̂"/>
+                              <m:ctrlPr>
+                                <a:rPr lang="en-US" i="1" smtClean="0">
+                                  <a:latin typeface="Cambria Math" panose="02040503050406030204" pitchFamily="18" charset="0"/>
+                                </a:rPr>
+                              </m:ctrlPr>
+                            </m:accPr>
+                            <m:e>
+                              <m:r>
+                                <a:rPr lang="en-US" b="0" i="1" smtClean="0">
+                                  <a:latin typeface="Cambria Math" panose="02040503050406030204" pitchFamily="18" charset="0"/>
+                                </a:rPr>
+                                <m:t>𝑦</m:t>
+                              </m:r>
+                            </m:e>
+                          </m:acc>
                         </m:e>
                         <m:sub>
                           <m:r>
@@ -28892,7 +29180,7 @@
             </p:txBody>
           </p:sp>
         </mc:Choice>
-        <mc:Fallback xmlns="">
+        <mc:Fallback>
           <p:sp>
             <p:nvSpPr>
               <p:cNvPr id="98" name="TextBox 97">
@@ -28918,7 +29206,7 @@
               <a:blipFill>
                 <a:blip r:embed="rId30"/>
                 <a:stretch>
-                  <a:fillRect l="-21739" r="-6522" b="-23913"/>
+                  <a:fillRect l="-21739" t="-23913" r="-52174" b="-23913"/>
                 </a:stretch>
               </a:blipFill>
             </p:spPr>
@@ -28981,8 +29269,8 @@
           </a:p>
         </p:txBody>
       </p:sp>
-      <mc:AlternateContent xmlns:mc="http://schemas.openxmlformats.org/markup-compatibility/2006" xmlns:a14="http://schemas.microsoft.com/office/drawing/2010/main">
-        <mc:Choice Requires="a14">
+      <mc:AlternateContent xmlns:mc="http://schemas.openxmlformats.org/markup-compatibility/2006">
+        <mc:Choice xmlns:a14="http://schemas.microsoft.com/office/drawing/2010/main" Requires="a14">
           <p:sp>
             <p:nvSpPr>
               <p:cNvPr id="100" name="TextBox 99">
@@ -29027,12 +29315,24 @@
                           </m:ctrlPr>
                         </m:sSubPr>
                         <m:e>
-                          <m:r>
-                            <a:rPr lang="en-US" b="0" i="1" smtClean="0">
-                              <a:latin typeface="Cambria Math" panose="02040503050406030204" pitchFamily="18" charset="0"/>
-                            </a:rPr>
-                            <m:t>𝑦</m:t>
-                          </m:r>
+                          <m:acc>
+                            <m:accPr>
+                              <m:chr m:val="̂"/>
+                              <m:ctrlPr>
+                                <a:rPr lang="en-US" i="1" smtClean="0">
+                                  <a:latin typeface="Cambria Math" panose="02040503050406030204" pitchFamily="18" charset="0"/>
+                                </a:rPr>
+                              </m:ctrlPr>
+                            </m:accPr>
+                            <m:e>
+                              <m:r>
+                                <a:rPr lang="en-US" b="0" i="1" smtClean="0">
+                                  <a:latin typeface="Cambria Math" panose="02040503050406030204" pitchFamily="18" charset="0"/>
+                                </a:rPr>
+                                <m:t>𝑦</m:t>
+                              </m:r>
+                            </m:e>
+                          </m:acc>
                         </m:e>
                         <m:sub>
                           <m:r>
@@ -29051,7 +29351,7 @@
             </p:txBody>
           </p:sp>
         </mc:Choice>
-        <mc:Fallback xmlns="">
+        <mc:Fallback>
           <p:sp>
             <p:nvSpPr>
               <p:cNvPr id="100" name="TextBox 99">
@@ -29077,7 +29377,7 @@
               <a:blipFill>
                 <a:blip r:embed="rId31"/>
                 <a:stretch>
-                  <a:fillRect l="-22222" r="-6667" b="-23913"/>
+                  <a:fillRect l="-22222" t="-23913" r="-53333" b="-23913"/>
                 </a:stretch>
               </a:blipFill>
             </p:spPr>
@@ -29096,8 +29396,8 @@
           </p:sp>
         </mc:Fallback>
       </mc:AlternateContent>
-      <mc:AlternateContent xmlns:mc="http://schemas.openxmlformats.org/markup-compatibility/2006">
-        <mc:Choice xmlns:a14="http://schemas.microsoft.com/office/drawing/2010/main" Requires="a14">
+      <mc:AlternateContent xmlns:mc="http://schemas.openxmlformats.org/markup-compatibility/2006" xmlns:a14="http://schemas.microsoft.com/office/drawing/2010/main">
+        <mc:Choice Requires="a14">
           <p:sp>
             <p:nvSpPr>
               <p:cNvPr id="53" name="Oval 52">
@@ -29173,19 +29473,7 @@
                             <a:rPr lang="en-US" b="0" i="1" smtClean="0">
                               <a:latin typeface="Cambria Math" panose="02040503050406030204" pitchFamily="18" charset="0"/>
                             </a:rPr>
-                            <m:t>(</m:t>
-                          </m:r>
-                          <m:r>
-                            <a:rPr lang="en-US" b="0" i="1" smtClean="0">
-                              <a:latin typeface="Cambria Math" panose="02040503050406030204" pitchFamily="18" charset="0"/>
-                            </a:rPr>
-                            <m:t>0</m:t>
-                          </m:r>
-                          <m:r>
-                            <a:rPr lang="en-US" b="0" i="1" smtClean="0">
-                              <a:latin typeface="Cambria Math" panose="02040503050406030204" pitchFamily="18" charset="0"/>
-                            </a:rPr>
-                            <m:t>)</m:t>
+                            <m:t>(0)</m:t>
                           </m:r>
                         </m:sup>
                       </m:sSubSup>
@@ -29197,7 +29485,7 @@
             </p:txBody>
           </p:sp>
         </mc:Choice>
-        <mc:Fallback>
+        <mc:Fallback xmlns="">
           <p:sp>
             <p:nvSpPr>
               <p:cNvPr id="53" name="Oval 52">
@@ -29242,8 +29530,8 @@
           </p:sp>
         </mc:Fallback>
       </mc:AlternateContent>
-      <mc:AlternateContent xmlns:mc="http://schemas.openxmlformats.org/markup-compatibility/2006">
-        <mc:Choice xmlns:a14="http://schemas.microsoft.com/office/drawing/2010/main" Requires="a14">
+      <mc:AlternateContent xmlns:mc="http://schemas.openxmlformats.org/markup-compatibility/2006" xmlns:a14="http://schemas.microsoft.com/office/drawing/2010/main">
+        <mc:Choice Requires="a14">
           <p:sp>
             <p:nvSpPr>
               <p:cNvPr id="54" name="Oval 53">
@@ -29319,19 +29607,7 @@
                             <a:rPr lang="en-US" b="0" i="1" smtClean="0">
                               <a:latin typeface="Cambria Math" panose="02040503050406030204" pitchFamily="18" charset="0"/>
                             </a:rPr>
-                            <m:t>(</m:t>
-                          </m:r>
-                          <m:r>
-                            <a:rPr lang="en-US" b="0" i="1" smtClean="0">
-                              <a:latin typeface="Cambria Math" panose="02040503050406030204" pitchFamily="18" charset="0"/>
-                            </a:rPr>
-                            <m:t>0</m:t>
-                          </m:r>
-                          <m:r>
-                            <a:rPr lang="en-US" b="0" i="1" smtClean="0">
-                              <a:latin typeface="Cambria Math" panose="02040503050406030204" pitchFamily="18" charset="0"/>
-                            </a:rPr>
-                            <m:t>)</m:t>
+                            <m:t>(0)</m:t>
                           </m:r>
                         </m:sup>
                       </m:sSubSup>
@@ -29343,7 +29619,7 @@
             </p:txBody>
           </p:sp>
         </mc:Choice>
-        <mc:Fallback>
+        <mc:Fallback xmlns="">
           <p:sp>
             <p:nvSpPr>
               <p:cNvPr id="54" name="Oval 53">
@@ -40265,7 +40541,13 @@
                             <a:rPr lang="en-US" b="0" i="1" smtClean="0">
                               <a:latin typeface="Cambria Math" panose="02040503050406030204" pitchFamily="18" charset="0"/>
                             </a:rPr>
-                            <m:t>−1</m:t>
+                            <m:t>−</m:t>
+                          </m:r>
+                          <m:r>
+                            <a:rPr lang="en-US" b="0" i="1" smtClean="0">
+                              <a:latin typeface="Cambria Math" panose="02040503050406030204" pitchFamily="18" charset="0"/>
+                            </a:rPr>
+                            <m:t>1</m:t>
                           </m:r>
                         </m:sup>
                       </m:sSup>
@@ -40780,7 +41062,37 @@
                       <a:rPr lang="en-US" b="0" i="1" smtClean="0">
                         <a:latin typeface="Cambria Math" panose="02040503050406030204" pitchFamily="18" charset="0"/>
                       </a:rPr>
-                      <m:t>(0.66−1</m:t>
+                      <m:t>(</m:t>
+                    </m:r>
+                    <m:r>
+                      <a:rPr lang="en-US" b="0" i="1" smtClean="0">
+                        <a:latin typeface="Cambria Math" panose="02040503050406030204" pitchFamily="18" charset="0"/>
+                      </a:rPr>
+                      <m:t>0</m:t>
+                    </m:r>
+                    <m:r>
+                      <a:rPr lang="en-US" b="0" i="1" smtClean="0">
+                        <a:latin typeface="Cambria Math" panose="02040503050406030204" pitchFamily="18" charset="0"/>
+                      </a:rPr>
+                      <m:t>.</m:t>
+                    </m:r>
+                    <m:r>
+                      <a:rPr lang="en-US" b="0" i="1" smtClean="0">
+                        <a:latin typeface="Cambria Math" panose="02040503050406030204" pitchFamily="18" charset="0"/>
+                      </a:rPr>
+                      <m:t>66</m:t>
+                    </m:r>
+                    <m:r>
+                      <a:rPr lang="en-US" b="0" i="1" smtClean="0">
+                        <a:latin typeface="Cambria Math" panose="02040503050406030204" pitchFamily="18" charset="0"/>
+                      </a:rPr>
+                      <m:t>−</m:t>
+                    </m:r>
+                    <m:r>
+                      <a:rPr lang="en-US" b="0" i="1" smtClean="0">
+                        <a:latin typeface="Cambria Math" panose="02040503050406030204" pitchFamily="18" charset="0"/>
+                      </a:rPr>
+                      <m:t>1</m:t>
                     </m:r>
                     <m:sSup>
                       <m:sSupPr>
@@ -42777,7 +43089,19 @@
                             <a:rPr lang="en-US" b="0" i="1" smtClean="0">
                               <a:latin typeface="Cambria Math" panose="02040503050406030204" pitchFamily="18" charset="0"/>
                             </a:rPr>
-                            <m:t> −1)</m:t>
+                            <m:t> −</m:t>
+                          </m:r>
+                          <m:r>
+                            <a:rPr lang="en-US" b="0" i="1" smtClean="0">
+                              <a:latin typeface="Cambria Math" panose="02040503050406030204" pitchFamily="18" charset="0"/>
+                            </a:rPr>
+                            <m:t>1</m:t>
+                          </m:r>
+                          <m:r>
+                            <a:rPr lang="en-US" b="0" i="1" smtClean="0">
+                              <a:latin typeface="Cambria Math" panose="02040503050406030204" pitchFamily="18" charset="0"/>
+                            </a:rPr>
+                            <m:t>)</m:t>
                           </m:r>
                         </m:sup>
                       </m:sSup>
@@ -43113,7 +43437,19 @@
                             <a:rPr lang="en-US" b="0" i="1" smtClean="0">
                               <a:latin typeface="Cambria Math" panose="02040503050406030204" pitchFamily="18" charset="0"/>
                             </a:rPr>
-                            <m:t>−1)</m:t>
+                            <m:t>−</m:t>
+                          </m:r>
+                          <m:r>
+                            <a:rPr lang="en-US" b="0" i="1" smtClean="0">
+                              <a:latin typeface="Cambria Math" panose="02040503050406030204" pitchFamily="18" charset="0"/>
+                            </a:rPr>
+                            <m:t>1</m:t>
+                          </m:r>
+                          <m:r>
+                            <a:rPr lang="en-US" b="0" i="1" smtClean="0">
+                              <a:latin typeface="Cambria Math" panose="02040503050406030204" pitchFamily="18" charset="0"/>
+                            </a:rPr>
+                            <m:t>)</m:t>
                           </m:r>
                         </m:sup>
                       </m:sSubSup>

--- a/ANN Diagram.pptx
+++ b/ANN Diagram.pptx
@@ -297,7 +297,7 @@
           <a:p>
             <a:fld id="{C2F77027-3C40-4359-A277-7487BD58E41D}" type="datetimeFigureOut">
               <a:rPr lang="en-US" smtClean="0"/>
-              <a:t>12/5/2019</a:t>
+              <a:t>12/9/2019</a:t>
             </a:fld>
             <a:endParaRPr lang="en-US"/>
           </a:p>
@@ -495,7 +495,7 @@
           <a:p>
             <a:fld id="{C2F77027-3C40-4359-A277-7487BD58E41D}" type="datetimeFigureOut">
               <a:rPr lang="en-US" smtClean="0"/>
-              <a:t>12/5/2019</a:t>
+              <a:t>12/9/2019</a:t>
             </a:fld>
             <a:endParaRPr lang="en-US"/>
           </a:p>
@@ -703,7 +703,7 @@
           <a:p>
             <a:fld id="{C2F77027-3C40-4359-A277-7487BD58E41D}" type="datetimeFigureOut">
               <a:rPr lang="en-US" smtClean="0"/>
-              <a:t>12/5/2019</a:t>
+              <a:t>12/9/2019</a:t>
             </a:fld>
             <a:endParaRPr lang="en-US"/>
           </a:p>
@@ -901,7 +901,7 @@
           <a:p>
             <a:fld id="{C2F77027-3C40-4359-A277-7487BD58E41D}" type="datetimeFigureOut">
               <a:rPr lang="en-US" smtClean="0"/>
-              <a:t>12/5/2019</a:t>
+              <a:t>12/9/2019</a:t>
             </a:fld>
             <a:endParaRPr lang="en-US"/>
           </a:p>
@@ -1176,7 +1176,7 @@
           <a:p>
             <a:fld id="{C2F77027-3C40-4359-A277-7487BD58E41D}" type="datetimeFigureOut">
               <a:rPr lang="en-US" smtClean="0"/>
-              <a:t>12/5/2019</a:t>
+              <a:t>12/9/2019</a:t>
             </a:fld>
             <a:endParaRPr lang="en-US"/>
           </a:p>
@@ -1441,7 +1441,7 @@
           <a:p>
             <a:fld id="{C2F77027-3C40-4359-A277-7487BD58E41D}" type="datetimeFigureOut">
               <a:rPr lang="en-US" smtClean="0"/>
-              <a:t>12/5/2019</a:t>
+              <a:t>12/9/2019</a:t>
             </a:fld>
             <a:endParaRPr lang="en-US"/>
           </a:p>
@@ -1853,7 +1853,7 @@
           <a:p>
             <a:fld id="{C2F77027-3C40-4359-A277-7487BD58E41D}" type="datetimeFigureOut">
               <a:rPr lang="en-US" smtClean="0"/>
-              <a:t>12/5/2019</a:t>
+              <a:t>12/9/2019</a:t>
             </a:fld>
             <a:endParaRPr lang="en-US"/>
           </a:p>
@@ -1994,7 +1994,7 @@
           <a:p>
             <a:fld id="{C2F77027-3C40-4359-A277-7487BD58E41D}" type="datetimeFigureOut">
               <a:rPr lang="en-US" smtClean="0"/>
-              <a:t>12/5/2019</a:t>
+              <a:t>12/9/2019</a:t>
             </a:fld>
             <a:endParaRPr lang="en-US"/>
           </a:p>
@@ -2107,7 +2107,7 @@
           <a:p>
             <a:fld id="{C2F77027-3C40-4359-A277-7487BD58E41D}" type="datetimeFigureOut">
               <a:rPr lang="en-US" smtClean="0"/>
-              <a:t>12/5/2019</a:t>
+              <a:t>12/9/2019</a:t>
             </a:fld>
             <a:endParaRPr lang="en-US"/>
           </a:p>
@@ -2418,7 +2418,7 @@
           <a:p>
             <a:fld id="{C2F77027-3C40-4359-A277-7487BD58E41D}" type="datetimeFigureOut">
               <a:rPr lang="en-US" smtClean="0"/>
-              <a:t>12/5/2019</a:t>
+              <a:t>12/9/2019</a:t>
             </a:fld>
             <a:endParaRPr lang="en-US"/>
           </a:p>
@@ -2706,7 +2706,7 @@
           <a:p>
             <a:fld id="{C2F77027-3C40-4359-A277-7487BD58E41D}" type="datetimeFigureOut">
               <a:rPr lang="en-US" smtClean="0"/>
-              <a:t>12/5/2019</a:t>
+              <a:t>12/9/2019</a:t>
             </a:fld>
             <a:endParaRPr lang="en-US"/>
           </a:p>
@@ -2947,7 +2947,7 @@
           <a:p>
             <a:fld id="{C2F77027-3C40-4359-A277-7487BD58E41D}" type="datetimeFigureOut">
               <a:rPr lang="en-US" smtClean="0"/>
-              <a:t>12/5/2019</a:t>
+              <a:t>12/9/2019</a:t>
             </a:fld>
             <a:endParaRPr lang="en-US"/>
           </a:p>
@@ -18501,8 +18501,8 @@
           </a:p>
         </p:txBody>
       </p:sp>
-      <mc:AlternateContent xmlns:mc="http://schemas.openxmlformats.org/markup-compatibility/2006">
-        <mc:Choice xmlns:a14="http://schemas.microsoft.com/office/drawing/2010/main" Requires="a14">
+      <mc:AlternateContent xmlns:mc="http://schemas.openxmlformats.org/markup-compatibility/2006" xmlns:a14="http://schemas.microsoft.com/office/drawing/2010/main">
+        <mc:Choice Requires="a14">
           <p:sp>
             <p:nvSpPr>
               <p:cNvPr id="62" name="TextBox 61">
@@ -18583,7 +18583,7 @@
             </p:txBody>
           </p:sp>
         </mc:Choice>
-        <mc:Fallback>
+        <mc:Fallback xmlns="">
           <p:sp>
             <p:nvSpPr>
               <p:cNvPr id="62" name="TextBox 61">
@@ -18672,8 +18672,8 @@
           </a:p>
         </p:txBody>
       </p:sp>
-      <mc:AlternateContent xmlns:mc="http://schemas.openxmlformats.org/markup-compatibility/2006">
-        <mc:Choice xmlns:a14="http://schemas.microsoft.com/office/drawing/2010/main" Requires="a14">
+      <mc:AlternateContent xmlns:mc="http://schemas.openxmlformats.org/markup-compatibility/2006" xmlns:a14="http://schemas.microsoft.com/office/drawing/2010/main">
+        <mc:Choice Requires="a14">
           <p:sp>
             <p:nvSpPr>
               <p:cNvPr id="64" name="TextBox 63">
@@ -18754,7 +18754,7 @@
             </p:txBody>
           </p:sp>
         </mc:Choice>
-        <mc:Fallback>
+        <mc:Fallback xmlns="">
           <p:sp>
             <p:nvSpPr>
               <p:cNvPr id="64" name="TextBox 63">
@@ -22886,13 +22886,7 @@
                         <a:rPr lang="en-US" b="0" i="1" smtClean="0">
                           <a:latin typeface="Cambria Math" panose="02040503050406030204" pitchFamily="18" charset="0"/>
                         </a:rPr>
-                        <m:t>+</m:t>
-                      </m:r>
-                      <m:r>
-                        <a:rPr lang="en-US" b="0" i="1" smtClean="0">
-                          <a:latin typeface="Cambria Math" panose="02040503050406030204" pitchFamily="18" charset="0"/>
-                        </a:rPr>
-                        <m:t>1</m:t>
+                        <m:t>+1</m:t>
                       </m:r>
                     </m:oMath>
                   </m:oMathPara>
@@ -23001,13 +22995,7 @@
                         <a:rPr lang="en-US" b="0" i="1" dirty="0" smtClean="0">
                           <a:latin typeface="Cambria Math" panose="02040503050406030204" pitchFamily="18" charset="0"/>
                         </a:rPr>
-                        <m:t>+</m:t>
-                      </m:r>
-                      <m:r>
-                        <a:rPr lang="en-US" b="0" i="1" dirty="0" smtClean="0">
-                          <a:latin typeface="Cambria Math" panose="02040503050406030204" pitchFamily="18" charset="0"/>
-                        </a:rPr>
-                        <m:t>1</m:t>
+                        <m:t>+1</m:t>
                       </m:r>
                     </m:oMath>
                   </m:oMathPara>
@@ -23104,19 +23092,7 @@
                         <a:rPr lang="en-US" sz="1200" b="0" i="1" smtClean="0">
                           <a:latin typeface="Cambria Math" panose="02040503050406030204" pitchFamily="18" charset="0"/>
                         </a:rPr>
-                        <m:t>0</m:t>
-                      </m:r>
-                      <m:r>
-                        <a:rPr lang="en-US" sz="1200" b="0" i="1" smtClean="0">
-                          <a:latin typeface="Cambria Math" panose="02040503050406030204" pitchFamily="18" charset="0"/>
-                        </a:rPr>
-                        <m:t>.</m:t>
-                      </m:r>
-                      <m:r>
-                        <a:rPr lang="en-US" sz="1200" b="0" i="1" smtClean="0">
-                          <a:latin typeface="Cambria Math" panose="02040503050406030204" pitchFamily="18" charset="0"/>
-                        </a:rPr>
-                        <m:t>63</m:t>
+                        <m:t>0.63</m:t>
                       </m:r>
                     </m:oMath>
                   </m:oMathPara>
@@ -23212,19 +23188,7 @@
                         <a:rPr lang="en-US" sz="1200" b="0" i="1" smtClean="0">
                           <a:latin typeface="Cambria Math" panose="02040503050406030204" pitchFamily="18" charset="0"/>
                         </a:rPr>
-                        <m:t>0</m:t>
-                      </m:r>
-                      <m:r>
-                        <a:rPr lang="en-US" sz="1200" b="0" i="1" smtClean="0">
-                          <a:latin typeface="Cambria Math" panose="02040503050406030204" pitchFamily="18" charset="0"/>
-                        </a:rPr>
-                        <m:t>.</m:t>
-                      </m:r>
-                      <m:r>
-                        <a:rPr lang="en-US" sz="1200" b="0" i="1" smtClean="0">
-                          <a:latin typeface="Cambria Math" panose="02040503050406030204" pitchFamily="18" charset="0"/>
-                        </a:rPr>
-                        <m:t>28</m:t>
+                        <m:t>0.28</m:t>
                       </m:r>
                     </m:oMath>
                   </m:oMathPara>
@@ -23320,19 +23284,7 @@
                         <a:rPr lang="en-US" sz="1200" b="0" i="1" smtClean="0">
                           <a:latin typeface="Cambria Math" panose="02040503050406030204" pitchFamily="18" charset="0"/>
                         </a:rPr>
-                        <m:t>0</m:t>
-                      </m:r>
-                      <m:r>
-                        <a:rPr lang="en-US" sz="1200" b="0" i="1" smtClean="0">
-                          <a:latin typeface="Cambria Math" panose="02040503050406030204" pitchFamily="18" charset="0"/>
-                        </a:rPr>
-                        <m:t>.</m:t>
-                      </m:r>
-                      <m:r>
-                        <a:rPr lang="en-US" sz="1200" b="0" i="1" smtClean="0">
-                          <a:latin typeface="Cambria Math" panose="02040503050406030204" pitchFamily="18" charset="0"/>
-                        </a:rPr>
-                        <m:t>32</m:t>
+                        <m:t>0.32</m:t>
                       </m:r>
                     </m:oMath>
                   </m:oMathPara>
@@ -23428,19 +23380,7 @@
                         <a:rPr lang="en-US" sz="1200" b="0" i="1" smtClean="0">
                           <a:latin typeface="Cambria Math" panose="02040503050406030204" pitchFamily="18" charset="0"/>
                         </a:rPr>
-                        <m:t>0</m:t>
-                      </m:r>
-                      <m:r>
-                        <a:rPr lang="en-US" sz="1200" b="0" i="1" smtClean="0">
-                          <a:latin typeface="Cambria Math" panose="02040503050406030204" pitchFamily="18" charset="0"/>
-                        </a:rPr>
-                        <m:t>.</m:t>
-                      </m:r>
-                      <m:r>
-                        <a:rPr lang="en-US" sz="1200" b="0" i="1" smtClean="0">
-                          <a:latin typeface="Cambria Math" panose="02040503050406030204" pitchFamily="18" charset="0"/>
-                        </a:rPr>
-                        <m:t>50</m:t>
+                        <m:t>0.50</m:t>
                       </m:r>
                     </m:oMath>
                   </m:oMathPara>
@@ -23536,19 +23476,7 @@
                         <a:rPr lang="en-US" sz="1200" b="0" i="1" smtClean="0">
                           <a:latin typeface="Cambria Math" panose="02040503050406030204" pitchFamily="18" charset="0"/>
                         </a:rPr>
-                        <m:t>0</m:t>
-                      </m:r>
-                      <m:r>
-                        <a:rPr lang="en-US" sz="1200" b="0" i="1" smtClean="0">
-                          <a:latin typeface="Cambria Math" panose="02040503050406030204" pitchFamily="18" charset="0"/>
-                        </a:rPr>
-                        <m:t>.</m:t>
-                      </m:r>
-                      <m:r>
-                        <a:rPr lang="en-US" sz="1200" b="0" i="1" smtClean="0">
-                          <a:latin typeface="Cambria Math" panose="02040503050406030204" pitchFamily="18" charset="0"/>
-                        </a:rPr>
-                        <m:t>39</m:t>
+                        <m:t>0.39</m:t>
                       </m:r>
                     </m:oMath>
                   </m:oMathPara>
@@ -23644,19 +23572,7 @@
                         <a:rPr lang="en-US" sz="1200" b="0" i="1" smtClean="0">
                           <a:latin typeface="Cambria Math" panose="02040503050406030204" pitchFamily="18" charset="0"/>
                         </a:rPr>
-                        <m:t>0</m:t>
-                      </m:r>
-                      <m:r>
-                        <a:rPr lang="en-US" sz="1200" b="0" i="1" smtClean="0">
-                          <a:latin typeface="Cambria Math" panose="02040503050406030204" pitchFamily="18" charset="0"/>
-                        </a:rPr>
-                        <m:t>.</m:t>
-                      </m:r>
-                      <m:r>
-                        <a:rPr lang="en-US" sz="1200" b="0" i="1" smtClean="0">
-                          <a:latin typeface="Cambria Math" panose="02040503050406030204" pitchFamily="18" charset="0"/>
-                        </a:rPr>
-                        <m:t>50</m:t>
+                        <m:t>0.50</m:t>
                       </m:r>
                     </m:oMath>
                   </m:oMathPara>
@@ -23752,19 +23668,7 @@
                         <a:rPr lang="en-US" sz="1200" b="0" i="1" smtClean="0">
                           <a:latin typeface="Cambria Math" panose="02040503050406030204" pitchFamily="18" charset="0"/>
                         </a:rPr>
-                        <m:t>0</m:t>
-                      </m:r>
-                      <m:r>
-                        <a:rPr lang="en-US" sz="1200" b="0" i="1" smtClean="0">
-                          <a:latin typeface="Cambria Math" panose="02040503050406030204" pitchFamily="18" charset="0"/>
-                        </a:rPr>
-                        <m:t>.</m:t>
-                      </m:r>
-                      <m:r>
-                        <a:rPr lang="en-US" sz="1200" b="0" i="1" smtClean="0">
-                          <a:latin typeface="Cambria Math" panose="02040503050406030204" pitchFamily="18" charset="0"/>
-                        </a:rPr>
-                        <m:t>82</m:t>
+                        <m:t>0.82</m:t>
                       </m:r>
                     </m:oMath>
                   </m:oMathPara>
@@ -23860,19 +23764,7 @@
                         <a:rPr lang="en-US" sz="1200" b="0" i="1" smtClean="0">
                           <a:latin typeface="Cambria Math" panose="02040503050406030204" pitchFamily="18" charset="0"/>
                         </a:rPr>
-                        <m:t>0</m:t>
-                      </m:r>
-                      <m:r>
-                        <a:rPr lang="en-US" sz="1200" b="0" i="1" smtClean="0">
-                          <a:latin typeface="Cambria Math" panose="02040503050406030204" pitchFamily="18" charset="0"/>
-                        </a:rPr>
-                        <m:t>.</m:t>
-                      </m:r>
-                      <m:r>
-                        <a:rPr lang="en-US" sz="1200" b="0" i="1" smtClean="0">
-                          <a:latin typeface="Cambria Math" panose="02040503050406030204" pitchFamily="18" charset="0"/>
-                        </a:rPr>
-                        <m:t>42</m:t>
+                        <m:t>0.42</m:t>
                       </m:r>
                     </m:oMath>
                   </m:oMathPara>
@@ -23968,19 +23860,7 @@
                         <a:rPr lang="en-US" sz="1200" b="0" i="1" smtClean="0">
                           <a:latin typeface="Cambria Math" panose="02040503050406030204" pitchFamily="18" charset="0"/>
                         </a:rPr>
-                        <m:t>0</m:t>
-                      </m:r>
-                      <m:r>
-                        <a:rPr lang="en-US" sz="1200" b="0" i="1" smtClean="0">
-                          <a:latin typeface="Cambria Math" panose="02040503050406030204" pitchFamily="18" charset="0"/>
-                        </a:rPr>
-                        <m:t>.</m:t>
-                      </m:r>
-                      <m:r>
-                        <a:rPr lang="en-US" sz="1200" b="0" i="1" smtClean="0">
-                          <a:latin typeface="Cambria Math" panose="02040503050406030204" pitchFamily="18" charset="0"/>
-                        </a:rPr>
-                        <m:t>49</m:t>
+                        <m:t>0.49</m:t>
                       </m:r>
                     </m:oMath>
                   </m:oMathPara>
@@ -24076,19 +23956,7 @@
                         <a:rPr lang="en-US" sz="1200" b="0" i="1" smtClean="0">
                           <a:latin typeface="Cambria Math" panose="02040503050406030204" pitchFamily="18" charset="0"/>
                         </a:rPr>
-                        <m:t>0</m:t>
-                      </m:r>
-                      <m:r>
-                        <a:rPr lang="en-US" sz="1200" b="0" i="1" smtClean="0">
-                          <a:latin typeface="Cambria Math" panose="02040503050406030204" pitchFamily="18" charset="0"/>
-                        </a:rPr>
-                        <m:t>.</m:t>
-                      </m:r>
-                      <m:r>
-                        <a:rPr lang="en-US" sz="1200" b="0" i="1" smtClean="0">
-                          <a:latin typeface="Cambria Math" panose="02040503050406030204" pitchFamily="18" charset="0"/>
-                        </a:rPr>
-                        <m:t>72</m:t>
+                        <m:t>0.72</m:t>
                       </m:r>
                     </m:oMath>
                   </m:oMathPara>
@@ -24184,19 +24052,7 @@
                         <a:rPr lang="en-US" sz="1200" b="0" i="1" smtClean="0">
                           <a:latin typeface="Cambria Math" panose="02040503050406030204" pitchFamily="18" charset="0"/>
                         </a:rPr>
-                        <m:t>0</m:t>
-                      </m:r>
-                      <m:r>
-                        <a:rPr lang="en-US" sz="1200" b="0" i="1" smtClean="0">
-                          <a:latin typeface="Cambria Math" panose="02040503050406030204" pitchFamily="18" charset="0"/>
-                        </a:rPr>
-                        <m:t>.</m:t>
-                      </m:r>
-                      <m:r>
-                        <a:rPr lang="en-US" sz="1200" b="0" i="1" smtClean="0">
-                          <a:latin typeface="Cambria Math" panose="02040503050406030204" pitchFamily="18" charset="0"/>
-                        </a:rPr>
-                        <m:t>70</m:t>
+                        <m:t>0.70</m:t>
                       </m:r>
                     </m:oMath>
                   </m:oMathPara>
@@ -24292,19 +24148,7 @@
                         <a:rPr lang="en-US" sz="1200" b="0" i="1" smtClean="0">
                           <a:latin typeface="Cambria Math" panose="02040503050406030204" pitchFamily="18" charset="0"/>
                         </a:rPr>
-                        <m:t>0</m:t>
-                      </m:r>
-                      <m:r>
-                        <a:rPr lang="en-US" sz="1200" b="0" i="1" smtClean="0">
-                          <a:latin typeface="Cambria Math" panose="02040503050406030204" pitchFamily="18" charset="0"/>
-                        </a:rPr>
-                        <m:t>.</m:t>
-                      </m:r>
-                      <m:r>
-                        <a:rPr lang="en-US" sz="1200" b="0" i="1" smtClean="0">
-                          <a:latin typeface="Cambria Math" panose="02040503050406030204" pitchFamily="18" charset="0"/>
-                        </a:rPr>
-                        <m:t>83</m:t>
+                        <m:t>0.83</m:t>
                       </m:r>
                     </m:oMath>
                   </m:oMathPara>
@@ -24400,19 +24244,7 @@
                         <a:rPr lang="en-US" sz="1200" b="0" i="1" smtClean="0">
                           <a:latin typeface="Cambria Math" panose="02040503050406030204" pitchFamily="18" charset="0"/>
                         </a:rPr>
-                        <m:t>0</m:t>
-                      </m:r>
-                      <m:r>
-                        <a:rPr lang="en-US" sz="1200" b="0" i="1" smtClean="0">
-                          <a:latin typeface="Cambria Math" panose="02040503050406030204" pitchFamily="18" charset="0"/>
-                        </a:rPr>
-                        <m:t>.</m:t>
-                      </m:r>
-                      <m:r>
-                        <a:rPr lang="en-US" sz="1200" b="0" i="1" smtClean="0">
-                          <a:latin typeface="Cambria Math" panose="02040503050406030204" pitchFamily="18" charset="0"/>
-                        </a:rPr>
-                        <m:t>34</m:t>
+                        <m:t>0.34</m:t>
                       </m:r>
                     </m:oMath>
                   </m:oMathPara>
@@ -24508,19 +24340,7 @@
                         <a:rPr lang="en-US" sz="1200" b="0" i="1" smtClean="0">
                           <a:latin typeface="Cambria Math" panose="02040503050406030204" pitchFamily="18" charset="0"/>
                         </a:rPr>
-                        <m:t>0</m:t>
-                      </m:r>
-                      <m:r>
-                        <a:rPr lang="en-US" sz="1200" b="0" i="1" smtClean="0">
-                          <a:latin typeface="Cambria Math" panose="02040503050406030204" pitchFamily="18" charset="0"/>
-                        </a:rPr>
-                        <m:t>.</m:t>
-                      </m:r>
-                      <m:r>
-                        <a:rPr lang="en-US" sz="1200" b="0" i="1" smtClean="0">
-                          <a:latin typeface="Cambria Math" panose="02040503050406030204" pitchFamily="18" charset="0"/>
-                        </a:rPr>
-                        <m:t>71</m:t>
+                        <m:t>0.71</m:t>
                       </m:r>
                     </m:oMath>
                   </m:oMathPara>
@@ -24616,19 +24436,7 @@
                         <a:rPr lang="en-US" sz="1200" b="0" i="1" smtClean="0">
                           <a:latin typeface="Cambria Math" panose="02040503050406030204" pitchFamily="18" charset="0"/>
                         </a:rPr>
-                        <m:t>0</m:t>
-                      </m:r>
-                      <m:r>
-                        <a:rPr lang="en-US" sz="1200" b="0" i="1" smtClean="0">
-                          <a:latin typeface="Cambria Math" panose="02040503050406030204" pitchFamily="18" charset="0"/>
-                        </a:rPr>
-                        <m:t>.</m:t>
-                      </m:r>
-                      <m:r>
-                        <a:rPr lang="en-US" sz="1200" b="0" i="1" smtClean="0">
-                          <a:latin typeface="Cambria Math" panose="02040503050406030204" pitchFamily="18" charset="0"/>
-                        </a:rPr>
-                        <m:t>27</m:t>
+                        <m:t>0.27</m:t>
                       </m:r>
                     </m:oMath>
                   </m:oMathPara>
@@ -24724,19 +24532,7 @@
                         <a:rPr lang="en-US" sz="1200" b="0" i="1" smtClean="0">
                           <a:latin typeface="Cambria Math" panose="02040503050406030204" pitchFamily="18" charset="0"/>
                         </a:rPr>
-                        <m:t>0</m:t>
-                      </m:r>
-                      <m:r>
-                        <a:rPr lang="en-US" sz="1200" b="0" i="1" smtClean="0">
-                          <a:latin typeface="Cambria Math" panose="02040503050406030204" pitchFamily="18" charset="0"/>
-                        </a:rPr>
-                        <m:t>.</m:t>
-                      </m:r>
-                      <m:r>
-                        <a:rPr lang="en-US" sz="1200" b="0" i="1" smtClean="0">
-                          <a:latin typeface="Cambria Math" panose="02040503050406030204" pitchFamily="18" charset="0"/>
-                        </a:rPr>
-                        <m:t>45</m:t>
+                        <m:t>0.45</m:t>
                       </m:r>
                     </m:oMath>
                   </m:oMathPara>
@@ -24832,19 +24628,7 @@
                         <a:rPr lang="en-US" sz="1200" b="0" i="1" smtClean="0">
                           <a:latin typeface="Cambria Math" panose="02040503050406030204" pitchFamily="18" charset="0"/>
                         </a:rPr>
-                        <m:t>0</m:t>
-                      </m:r>
-                      <m:r>
-                        <a:rPr lang="en-US" sz="1200" b="0" i="1" smtClean="0">
-                          <a:latin typeface="Cambria Math" panose="02040503050406030204" pitchFamily="18" charset="0"/>
-                        </a:rPr>
-                        <m:t>.</m:t>
-                      </m:r>
-                      <m:r>
-                        <a:rPr lang="en-US" sz="1200" b="0" i="1" smtClean="0">
-                          <a:latin typeface="Cambria Math" panose="02040503050406030204" pitchFamily="18" charset="0"/>
-                        </a:rPr>
-                        <m:t>70</m:t>
+                        <m:t>0.70</m:t>
                       </m:r>
                     </m:oMath>
                   </m:oMathPara>
@@ -24940,19 +24724,7 @@
                         <a:rPr lang="en-US" sz="1200" b="0" i="1" smtClean="0">
                           <a:latin typeface="Cambria Math" panose="02040503050406030204" pitchFamily="18" charset="0"/>
                         </a:rPr>
-                        <m:t>0</m:t>
-                      </m:r>
-                      <m:r>
-                        <a:rPr lang="en-US" sz="1200" b="0" i="1" smtClean="0">
-                          <a:latin typeface="Cambria Math" panose="02040503050406030204" pitchFamily="18" charset="0"/>
-                        </a:rPr>
-                        <m:t>.</m:t>
-                      </m:r>
-                      <m:r>
-                        <a:rPr lang="en-US" sz="1200" b="0" i="1" smtClean="0">
-                          <a:latin typeface="Cambria Math" panose="02040503050406030204" pitchFamily="18" charset="0"/>
-                        </a:rPr>
-                        <m:t>59</m:t>
+                        <m:t>0.59</m:t>
                       </m:r>
                     </m:oMath>
                   </m:oMathPara>
@@ -25095,8 +24867,8 @@
           </a:p>
         </p:txBody>
       </p:sp>
-      <mc:AlternateContent xmlns:mc="http://schemas.openxmlformats.org/markup-compatibility/2006">
-        <mc:Choice xmlns:a14="http://schemas.microsoft.com/office/drawing/2010/main" Requires="a14">
+      <mc:AlternateContent xmlns:mc="http://schemas.openxmlformats.org/markup-compatibility/2006" xmlns:a14="http://schemas.microsoft.com/office/drawing/2010/main">
+        <mc:Choice Requires="a14">
           <p:sp>
             <p:nvSpPr>
               <p:cNvPr id="71" name="TextBox 70">
@@ -25177,7 +24949,7 @@
             </p:txBody>
           </p:sp>
         </mc:Choice>
-        <mc:Fallback>
+        <mc:Fallback xmlns="">
           <p:sp>
             <p:nvSpPr>
               <p:cNvPr id="71" name="TextBox 70">
@@ -25222,8 +24994,8 @@
           </p:sp>
         </mc:Fallback>
       </mc:AlternateContent>
-      <mc:AlternateContent xmlns:mc="http://schemas.openxmlformats.org/markup-compatibility/2006">
-        <mc:Choice xmlns:a14="http://schemas.microsoft.com/office/drawing/2010/main" Requires="a14">
+      <mc:AlternateContent xmlns:mc="http://schemas.openxmlformats.org/markup-compatibility/2006" xmlns:a14="http://schemas.microsoft.com/office/drawing/2010/main">
+        <mc:Choice Requires="a14">
           <p:sp>
             <p:nvSpPr>
               <p:cNvPr id="72" name="TextBox 71">
@@ -25304,7 +25076,7 @@
             </p:txBody>
           </p:sp>
         </mc:Choice>
-        <mc:Fallback>
+        <mc:Fallback xmlns="">
           <p:sp>
             <p:nvSpPr>
               <p:cNvPr id="72" name="TextBox 71">
@@ -29098,8 +28870,8 @@
           </a:p>
         </p:txBody>
       </p:sp>
-      <mc:AlternateContent xmlns:mc="http://schemas.openxmlformats.org/markup-compatibility/2006">
-        <mc:Choice xmlns:a14="http://schemas.microsoft.com/office/drawing/2010/main" Requires="a14">
+      <mc:AlternateContent xmlns:mc="http://schemas.openxmlformats.org/markup-compatibility/2006" xmlns:a14="http://schemas.microsoft.com/office/drawing/2010/main">
+        <mc:Choice Requires="a14">
           <p:sp>
             <p:nvSpPr>
               <p:cNvPr id="98" name="TextBox 97">
@@ -29180,7 +28952,7 @@
             </p:txBody>
           </p:sp>
         </mc:Choice>
-        <mc:Fallback>
+        <mc:Fallback xmlns="">
           <p:sp>
             <p:nvSpPr>
               <p:cNvPr id="98" name="TextBox 97">
@@ -29269,8 +29041,8 @@
           </a:p>
         </p:txBody>
       </p:sp>
-      <mc:AlternateContent xmlns:mc="http://schemas.openxmlformats.org/markup-compatibility/2006">
-        <mc:Choice xmlns:a14="http://schemas.microsoft.com/office/drawing/2010/main" Requires="a14">
+      <mc:AlternateContent xmlns:mc="http://schemas.openxmlformats.org/markup-compatibility/2006" xmlns:a14="http://schemas.microsoft.com/office/drawing/2010/main">
+        <mc:Choice Requires="a14">
           <p:sp>
             <p:nvSpPr>
               <p:cNvPr id="100" name="TextBox 99">
@@ -29351,7 +29123,7 @@
             </p:txBody>
           </p:sp>
         </mc:Choice>
-        <mc:Fallback>
+        <mc:Fallback xmlns="">
           <p:sp>
             <p:nvSpPr>
               <p:cNvPr id="100" name="TextBox 99">
@@ -40541,13 +40313,7 @@
                             <a:rPr lang="en-US" b="0" i="1" smtClean="0">
                               <a:latin typeface="Cambria Math" panose="02040503050406030204" pitchFamily="18" charset="0"/>
                             </a:rPr>
-                            <m:t>−</m:t>
-                          </m:r>
-                          <m:r>
-                            <a:rPr lang="en-US" b="0" i="1" smtClean="0">
-                              <a:latin typeface="Cambria Math" panose="02040503050406030204" pitchFamily="18" charset="0"/>
-                            </a:rPr>
-                            <m:t>1</m:t>
+                            <m:t>−1</m:t>
                           </m:r>
                         </m:sup>
                       </m:sSup>
@@ -41062,37 +40828,7 @@
                       <a:rPr lang="en-US" b="0" i="1" smtClean="0">
                         <a:latin typeface="Cambria Math" panose="02040503050406030204" pitchFamily="18" charset="0"/>
                       </a:rPr>
-                      <m:t>(</m:t>
-                    </m:r>
-                    <m:r>
-                      <a:rPr lang="en-US" b="0" i="1" smtClean="0">
-                        <a:latin typeface="Cambria Math" panose="02040503050406030204" pitchFamily="18" charset="0"/>
-                      </a:rPr>
-                      <m:t>0</m:t>
-                    </m:r>
-                    <m:r>
-                      <a:rPr lang="en-US" b="0" i="1" smtClean="0">
-                        <a:latin typeface="Cambria Math" panose="02040503050406030204" pitchFamily="18" charset="0"/>
-                      </a:rPr>
-                      <m:t>.</m:t>
-                    </m:r>
-                    <m:r>
-                      <a:rPr lang="en-US" b="0" i="1" smtClean="0">
-                        <a:latin typeface="Cambria Math" panose="02040503050406030204" pitchFamily="18" charset="0"/>
-                      </a:rPr>
-                      <m:t>66</m:t>
-                    </m:r>
-                    <m:r>
-                      <a:rPr lang="en-US" b="0" i="1" smtClean="0">
-                        <a:latin typeface="Cambria Math" panose="02040503050406030204" pitchFamily="18" charset="0"/>
-                      </a:rPr>
-                      <m:t>−</m:t>
-                    </m:r>
-                    <m:r>
-                      <a:rPr lang="en-US" b="0" i="1" smtClean="0">
-                        <a:latin typeface="Cambria Math" panose="02040503050406030204" pitchFamily="18" charset="0"/>
-                      </a:rPr>
-                      <m:t>1</m:t>
+                      <m:t>(0.66−1</m:t>
                     </m:r>
                     <m:sSup>
                       <m:sSupPr>
@@ -43089,19 +42825,7 @@
                             <a:rPr lang="en-US" b="0" i="1" smtClean="0">
                               <a:latin typeface="Cambria Math" panose="02040503050406030204" pitchFamily="18" charset="0"/>
                             </a:rPr>
-                            <m:t> −</m:t>
-                          </m:r>
-                          <m:r>
-                            <a:rPr lang="en-US" b="0" i="1" smtClean="0">
-                              <a:latin typeface="Cambria Math" panose="02040503050406030204" pitchFamily="18" charset="0"/>
-                            </a:rPr>
-                            <m:t>1</m:t>
-                          </m:r>
-                          <m:r>
-                            <a:rPr lang="en-US" b="0" i="1" smtClean="0">
-                              <a:latin typeface="Cambria Math" panose="02040503050406030204" pitchFamily="18" charset="0"/>
-                            </a:rPr>
-                            <m:t>)</m:t>
+                            <m:t> −1)</m:t>
                           </m:r>
                         </m:sup>
                       </m:sSup>
@@ -43437,19 +43161,7 @@
                             <a:rPr lang="en-US" b="0" i="1" smtClean="0">
                               <a:latin typeface="Cambria Math" panose="02040503050406030204" pitchFamily="18" charset="0"/>
                             </a:rPr>
-                            <m:t>−</m:t>
-                          </m:r>
-                          <m:r>
-                            <a:rPr lang="en-US" b="0" i="1" smtClean="0">
-                              <a:latin typeface="Cambria Math" panose="02040503050406030204" pitchFamily="18" charset="0"/>
-                            </a:rPr>
-                            <m:t>1</m:t>
-                          </m:r>
-                          <m:r>
-                            <a:rPr lang="en-US" b="0" i="1" smtClean="0">
-                              <a:latin typeface="Cambria Math" panose="02040503050406030204" pitchFamily="18" charset="0"/>
-                            </a:rPr>
-                            <m:t>)</m:t>
+                            <m:t>−1)</m:t>
                           </m:r>
                         </m:sup>
                       </m:sSubSup>

--- a/ANN Diagram.pptx
+++ b/ANN Diagram.pptx
@@ -21,6 +21,8 @@
     <p:sldId id="269" r:id="rId15"/>
     <p:sldId id="270" r:id="rId16"/>
     <p:sldId id="271" r:id="rId17"/>
+    <p:sldId id="272" r:id="rId18"/>
+    <p:sldId id="273" r:id="rId19"/>
   </p:sldIdLst>
   <p:sldSz cx="12192000" cy="6858000"/>
   <p:notesSz cx="6858000" cy="9144000"/>
@@ -297,7 +299,7 @@
           <a:p>
             <a:fld id="{C2F77027-3C40-4359-A277-7487BD58E41D}" type="datetimeFigureOut">
               <a:rPr lang="en-US" smtClean="0"/>
-              <a:t>12/9/2019</a:t>
+              <a:t>12/22/2019</a:t>
             </a:fld>
             <a:endParaRPr lang="en-US"/>
           </a:p>
@@ -495,7 +497,7 @@
           <a:p>
             <a:fld id="{C2F77027-3C40-4359-A277-7487BD58E41D}" type="datetimeFigureOut">
               <a:rPr lang="en-US" smtClean="0"/>
-              <a:t>12/9/2019</a:t>
+              <a:t>12/22/2019</a:t>
             </a:fld>
             <a:endParaRPr lang="en-US"/>
           </a:p>
@@ -703,7 +705,7 @@
           <a:p>
             <a:fld id="{C2F77027-3C40-4359-A277-7487BD58E41D}" type="datetimeFigureOut">
               <a:rPr lang="en-US" smtClean="0"/>
-              <a:t>12/9/2019</a:t>
+              <a:t>12/22/2019</a:t>
             </a:fld>
             <a:endParaRPr lang="en-US"/>
           </a:p>
@@ -901,7 +903,7 @@
           <a:p>
             <a:fld id="{C2F77027-3C40-4359-A277-7487BD58E41D}" type="datetimeFigureOut">
               <a:rPr lang="en-US" smtClean="0"/>
-              <a:t>12/9/2019</a:t>
+              <a:t>12/22/2019</a:t>
             </a:fld>
             <a:endParaRPr lang="en-US"/>
           </a:p>
@@ -1176,7 +1178,7 @@
           <a:p>
             <a:fld id="{C2F77027-3C40-4359-A277-7487BD58E41D}" type="datetimeFigureOut">
               <a:rPr lang="en-US" smtClean="0"/>
-              <a:t>12/9/2019</a:t>
+              <a:t>12/22/2019</a:t>
             </a:fld>
             <a:endParaRPr lang="en-US"/>
           </a:p>
@@ -1441,7 +1443,7 @@
           <a:p>
             <a:fld id="{C2F77027-3C40-4359-A277-7487BD58E41D}" type="datetimeFigureOut">
               <a:rPr lang="en-US" smtClean="0"/>
-              <a:t>12/9/2019</a:t>
+              <a:t>12/22/2019</a:t>
             </a:fld>
             <a:endParaRPr lang="en-US"/>
           </a:p>
@@ -1853,7 +1855,7 @@
           <a:p>
             <a:fld id="{C2F77027-3C40-4359-A277-7487BD58E41D}" type="datetimeFigureOut">
               <a:rPr lang="en-US" smtClean="0"/>
-              <a:t>12/9/2019</a:t>
+              <a:t>12/22/2019</a:t>
             </a:fld>
             <a:endParaRPr lang="en-US"/>
           </a:p>
@@ -1994,7 +1996,7 @@
           <a:p>
             <a:fld id="{C2F77027-3C40-4359-A277-7487BD58E41D}" type="datetimeFigureOut">
               <a:rPr lang="en-US" smtClean="0"/>
-              <a:t>12/9/2019</a:t>
+              <a:t>12/22/2019</a:t>
             </a:fld>
             <a:endParaRPr lang="en-US"/>
           </a:p>
@@ -2107,7 +2109,7 @@
           <a:p>
             <a:fld id="{C2F77027-3C40-4359-A277-7487BD58E41D}" type="datetimeFigureOut">
               <a:rPr lang="en-US" smtClean="0"/>
-              <a:t>12/9/2019</a:t>
+              <a:t>12/22/2019</a:t>
             </a:fld>
             <a:endParaRPr lang="en-US"/>
           </a:p>
@@ -2418,7 +2420,7 @@
           <a:p>
             <a:fld id="{C2F77027-3C40-4359-A277-7487BD58E41D}" type="datetimeFigureOut">
               <a:rPr lang="en-US" smtClean="0"/>
-              <a:t>12/9/2019</a:t>
+              <a:t>12/22/2019</a:t>
             </a:fld>
             <a:endParaRPr lang="en-US"/>
           </a:p>
@@ -2706,7 +2708,7 @@
           <a:p>
             <a:fld id="{C2F77027-3C40-4359-A277-7487BD58E41D}" type="datetimeFigureOut">
               <a:rPr lang="en-US" smtClean="0"/>
-              <a:t>12/9/2019</a:t>
+              <a:t>12/22/2019</a:t>
             </a:fld>
             <a:endParaRPr lang="en-US"/>
           </a:p>
@@ -2947,7 +2949,7 @@
           <a:p>
             <a:fld id="{C2F77027-3C40-4359-A277-7487BD58E41D}" type="datetimeFigureOut">
               <a:rPr lang="en-US" smtClean="0"/>
-              <a:t>12/9/2019</a:t>
+              <a:t>12/22/2019</a:t>
             </a:fld>
             <a:endParaRPr lang="en-US"/>
           </a:p>
@@ -33686,6 +33688,4408 @@
 </p:sld>
 </file>
 
+<file path=ppt/slides/slide17.xml><?xml version="1.0" encoding="utf-8"?>
+<p:sld xmlns:a="http://schemas.openxmlformats.org/drawingml/2006/main" xmlns:r="http://schemas.openxmlformats.org/officeDocument/2006/relationships" xmlns:p="http://schemas.openxmlformats.org/presentationml/2006/main">
+  <p:cSld>
+    <p:spTree>
+      <p:nvGrpSpPr>
+        <p:cNvPr id="1" name=""/>
+        <p:cNvGrpSpPr/>
+        <p:nvPr/>
+      </p:nvGrpSpPr>
+      <p:grpSpPr>
+        <a:xfrm>
+          <a:off x="0" y="0"/>
+          <a:ext cx="0" cy="0"/>
+          <a:chOff x="0" y="0"/>
+          <a:chExt cx="0" cy="0"/>
+        </a:xfrm>
+      </p:grpSpPr>
+      <p:sp>
+        <p:nvSpPr>
+          <p:cNvPr id="14" name="Oval 13">
+            <a:extLst>
+              <a:ext uri="{FF2B5EF4-FFF2-40B4-BE49-F238E27FC236}">
+                <a16:creationId xmlns:a16="http://schemas.microsoft.com/office/drawing/2014/main" id="{FBB4DBBD-149D-49F9-8866-3ECD1F87ADE0}"/>
+              </a:ext>
+            </a:extLst>
+          </p:cNvPr>
+          <p:cNvSpPr/>
+          <p:nvPr/>
+        </p:nvSpPr>
+        <p:spPr>
+          <a:xfrm>
+            <a:off x="2463134" y="3238505"/>
+            <a:ext cx="380990" cy="380990"/>
+          </a:xfrm>
+          <a:prstGeom prst="ellipse">
+            <a:avLst/>
+          </a:prstGeom>
+        </p:spPr>
+        <p:style>
+          <a:lnRef idx="0">
+            <a:schemeClr val="accent1"/>
+          </a:lnRef>
+          <a:fillRef idx="3">
+            <a:schemeClr val="accent1"/>
+          </a:fillRef>
+          <a:effectRef idx="3">
+            <a:schemeClr val="accent1"/>
+          </a:effectRef>
+          <a:fontRef idx="minor">
+            <a:schemeClr val="lt1"/>
+          </a:fontRef>
+        </p:style>
+        <p:txBody>
+          <a:bodyPr rtlCol="0" anchor="ctr"/>
+          <a:lstStyle/>
+          <a:p>
+            <a:pPr algn="ctr"/>
+            <a:endParaRPr lang="en-US"/>
+          </a:p>
+        </p:txBody>
+      </p:sp>
+      <p:grpSp>
+        <p:nvGrpSpPr>
+          <p:cNvPr id="36" name="Group 35">
+            <a:extLst>
+              <a:ext uri="{FF2B5EF4-FFF2-40B4-BE49-F238E27FC236}">
+                <a16:creationId xmlns:a16="http://schemas.microsoft.com/office/drawing/2014/main" id="{2221345A-6128-494C-90A8-3F0065D67F9C}"/>
+              </a:ext>
+            </a:extLst>
+          </p:cNvPr>
+          <p:cNvGrpSpPr/>
+          <p:nvPr/>
+        </p:nvGrpSpPr>
+        <p:grpSpPr>
+          <a:xfrm>
+            <a:off x="2155276" y="2330450"/>
+            <a:ext cx="2444506" cy="1459438"/>
+            <a:chOff x="317501" y="3003545"/>
+            <a:chExt cx="2444506" cy="1459438"/>
+          </a:xfrm>
+          <a:effectLst>
+            <a:outerShdw blurRad="57150" dist="19050" dir="5400000" algn="ctr" rotWithShape="0">
+              <a:srgbClr val="000000">
+                <a:alpha val="63000"/>
+              </a:srgbClr>
+            </a:outerShdw>
+          </a:effectLst>
+        </p:grpSpPr>
+        <p:sp>
+          <p:nvSpPr>
+            <p:cNvPr id="15" name="Rectangle 14">
+              <a:extLst>
+                <a:ext uri="{FF2B5EF4-FFF2-40B4-BE49-F238E27FC236}">
+                  <a16:creationId xmlns:a16="http://schemas.microsoft.com/office/drawing/2014/main" id="{DD3F209F-5720-4E8E-B107-10AD96FA422B}"/>
+                </a:ext>
+              </a:extLst>
+            </p:cNvPr>
+            <p:cNvSpPr/>
+            <p:nvPr/>
+          </p:nvSpPr>
+          <p:spPr>
+            <a:xfrm>
+              <a:off x="317501" y="3003545"/>
+              <a:ext cx="82550" cy="1459438"/>
+            </a:xfrm>
+            <a:prstGeom prst="rect">
+              <a:avLst/>
+            </a:prstGeom>
+            <a:solidFill>
+              <a:schemeClr val="tx1"/>
+            </a:solidFill>
+            <a:ln>
+              <a:solidFill>
+                <a:schemeClr val="tx1"/>
+              </a:solidFill>
+            </a:ln>
+          </p:spPr>
+          <p:style>
+            <a:lnRef idx="2">
+              <a:schemeClr val="accent1">
+                <a:shade val="50000"/>
+              </a:schemeClr>
+            </a:lnRef>
+            <a:fillRef idx="1">
+              <a:schemeClr val="accent1"/>
+            </a:fillRef>
+            <a:effectRef idx="0">
+              <a:schemeClr val="accent1"/>
+            </a:effectRef>
+            <a:fontRef idx="minor">
+              <a:schemeClr val="lt1"/>
+            </a:fontRef>
+          </p:style>
+          <p:txBody>
+            <a:bodyPr rtlCol="0" anchor="ctr"/>
+            <a:lstStyle/>
+            <a:p>
+              <a:pPr algn="ctr"/>
+              <a:endParaRPr lang="en-US"/>
+            </a:p>
+          </p:txBody>
+        </p:sp>
+        <p:sp>
+          <p:nvSpPr>
+            <p:cNvPr id="16" name="Rectangle 15">
+              <a:extLst>
+                <a:ext uri="{FF2B5EF4-FFF2-40B4-BE49-F238E27FC236}">
+                  <a16:creationId xmlns:a16="http://schemas.microsoft.com/office/drawing/2014/main" id="{1F1274E3-0FBA-4516-A6C0-4471C6A151BB}"/>
+                </a:ext>
+              </a:extLst>
+            </p:cNvPr>
+            <p:cNvSpPr/>
+            <p:nvPr/>
+          </p:nvSpPr>
+          <p:spPr>
+            <a:xfrm>
+              <a:off x="2679457" y="3003545"/>
+              <a:ext cx="82550" cy="1459438"/>
+            </a:xfrm>
+            <a:prstGeom prst="rect">
+              <a:avLst/>
+            </a:prstGeom>
+            <a:solidFill>
+              <a:schemeClr val="tx1"/>
+            </a:solidFill>
+            <a:ln>
+              <a:solidFill>
+                <a:schemeClr val="tx1"/>
+              </a:solidFill>
+            </a:ln>
+          </p:spPr>
+          <p:style>
+            <a:lnRef idx="2">
+              <a:schemeClr val="accent1">
+                <a:shade val="50000"/>
+              </a:schemeClr>
+            </a:lnRef>
+            <a:fillRef idx="1">
+              <a:schemeClr val="accent1"/>
+            </a:fillRef>
+            <a:effectRef idx="0">
+              <a:schemeClr val="accent1"/>
+            </a:effectRef>
+            <a:fontRef idx="minor">
+              <a:schemeClr val="lt1"/>
+            </a:fontRef>
+          </p:style>
+          <p:txBody>
+            <a:bodyPr rtlCol="0" anchor="ctr"/>
+            <a:lstStyle/>
+            <a:p>
+              <a:pPr algn="ctr"/>
+              <a:endParaRPr lang="en-US"/>
+            </a:p>
+          </p:txBody>
+        </p:sp>
+        <p:sp>
+          <p:nvSpPr>
+            <p:cNvPr id="17" name="Rectangle 16">
+              <a:extLst>
+                <a:ext uri="{FF2B5EF4-FFF2-40B4-BE49-F238E27FC236}">
+                  <a16:creationId xmlns:a16="http://schemas.microsoft.com/office/drawing/2014/main" id="{DBEF4F48-7AD1-4E79-8A37-3DD4685B6AEA}"/>
+                </a:ext>
+              </a:extLst>
+            </p:cNvPr>
+            <p:cNvSpPr/>
+            <p:nvPr/>
+          </p:nvSpPr>
+          <p:spPr>
+            <a:xfrm rot="16200000">
+              <a:off x="1498479" y="3199455"/>
+              <a:ext cx="82550" cy="2444506"/>
+            </a:xfrm>
+            <a:prstGeom prst="rect">
+              <a:avLst/>
+            </a:prstGeom>
+            <a:solidFill>
+              <a:schemeClr val="tx1"/>
+            </a:solidFill>
+            <a:ln>
+              <a:solidFill>
+                <a:schemeClr val="tx1"/>
+              </a:solidFill>
+            </a:ln>
+          </p:spPr>
+          <p:style>
+            <a:lnRef idx="2">
+              <a:schemeClr val="accent1">
+                <a:shade val="50000"/>
+              </a:schemeClr>
+            </a:lnRef>
+            <a:fillRef idx="1">
+              <a:schemeClr val="accent1"/>
+            </a:fillRef>
+            <a:effectRef idx="0">
+              <a:schemeClr val="accent1"/>
+            </a:effectRef>
+            <a:fontRef idx="minor">
+              <a:schemeClr val="lt1"/>
+            </a:fontRef>
+          </p:style>
+          <p:txBody>
+            <a:bodyPr rtlCol="0" anchor="ctr"/>
+            <a:lstStyle/>
+            <a:p>
+              <a:pPr algn="ctr"/>
+              <a:endParaRPr lang="en-US"/>
+            </a:p>
+          </p:txBody>
+        </p:sp>
+      </p:grpSp>
+      <p:sp>
+        <p:nvSpPr>
+          <p:cNvPr id="19" name="Oval 18">
+            <a:extLst>
+              <a:ext uri="{FF2B5EF4-FFF2-40B4-BE49-F238E27FC236}">
+                <a16:creationId xmlns:a16="http://schemas.microsoft.com/office/drawing/2014/main" id="{5E0781B7-AB09-4105-8C6B-371940B934C0}"/>
+              </a:ext>
+            </a:extLst>
+          </p:cNvPr>
+          <p:cNvSpPr/>
+          <p:nvPr/>
+        </p:nvSpPr>
+        <p:spPr>
+          <a:xfrm>
+            <a:off x="2945734" y="3238505"/>
+            <a:ext cx="380990" cy="380990"/>
+          </a:xfrm>
+          <a:prstGeom prst="ellipse">
+            <a:avLst/>
+          </a:prstGeom>
+        </p:spPr>
+        <p:style>
+          <a:lnRef idx="0">
+            <a:schemeClr val="accent1"/>
+          </a:lnRef>
+          <a:fillRef idx="3">
+            <a:schemeClr val="accent1"/>
+          </a:fillRef>
+          <a:effectRef idx="3">
+            <a:schemeClr val="accent1"/>
+          </a:effectRef>
+          <a:fontRef idx="minor">
+            <a:schemeClr val="lt1"/>
+          </a:fontRef>
+        </p:style>
+        <p:txBody>
+          <a:bodyPr rtlCol="0" anchor="ctr"/>
+          <a:lstStyle/>
+          <a:p>
+            <a:pPr algn="ctr"/>
+            <a:endParaRPr lang="en-US"/>
+          </a:p>
+        </p:txBody>
+      </p:sp>
+      <p:sp>
+        <p:nvSpPr>
+          <p:cNvPr id="20" name="Oval 19">
+            <a:extLst>
+              <a:ext uri="{FF2B5EF4-FFF2-40B4-BE49-F238E27FC236}">
+                <a16:creationId xmlns:a16="http://schemas.microsoft.com/office/drawing/2014/main" id="{F2E2B6A5-F8D7-414E-9A17-E22E4344849A}"/>
+              </a:ext>
+            </a:extLst>
+          </p:cNvPr>
+          <p:cNvSpPr/>
+          <p:nvPr/>
+        </p:nvSpPr>
+        <p:spPr>
+          <a:xfrm>
+            <a:off x="3428334" y="3238505"/>
+            <a:ext cx="380990" cy="380990"/>
+          </a:xfrm>
+          <a:prstGeom prst="ellipse">
+            <a:avLst/>
+          </a:prstGeom>
+        </p:spPr>
+        <p:style>
+          <a:lnRef idx="0">
+            <a:schemeClr val="accent1"/>
+          </a:lnRef>
+          <a:fillRef idx="3">
+            <a:schemeClr val="accent1"/>
+          </a:fillRef>
+          <a:effectRef idx="3">
+            <a:schemeClr val="accent1"/>
+          </a:effectRef>
+          <a:fontRef idx="minor">
+            <a:schemeClr val="lt1"/>
+          </a:fontRef>
+        </p:style>
+        <p:txBody>
+          <a:bodyPr rtlCol="0" anchor="ctr"/>
+          <a:lstStyle/>
+          <a:p>
+            <a:pPr algn="ctr"/>
+            <a:endParaRPr lang="en-US"/>
+          </a:p>
+        </p:txBody>
+      </p:sp>
+      <p:sp>
+        <p:nvSpPr>
+          <p:cNvPr id="21" name="Oval 20">
+            <a:extLst>
+              <a:ext uri="{FF2B5EF4-FFF2-40B4-BE49-F238E27FC236}">
+                <a16:creationId xmlns:a16="http://schemas.microsoft.com/office/drawing/2014/main" id="{ADC2930A-250F-4480-9EC3-E0E252324787}"/>
+              </a:ext>
+            </a:extLst>
+          </p:cNvPr>
+          <p:cNvSpPr/>
+          <p:nvPr/>
+        </p:nvSpPr>
+        <p:spPr>
+          <a:xfrm>
+            <a:off x="3910934" y="3238505"/>
+            <a:ext cx="380990" cy="380990"/>
+          </a:xfrm>
+          <a:prstGeom prst="ellipse">
+            <a:avLst/>
+          </a:prstGeom>
+        </p:spPr>
+        <p:style>
+          <a:lnRef idx="0">
+            <a:schemeClr val="accent1"/>
+          </a:lnRef>
+          <a:fillRef idx="3">
+            <a:schemeClr val="accent1"/>
+          </a:fillRef>
+          <a:effectRef idx="3">
+            <a:schemeClr val="accent1"/>
+          </a:effectRef>
+          <a:fontRef idx="minor">
+            <a:schemeClr val="lt1"/>
+          </a:fontRef>
+        </p:style>
+        <p:txBody>
+          <a:bodyPr rtlCol="0" anchor="ctr"/>
+          <a:lstStyle/>
+          <a:p>
+            <a:pPr algn="ctr"/>
+            <a:endParaRPr lang="en-US"/>
+          </a:p>
+        </p:txBody>
+      </p:sp>
+      <p:sp>
+        <p:nvSpPr>
+          <p:cNvPr id="22" name="Oval 21">
+            <a:extLst>
+              <a:ext uri="{FF2B5EF4-FFF2-40B4-BE49-F238E27FC236}">
+                <a16:creationId xmlns:a16="http://schemas.microsoft.com/office/drawing/2014/main" id="{A35C795A-3DC3-467B-BACE-F66FB94092D2}"/>
+              </a:ext>
+            </a:extLst>
+          </p:cNvPr>
+          <p:cNvSpPr/>
+          <p:nvPr/>
+        </p:nvSpPr>
+        <p:spPr>
+          <a:xfrm>
+            <a:off x="5431388" y="3238505"/>
+            <a:ext cx="380990" cy="380990"/>
+          </a:xfrm>
+          <a:prstGeom prst="ellipse">
+            <a:avLst/>
+          </a:prstGeom>
+        </p:spPr>
+        <p:style>
+          <a:lnRef idx="0">
+            <a:schemeClr val="accent1"/>
+          </a:lnRef>
+          <a:fillRef idx="3">
+            <a:schemeClr val="accent1"/>
+          </a:fillRef>
+          <a:effectRef idx="3">
+            <a:schemeClr val="accent1"/>
+          </a:effectRef>
+          <a:fontRef idx="minor">
+            <a:schemeClr val="lt1"/>
+          </a:fontRef>
+        </p:style>
+        <p:txBody>
+          <a:bodyPr rtlCol="0" anchor="ctr"/>
+          <a:lstStyle/>
+          <a:p>
+            <a:pPr algn="ctr"/>
+            <a:endParaRPr lang="en-US"/>
+          </a:p>
+        </p:txBody>
+      </p:sp>
+      <p:grpSp>
+        <p:nvGrpSpPr>
+          <p:cNvPr id="37" name="Group 36">
+            <a:extLst>
+              <a:ext uri="{FF2B5EF4-FFF2-40B4-BE49-F238E27FC236}">
+                <a16:creationId xmlns:a16="http://schemas.microsoft.com/office/drawing/2014/main" id="{ACA286A6-6453-41F9-91DA-CF9F71D86984}"/>
+              </a:ext>
+            </a:extLst>
+          </p:cNvPr>
+          <p:cNvGrpSpPr/>
+          <p:nvPr/>
+        </p:nvGrpSpPr>
+        <p:grpSpPr>
+          <a:xfrm>
+            <a:off x="5123530" y="2330450"/>
+            <a:ext cx="2444506" cy="1459438"/>
+            <a:chOff x="3285755" y="3003545"/>
+            <a:chExt cx="2444506" cy="1459438"/>
+          </a:xfrm>
+          <a:effectLst>
+            <a:outerShdw blurRad="57150" dist="19050" dir="5400000" algn="ctr" rotWithShape="0">
+              <a:srgbClr val="000000">
+                <a:alpha val="63000"/>
+              </a:srgbClr>
+            </a:outerShdw>
+          </a:effectLst>
+        </p:grpSpPr>
+        <p:sp>
+          <p:nvSpPr>
+            <p:cNvPr id="23" name="Rectangle 22">
+              <a:extLst>
+                <a:ext uri="{FF2B5EF4-FFF2-40B4-BE49-F238E27FC236}">
+                  <a16:creationId xmlns:a16="http://schemas.microsoft.com/office/drawing/2014/main" id="{F433D1EA-3B5C-498A-9462-C95AB57D2F65}"/>
+                </a:ext>
+              </a:extLst>
+            </p:cNvPr>
+            <p:cNvSpPr/>
+            <p:nvPr/>
+          </p:nvSpPr>
+          <p:spPr>
+            <a:xfrm>
+              <a:off x="3285755" y="3003545"/>
+              <a:ext cx="82550" cy="1459438"/>
+            </a:xfrm>
+            <a:prstGeom prst="rect">
+              <a:avLst/>
+            </a:prstGeom>
+            <a:solidFill>
+              <a:schemeClr val="tx1"/>
+            </a:solidFill>
+            <a:ln>
+              <a:solidFill>
+                <a:schemeClr val="tx1"/>
+              </a:solidFill>
+            </a:ln>
+          </p:spPr>
+          <p:style>
+            <a:lnRef idx="2">
+              <a:schemeClr val="accent1">
+                <a:shade val="50000"/>
+              </a:schemeClr>
+            </a:lnRef>
+            <a:fillRef idx="1">
+              <a:schemeClr val="accent1"/>
+            </a:fillRef>
+            <a:effectRef idx="0">
+              <a:schemeClr val="accent1"/>
+            </a:effectRef>
+            <a:fontRef idx="minor">
+              <a:schemeClr val="lt1"/>
+            </a:fontRef>
+          </p:style>
+          <p:txBody>
+            <a:bodyPr rtlCol="0" anchor="ctr"/>
+            <a:lstStyle/>
+            <a:p>
+              <a:pPr algn="ctr"/>
+              <a:endParaRPr lang="en-US"/>
+            </a:p>
+          </p:txBody>
+        </p:sp>
+        <p:sp>
+          <p:nvSpPr>
+            <p:cNvPr id="24" name="Rectangle 23">
+              <a:extLst>
+                <a:ext uri="{FF2B5EF4-FFF2-40B4-BE49-F238E27FC236}">
+                  <a16:creationId xmlns:a16="http://schemas.microsoft.com/office/drawing/2014/main" id="{BAC5D2F2-D2AD-4F53-8E5D-29895705E358}"/>
+                </a:ext>
+              </a:extLst>
+            </p:cNvPr>
+            <p:cNvSpPr/>
+            <p:nvPr/>
+          </p:nvSpPr>
+          <p:spPr>
+            <a:xfrm>
+              <a:off x="5647711" y="3003545"/>
+              <a:ext cx="82550" cy="1459438"/>
+            </a:xfrm>
+            <a:prstGeom prst="rect">
+              <a:avLst/>
+            </a:prstGeom>
+            <a:solidFill>
+              <a:schemeClr val="tx1"/>
+            </a:solidFill>
+            <a:ln>
+              <a:solidFill>
+                <a:schemeClr val="tx1"/>
+              </a:solidFill>
+            </a:ln>
+          </p:spPr>
+          <p:style>
+            <a:lnRef idx="2">
+              <a:schemeClr val="accent1">
+                <a:shade val="50000"/>
+              </a:schemeClr>
+            </a:lnRef>
+            <a:fillRef idx="1">
+              <a:schemeClr val="accent1"/>
+            </a:fillRef>
+            <a:effectRef idx="0">
+              <a:schemeClr val="accent1"/>
+            </a:effectRef>
+            <a:fontRef idx="minor">
+              <a:schemeClr val="lt1"/>
+            </a:fontRef>
+          </p:style>
+          <p:txBody>
+            <a:bodyPr rtlCol="0" anchor="ctr"/>
+            <a:lstStyle/>
+            <a:p>
+              <a:pPr algn="ctr"/>
+              <a:endParaRPr lang="en-US"/>
+            </a:p>
+          </p:txBody>
+        </p:sp>
+        <p:sp>
+          <p:nvSpPr>
+            <p:cNvPr id="25" name="Rectangle 24">
+              <a:extLst>
+                <a:ext uri="{FF2B5EF4-FFF2-40B4-BE49-F238E27FC236}">
+                  <a16:creationId xmlns:a16="http://schemas.microsoft.com/office/drawing/2014/main" id="{F1FC72EB-7D0F-47F3-8401-498B7D8BE259}"/>
+                </a:ext>
+              </a:extLst>
+            </p:cNvPr>
+            <p:cNvSpPr/>
+            <p:nvPr/>
+          </p:nvSpPr>
+          <p:spPr>
+            <a:xfrm rot="16200000">
+              <a:off x="4466733" y="3199455"/>
+              <a:ext cx="82550" cy="2444506"/>
+            </a:xfrm>
+            <a:prstGeom prst="rect">
+              <a:avLst/>
+            </a:prstGeom>
+            <a:solidFill>
+              <a:schemeClr val="tx1"/>
+            </a:solidFill>
+            <a:ln>
+              <a:solidFill>
+                <a:schemeClr val="tx1"/>
+              </a:solidFill>
+            </a:ln>
+          </p:spPr>
+          <p:style>
+            <a:lnRef idx="2">
+              <a:schemeClr val="accent1">
+                <a:shade val="50000"/>
+              </a:schemeClr>
+            </a:lnRef>
+            <a:fillRef idx="1">
+              <a:schemeClr val="accent1"/>
+            </a:fillRef>
+            <a:effectRef idx="0">
+              <a:schemeClr val="accent1"/>
+            </a:effectRef>
+            <a:fontRef idx="minor">
+              <a:schemeClr val="lt1"/>
+            </a:fontRef>
+          </p:style>
+          <p:txBody>
+            <a:bodyPr rtlCol="0" anchor="ctr"/>
+            <a:lstStyle/>
+            <a:p>
+              <a:pPr algn="ctr"/>
+              <a:endParaRPr lang="en-US"/>
+            </a:p>
+          </p:txBody>
+        </p:sp>
+      </p:grpSp>
+      <p:sp>
+        <p:nvSpPr>
+          <p:cNvPr id="26" name="Oval 25">
+            <a:extLst>
+              <a:ext uri="{FF2B5EF4-FFF2-40B4-BE49-F238E27FC236}">
+                <a16:creationId xmlns:a16="http://schemas.microsoft.com/office/drawing/2014/main" id="{BD7E1172-75F8-4EA0-A325-B231EEC3DD95}"/>
+              </a:ext>
+            </a:extLst>
+          </p:cNvPr>
+          <p:cNvSpPr/>
+          <p:nvPr/>
+        </p:nvSpPr>
+        <p:spPr>
+          <a:xfrm>
+            <a:off x="5913988" y="3238505"/>
+            <a:ext cx="380990" cy="380990"/>
+          </a:xfrm>
+          <a:prstGeom prst="ellipse">
+            <a:avLst/>
+          </a:prstGeom>
+        </p:spPr>
+        <p:style>
+          <a:lnRef idx="0">
+            <a:schemeClr val="accent1"/>
+          </a:lnRef>
+          <a:fillRef idx="3">
+            <a:schemeClr val="accent1"/>
+          </a:fillRef>
+          <a:effectRef idx="3">
+            <a:schemeClr val="accent1"/>
+          </a:effectRef>
+          <a:fontRef idx="minor">
+            <a:schemeClr val="lt1"/>
+          </a:fontRef>
+        </p:style>
+        <p:txBody>
+          <a:bodyPr rtlCol="0" anchor="ctr"/>
+          <a:lstStyle/>
+          <a:p>
+            <a:pPr algn="ctr"/>
+            <a:endParaRPr lang="en-US"/>
+          </a:p>
+        </p:txBody>
+      </p:sp>
+      <p:sp>
+        <p:nvSpPr>
+          <p:cNvPr id="27" name="Oval 26">
+            <a:extLst>
+              <a:ext uri="{FF2B5EF4-FFF2-40B4-BE49-F238E27FC236}">
+                <a16:creationId xmlns:a16="http://schemas.microsoft.com/office/drawing/2014/main" id="{607B96DB-057C-4390-8C1A-1ED66DC40394}"/>
+              </a:ext>
+            </a:extLst>
+          </p:cNvPr>
+          <p:cNvSpPr/>
+          <p:nvPr/>
+        </p:nvSpPr>
+        <p:spPr>
+          <a:xfrm>
+            <a:off x="6396588" y="3238505"/>
+            <a:ext cx="380990" cy="380990"/>
+          </a:xfrm>
+          <a:prstGeom prst="ellipse">
+            <a:avLst/>
+          </a:prstGeom>
+        </p:spPr>
+        <p:style>
+          <a:lnRef idx="0">
+            <a:schemeClr val="accent1"/>
+          </a:lnRef>
+          <a:fillRef idx="3">
+            <a:schemeClr val="accent1"/>
+          </a:fillRef>
+          <a:effectRef idx="3">
+            <a:schemeClr val="accent1"/>
+          </a:effectRef>
+          <a:fontRef idx="minor">
+            <a:schemeClr val="lt1"/>
+          </a:fontRef>
+        </p:style>
+        <p:txBody>
+          <a:bodyPr rtlCol="0" anchor="ctr"/>
+          <a:lstStyle/>
+          <a:p>
+            <a:pPr algn="ctr"/>
+            <a:endParaRPr lang="en-US"/>
+          </a:p>
+        </p:txBody>
+      </p:sp>
+      <p:sp>
+        <p:nvSpPr>
+          <p:cNvPr id="28" name="Oval 27">
+            <a:extLst>
+              <a:ext uri="{FF2B5EF4-FFF2-40B4-BE49-F238E27FC236}">
+                <a16:creationId xmlns:a16="http://schemas.microsoft.com/office/drawing/2014/main" id="{7A9D5432-08BC-4227-B829-85A0EFF64391}"/>
+              </a:ext>
+            </a:extLst>
+          </p:cNvPr>
+          <p:cNvSpPr/>
+          <p:nvPr/>
+        </p:nvSpPr>
+        <p:spPr>
+          <a:xfrm>
+            <a:off x="6879188" y="3238505"/>
+            <a:ext cx="380990" cy="380990"/>
+          </a:xfrm>
+          <a:prstGeom prst="ellipse">
+            <a:avLst/>
+          </a:prstGeom>
+        </p:spPr>
+        <p:style>
+          <a:lnRef idx="0">
+            <a:schemeClr val="accent2"/>
+          </a:lnRef>
+          <a:fillRef idx="3">
+            <a:schemeClr val="accent2"/>
+          </a:fillRef>
+          <a:effectRef idx="3">
+            <a:schemeClr val="accent2"/>
+          </a:effectRef>
+          <a:fontRef idx="minor">
+            <a:schemeClr val="lt1"/>
+          </a:fontRef>
+        </p:style>
+        <p:txBody>
+          <a:bodyPr rtlCol="0" anchor="ctr"/>
+          <a:lstStyle/>
+          <a:p>
+            <a:pPr algn="ctr"/>
+            <a:endParaRPr lang="en-US"/>
+          </a:p>
+        </p:txBody>
+      </p:sp>
+      <p:sp>
+        <p:nvSpPr>
+          <p:cNvPr id="29" name="Oval 28">
+            <a:extLst>
+              <a:ext uri="{FF2B5EF4-FFF2-40B4-BE49-F238E27FC236}">
+                <a16:creationId xmlns:a16="http://schemas.microsoft.com/office/drawing/2014/main" id="{202C07AC-74E6-4442-8BC9-B2723BD3CE2B}"/>
+              </a:ext>
+            </a:extLst>
+          </p:cNvPr>
+          <p:cNvSpPr/>
+          <p:nvPr/>
+        </p:nvSpPr>
+        <p:spPr>
+          <a:xfrm>
+            <a:off x="8405505" y="3238505"/>
+            <a:ext cx="380990" cy="380990"/>
+          </a:xfrm>
+          <a:prstGeom prst="ellipse">
+            <a:avLst/>
+          </a:prstGeom>
+        </p:spPr>
+        <p:style>
+          <a:lnRef idx="0">
+            <a:schemeClr val="accent1"/>
+          </a:lnRef>
+          <a:fillRef idx="3">
+            <a:schemeClr val="accent1"/>
+          </a:fillRef>
+          <a:effectRef idx="3">
+            <a:schemeClr val="accent1"/>
+          </a:effectRef>
+          <a:fontRef idx="minor">
+            <a:schemeClr val="lt1"/>
+          </a:fontRef>
+        </p:style>
+        <p:txBody>
+          <a:bodyPr rtlCol="0" anchor="ctr"/>
+          <a:lstStyle/>
+          <a:p>
+            <a:pPr algn="ctr"/>
+            <a:endParaRPr lang="en-US"/>
+          </a:p>
+        </p:txBody>
+      </p:sp>
+      <p:grpSp>
+        <p:nvGrpSpPr>
+          <p:cNvPr id="38" name="Group 37">
+            <a:extLst>
+              <a:ext uri="{FF2B5EF4-FFF2-40B4-BE49-F238E27FC236}">
+                <a16:creationId xmlns:a16="http://schemas.microsoft.com/office/drawing/2014/main" id="{9B5DD68B-BCC2-4DA1-899A-7BC8660DA485}"/>
+              </a:ext>
+            </a:extLst>
+          </p:cNvPr>
+          <p:cNvGrpSpPr/>
+          <p:nvPr/>
+        </p:nvGrpSpPr>
+        <p:grpSpPr>
+          <a:xfrm>
+            <a:off x="8097647" y="2330450"/>
+            <a:ext cx="2444506" cy="1459438"/>
+            <a:chOff x="6259872" y="3003545"/>
+            <a:chExt cx="2444506" cy="1459438"/>
+          </a:xfrm>
+          <a:effectLst>
+            <a:outerShdw blurRad="57150" dist="19050" dir="5400000" algn="ctr" rotWithShape="0">
+              <a:srgbClr val="000000">
+                <a:alpha val="63000"/>
+              </a:srgbClr>
+            </a:outerShdw>
+          </a:effectLst>
+        </p:grpSpPr>
+        <p:sp>
+          <p:nvSpPr>
+            <p:cNvPr id="30" name="Rectangle 29">
+              <a:extLst>
+                <a:ext uri="{FF2B5EF4-FFF2-40B4-BE49-F238E27FC236}">
+                  <a16:creationId xmlns:a16="http://schemas.microsoft.com/office/drawing/2014/main" id="{2C7D15A8-9810-456F-961B-B7559CD10CFA}"/>
+                </a:ext>
+              </a:extLst>
+            </p:cNvPr>
+            <p:cNvSpPr/>
+            <p:nvPr/>
+          </p:nvSpPr>
+          <p:spPr>
+            <a:xfrm>
+              <a:off x="6259872" y="3003545"/>
+              <a:ext cx="82550" cy="1459438"/>
+            </a:xfrm>
+            <a:prstGeom prst="rect">
+              <a:avLst/>
+            </a:prstGeom>
+            <a:solidFill>
+              <a:schemeClr val="tx1"/>
+            </a:solidFill>
+            <a:ln>
+              <a:solidFill>
+                <a:schemeClr val="tx1"/>
+              </a:solidFill>
+            </a:ln>
+          </p:spPr>
+          <p:style>
+            <a:lnRef idx="2">
+              <a:schemeClr val="accent1">
+                <a:shade val="50000"/>
+              </a:schemeClr>
+            </a:lnRef>
+            <a:fillRef idx="1">
+              <a:schemeClr val="accent1"/>
+            </a:fillRef>
+            <a:effectRef idx="0">
+              <a:schemeClr val="accent1"/>
+            </a:effectRef>
+            <a:fontRef idx="minor">
+              <a:schemeClr val="lt1"/>
+            </a:fontRef>
+          </p:style>
+          <p:txBody>
+            <a:bodyPr rtlCol="0" anchor="ctr"/>
+            <a:lstStyle/>
+            <a:p>
+              <a:pPr algn="ctr"/>
+              <a:endParaRPr lang="en-US"/>
+            </a:p>
+          </p:txBody>
+        </p:sp>
+        <p:sp>
+          <p:nvSpPr>
+            <p:cNvPr id="31" name="Rectangle 30">
+              <a:extLst>
+                <a:ext uri="{FF2B5EF4-FFF2-40B4-BE49-F238E27FC236}">
+                  <a16:creationId xmlns:a16="http://schemas.microsoft.com/office/drawing/2014/main" id="{D8E515E9-8AB7-40E9-ADDC-066EE7C862AF}"/>
+                </a:ext>
+              </a:extLst>
+            </p:cNvPr>
+            <p:cNvSpPr/>
+            <p:nvPr/>
+          </p:nvSpPr>
+          <p:spPr>
+            <a:xfrm>
+              <a:off x="8621828" y="3003545"/>
+              <a:ext cx="82550" cy="1459438"/>
+            </a:xfrm>
+            <a:prstGeom prst="rect">
+              <a:avLst/>
+            </a:prstGeom>
+            <a:solidFill>
+              <a:schemeClr val="tx1"/>
+            </a:solidFill>
+            <a:ln>
+              <a:solidFill>
+                <a:schemeClr val="tx1"/>
+              </a:solidFill>
+            </a:ln>
+          </p:spPr>
+          <p:style>
+            <a:lnRef idx="2">
+              <a:schemeClr val="accent1">
+                <a:shade val="50000"/>
+              </a:schemeClr>
+            </a:lnRef>
+            <a:fillRef idx="1">
+              <a:schemeClr val="accent1"/>
+            </a:fillRef>
+            <a:effectRef idx="0">
+              <a:schemeClr val="accent1"/>
+            </a:effectRef>
+            <a:fontRef idx="minor">
+              <a:schemeClr val="lt1"/>
+            </a:fontRef>
+          </p:style>
+          <p:txBody>
+            <a:bodyPr rtlCol="0" anchor="ctr"/>
+            <a:lstStyle/>
+            <a:p>
+              <a:pPr algn="ctr"/>
+              <a:endParaRPr lang="en-US"/>
+            </a:p>
+          </p:txBody>
+        </p:sp>
+        <p:sp>
+          <p:nvSpPr>
+            <p:cNvPr id="32" name="Rectangle 31">
+              <a:extLst>
+                <a:ext uri="{FF2B5EF4-FFF2-40B4-BE49-F238E27FC236}">
+                  <a16:creationId xmlns:a16="http://schemas.microsoft.com/office/drawing/2014/main" id="{342E3C7D-82AE-4D45-A4CB-F4A91A21CF8A}"/>
+                </a:ext>
+              </a:extLst>
+            </p:cNvPr>
+            <p:cNvSpPr/>
+            <p:nvPr/>
+          </p:nvSpPr>
+          <p:spPr>
+            <a:xfrm rot="16200000">
+              <a:off x="7440850" y="3199455"/>
+              <a:ext cx="82550" cy="2444506"/>
+            </a:xfrm>
+            <a:prstGeom prst="rect">
+              <a:avLst/>
+            </a:prstGeom>
+            <a:solidFill>
+              <a:schemeClr val="tx1"/>
+            </a:solidFill>
+            <a:ln>
+              <a:solidFill>
+                <a:schemeClr val="tx1"/>
+              </a:solidFill>
+            </a:ln>
+          </p:spPr>
+          <p:style>
+            <a:lnRef idx="2">
+              <a:schemeClr val="accent1">
+                <a:shade val="50000"/>
+              </a:schemeClr>
+            </a:lnRef>
+            <a:fillRef idx="1">
+              <a:schemeClr val="accent1"/>
+            </a:fillRef>
+            <a:effectRef idx="0">
+              <a:schemeClr val="accent1"/>
+            </a:effectRef>
+            <a:fontRef idx="minor">
+              <a:schemeClr val="lt1"/>
+            </a:fontRef>
+          </p:style>
+          <p:txBody>
+            <a:bodyPr rtlCol="0" anchor="ctr"/>
+            <a:lstStyle/>
+            <a:p>
+              <a:pPr algn="ctr"/>
+              <a:endParaRPr lang="en-US"/>
+            </a:p>
+          </p:txBody>
+        </p:sp>
+      </p:grpSp>
+      <p:sp>
+        <p:nvSpPr>
+          <p:cNvPr id="33" name="Oval 32">
+            <a:extLst>
+              <a:ext uri="{FF2B5EF4-FFF2-40B4-BE49-F238E27FC236}">
+                <a16:creationId xmlns:a16="http://schemas.microsoft.com/office/drawing/2014/main" id="{8AEDEDC9-64F7-4781-8E84-4144BFB6B141}"/>
+              </a:ext>
+            </a:extLst>
+          </p:cNvPr>
+          <p:cNvSpPr/>
+          <p:nvPr/>
+        </p:nvSpPr>
+        <p:spPr>
+          <a:xfrm>
+            <a:off x="8888105" y="3238505"/>
+            <a:ext cx="380990" cy="380990"/>
+          </a:xfrm>
+          <a:prstGeom prst="ellipse">
+            <a:avLst/>
+          </a:prstGeom>
+        </p:spPr>
+        <p:style>
+          <a:lnRef idx="0">
+            <a:schemeClr val="accent1"/>
+          </a:lnRef>
+          <a:fillRef idx="3">
+            <a:schemeClr val="accent1"/>
+          </a:fillRef>
+          <a:effectRef idx="3">
+            <a:schemeClr val="accent1"/>
+          </a:effectRef>
+          <a:fontRef idx="minor">
+            <a:schemeClr val="lt1"/>
+          </a:fontRef>
+        </p:style>
+        <p:txBody>
+          <a:bodyPr rtlCol="0" anchor="ctr"/>
+          <a:lstStyle/>
+          <a:p>
+            <a:pPr algn="ctr"/>
+            <a:endParaRPr lang="en-US"/>
+          </a:p>
+        </p:txBody>
+      </p:sp>
+      <p:sp>
+        <p:nvSpPr>
+          <p:cNvPr id="34" name="Oval 33">
+            <a:extLst>
+              <a:ext uri="{FF2B5EF4-FFF2-40B4-BE49-F238E27FC236}">
+                <a16:creationId xmlns:a16="http://schemas.microsoft.com/office/drawing/2014/main" id="{324CA6F8-1DE8-4A11-A8C6-D75A55AA76CA}"/>
+              </a:ext>
+            </a:extLst>
+          </p:cNvPr>
+          <p:cNvSpPr/>
+          <p:nvPr/>
+        </p:nvSpPr>
+        <p:spPr>
+          <a:xfrm>
+            <a:off x="9370705" y="3238505"/>
+            <a:ext cx="380990" cy="380990"/>
+          </a:xfrm>
+          <a:prstGeom prst="ellipse">
+            <a:avLst/>
+          </a:prstGeom>
+        </p:spPr>
+        <p:style>
+          <a:lnRef idx="0">
+            <a:schemeClr val="accent2"/>
+          </a:lnRef>
+          <a:fillRef idx="3">
+            <a:schemeClr val="accent2"/>
+          </a:fillRef>
+          <a:effectRef idx="3">
+            <a:schemeClr val="accent2"/>
+          </a:effectRef>
+          <a:fontRef idx="minor">
+            <a:schemeClr val="lt1"/>
+          </a:fontRef>
+        </p:style>
+        <p:txBody>
+          <a:bodyPr rtlCol="0" anchor="ctr"/>
+          <a:lstStyle/>
+          <a:p>
+            <a:pPr algn="ctr"/>
+            <a:endParaRPr lang="en-US"/>
+          </a:p>
+        </p:txBody>
+      </p:sp>
+      <p:sp>
+        <p:nvSpPr>
+          <p:cNvPr id="35" name="Oval 34">
+            <a:extLst>
+              <a:ext uri="{FF2B5EF4-FFF2-40B4-BE49-F238E27FC236}">
+                <a16:creationId xmlns:a16="http://schemas.microsoft.com/office/drawing/2014/main" id="{151BED70-66BA-40C7-9544-D3DFBE761C90}"/>
+              </a:ext>
+            </a:extLst>
+          </p:cNvPr>
+          <p:cNvSpPr/>
+          <p:nvPr/>
+        </p:nvSpPr>
+        <p:spPr>
+          <a:xfrm>
+            <a:off x="9853305" y="3238505"/>
+            <a:ext cx="380990" cy="380990"/>
+          </a:xfrm>
+          <a:prstGeom prst="ellipse">
+            <a:avLst/>
+          </a:prstGeom>
+        </p:spPr>
+        <p:style>
+          <a:lnRef idx="0">
+            <a:schemeClr val="accent2"/>
+          </a:lnRef>
+          <a:fillRef idx="3">
+            <a:schemeClr val="accent2"/>
+          </a:fillRef>
+          <a:effectRef idx="3">
+            <a:schemeClr val="accent2"/>
+          </a:effectRef>
+          <a:fontRef idx="minor">
+            <a:schemeClr val="lt1"/>
+          </a:fontRef>
+        </p:style>
+        <p:txBody>
+          <a:bodyPr rtlCol="0" anchor="ctr"/>
+          <a:lstStyle/>
+          <a:p>
+            <a:pPr algn="ctr"/>
+            <a:endParaRPr lang="en-US"/>
+          </a:p>
+        </p:txBody>
+      </p:sp>
+    </p:spTree>
+    <p:extLst>
+      <p:ext uri="{BB962C8B-B14F-4D97-AF65-F5344CB8AC3E}">
+        <p14:creationId xmlns:p14="http://schemas.microsoft.com/office/powerpoint/2010/main" val="2720761631"/>
+      </p:ext>
+    </p:extLst>
+  </p:cSld>
+  <p:clrMapOvr>
+    <a:masterClrMapping/>
+  </p:clrMapOvr>
+</p:sld>
+</file>
+
+<file path=ppt/slides/slide18.xml><?xml version="1.0" encoding="utf-8"?>
+<p:sld xmlns:a="http://schemas.openxmlformats.org/drawingml/2006/main" xmlns:r="http://schemas.openxmlformats.org/officeDocument/2006/relationships" xmlns:p="http://schemas.openxmlformats.org/presentationml/2006/main">
+  <p:cSld>
+    <p:spTree>
+      <p:nvGrpSpPr>
+        <p:cNvPr id="1" name=""/>
+        <p:cNvGrpSpPr/>
+        <p:nvPr/>
+      </p:nvGrpSpPr>
+      <p:grpSpPr>
+        <a:xfrm>
+          <a:off x="0" y="0"/>
+          <a:ext cx="0" cy="0"/>
+          <a:chOff x="0" y="0"/>
+          <a:chExt cx="0" cy="0"/>
+        </a:xfrm>
+      </p:grpSpPr>
+      <p:sp>
+        <p:nvSpPr>
+          <p:cNvPr id="5" name="Oval 4">
+            <a:extLst>
+              <a:ext uri="{FF2B5EF4-FFF2-40B4-BE49-F238E27FC236}">
+                <a16:creationId xmlns:a16="http://schemas.microsoft.com/office/drawing/2014/main" id="{B45E6BC1-565F-4080-8D2D-2149FF1A3D45}"/>
+              </a:ext>
+            </a:extLst>
+          </p:cNvPr>
+          <p:cNvSpPr/>
+          <p:nvPr/>
+        </p:nvSpPr>
+        <p:spPr>
+          <a:xfrm>
+            <a:off x="2154042" y="4330887"/>
+            <a:ext cx="380990" cy="380990"/>
+          </a:xfrm>
+          <a:prstGeom prst="ellipse">
+            <a:avLst/>
+          </a:prstGeom>
+        </p:spPr>
+        <p:style>
+          <a:lnRef idx="0">
+            <a:schemeClr val="accent1"/>
+          </a:lnRef>
+          <a:fillRef idx="3">
+            <a:schemeClr val="accent1"/>
+          </a:fillRef>
+          <a:effectRef idx="3">
+            <a:schemeClr val="accent1"/>
+          </a:effectRef>
+          <a:fontRef idx="minor">
+            <a:schemeClr val="lt1"/>
+          </a:fontRef>
+        </p:style>
+        <p:txBody>
+          <a:bodyPr rtlCol="0" anchor="ctr"/>
+          <a:lstStyle/>
+          <a:p>
+            <a:pPr algn="ctr"/>
+            <a:endParaRPr lang="en-US"/>
+          </a:p>
+        </p:txBody>
+      </p:sp>
+      <p:grpSp>
+        <p:nvGrpSpPr>
+          <p:cNvPr id="6" name="Group 5">
+            <a:extLst>
+              <a:ext uri="{FF2B5EF4-FFF2-40B4-BE49-F238E27FC236}">
+                <a16:creationId xmlns:a16="http://schemas.microsoft.com/office/drawing/2014/main" id="{5D058E9A-E195-46F1-AD3E-25E8FC50B3A7}"/>
+              </a:ext>
+            </a:extLst>
+          </p:cNvPr>
+          <p:cNvGrpSpPr/>
+          <p:nvPr/>
+        </p:nvGrpSpPr>
+        <p:grpSpPr>
+          <a:xfrm>
+            <a:off x="1846184" y="3422832"/>
+            <a:ext cx="2444506" cy="1459438"/>
+            <a:chOff x="317501" y="3003545"/>
+            <a:chExt cx="2444506" cy="1459438"/>
+          </a:xfrm>
+          <a:effectLst>
+            <a:outerShdw blurRad="57150" dist="19050" dir="5400000" algn="ctr" rotWithShape="0">
+              <a:srgbClr val="000000">
+                <a:alpha val="63000"/>
+              </a:srgbClr>
+            </a:outerShdw>
+          </a:effectLst>
+        </p:grpSpPr>
+        <p:sp>
+          <p:nvSpPr>
+            <p:cNvPr id="70" name="Rectangle 69">
+              <a:extLst>
+                <a:ext uri="{FF2B5EF4-FFF2-40B4-BE49-F238E27FC236}">
+                  <a16:creationId xmlns:a16="http://schemas.microsoft.com/office/drawing/2014/main" id="{35A0CB0C-1A31-4F3E-8AA3-70F2CB397226}"/>
+                </a:ext>
+              </a:extLst>
+            </p:cNvPr>
+            <p:cNvSpPr/>
+            <p:nvPr/>
+          </p:nvSpPr>
+          <p:spPr>
+            <a:xfrm>
+              <a:off x="317501" y="3003545"/>
+              <a:ext cx="82550" cy="1459438"/>
+            </a:xfrm>
+            <a:prstGeom prst="rect">
+              <a:avLst/>
+            </a:prstGeom>
+            <a:solidFill>
+              <a:schemeClr val="tx1"/>
+            </a:solidFill>
+            <a:ln>
+              <a:solidFill>
+                <a:schemeClr val="tx1"/>
+              </a:solidFill>
+            </a:ln>
+          </p:spPr>
+          <p:style>
+            <a:lnRef idx="2">
+              <a:schemeClr val="accent1">
+                <a:shade val="50000"/>
+              </a:schemeClr>
+            </a:lnRef>
+            <a:fillRef idx="1">
+              <a:schemeClr val="accent1"/>
+            </a:fillRef>
+            <a:effectRef idx="0">
+              <a:schemeClr val="accent1"/>
+            </a:effectRef>
+            <a:fontRef idx="minor">
+              <a:schemeClr val="lt1"/>
+            </a:fontRef>
+          </p:style>
+          <p:txBody>
+            <a:bodyPr rtlCol="0" anchor="ctr"/>
+            <a:lstStyle/>
+            <a:p>
+              <a:pPr algn="ctr"/>
+              <a:endParaRPr lang="en-US"/>
+            </a:p>
+          </p:txBody>
+        </p:sp>
+        <p:sp>
+          <p:nvSpPr>
+            <p:cNvPr id="71" name="Rectangle 70">
+              <a:extLst>
+                <a:ext uri="{FF2B5EF4-FFF2-40B4-BE49-F238E27FC236}">
+                  <a16:creationId xmlns:a16="http://schemas.microsoft.com/office/drawing/2014/main" id="{DAFA378E-16C5-4C56-87BD-267D59B54FB0}"/>
+                </a:ext>
+              </a:extLst>
+            </p:cNvPr>
+            <p:cNvSpPr/>
+            <p:nvPr/>
+          </p:nvSpPr>
+          <p:spPr>
+            <a:xfrm>
+              <a:off x="2679457" y="3003545"/>
+              <a:ext cx="82550" cy="1459438"/>
+            </a:xfrm>
+            <a:prstGeom prst="rect">
+              <a:avLst/>
+            </a:prstGeom>
+            <a:solidFill>
+              <a:schemeClr val="tx1"/>
+            </a:solidFill>
+            <a:ln>
+              <a:solidFill>
+                <a:schemeClr val="tx1"/>
+              </a:solidFill>
+            </a:ln>
+          </p:spPr>
+          <p:style>
+            <a:lnRef idx="2">
+              <a:schemeClr val="accent1">
+                <a:shade val="50000"/>
+              </a:schemeClr>
+            </a:lnRef>
+            <a:fillRef idx="1">
+              <a:schemeClr val="accent1"/>
+            </a:fillRef>
+            <a:effectRef idx="0">
+              <a:schemeClr val="accent1"/>
+            </a:effectRef>
+            <a:fontRef idx="minor">
+              <a:schemeClr val="lt1"/>
+            </a:fontRef>
+          </p:style>
+          <p:txBody>
+            <a:bodyPr rtlCol="0" anchor="ctr"/>
+            <a:lstStyle/>
+            <a:p>
+              <a:pPr algn="ctr"/>
+              <a:endParaRPr lang="en-US"/>
+            </a:p>
+          </p:txBody>
+        </p:sp>
+        <p:sp>
+          <p:nvSpPr>
+            <p:cNvPr id="72" name="Rectangle 71">
+              <a:extLst>
+                <a:ext uri="{FF2B5EF4-FFF2-40B4-BE49-F238E27FC236}">
+                  <a16:creationId xmlns:a16="http://schemas.microsoft.com/office/drawing/2014/main" id="{E1A0A724-726B-4317-B119-64D0DBFF87F0}"/>
+                </a:ext>
+              </a:extLst>
+            </p:cNvPr>
+            <p:cNvSpPr/>
+            <p:nvPr/>
+          </p:nvSpPr>
+          <p:spPr>
+            <a:xfrm rot="16200000">
+              <a:off x="1498479" y="3199455"/>
+              <a:ext cx="82550" cy="2444506"/>
+            </a:xfrm>
+            <a:prstGeom prst="rect">
+              <a:avLst/>
+            </a:prstGeom>
+            <a:solidFill>
+              <a:schemeClr val="tx1"/>
+            </a:solidFill>
+            <a:ln>
+              <a:solidFill>
+                <a:schemeClr val="tx1"/>
+              </a:solidFill>
+            </a:ln>
+          </p:spPr>
+          <p:style>
+            <a:lnRef idx="2">
+              <a:schemeClr val="accent1">
+                <a:shade val="50000"/>
+              </a:schemeClr>
+            </a:lnRef>
+            <a:fillRef idx="1">
+              <a:schemeClr val="accent1"/>
+            </a:fillRef>
+            <a:effectRef idx="0">
+              <a:schemeClr val="accent1"/>
+            </a:effectRef>
+            <a:fontRef idx="minor">
+              <a:schemeClr val="lt1"/>
+            </a:fontRef>
+          </p:style>
+          <p:txBody>
+            <a:bodyPr rtlCol="0" anchor="ctr"/>
+            <a:lstStyle/>
+            <a:p>
+              <a:pPr algn="ctr"/>
+              <a:endParaRPr lang="en-US"/>
+            </a:p>
+          </p:txBody>
+        </p:sp>
+      </p:grpSp>
+      <p:sp>
+        <p:nvSpPr>
+          <p:cNvPr id="7" name="Oval 6">
+            <a:extLst>
+              <a:ext uri="{FF2B5EF4-FFF2-40B4-BE49-F238E27FC236}">
+                <a16:creationId xmlns:a16="http://schemas.microsoft.com/office/drawing/2014/main" id="{0293F5FA-44DD-4B7F-95CD-084E82AB4E59}"/>
+              </a:ext>
+            </a:extLst>
+          </p:cNvPr>
+          <p:cNvSpPr/>
+          <p:nvPr/>
+        </p:nvSpPr>
+        <p:spPr>
+          <a:xfrm>
+            <a:off x="2636642" y="4330887"/>
+            <a:ext cx="380990" cy="380990"/>
+          </a:xfrm>
+          <a:prstGeom prst="ellipse">
+            <a:avLst/>
+          </a:prstGeom>
+        </p:spPr>
+        <p:style>
+          <a:lnRef idx="0">
+            <a:schemeClr val="accent1"/>
+          </a:lnRef>
+          <a:fillRef idx="3">
+            <a:schemeClr val="accent1"/>
+          </a:fillRef>
+          <a:effectRef idx="3">
+            <a:schemeClr val="accent1"/>
+          </a:effectRef>
+          <a:fontRef idx="minor">
+            <a:schemeClr val="lt1"/>
+          </a:fontRef>
+        </p:style>
+        <p:txBody>
+          <a:bodyPr rtlCol="0" anchor="ctr"/>
+          <a:lstStyle/>
+          <a:p>
+            <a:pPr algn="ctr"/>
+            <a:endParaRPr lang="en-US"/>
+          </a:p>
+        </p:txBody>
+      </p:sp>
+      <p:sp>
+        <p:nvSpPr>
+          <p:cNvPr id="8" name="Oval 7">
+            <a:extLst>
+              <a:ext uri="{FF2B5EF4-FFF2-40B4-BE49-F238E27FC236}">
+                <a16:creationId xmlns:a16="http://schemas.microsoft.com/office/drawing/2014/main" id="{DAE12D08-2D5A-4BD0-97E8-3AB5E0AC457D}"/>
+              </a:ext>
+            </a:extLst>
+          </p:cNvPr>
+          <p:cNvSpPr/>
+          <p:nvPr/>
+        </p:nvSpPr>
+        <p:spPr>
+          <a:xfrm>
+            <a:off x="3119242" y="4330887"/>
+            <a:ext cx="380990" cy="380990"/>
+          </a:xfrm>
+          <a:prstGeom prst="ellipse">
+            <a:avLst/>
+          </a:prstGeom>
+        </p:spPr>
+        <p:style>
+          <a:lnRef idx="0">
+            <a:schemeClr val="accent1"/>
+          </a:lnRef>
+          <a:fillRef idx="3">
+            <a:schemeClr val="accent1"/>
+          </a:fillRef>
+          <a:effectRef idx="3">
+            <a:schemeClr val="accent1"/>
+          </a:effectRef>
+          <a:fontRef idx="minor">
+            <a:schemeClr val="lt1"/>
+          </a:fontRef>
+        </p:style>
+        <p:txBody>
+          <a:bodyPr rtlCol="0" anchor="ctr"/>
+          <a:lstStyle/>
+          <a:p>
+            <a:pPr algn="ctr"/>
+            <a:endParaRPr lang="en-US"/>
+          </a:p>
+        </p:txBody>
+      </p:sp>
+      <p:sp>
+        <p:nvSpPr>
+          <p:cNvPr id="9" name="Oval 8">
+            <a:extLst>
+              <a:ext uri="{FF2B5EF4-FFF2-40B4-BE49-F238E27FC236}">
+                <a16:creationId xmlns:a16="http://schemas.microsoft.com/office/drawing/2014/main" id="{01655228-4B5C-4D1B-BB04-9F59F1EA6763}"/>
+              </a:ext>
+            </a:extLst>
+          </p:cNvPr>
+          <p:cNvSpPr/>
+          <p:nvPr/>
+        </p:nvSpPr>
+        <p:spPr>
+          <a:xfrm>
+            <a:off x="3601842" y="4330887"/>
+            <a:ext cx="380990" cy="380990"/>
+          </a:xfrm>
+          <a:prstGeom prst="ellipse">
+            <a:avLst/>
+          </a:prstGeom>
+        </p:spPr>
+        <p:style>
+          <a:lnRef idx="0">
+            <a:schemeClr val="accent1"/>
+          </a:lnRef>
+          <a:fillRef idx="3">
+            <a:schemeClr val="accent1"/>
+          </a:fillRef>
+          <a:effectRef idx="3">
+            <a:schemeClr val="accent1"/>
+          </a:effectRef>
+          <a:fontRef idx="minor">
+            <a:schemeClr val="lt1"/>
+          </a:fontRef>
+        </p:style>
+        <p:txBody>
+          <a:bodyPr rtlCol="0" anchor="ctr"/>
+          <a:lstStyle/>
+          <a:p>
+            <a:pPr algn="ctr"/>
+            <a:endParaRPr lang="en-US"/>
+          </a:p>
+        </p:txBody>
+      </p:sp>
+      <p:sp>
+        <p:nvSpPr>
+          <p:cNvPr id="10" name="Oval 9">
+            <a:extLst>
+              <a:ext uri="{FF2B5EF4-FFF2-40B4-BE49-F238E27FC236}">
+                <a16:creationId xmlns:a16="http://schemas.microsoft.com/office/drawing/2014/main" id="{B2C1C399-F6BE-4290-AF86-2941542B0317}"/>
+              </a:ext>
+            </a:extLst>
+          </p:cNvPr>
+          <p:cNvSpPr/>
+          <p:nvPr/>
+        </p:nvSpPr>
+        <p:spPr>
+          <a:xfrm>
+            <a:off x="5122296" y="4330887"/>
+            <a:ext cx="380990" cy="380990"/>
+          </a:xfrm>
+          <a:prstGeom prst="ellipse">
+            <a:avLst/>
+          </a:prstGeom>
+        </p:spPr>
+        <p:style>
+          <a:lnRef idx="0">
+            <a:schemeClr val="accent1"/>
+          </a:lnRef>
+          <a:fillRef idx="3">
+            <a:schemeClr val="accent1"/>
+          </a:fillRef>
+          <a:effectRef idx="3">
+            <a:schemeClr val="accent1"/>
+          </a:effectRef>
+          <a:fontRef idx="minor">
+            <a:schemeClr val="lt1"/>
+          </a:fontRef>
+        </p:style>
+        <p:txBody>
+          <a:bodyPr rtlCol="0" anchor="ctr"/>
+          <a:lstStyle/>
+          <a:p>
+            <a:pPr algn="ctr"/>
+            <a:endParaRPr lang="en-US"/>
+          </a:p>
+        </p:txBody>
+      </p:sp>
+      <p:grpSp>
+        <p:nvGrpSpPr>
+          <p:cNvPr id="11" name="Group 10">
+            <a:extLst>
+              <a:ext uri="{FF2B5EF4-FFF2-40B4-BE49-F238E27FC236}">
+                <a16:creationId xmlns:a16="http://schemas.microsoft.com/office/drawing/2014/main" id="{CA2762E6-1EE4-4EF8-8273-B5295310985E}"/>
+              </a:ext>
+            </a:extLst>
+          </p:cNvPr>
+          <p:cNvGrpSpPr/>
+          <p:nvPr/>
+        </p:nvGrpSpPr>
+        <p:grpSpPr>
+          <a:xfrm>
+            <a:off x="4814438" y="3422832"/>
+            <a:ext cx="2444506" cy="1459438"/>
+            <a:chOff x="3285755" y="3003545"/>
+            <a:chExt cx="2444506" cy="1459438"/>
+          </a:xfrm>
+          <a:effectLst>
+            <a:outerShdw blurRad="57150" dist="19050" dir="5400000" algn="ctr" rotWithShape="0">
+              <a:srgbClr val="000000">
+                <a:alpha val="63000"/>
+              </a:srgbClr>
+            </a:outerShdw>
+          </a:effectLst>
+        </p:grpSpPr>
+        <p:sp>
+          <p:nvSpPr>
+            <p:cNvPr id="67" name="Rectangle 66">
+              <a:extLst>
+                <a:ext uri="{FF2B5EF4-FFF2-40B4-BE49-F238E27FC236}">
+                  <a16:creationId xmlns:a16="http://schemas.microsoft.com/office/drawing/2014/main" id="{0F2B172E-E6D6-4D57-B33B-9FBA76EEFA4B}"/>
+                </a:ext>
+              </a:extLst>
+            </p:cNvPr>
+            <p:cNvSpPr/>
+            <p:nvPr/>
+          </p:nvSpPr>
+          <p:spPr>
+            <a:xfrm>
+              <a:off x="3285755" y="3003545"/>
+              <a:ext cx="82550" cy="1459438"/>
+            </a:xfrm>
+            <a:prstGeom prst="rect">
+              <a:avLst/>
+            </a:prstGeom>
+            <a:solidFill>
+              <a:schemeClr val="tx1"/>
+            </a:solidFill>
+            <a:ln>
+              <a:solidFill>
+                <a:schemeClr val="tx1"/>
+              </a:solidFill>
+            </a:ln>
+          </p:spPr>
+          <p:style>
+            <a:lnRef idx="2">
+              <a:schemeClr val="accent1">
+                <a:shade val="50000"/>
+              </a:schemeClr>
+            </a:lnRef>
+            <a:fillRef idx="1">
+              <a:schemeClr val="accent1"/>
+            </a:fillRef>
+            <a:effectRef idx="0">
+              <a:schemeClr val="accent1"/>
+            </a:effectRef>
+            <a:fontRef idx="minor">
+              <a:schemeClr val="lt1"/>
+            </a:fontRef>
+          </p:style>
+          <p:txBody>
+            <a:bodyPr rtlCol="0" anchor="ctr"/>
+            <a:lstStyle/>
+            <a:p>
+              <a:pPr algn="ctr"/>
+              <a:endParaRPr lang="en-US"/>
+            </a:p>
+          </p:txBody>
+        </p:sp>
+        <p:sp>
+          <p:nvSpPr>
+            <p:cNvPr id="68" name="Rectangle 67">
+              <a:extLst>
+                <a:ext uri="{FF2B5EF4-FFF2-40B4-BE49-F238E27FC236}">
+                  <a16:creationId xmlns:a16="http://schemas.microsoft.com/office/drawing/2014/main" id="{936BB341-722F-4844-8350-F2B8539CB233}"/>
+                </a:ext>
+              </a:extLst>
+            </p:cNvPr>
+            <p:cNvSpPr/>
+            <p:nvPr/>
+          </p:nvSpPr>
+          <p:spPr>
+            <a:xfrm>
+              <a:off x="5647711" y="3003545"/>
+              <a:ext cx="82550" cy="1459438"/>
+            </a:xfrm>
+            <a:prstGeom prst="rect">
+              <a:avLst/>
+            </a:prstGeom>
+            <a:solidFill>
+              <a:schemeClr val="tx1"/>
+            </a:solidFill>
+            <a:ln>
+              <a:solidFill>
+                <a:schemeClr val="tx1"/>
+              </a:solidFill>
+            </a:ln>
+          </p:spPr>
+          <p:style>
+            <a:lnRef idx="2">
+              <a:schemeClr val="accent1">
+                <a:shade val="50000"/>
+              </a:schemeClr>
+            </a:lnRef>
+            <a:fillRef idx="1">
+              <a:schemeClr val="accent1"/>
+            </a:fillRef>
+            <a:effectRef idx="0">
+              <a:schemeClr val="accent1"/>
+            </a:effectRef>
+            <a:fontRef idx="minor">
+              <a:schemeClr val="lt1"/>
+            </a:fontRef>
+          </p:style>
+          <p:txBody>
+            <a:bodyPr rtlCol="0" anchor="ctr"/>
+            <a:lstStyle/>
+            <a:p>
+              <a:pPr algn="ctr"/>
+              <a:endParaRPr lang="en-US"/>
+            </a:p>
+          </p:txBody>
+        </p:sp>
+        <p:sp>
+          <p:nvSpPr>
+            <p:cNvPr id="69" name="Rectangle 68">
+              <a:extLst>
+                <a:ext uri="{FF2B5EF4-FFF2-40B4-BE49-F238E27FC236}">
+                  <a16:creationId xmlns:a16="http://schemas.microsoft.com/office/drawing/2014/main" id="{9F780958-1666-4CDA-A44D-F2D24A2FC243}"/>
+                </a:ext>
+              </a:extLst>
+            </p:cNvPr>
+            <p:cNvSpPr/>
+            <p:nvPr/>
+          </p:nvSpPr>
+          <p:spPr>
+            <a:xfrm rot="16200000">
+              <a:off x="4466733" y="3199455"/>
+              <a:ext cx="82550" cy="2444506"/>
+            </a:xfrm>
+            <a:prstGeom prst="rect">
+              <a:avLst/>
+            </a:prstGeom>
+            <a:solidFill>
+              <a:schemeClr val="tx1"/>
+            </a:solidFill>
+            <a:ln>
+              <a:solidFill>
+                <a:schemeClr val="tx1"/>
+              </a:solidFill>
+            </a:ln>
+          </p:spPr>
+          <p:style>
+            <a:lnRef idx="2">
+              <a:schemeClr val="accent1">
+                <a:shade val="50000"/>
+              </a:schemeClr>
+            </a:lnRef>
+            <a:fillRef idx="1">
+              <a:schemeClr val="accent1"/>
+            </a:fillRef>
+            <a:effectRef idx="0">
+              <a:schemeClr val="accent1"/>
+            </a:effectRef>
+            <a:fontRef idx="minor">
+              <a:schemeClr val="lt1"/>
+            </a:fontRef>
+          </p:style>
+          <p:txBody>
+            <a:bodyPr rtlCol="0" anchor="ctr"/>
+            <a:lstStyle/>
+            <a:p>
+              <a:pPr algn="ctr"/>
+              <a:endParaRPr lang="en-US"/>
+            </a:p>
+          </p:txBody>
+        </p:sp>
+      </p:grpSp>
+      <p:sp>
+        <p:nvSpPr>
+          <p:cNvPr id="12" name="Oval 11">
+            <a:extLst>
+              <a:ext uri="{FF2B5EF4-FFF2-40B4-BE49-F238E27FC236}">
+                <a16:creationId xmlns:a16="http://schemas.microsoft.com/office/drawing/2014/main" id="{4BE89E65-4ED3-483B-B159-A264EC1F8FC3}"/>
+              </a:ext>
+            </a:extLst>
+          </p:cNvPr>
+          <p:cNvSpPr/>
+          <p:nvPr/>
+        </p:nvSpPr>
+        <p:spPr>
+          <a:xfrm>
+            <a:off x="5604896" y="4330887"/>
+            <a:ext cx="380990" cy="380990"/>
+          </a:xfrm>
+          <a:prstGeom prst="ellipse">
+            <a:avLst/>
+          </a:prstGeom>
+        </p:spPr>
+        <p:style>
+          <a:lnRef idx="0">
+            <a:schemeClr val="accent1"/>
+          </a:lnRef>
+          <a:fillRef idx="3">
+            <a:schemeClr val="accent1"/>
+          </a:fillRef>
+          <a:effectRef idx="3">
+            <a:schemeClr val="accent1"/>
+          </a:effectRef>
+          <a:fontRef idx="minor">
+            <a:schemeClr val="lt1"/>
+          </a:fontRef>
+        </p:style>
+        <p:txBody>
+          <a:bodyPr rtlCol="0" anchor="ctr"/>
+          <a:lstStyle/>
+          <a:p>
+            <a:pPr algn="ctr"/>
+            <a:endParaRPr lang="en-US"/>
+          </a:p>
+        </p:txBody>
+      </p:sp>
+      <p:sp>
+        <p:nvSpPr>
+          <p:cNvPr id="13" name="Oval 12">
+            <a:extLst>
+              <a:ext uri="{FF2B5EF4-FFF2-40B4-BE49-F238E27FC236}">
+                <a16:creationId xmlns:a16="http://schemas.microsoft.com/office/drawing/2014/main" id="{BD99ACFE-2E64-4CD9-9936-66476455F0BB}"/>
+              </a:ext>
+            </a:extLst>
+          </p:cNvPr>
+          <p:cNvSpPr/>
+          <p:nvPr/>
+        </p:nvSpPr>
+        <p:spPr>
+          <a:xfrm>
+            <a:off x="6087496" y="4330887"/>
+            <a:ext cx="380990" cy="380990"/>
+          </a:xfrm>
+          <a:prstGeom prst="ellipse">
+            <a:avLst/>
+          </a:prstGeom>
+        </p:spPr>
+        <p:style>
+          <a:lnRef idx="0">
+            <a:schemeClr val="accent1"/>
+          </a:lnRef>
+          <a:fillRef idx="3">
+            <a:schemeClr val="accent1"/>
+          </a:fillRef>
+          <a:effectRef idx="3">
+            <a:schemeClr val="accent1"/>
+          </a:effectRef>
+          <a:fontRef idx="minor">
+            <a:schemeClr val="lt1"/>
+          </a:fontRef>
+        </p:style>
+        <p:txBody>
+          <a:bodyPr rtlCol="0" anchor="ctr"/>
+          <a:lstStyle/>
+          <a:p>
+            <a:pPr algn="ctr"/>
+            <a:endParaRPr lang="en-US"/>
+          </a:p>
+        </p:txBody>
+      </p:sp>
+      <p:sp>
+        <p:nvSpPr>
+          <p:cNvPr id="14" name="Oval 13">
+            <a:extLst>
+              <a:ext uri="{FF2B5EF4-FFF2-40B4-BE49-F238E27FC236}">
+                <a16:creationId xmlns:a16="http://schemas.microsoft.com/office/drawing/2014/main" id="{ED86BBD8-B941-4FA4-983E-0015C4413052}"/>
+              </a:ext>
+            </a:extLst>
+          </p:cNvPr>
+          <p:cNvSpPr/>
+          <p:nvPr/>
+        </p:nvSpPr>
+        <p:spPr>
+          <a:xfrm>
+            <a:off x="6570096" y="4330887"/>
+            <a:ext cx="380990" cy="380990"/>
+          </a:xfrm>
+          <a:prstGeom prst="ellipse">
+            <a:avLst/>
+          </a:prstGeom>
+        </p:spPr>
+        <p:style>
+          <a:lnRef idx="0">
+            <a:schemeClr val="accent2"/>
+          </a:lnRef>
+          <a:fillRef idx="3">
+            <a:schemeClr val="accent2"/>
+          </a:fillRef>
+          <a:effectRef idx="3">
+            <a:schemeClr val="accent2"/>
+          </a:effectRef>
+          <a:fontRef idx="minor">
+            <a:schemeClr val="lt1"/>
+          </a:fontRef>
+        </p:style>
+        <p:txBody>
+          <a:bodyPr rtlCol="0" anchor="ctr"/>
+          <a:lstStyle/>
+          <a:p>
+            <a:pPr algn="ctr"/>
+            <a:endParaRPr lang="en-US"/>
+          </a:p>
+        </p:txBody>
+      </p:sp>
+      <p:sp>
+        <p:nvSpPr>
+          <p:cNvPr id="15" name="Oval 14">
+            <a:extLst>
+              <a:ext uri="{FF2B5EF4-FFF2-40B4-BE49-F238E27FC236}">
+                <a16:creationId xmlns:a16="http://schemas.microsoft.com/office/drawing/2014/main" id="{BE5B0D41-327B-40AD-849B-AE9E7DBB8B9E}"/>
+              </a:ext>
+            </a:extLst>
+          </p:cNvPr>
+          <p:cNvSpPr/>
+          <p:nvPr/>
+        </p:nvSpPr>
+        <p:spPr>
+          <a:xfrm>
+            <a:off x="8096413" y="4330887"/>
+            <a:ext cx="380990" cy="380990"/>
+          </a:xfrm>
+          <a:prstGeom prst="ellipse">
+            <a:avLst/>
+          </a:prstGeom>
+        </p:spPr>
+        <p:style>
+          <a:lnRef idx="0">
+            <a:schemeClr val="accent1"/>
+          </a:lnRef>
+          <a:fillRef idx="3">
+            <a:schemeClr val="accent1"/>
+          </a:fillRef>
+          <a:effectRef idx="3">
+            <a:schemeClr val="accent1"/>
+          </a:effectRef>
+          <a:fontRef idx="minor">
+            <a:schemeClr val="lt1"/>
+          </a:fontRef>
+        </p:style>
+        <p:txBody>
+          <a:bodyPr rtlCol="0" anchor="ctr"/>
+          <a:lstStyle/>
+          <a:p>
+            <a:pPr algn="ctr"/>
+            <a:endParaRPr lang="en-US"/>
+          </a:p>
+        </p:txBody>
+      </p:sp>
+      <p:grpSp>
+        <p:nvGrpSpPr>
+          <p:cNvPr id="16" name="Group 15">
+            <a:extLst>
+              <a:ext uri="{FF2B5EF4-FFF2-40B4-BE49-F238E27FC236}">
+                <a16:creationId xmlns:a16="http://schemas.microsoft.com/office/drawing/2014/main" id="{976FFCE7-CC40-49FF-A873-99002BFCEDC8}"/>
+              </a:ext>
+            </a:extLst>
+          </p:cNvPr>
+          <p:cNvGrpSpPr/>
+          <p:nvPr/>
+        </p:nvGrpSpPr>
+        <p:grpSpPr>
+          <a:xfrm>
+            <a:off x="7788555" y="3422832"/>
+            <a:ext cx="2444506" cy="1459438"/>
+            <a:chOff x="6259872" y="3003545"/>
+            <a:chExt cx="2444506" cy="1459438"/>
+          </a:xfrm>
+          <a:effectLst>
+            <a:outerShdw blurRad="57150" dist="19050" dir="5400000" algn="ctr" rotWithShape="0">
+              <a:srgbClr val="000000">
+                <a:alpha val="63000"/>
+              </a:srgbClr>
+            </a:outerShdw>
+          </a:effectLst>
+        </p:grpSpPr>
+        <p:sp>
+          <p:nvSpPr>
+            <p:cNvPr id="64" name="Rectangle 63">
+              <a:extLst>
+                <a:ext uri="{FF2B5EF4-FFF2-40B4-BE49-F238E27FC236}">
+                  <a16:creationId xmlns:a16="http://schemas.microsoft.com/office/drawing/2014/main" id="{26457F30-B0B7-4AF6-A740-DC52848632D0}"/>
+                </a:ext>
+              </a:extLst>
+            </p:cNvPr>
+            <p:cNvSpPr/>
+            <p:nvPr/>
+          </p:nvSpPr>
+          <p:spPr>
+            <a:xfrm>
+              <a:off x="6259872" y="3003545"/>
+              <a:ext cx="82550" cy="1459438"/>
+            </a:xfrm>
+            <a:prstGeom prst="rect">
+              <a:avLst/>
+            </a:prstGeom>
+            <a:solidFill>
+              <a:schemeClr val="tx1"/>
+            </a:solidFill>
+            <a:ln>
+              <a:solidFill>
+                <a:schemeClr val="tx1"/>
+              </a:solidFill>
+            </a:ln>
+          </p:spPr>
+          <p:style>
+            <a:lnRef idx="2">
+              <a:schemeClr val="accent1">
+                <a:shade val="50000"/>
+              </a:schemeClr>
+            </a:lnRef>
+            <a:fillRef idx="1">
+              <a:schemeClr val="accent1"/>
+            </a:fillRef>
+            <a:effectRef idx="0">
+              <a:schemeClr val="accent1"/>
+            </a:effectRef>
+            <a:fontRef idx="minor">
+              <a:schemeClr val="lt1"/>
+            </a:fontRef>
+          </p:style>
+          <p:txBody>
+            <a:bodyPr rtlCol="0" anchor="ctr"/>
+            <a:lstStyle/>
+            <a:p>
+              <a:pPr algn="ctr"/>
+              <a:endParaRPr lang="en-US"/>
+            </a:p>
+          </p:txBody>
+        </p:sp>
+        <p:sp>
+          <p:nvSpPr>
+            <p:cNvPr id="65" name="Rectangle 64">
+              <a:extLst>
+                <a:ext uri="{FF2B5EF4-FFF2-40B4-BE49-F238E27FC236}">
+                  <a16:creationId xmlns:a16="http://schemas.microsoft.com/office/drawing/2014/main" id="{0A3AA708-E881-4AFA-9C43-5DFEEC86D647}"/>
+                </a:ext>
+              </a:extLst>
+            </p:cNvPr>
+            <p:cNvSpPr/>
+            <p:nvPr/>
+          </p:nvSpPr>
+          <p:spPr>
+            <a:xfrm>
+              <a:off x="8621828" y="3003545"/>
+              <a:ext cx="82550" cy="1459438"/>
+            </a:xfrm>
+            <a:prstGeom prst="rect">
+              <a:avLst/>
+            </a:prstGeom>
+            <a:solidFill>
+              <a:schemeClr val="tx1"/>
+            </a:solidFill>
+            <a:ln>
+              <a:solidFill>
+                <a:schemeClr val="tx1"/>
+              </a:solidFill>
+            </a:ln>
+          </p:spPr>
+          <p:style>
+            <a:lnRef idx="2">
+              <a:schemeClr val="accent1">
+                <a:shade val="50000"/>
+              </a:schemeClr>
+            </a:lnRef>
+            <a:fillRef idx="1">
+              <a:schemeClr val="accent1"/>
+            </a:fillRef>
+            <a:effectRef idx="0">
+              <a:schemeClr val="accent1"/>
+            </a:effectRef>
+            <a:fontRef idx="minor">
+              <a:schemeClr val="lt1"/>
+            </a:fontRef>
+          </p:style>
+          <p:txBody>
+            <a:bodyPr rtlCol="0" anchor="ctr"/>
+            <a:lstStyle/>
+            <a:p>
+              <a:pPr algn="ctr"/>
+              <a:endParaRPr lang="en-US"/>
+            </a:p>
+          </p:txBody>
+        </p:sp>
+        <p:sp>
+          <p:nvSpPr>
+            <p:cNvPr id="66" name="Rectangle 65">
+              <a:extLst>
+                <a:ext uri="{FF2B5EF4-FFF2-40B4-BE49-F238E27FC236}">
+                  <a16:creationId xmlns:a16="http://schemas.microsoft.com/office/drawing/2014/main" id="{55ABC7B1-066F-40D2-9949-31011D1E1693}"/>
+                </a:ext>
+              </a:extLst>
+            </p:cNvPr>
+            <p:cNvSpPr/>
+            <p:nvPr/>
+          </p:nvSpPr>
+          <p:spPr>
+            <a:xfrm rot="16200000">
+              <a:off x="7440850" y="3199455"/>
+              <a:ext cx="82550" cy="2444506"/>
+            </a:xfrm>
+            <a:prstGeom prst="rect">
+              <a:avLst/>
+            </a:prstGeom>
+            <a:solidFill>
+              <a:schemeClr val="tx1"/>
+            </a:solidFill>
+            <a:ln>
+              <a:solidFill>
+                <a:schemeClr val="tx1"/>
+              </a:solidFill>
+            </a:ln>
+          </p:spPr>
+          <p:style>
+            <a:lnRef idx="2">
+              <a:schemeClr val="accent1">
+                <a:shade val="50000"/>
+              </a:schemeClr>
+            </a:lnRef>
+            <a:fillRef idx="1">
+              <a:schemeClr val="accent1"/>
+            </a:fillRef>
+            <a:effectRef idx="0">
+              <a:schemeClr val="accent1"/>
+            </a:effectRef>
+            <a:fontRef idx="minor">
+              <a:schemeClr val="lt1"/>
+            </a:fontRef>
+          </p:style>
+          <p:txBody>
+            <a:bodyPr rtlCol="0" anchor="ctr"/>
+            <a:lstStyle/>
+            <a:p>
+              <a:pPr algn="ctr"/>
+              <a:endParaRPr lang="en-US"/>
+            </a:p>
+          </p:txBody>
+        </p:sp>
+      </p:grpSp>
+      <p:sp>
+        <p:nvSpPr>
+          <p:cNvPr id="17" name="Oval 16">
+            <a:extLst>
+              <a:ext uri="{FF2B5EF4-FFF2-40B4-BE49-F238E27FC236}">
+                <a16:creationId xmlns:a16="http://schemas.microsoft.com/office/drawing/2014/main" id="{22447645-F40B-4FE4-A8B5-A25D4006AA5A}"/>
+              </a:ext>
+            </a:extLst>
+          </p:cNvPr>
+          <p:cNvSpPr/>
+          <p:nvPr/>
+        </p:nvSpPr>
+        <p:spPr>
+          <a:xfrm>
+            <a:off x="8579013" y="4330887"/>
+            <a:ext cx="380990" cy="380990"/>
+          </a:xfrm>
+          <a:prstGeom prst="ellipse">
+            <a:avLst/>
+          </a:prstGeom>
+        </p:spPr>
+        <p:style>
+          <a:lnRef idx="0">
+            <a:schemeClr val="accent1"/>
+          </a:lnRef>
+          <a:fillRef idx="3">
+            <a:schemeClr val="accent1"/>
+          </a:fillRef>
+          <a:effectRef idx="3">
+            <a:schemeClr val="accent1"/>
+          </a:effectRef>
+          <a:fontRef idx="minor">
+            <a:schemeClr val="lt1"/>
+          </a:fontRef>
+        </p:style>
+        <p:txBody>
+          <a:bodyPr rtlCol="0" anchor="ctr"/>
+          <a:lstStyle/>
+          <a:p>
+            <a:pPr algn="ctr"/>
+            <a:endParaRPr lang="en-US"/>
+          </a:p>
+        </p:txBody>
+      </p:sp>
+      <p:sp>
+        <p:nvSpPr>
+          <p:cNvPr id="18" name="Oval 17">
+            <a:extLst>
+              <a:ext uri="{FF2B5EF4-FFF2-40B4-BE49-F238E27FC236}">
+                <a16:creationId xmlns:a16="http://schemas.microsoft.com/office/drawing/2014/main" id="{9474C7AC-6B25-4309-A44C-DACE7E3B4D84}"/>
+              </a:ext>
+            </a:extLst>
+          </p:cNvPr>
+          <p:cNvSpPr/>
+          <p:nvPr/>
+        </p:nvSpPr>
+        <p:spPr>
+          <a:xfrm>
+            <a:off x="9061613" y="4330887"/>
+            <a:ext cx="380990" cy="380990"/>
+          </a:xfrm>
+          <a:prstGeom prst="ellipse">
+            <a:avLst/>
+          </a:prstGeom>
+        </p:spPr>
+        <p:style>
+          <a:lnRef idx="0">
+            <a:schemeClr val="accent2"/>
+          </a:lnRef>
+          <a:fillRef idx="3">
+            <a:schemeClr val="accent2"/>
+          </a:fillRef>
+          <a:effectRef idx="3">
+            <a:schemeClr val="accent2"/>
+          </a:effectRef>
+          <a:fontRef idx="minor">
+            <a:schemeClr val="lt1"/>
+          </a:fontRef>
+        </p:style>
+        <p:txBody>
+          <a:bodyPr rtlCol="0" anchor="ctr"/>
+          <a:lstStyle/>
+          <a:p>
+            <a:pPr algn="ctr"/>
+            <a:endParaRPr lang="en-US"/>
+          </a:p>
+        </p:txBody>
+      </p:sp>
+      <p:sp>
+        <p:nvSpPr>
+          <p:cNvPr id="19" name="Oval 18">
+            <a:extLst>
+              <a:ext uri="{FF2B5EF4-FFF2-40B4-BE49-F238E27FC236}">
+                <a16:creationId xmlns:a16="http://schemas.microsoft.com/office/drawing/2014/main" id="{71B42F7C-E37F-4BB5-8BAC-00A4DCEB47C5}"/>
+              </a:ext>
+            </a:extLst>
+          </p:cNvPr>
+          <p:cNvSpPr/>
+          <p:nvPr/>
+        </p:nvSpPr>
+        <p:spPr>
+          <a:xfrm>
+            <a:off x="9544213" y="4330887"/>
+            <a:ext cx="380990" cy="380990"/>
+          </a:xfrm>
+          <a:prstGeom prst="ellipse">
+            <a:avLst/>
+          </a:prstGeom>
+        </p:spPr>
+        <p:style>
+          <a:lnRef idx="0">
+            <a:schemeClr val="accent2"/>
+          </a:lnRef>
+          <a:fillRef idx="3">
+            <a:schemeClr val="accent2"/>
+          </a:fillRef>
+          <a:effectRef idx="3">
+            <a:schemeClr val="accent2"/>
+          </a:effectRef>
+          <a:fontRef idx="minor">
+            <a:schemeClr val="lt1"/>
+          </a:fontRef>
+        </p:style>
+        <p:txBody>
+          <a:bodyPr rtlCol="0" anchor="ctr"/>
+          <a:lstStyle/>
+          <a:p>
+            <a:pPr algn="ctr"/>
+            <a:endParaRPr lang="en-US"/>
+          </a:p>
+        </p:txBody>
+      </p:sp>
+      <p:sp>
+        <p:nvSpPr>
+          <p:cNvPr id="20" name="Oval 19">
+            <a:extLst>
+              <a:ext uri="{FF2B5EF4-FFF2-40B4-BE49-F238E27FC236}">
+                <a16:creationId xmlns:a16="http://schemas.microsoft.com/office/drawing/2014/main" id="{7F21793F-3F5C-4072-B673-FE475F9B7E58}"/>
+              </a:ext>
+            </a:extLst>
+          </p:cNvPr>
+          <p:cNvSpPr/>
+          <p:nvPr/>
+        </p:nvSpPr>
+        <p:spPr>
+          <a:xfrm>
+            <a:off x="2134004" y="2639474"/>
+            <a:ext cx="380990" cy="380990"/>
+          </a:xfrm>
+          <a:prstGeom prst="ellipse">
+            <a:avLst/>
+          </a:prstGeom>
+        </p:spPr>
+        <p:style>
+          <a:lnRef idx="0">
+            <a:schemeClr val="accent1"/>
+          </a:lnRef>
+          <a:fillRef idx="3">
+            <a:schemeClr val="accent1"/>
+          </a:fillRef>
+          <a:effectRef idx="3">
+            <a:schemeClr val="accent1"/>
+          </a:effectRef>
+          <a:fontRef idx="minor">
+            <a:schemeClr val="lt1"/>
+          </a:fontRef>
+        </p:style>
+        <p:txBody>
+          <a:bodyPr rtlCol="0" anchor="ctr"/>
+          <a:lstStyle/>
+          <a:p>
+            <a:pPr algn="ctr"/>
+            <a:endParaRPr lang="en-US"/>
+          </a:p>
+        </p:txBody>
+      </p:sp>
+      <p:sp>
+        <p:nvSpPr>
+          <p:cNvPr id="21" name="Oval 20">
+            <a:extLst>
+              <a:ext uri="{FF2B5EF4-FFF2-40B4-BE49-F238E27FC236}">
+                <a16:creationId xmlns:a16="http://schemas.microsoft.com/office/drawing/2014/main" id="{2253FC13-716C-4D8C-908E-759D2D49722C}"/>
+              </a:ext>
+            </a:extLst>
+          </p:cNvPr>
+          <p:cNvSpPr/>
+          <p:nvPr/>
+        </p:nvSpPr>
+        <p:spPr>
+          <a:xfrm>
+            <a:off x="2616604" y="2639474"/>
+            <a:ext cx="380990" cy="380990"/>
+          </a:xfrm>
+          <a:prstGeom prst="ellipse">
+            <a:avLst/>
+          </a:prstGeom>
+        </p:spPr>
+        <p:style>
+          <a:lnRef idx="0">
+            <a:schemeClr val="accent1"/>
+          </a:lnRef>
+          <a:fillRef idx="3">
+            <a:schemeClr val="accent1"/>
+          </a:fillRef>
+          <a:effectRef idx="3">
+            <a:schemeClr val="accent1"/>
+          </a:effectRef>
+          <a:fontRef idx="minor">
+            <a:schemeClr val="lt1"/>
+          </a:fontRef>
+        </p:style>
+        <p:txBody>
+          <a:bodyPr rtlCol="0" anchor="ctr"/>
+          <a:lstStyle/>
+          <a:p>
+            <a:pPr algn="ctr"/>
+            <a:endParaRPr lang="en-US"/>
+          </a:p>
+        </p:txBody>
+      </p:sp>
+      <p:sp>
+        <p:nvSpPr>
+          <p:cNvPr id="22" name="Oval 21">
+            <a:extLst>
+              <a:ext uri="{FF2B5EF4-FFF2-40B4-BE49-F238E27FC236}">
+                <a16:creationId xmlns:a16="http://schemas.microsoft.com/office/drawing/2014/main" id="{FD07BF46-B5E3-4628-9CC5-70028573BA7A}"/>
+              </a:ext>
+            </a:extLst>
+          </p:cNvPr>
+          <p:cNvSpPr/>
+          <p:nvPr/>
+        </p:nvSpPr>
+        <p:spPr>
+          <a:xfrm>
+            <a:off x="3099204" y="2639474"/>
+            <a:ext cx="380990" cy="380990"/>
+          </a:xfrm>
+          <a:prstGeom prst="ellipse">
+            <a:avLst/>
+          </a:prstGeom>
+        </p:spPr>
+        <p:style>
+          <a:lnRef idx="0">
+            <a:schemeClr val="accent1"/>
+          </a:lnRef>
+          <a:fillRef idx="3">
+            <a:schemeClr val="accent1"/>
+          </a:fillRef>
+          <a:effectRef idx="3">
+            <a:schemeClr val="accent1"/>
+          </a:effectRef>
+          <a:fontRef idx="minor">
+            <a:schemeClr val="lt1"/>
+          </a:fontRef>
+        </p:style>
+        <p:txBody>
+          <a:bodyPr rtlCol="0" anchor="ctr"/>
+          <a:lstStyle/>
+          <a:p>
+            <a:pPr algn="ctr"/>
+            <a:endParaRPr lang="en-US"/>
+          </a:p>
+        </p:txBody>
+      </p:sp>
+      <p:sp>
+        <p:nvSpPr>
+          <p:cNvPr id="23" name="Oval 22">
+            <a:extLst>
+              <a:ext uri="{FF2B5EF4-FFF2-40B4-BE49-F238E27FC236}">
+                <a16:creationId xmlns:a16="http://schemas.microsoft.com/office/drawing/2014/main" id="{30ADF498-23A7-433D-A859-9D3AAADEB94D}"/>
+              </a:ext>
+            </a:extLst>
+          </p:cNvPr>
+          <p:cNvSpPr/>
+          <p:nvPr/>
+        </p:nvSpPr>
+        <p:spPr>
+          <a:xfrm>
+            <a:off x="3581804" y="2639474"/>
+            <a:ext cx="380990" cy="380990"/>
+          </a:xfrm>
+          <a:prstGeom prst="ellipse">
+            <a:avLst/>
+          </a:prstGeom>
+        </p:spPr>
+        <p:style>
+          <a:lnRef idx="0">
+            <a:schemeClr val="accent1"/>
+          </a:lnRef>
+          <a:fillRef idx="3">
+            <a:schemeClr val="accent1"/>
+          </a:fillRef>
+          <a:effectRef idx="3">
+            <a:schemeClr val="accent1"/>
+          </a:effectRef>
+          <a:fontRef idx="minor">
+            <a:schemeClr val="lt1"/>
+          </a:fontRef>
+        </p:style>
+        <p:txBody>
+          <a:bodyPr rtlCol="0" anchor="ctr"/>
+          <a:lstStyle/>
+          <a:p>
+            <a:pPr algn="ctr"/>
+            <a:endParaRPr lang="en-US"/>
+          </a:p>
+        </p:txBody>
+      </p:sp>
+      <p:sp>
+        <p:nvSpPr>
+          <p:cNvPr id="24" name="Oval 23">
+            <a:extLst>
+              <a:ext uri="{FF2B5EF4-FFF2-40B4-BE49-F238E27FC236}">
+                <a16:creationId xmlns:a16="http://schemas.microsoft.com/office/drawing/2014/main" id="{9A9D3BA1-216C-423E-AD51-F74F2BEBC491}"/>
+              </a:ext>
+            </a:extLst>
+          </p:cNvPr>
+          <p:cNvSpPr/>
+          <p:nvPr/>
+        </p:nvSpPr>
+        <p:spPr>
+          <a:xfrm>
+            <a:off x="5116025" y="2639474"/>
+            <a:ext cx="380990" cy="380990"/>
+          </a:xfrm>
+          <a:prstGeom prst="ellipse">
+            <a:avLst/>
+          </a:prstGeom>
+        </p:spPr>
+        <p:style>
+          <a:lnRef idx="0">
+            <a:schemeClr val="accent1"/>
+          </a:lnRef>
+          <a:fillRef idx="3">
+            <a:schemeClr val="accent1"/>
+          </a:fillRef>
+          <a:effectRef idx="3">
+            <a:schemeClr val="accent1"/>
+          </a:effectRef>
+          <a:fontRef idx="minor">
+            <a:schemeClr val="lt1"/>
+          </a:fontRef>
+        </p:style>
+        <p:txBody>
+          <a:bodyPr rtlCol="0" anchor="ctr"/>
+          <a:lstStyle/>
+          <a:p>
+            <a:pPr algn="ctr"/>
+            <a:endParaRPr lang="en-US"/>
+          </a:p>
+        </p:txBody>
+      </p:sp>
+      <p:sp>
+        <p:nvSpPr>
+          <p:cNvPr id="25" name="Oval 24">
+            <a:extLst>
+              <a:ext uri="{FF2B5EF4-FFF2-40B4-BE49-F238E27FC236}">
+                <a16:creationId xmlns:a16="http://schemas.microsoft.com/office/drawing/2014/main" id="{BB17BEF8-6553-4E89-B540-B55120B6854C}"/>
+              </a:ext>
+            </a:extLst>
+          </p:cNvPr>
+          <p:cNvSpPr/>
+          <p:nvPr/>
+        </p:nvSpPr>
+        <p:spPr>
+          <a:xfrm>
+            <a:off x="5598625" y="2639474"/>
+            <a:ext cx="380990" cy="380990"/>
+          </a:xfrm>
+          <a:prstGeom prst="ellipse">
+            <a:avLst/>
+          </a:prstGeom>
+        </p:spPr>
+        <p:style>
+          <a:lnRef idx="0">
+            <a:schemeClr val="accent1"/>
+          </a:lnRef>
+          <a:fillRef idx="3">
+            <a:schemeClr val="accent1"/>
+          </a:fillRef>
+          <a:effectRef idx="3">
+            <a:schemeClr val="accent1"/>
+          </a:effectRef>
+          <a:fontRef idx="minor">
+            <a:schemeClr val="lt1"/>
+          </a:fontRef>
+        </p:style>
+        <p:txBody>
+          <a:bodyPr rtlCol="0" anchor="ctr"/>
+          <a:lstStyle/>
+          <a:p>
+            <a:pPr algn="ctr"/>
+            <a:endParaRPr lang="en-US"/>
+          </a:p>
+        </p:txBody>
+      </p:sp>
+      <p:sp>
+        <p:nvSpPr>
+          <p:cNvPr id="26" name="Oval 25">
+            <a:extLst>
+              <a:ext uri="{FF2B5EF4-FFF2-40B4-BE49-F238E27FC236}">
+                <a16:creationId xmlns:a16="http://schemas.microsoft.com/office/drawing/2014/main" id="{FA8C5A75-5127-43EF-AEF0-330F0F4116D9}"/>
+              </a:ext>
+            </a:extLst>
+          </p:cNvPr>
+          <p:cNvSpPr/>
+          <p:nvPr/>
+        </p:nvSpPr>
+        <p:spPr>
+          <a:xfrm>
+            <a:off x="6081225" y="2639474"/>
+            <a:ext cx="380990" cy="380990"/>
+          </a:xfrm>
+          <a:prstGeom prst="ellipse">
+            <a:avLst/>
+          </a:prstGeom>
+        </p:spPr>
+        <p:style>
+          <a:lnRef idx="0">
+            <a:schemeClr val="accent1"/>
+          </a:lnRef>
+          <a:fillRef idx="3">
+            <a:schemeClr val="accent1"/>
+          </a:fillRef>
+          <a:effectRef idx="3">
+            <a:schemeClr val="accent1"/>
+          </a:effectRef>
+          <a:fontRef idx="minor">
+            <a:schemeClr val="lt1"/>
+          </a:fontRef>
+        </p:style>
+        <p:txBody>
+          <a:bodyPr rtlCol="0" anchor="ctr"/>
+          <a:lstStyle/>
+          <a:p>
+            <a:pPr algn="ctr"/>
+            <a:endParaRPr lang="en-US"/>
+          </a:p>
+        </p:txBody>
+      </p:sp>
+      <p:sp>
+        <p:nvSpPr>
+          <p:cNvPr id="27" name="Oval 26">
+            <a:extLst>
+              <a:ext uri="{FF2B5EF4-FFF2-40B4-BE49-F238E27FC236}">
+                <a16:creationId xmlns:a16="http://schemas.microsoft.com/office/drawing/2014/main" id="{3C1228B1-1417-461F-B114-4E9E98F6BF10}"/>
+              </a:ext>
+            </a:extLst>
+          </p:cNvPr>
+          <p:cNvSpPr/>
+          <p:nvPr/>
+        </p:nvSpPr>
+        <p:spPr>
+          <a:xfrm>
+            <a:off x="6563825" y="2639474"/>
+            <a:ext cx="380990" cy="380990"/>
+          </a:xfrm>
+          <a:prstGeom prst="ellipse">
+            <a:avLst/>
+          </a:prstGeom>
+        </p:spPr>
+        <p:style>
+          <a:lnRef idx="0">
+            <a:schemeClr val="accent2"/>
+          </a:lnRef>
+          <a:fillRef idx="3">
+            <a:schemeClr val="accent2"/>
+          </a:fillRef>
+          <a:effectRef idx="3">
+            <a:schemeClr val="accent2"/>
+          </a:effectRef>
+          <a:fontRef idx="minor">
+            <a:schemeClr val="lt1"/>
+          </a:fontRef>
+        </p:style>
+        <p:txBody>
+          <a:bodyPr rtlCol="0" anchor="ctr"/>
+          <a:lstStyle/>
+          <a:p>
+            <a:pPr algn="ctr"/>
+            <a:endParaRPr lang="en-US"/>
+          </a:p>
+        </p:txBody>
+      </p:sp>
+      <p:sp>
+        <p:nvSpPr>
+          <p:cNvPr id="28" name="Oval 27">
+            <a:extLst>
+              <a:ext uri="{FF2B5EF4-FFF2-40B4-BE49-F238E27FC236}">
+                <a16:creationId xmlns:a16="http://schemas.microsoft.com/office/drawing/2014/main" id="{55294B46-B3BA-49F8-96E0-9682A75F4213}"/>
+              </a:ext>
+            </a:extLst>
+          </p:cNvPr>
+          <p:cNvSpPr/>
+          <p:nvPr/>
+        </p:nvSpPr>
+        <p:spPr>
+          <a:xfrm>
+            <a:off x="8100546" y="2639474"/>
+            <a:ext cx="380990" cy="380990"/>
+          </a:xfrm>
+          <a:prstGeom prst="ellipse">
+            <a:avLst/>
+          </a:prstGeom>
+        </p:spPr>
+        <p:style>
+          <a:lnRef idx="0">
+            <a:schemeClr val="accent1"/>
+          </a:lnRef>
+          <a:fillRef idx="3">
+            <a:schemeClr val="accent1"/>
+          </a:fillRef>
+          <a:effectRef idx="3">
+            <a:schemeClr val="accent1"/>
+          </a:effectRef>
+          <a:fontRef idx="minor">
+            <a:schemeClr val="lt1"/>
+          </a:fontRef>
+        </p:style>
+        <p:txBody>
+          <a:bodyPr rtlCol="0" anchor="ctr"/>
+          <a:lstStyle/>
+          <a:p>
+            <a:pPr algn="ctr"/>
+            <a:endParaRPr lang="en-US"/>
+          </a:p>
+        </p:txBody>
+      </p:sp>
+      <p:sp>
+        <p:nvSpPr>
+          <p:cNvPr id="29" name="Oval 28">
+            <a:extLst>
+              <a:ext uri="{FF2B5EF4-FFF2-40B4-BE49-F238E27FC236}">
+                <a16:creationId xmlns:a16="http://schemas.microsoft.com/office/drawing/2014/main" id="{7538D88A-0CD3-45A3-A95D-6169AE4A8BB4}"/>
+              </a:ext>
+            </a:extLst>
+          </p:cNvPr>
+          <p:cNvSpPr/>
+          <p:nvPr/>
+        </p:nvSpPr>
+        <p:spPr>
+          <a:xfrm>
+            <a:off x="8583146" y="2639474"/>
+            <a:ext cx="380990" cy="380990"/>
+          </a:xfrm>
+          <a:prstGeom prst="ellipse">
+            <a:avLst/>
+          </a:prstGeom>
+        </p:spPr>
+        <p:style>
+          <a:lnRef idx="0">
+            <a:schemeClr val="accent1"/>
+          </a:lnRef>
+          <a:fillRef idx="3">
+            <a:schemeClr val="accent1"/>
+          </a:fillRef>
+          <a:effectRef idx="3">
+            <a:schemeClr val="accent1"/>
+          </a:effectRef>
+          <a:fontRef idx="minor">
+            <a:schemeClr val="lt1"/>
+          </a:fontRef>
+        </p:style>
+        <p:txBody>
+          <a:bodyPr rtlCol="0" anchor="ctr"/>
+          <a:lstStyle/>
+          <a:p>
+            <a:pPr algn="ctr"/>
+            <a:endParaRPr lang="en-US"/>
+          </a:p>
+        </p:txBody>
+      </p:sp>
+      <p:sp>
+        <p:nvSpPr>
+          <p:cNvPr id="30" name="Oval 29">
+            <a:extLst>
+              <a:ext uri="{FF2B5EF4-FFF2-40B4-BE49-F238E27FC236}">
+                <a16:creationId xmlns:a16="http://schemas.microsoft.com/office/drawing/2014/main" id="{5846E308-8358-4F81-96B5-90D369D7488A}"/>
+              </a:ext>
+            </a:extLst>
+          </p:cNvPr>
+          <p:cNvSpPr/>
+          <p:nvPr/>
+        </p:nvSpPr>
+        <p:spPr>
+          <a:xfrm>
+            <a:off x="9065746" y="2639474"/>
+            <a:ext cx="380990" cy="380990"/>
+          </a:xfrm>
+          <a:prstGeom prst="ellipse">
+            <a:avLst/>
+          </a:prstGeom>
+        </p:spPr>
+        <p:style>
+          <a:lnRef idx="0">
+            <a:schemeClr val="accent2"/>
+          </a:lnRef>
+          <a:fillRef idx="3">
+            <a:schemeClr val="accent2"/>
+          </a:fillRef>
+          <a:effectRef idx="3">
+            <a:schemeClr val="accent2"/>
+          </a:effectRef>
+          <a:fontRef idx="minor">
+            <a:schemeClr val="lt1"/>
+          </a:fontRef>
+        </p:style>
+        <p:txBody>
+          <a:bodyPr rtlCol="0" anchor="ctr"/>
+          <a:lstStyle/>
+          <a:p>
+            <a:pPr algn="ctr"/>
+            <a:endParaRPr lang="en-US"/>
+          </a:p>
+        </p:txBody>
+      </p:sp>
+      <p:sp>
+        <p:nvSpPr>
+          <p:cNvPr id="31" name="Oval 30">
+            <a:extLst>
+              <a:ext uri="{FF2B5EF4-FFF2-40B4-BE49-F238E27FC236}">
+                <a16:creationId xmlns:a16="http://schemas.microsoft.com/office/drawing/2014/main" id="{038DB493-BC63-4A7D-8582-E458426D36E5}"/>
+              </a:ext>
+            </a:extLst>
+          </p:cNvPr>
+          <p:cNvSpPr/>
+          <p:nvPr/>
+        </p:nvSpPr>
+        <p:spPr>
+          <a:xfrm>
+            <a:off x="9548346" y="2639474"/>
+            <a:ext cx="380990" cy="380990"/>
+          </a:xfrm>
+          <a:prstGeom prst="ellipse">
+            <a:avLst/>
+          </a:prstGeom>
+        </p:spPr>
+        <p:style>
+          <a:lnRef idx="0">
+            <a:schemeClr val="accent2"/>
+          </a:lnRef>
+          <a:fillRef idx="3">
+            <a:schemeClr val="accent2"/>
+          </a:fillRef>
+          <a:effectRef idx="3">
+            <a:schemeClr val="accent2"/>
+          </a:effectRef>
+          <a:fontRef idx="minor">
+            <a:schemeClr val="lt1"/>
+          </a:fontRef>
+        </p:style>
+        <p:txBody>
+          <a:bodyPr rtlCol="0" anchor="ctr"/>
+          <a:lstStyle/>
+          <a:p>
+            <a:pPr algn="ctr"/>
+            <a:endParaRPr lang="en-US"/>
+          </a:p>
+        </p:txBody>
+      </p:sp>
+      <p:sp>
+        <p:nvSpPr>
+          <p:cNvPr id="32" name="Oval 31">
+            <a:extLst>
+              <a:ext uri="{FF2B5EF4-FFF2-40B4-BE49-F238E27FC236}">
+                <a16:creationId xmlns:a16="http://schemas.microsoft.com/office/drawing/2014/main" id="{2CBF5905-E3DD-4766-A76C-274E5F3E44D5}"/>
+              </a:ext>
+            </a:extLst>
+          </p:cNvPr>
+          <p:cNvSpPr/>
+          <p:nvPr/>
+        </p:nvSpPr>
+        <p:spPr>
+          <a:xfrm>
+            <a:off x="5116025" y="2143018"/>
+            <a:ext cx="380990" cy="380990"/>
+          </a:xfrm>
+          <a:prstGeom prst="ellipse">
+            <a:avLst/>
+          </a:prstGeom>
+        </p:spPr>
+        <p:style>
+          <a:lnRef idx="0">
+            <a:schemeClr val="accent1"/>
+          </a:lnRef>
+          <a:fillRef idx="3">
+            <a:schemeClr val="accent1"/>
+          </a:fillRef>
+          <a:effectRef idx="3">
+            <a:schemeClr val="accent1"/>
+          </a:effectRef>
+          <a:fontRef idx="minor">
+            <a:schemeClr val="lt1"/>
+          </a:fontRef>
+        </p:style>
+        <p:txBody>
+          <a:bodyPr rtlCol="0" anchor="ctr"/>
+          <a:lstStyle/>
+          <a:p>
+            <a:pPr algn="ctr"/>
+            <a:endParaRPr lang="en-US"/>
+          </a:p>
+        </p:txBody>
+      </p:sp>
+      <p:sp>
+        <p:nvSpPr>
+          <p:cNvPr id="33" name="Oval 32">
+            <a:extLst>
+              <a:ext uri="{FF2B5EF4-FFF2-40B4-BE49-F238E27FC236}">
+                <a16:creationId xmlns:a16="http://schemas.microsoft.com/office/drawing/2014/main" id="{181B2BA1-105B-459D-9FB3-5A0FB560DE3C}"/>
+              </a:ext>
+            </a:extLst>
+          </p:cNvPr>
+          <p:cNvSpPr/>
+          <p:nvPr/>
+        </p:nvSpPr>
+        <p:spPr>
+          <a:xfrm>
+            <a:off x="5598625" y="2143018"/>
+            <a:ext cx="380990" cy="380990"/>
+          </a:xfrm>
+          <a:prstGeom prst="ellipse">
+            <a:avLst/>
+          </a:prstGeom>
+        </p:spPr>
+        <p:style>
+          <a:lnRef idx="0">
+            <a:schemeClr val="accent1"/>
+          </a:lnRef>
+          <a:fillRef idx="3">
+            <a:schemeClr val="accent1"/>
+          </a:fillRef>
+          <a:effectRef idx="3">
+            <a:schemeClr val="accent1"/>
+          </a:effectRef>
+          <a:fontRef idx="minor">
+            <a:schemeClr val="lt1"/>
+          </a:fontRef>
+        </p:style>
+        <p:txBody>
+          <a:bodyPr rtlCol="0" anchor="ctr"/>
+          <a:lstStyle/>
+          <a:p>
+            <a:pPr algn="ctr"/>
+            <a:endParaRPr lang="en-US"/>
+          </a:p>
+        </p:txBody>
+      </p:sp>
+      <p:sp>
+        <p:nvSpPr>
+          <p:cNvPr id="34" name="Oval 33">
+            <a:extLst>
+              <a:ext uri="{FF2B5EF4-FFF2-40B4-BE49-F238E27FC236}">
+                <a16:creationId xmlns:a16="http://schemas.microsoft.com/office/drawing/2014/main" id="{857FC69F-B8A0-4882-A79F-24F41EA08648}"/>
+              </a:ext>
+            </a:extLst>
+          </p:cNvPr>
+          <p:cNvSpPr/>
+          <p:nvPr/>
+        </p:nvSpPr>
+        <p:spPr>
+          <a:xfrm>
+            <a:off x="6081225" y="2143018"/>
+            <a:ext cx="380990" cy="380990"/>
+          </a:xfrm>
+          <a:prstGeom prst="ellipse">
+            <a:avLst/>
+          </a:prstGeom>
+        </p:spPr>
+        <p:style>
+          <a:lnRef idx="0">
+            <a:schemeClr val="accent2"/>
+          </a:lnRef>
+          <a:fillRef idx="3">
+            <a:schemeClr val="accent2"/>
+          </a:fillRef>
+          <a:effectRef idx="3">
+            <a:schemeClr val="accent2"/>
+          </a:effectRef>
+          <a:fontRef idx="minor">
+            <a:schemeClr val="lt1"/>
+          </a:fontRef>
+        </p:style>
+        <p:txBody>
+          <a:bodyPr rtlCol="0" anchor="ctr"/>
+          <a:lstStyle/>
+          <a:p>
+            <a:pPr algn="ctr"/>
+            <a:endParaRPr lang="en-US"/>
+          </a:p>
+        </p:txBody>
+      </p:sp>
+      <p:sp>
+        <p:nvSpPr>
+          <p:cNvPr id="35" name="Oval 34">
+            <a:extLst>
+              <a:ext uri="{FF2B5EF4-FFF2-40B4-BE49-F238E27FC236}">
+                <a16:creationId xmlns:a16="http://schemas.microsoft.com/office/drawing/2014/main" id="{7E9623E8-48AD-4595-9416-4648CF3B6596}"/>
+              </a:ext>
+            </a:extLst>
+          </p:cNvPr>
+          <p:cNvSpPr/>
+          <p:nvPr/>
+        </p:nvSpPr>
+        <p:spPr>
+          <a:xfrm>
+            <a:off x="6563825" y="2143018"/>
+            <a:ext cx="380990" cy="380990"/>
+          </a:xfrm>
+          <a:prstGeom prst="ellipse">
+            <a:avLst/>
+          </a:prstGeom>
+        </p:spPr>
+        <p:style>
+          <a:lnRef idx="0">
+            <a:schemeClr val="accent1"/>
+          </a:lnRef>
+          <a:fillRef idx="3">
+            <a:schemeClr val="accent1"/>
+          </a:fillRef>
+          <a:effectRef idx="3">
+            <a:schemeClr val="accent1"/>
+          </a:effectRef>
+          <a:fontRef idx="minor">
+            <a:schemeClr val="lt1"/>
+          </a:fontRef>
+        </p:style>
+        <p:txBody>
+          <a:bodyPr rtlCol="0" anchor="ctr"/>
+          <a:lstStyle/>
+          <a:p>
+            <a:pPr algn="ctr"/>
+            <a:endParaRPr lang="en-US"/>
+          </a:p>
+        </p:txBody>
+      </p:sp>
+      <p:sp>
+        <p:nvSpPr>
+          <p:cNvPr id="36" name="Oval 35">
+            <a:extLst>
+              <a:ext uri="{FF2B5EF4-FFF2-40B4-BE49-F238E27FC236}">
+                <a16:creationId xmlns:a16="http://schemas.microsoft.com/office/drawing/2014/main" id="{1A403823-34D1-40F4-8F12-FB1FA476C6BF}"/>
+              </a:ext>
+            </a:extLst>
+          </p:cNvPr>
+          <p:cNvSpPr/>
+          <p:nvPr/>
+        </p:nvSpPr>
+        <p:spPr>
+          <a:xfrm>
+            <a:off x="5112618" y="1646562"/>
+            <a:ext cx="380990" cy="380990"/>
+          </a:xfrm>
+          <a:prstGeom prst="ellipse">
+            <a:avLst/>
+          </a:prstGeom>
+        </p:spPr>
+        <p:style>
+          <a:lnRef idx="0">
+            <a:schemeClr val="accent1"/>
+          </a:lnRef>
+          <a:fillRef idx="3">
+            <a:schemeClr val="accent1"/>
+          </a:fillRef>
+          <a:effectRef idx="3">
+            <a:schemeClr val="accent1"/>
+          </a:effectRef>
+          <a:fontRef idx="minor">
+            <a:schemeClr val="lt1"/>
+          </a:fontRef>
+        </p:style>
+        <p:txBody>
+          <a:bodyPr rtlCol="0" anchor="ctr"/>
+          <a:lstStyle/>
+          <a:p>
+            <a:pPr algn="ctr"/>
+            <a:endParaRPr lang="en-US"/>
+          </a:p>
+        </p:txBody>
+      </p:sp>
+      <p:sp>
+        <p:nvSpPr>
+          <p:cNvPr id="37" name="Oval 36">
+            <a:extLst>
+              <a:ext uri="{FF2B5EF4-FFF2-40B4-BE49-F238E27FC236}">
+                <a16:creationId xmlns:a16="http://schemas.microsoft.com/office/drawing/2014/main" id="{417E5EEF-A1A5-4687-A09E-3201B5A0D76C}"/>
+              </a:ext>
+            </a:extLst>
+          </p:cNvPr>
+          <p:cNvSpPr/>
+          <p:nvPr/>
+        </p:nvSpPr>
+        <p:spPr>
+          <a:xfrm>
+            <a:off x="5595218" y="1646562"/>
+            <a:ext cx="380990" cy="380990"/>
+          </a:xfrm>
+          <a:prstGeom prst="ellipse">
+            <a:avLst/>
+          </a:prstGeom>
+        </p:spPr>
+        <p:style>
+          <a:lnRef idx="0">
+            <a:schemeClr val="accent2"/>
+          </a:lnRef>
+          <a:fillRef idx="3">
+            <a:schemeClr val="accent2"/>
+          </a:fillRef>
+          <a:effectRef idx="3">
+            <a:schemeClr val="accent2"/>
+          </a:effectRef>
+          <a:fontRef idx="minor">
+            <a:schemeClr val="lt1"/>
+          </a:fontRef>
+        </p:style>
+        <p:txBody>
+          <a:bodyPr rtlCol="0" anchor="ctr"/>
+          <a:lstStyle/>
+          <a:p>
+            <a:pPr algn="ctr"/>
+            <a:endParaRPr lang="en-US"/>
+          </a:p>
+        </p:txBody>
+      </p:sp>
+      <p:sp>
+        <p:nvSpPr>
+          <p:cNvPr id="38" name="Oval 37">
+            <a:extLst>
+              <a:ext uri="{FF2B5EF4-FFF2-40B4-BE49-F238E27FC236}">
+                <a16:creationId xmlns:a16="http://schemas.microsoft.com/office/drawing/2014/main" id="{CF0BAE82-6ED2-47EF-A6F4-C1D926C3D403}"/>
+              </a:ext>
+            </a:extLst>
+          </p:cNvPr>
+          <p:cNvSpPr/>
+          <p:nvPr/>
+        </p:nvSpPr>
+        <p:spPr>
+          <a:xfrm>
+            <a:off x="6077818" y="1646562"/>
+            <a:ext cx="380990" cy="380990"/>
+          </a:xfrm>
+          <a:prstGeom prst="ellipse">
+            <a:avLst/>
+          </a:prstGeom>
+        </p:spPr>
+        <p:style>
+          <a:lnRef idx="0">
+            <a:schemeClr val="accent1"/>
+          </a:lnRef>
+          <a:fillRef idx="3">
+            <a:schemeClr val="accent1"/>
+          </a:fillRef>
+          <a:effectRef idx="3">
+            <a:schemeClr val="accent1"/>
+          </a:effectRef>
+          <a:fontRef idx="minor">
+            <a:schemeClr val="lt1"/>
+          </a:fontRef>
+        </p:style>
+        <p:txBody>
+          <a:bodyPr rtlCol="0" anchor="ctr"/>
+          <a:lstStyle/>
+          <a:p>
+            <a:pPr algn="ctr"/>
+            <a:endParaRPr lang="en-US"/>
+          </a:p>
+        </p:txBody>
+      </p:sp>
+      <p:sp>
+        <p:nvSpPr>
+          <p:cNvPr id="39" name="Oval 38">
+            <a:extLst>
+              <a:ext uri="{FF2B5EF4-FFF2-40B4-BE49-F238E27FC236}">
+                <a16:creationId xmlns:a16="http://schemas.microsoft.com/office/drawing/2014/main" id="{E59BBD93-2AE0-48F1-922D-CE02E8403772}"/>
+              </a:ext>
+            </a:extLst>
+          </p:cNvPr>
+          <p:cNvSpPr/>
+          <p:nvPr/>
+        </p:nvSpPr>
+        <p:spPr>
+          <a:xfrm>
+            <a:off x="6560418" y="1646562"/>
+            <a:ext cx="380990" cy="380990"/>
+          </a:xfrm>
+          <a:prstGeom prst="ellipse">
+            <a:avLst/>
+          </a:prstGeom>
+        </p:spPr>
+        <p:style>
+          <a:lnRef idx="0">
+            <a:schemeClr val="accent1"/>
+          </a:lnRef>
+          <a:fillRef idx="3">
+            <a:schemeClr val="accent1"/>
+          </a:fillRef>
+          <a:effectRef idx="3">
+            <a:schemeClr val="accent1"/>
+          </a:effectRef>
+          <a:fontRef idx="minor">
+            <a:schemeClr val="lt1"/>
+          </a:fontRef>
+        </p:style>
+        <p:txBody>
+          <a:bodyPr rtlCol="0" anchor="ctr"/>
+          <a:lstStyle/>
+          <a:p>
+            <a:pPr algn="ctr"/>
+            <a:endParaRPr lang="en-US"/>
+          </a:p>
+        </p:txBody>
+      </p:sp>
+      <p:sp>
+        <p:nvSpPr>
+          <p:cNvPr id="40" name="Oval 39">
+            <a:extLst>
+              <a:ext uri="{FF2B5EF4-FFF2-40B4-BE49-F238E27FC236}">
+                <a16:creationId xmlns:a16="http://schemas.microsoft.com/office/drawing/2014/main" id="{D7023938-1411-4ED1-B876-6D35A4BEA392}"/>
+              </a:ext>
+            </a:extLst>
+          </p:cNvPr>
+          <p:cNvSpPr/>
+          <p:nvPr/>
+        </p:nvSpPr>
+        <p:spPr>
+          <a:xfrm>
+            <a:off x="5112618" y="1150106"/>
+            <a:ext cx="380990" cy="380990"/>
+          </a:xfrm>
+          <a:prstGeom prst="ellipse">
+            <a:avLst/>
+          </a:prstGeom>
+        </p:spPr>
+        <p:style>
+          <a:lnRef idx="0">
+            <a:schemeClr val="accent2"/>
+          </a:lnRef>
+          <a:fillRef idx="3">
+            <a:schemeClr val="accent2"/>
+          </a:fillRef>
+          <a:effectRef idx="3">
+            <a:schemeClr val="accent2"/>
+          </a:effectRef>
+          <a:fontRef idx="minor">
+            <a:schemeClr val="lt1"/>
+          </a:fontRef>
+        </p:style>
+        <p:txBody>
+          <a:bodyPr rtlCol="0" anchor="ctr"/>
+          <a:lstStyle/>
+          <a:p>
+            <a:pPr algn="ctr"/>
+            <a:endParaRPr lang="en-US"/>
+          </a:p>
+        </p:txBody>
+      </p:sp>
+      <p:sp>
+        <p:nvSpPr>
+          <p:cNvPr id="41" name="Oval 40">
+            <a:extLst>
+              <a:ext uri="{FF2B5EF4-FFF2-40B4-BE49-F238E27FC236}">
+                <a16:creationId xmlns:a16="http://schemas.microsoft.com/office/drawing/2014/main" id="{8BC30644-62A2-4137-88D7-8E44946A7743}"/>
+              </a:ext>
+            </a:extLst>
+          </p:cNvPr>
+          <p:cNvSpPr/>
+          <p:nvPr/>
+        </p:nvSpPr>
+        <p:spPr>
+          <a:xfrm>
+            <a:off x="5595218" y="1150106"/>
+            <a:ext cx="380990" cy="380990"/>
+          </a:xfrm>
+          <a:prstGeom prst="ellipse">
+            <a:avLst/>
+          </a:prstGeom>
+        </p:spPr>
+        <p:style>
+          <a:lnRef idx="0">
+            <a:schemeClr val="accent1"/>
+          </a:lnRef>
+          <a:fillRef idx="3">
+            <a:schemeClr val="accent1"/>
+          </a:fillRef>
+          <a:effectRef idx="3">
+            <a:schemeClr val="accent1"/>
+          </a:effectRef>
+          <a:fontRef idx="minor">
+            <a:schemeClr val="lt1"/>
+          </a:fontRef>
+        </p:style>
+        <p:txBody>
+          <a:bodyPr rtlCol="0" anchor="ctr"/>
+          <a:lstStyle/>
+          <a:p>
+            <a:pPr algn="ctr"/>
+            <a:endParaRPr lang="en-US"/>
+          </a:p>
+        </p:txBody>
+      </p:sp>
+      <p:sp>
+        <p:nvSpPr>
+          <p:cNvPr id="42" name="Oval 41">
+            <a:extLst>
+              <a:ext uri="{FF2B5EF4-FFF2-40B4-BE49-F238E27FC236}">
+                <a16:creationId xmlns:a16="http://schemas.microsoft.com/office/drawing/2014/main" id="{4952B202-036E-4ADE-AF46-C760FA4CCD6C}"/>
+              </a:ext>
+            </a:extLst>
+          </p:cNvPr>
+          <p:cNvSpPr/>
+          <p:nvPr/>
+        </p:nvSpPr>
+        <p:spPr>
+          <a:xfrm>
+            <a:off x="6077818" y="1150106"/>
+            <a:ext cx="380990" cy="380990"/>
+          </a:xfrm>
+          <a:prstGeom prst="ellipse">
+            <a:avLst/>
+          </a:prstGeom>
+        </p:spPr>
+        <p:style>
+          <a:lnRef idx="0">
+            <a:schemeClr val="accent1"/>
+          </a:lnRef>
+          <a:fillRef idx="3">
+            <a:schemeClr val="accent1"/>
+          </a:fillRef>
+          <a:effectRef idx="3">
+            <a:schemeClr val="accent1"/>
+          </a:effectRef>
+          <a:fontRef idx="minor">
+            <a:schemeClr val="lt1"/>
+          </a:fontRef>
+        </p:style>
+        <p:txBody>
+          <a:bodyPr rtlCol="0" anchor="ctr"/>
+          <a:lstStyle/>
+          <a:p>
+            <a:pPr algn="ctr"/>
+            <a:endParaRPr lang="en-US"/>
+          </a:p>
+        </p:txBody>
+      </p:sp>
+      <p:sp>
+        <p:nvSpPr>
+          <p:cNvPr id="43" name="Oval 42">
+            <a:extLst>
+              <a:ext uri="{FF2B5EF4-FFF2-40B4-BE49-F238E27FC236}">
+                <a16:creationId xmlns:a16="http://schemas.microsoft.com/office/drawing/2014/main" id="{56E4525A-5A0D-4C5B-AB13-F8E7312046F0}"/>
+              </a:ext>
+            </a:extLst>
+          </p:cNvPr>
+          <p:cNvSpPr/>
+          <p:nvPr/>
+        </p:nvSpPr>
+        <p:spPr>
+          <a:xfrm>
+            <a:off x="6560418" y="1150106"/>
+            <a:ext cx="380990" cy="380990"/>
+          </a:xfrm>
+          <a:prstGeom prst="ellipse">
+            <a:avLst/>
+          </a:prstGeom>
+        </p:spPr>
+        <p:style>
+          <a:lnRef idx="0">
+            <a:schemeClr val="accent1"/>
+          </a:lnRef>
+          <a:fillRef idx="3">
+            <a:schemeClr val="accent1"/>
+          </a:fillRef>
+          <a:effectRef idx="3">
+            <a:schemeClr val="accent1"/>
+          </a:effectRef>
+          <a:fontRef idx="minor">
+            <a:schemeClr val="lt1"/>
+          </a:fontRef>
+        </p:style>
+        <p:txBody>
+          <a:bodyPr rtlCol="0" anchor="ctr"/>
+          <a:lstStyle/>
+          <a:p>
+            <a:pPr algn="ctr"/>
+            <a:endParaRPr lang="en-US"/>
+          </a:p>
+        </p:txBody>
+      </p:sp>
+      <p:sp>
+        <p:nvSpPr>
+          <p:cNvPr id="44" name="Oval 43">
+            <a:extLst>
+              <a:ext uri="{FF2B5EF4-FFF2-40B4-BE49-F238E27FC236}">
+                <a16:creationId xmlns:a16="http://schemas.microsoft.com/office/drawing/2014/main" id="{ABBC518D-1FCB-45A7-91E6-F841EB8BE0B3}"/>
+              </a:ext>
+            </a:extLst>
+          </p:cNvPr>
+          <p:cNvSpPr/>
+          <p:nvPr/>
+        </p:nvSpPr>
+        <p:spPr>
+          <a:xfrm>
+            <a:off x="8096413" y="1150106"/>
+            <a:ext cx="380990" cy="380990"/>
+          </a:xfrm>
+          <a:prstGeom prst="ellipse">
+            <a:avLst/>
+          </a:prstGeom>
+        </p:spPr>
+        <p:style>
+          <a:lnRef idx="0">
+            <a:schemeClr val="accent2"/>
+          </a:lnRef>
+          <a:fillRef idx="3">
+            <a:schemeClr val="accent2"/>
+          </a:fillRef>
+          <a:effectRef idx="3">
+            <a:schemeClr val="accent2"/>
+          </a:effectRef>
+          <a:fontRef idx="minor">
+            <a:schemeClr val="lt1"/>
+          </a:fontRef>
+        </p:style>
+        <p:txBody>
+          <a:bodyPr rtlCol="0" anchor="ctr"/>
+          <a:lstStyle/>
+          <a:p>
+            <a:pPr algn="ctr"/>
+            <a:endParaRPr lang="en-US"/>
+          </a:p>
+        </p:txBody>
+      </p:sp>
+      <p:sp>
+        <p:nvSpPr>
+          <p:cNvPr id="45" name="Oval 44">
+            <a:extLst>
+              <a:ext uri="{FF2B5EF4-FFF2-40B4-BE49-F238E27FC236}">
+                <a16:creationId xmlns:a16="http://schemas.microsoft.com/office/drawing/2014/main" id="{ED9D6B88-6B9A-4ACD-9952-316B29EF8198}"/>
+              </a:ext>
+            </a:extLst>
+          </p:cNvPr>
+          <p:cNvSpPr/>
+          <p:nvPr/>
+        </p:nvSpPr>
+        <p:spPr>
+          <a:xfrm>
+            <a:off x="8579013" y="1150106"/>
+            <a:ext cx="380990" cy="380990"/>
+          </a:xfrm>
+          <a:prstGeom prst="ellipse">
+            <a:avLst/>
+          </a:prstGeom>
+        </p:spPr>
+        <p:style>
+          <a:lnRef idx="0">
+            <a:schemeClr val="accent1"/>
+          </a:lnRef>
+          <a:fillRef idx="3">
+            <a:schemeClr val="accent1"/>
+          </a:fillRef>
+          <a:effectRef idx="3">
+            <a:schemeClr val="accent1"/>
+          </a:effectRef>
+          <a:fontRef idx="minor">
+            <a:schemeClr val="lt1"/>
+          </a:fontRef>
+        </p:style>
+        <p:txBody>
+          <a:bodyPr rtlCol="0" anchor="ctr"/>
+          <a:lstStyle/>
+          <a:p>
+            <a:pPr algn="ctr"/>
+            <a:endParaRPr lang="en-US"/>
+          </a:p>
+        </p:txBody>
+      </p:sp>
+      <p:sp>
+        <p:nvSpPr>
+          <p:cNvPr id="46" name="Oval 45">
+            <a:extLst>
+              <a:ext uri="{FF2B5EF4-FFF2-40B4-BE49-F238E27FC236}">
+                <a16:creationId xmlns:a16="http://schemas.microsoft.com/office/drawing/2014/main" id="{0EC8DF6B-8BC7-4884-A345-590B53E219BF}"/>
+              </a:ext>
+            </a:extLst>
+          </p:cNvPr>
+          <p:cNvSpPr/>
+          <p:nvPr/>
+        </p:nvSpPr>
+        <p:spPr>
+          <a:xfrm>
+            <a:off x="9061613" y="1150106"/>
+            <a:ext cx="380990" cy="380990"/>
+          </a:xfrm>
+          <a:prstGeom prst="ellipse">
+            <a:avLst/>
+          </a:prstGeom>
+        </p:spPr>
+        <p:style>
+          <a:lnRef idx="0">
+            <a:schemeClr val="accent1"/>
+          </a:lnRef>
+          <a:fillRef idx="3">
+            <a:schemeClr val="accent1"/>
+          </a:fillRef>
+          <a:effectRef idx="3">
+            <a:schemeClr val="accent1"/>
+          </a:effectRef>
+          <a:fontRef idx="minor">
+            <a:schemeClr val="lt1"/>
+          </a:fontRef>
+        </p:style>
+        <p:txBody>
+          <a:bodyPr rtlCol="0" anchor="ctr"/>
+          <a:lstStyle/>
+          <a:p>
+            <a:pPr algn="ctr"/>
+            <a:endParaRPr lang="en-US"/>
+          </a:p>
+        </p:txBody>
+      </p:sp>
+      <p:sp>
+        <p:nvSpPr>
+          <p:cNvPr id="47" name="Oval 46">
+            <a:extLst>
+              <a:ext uri="{FF2B5EF4-FFF2-40B4-BE49-F238E27FC236}">
+                <a16:creationId xmlns:a16="http://schemas.microsoft.com/office/drawing/2014/main" id="{70A3F241-0C27-480A-AA31-ECD767D4DF09}"/>
+              </a:ext>
+            </a:extLst>
+          </p:cNvPr>
+          <p:cNvSpPr/>
+          <p:nvPr/>
+        </p:nvSpPr>
+        <p:spPr>
+          <a:xfrm>
+            <a:off x="9544213" y="1150106"/>
+            <a:ext cx="380990" cy="380990"/>
+          </a:xfrm>
+          <a:prstGeom prst="ellipse">
+            <a:avLst/>
+          </a:prstGeom>
+        </p:spPr>
+        <p:style>
+          <a:lnRef idx="0">
+            <a:schemeClr val="accent2"/>
+          </a:lnRef>
+          <a:fillRef idx="3">
+            <a:schemeClr val="accent2"/>
+          </a:fillRef>
+          <a:effectRef idx="3">
+            <a:schemeClr val="accent2"/>
+          </a:effectRef>
+          <a:fontRef idx="minor">
+            <a:schemeClr val="lt1"/>
+          </a:fontRef>
+        </p:style>
+        <p:txBody>
+          <a:bodyPr rtlCol="0" anchor="ctr"/>
+          <a:lstStyle/>
+          <a:p>
+            <a:pPr algn="ctr"/>
+            <a:endParaRPr lang="en-US"/>
+          </a:p>
+        </p:txBody>
+      </p:sp>
+      <p:sp>
+        <p:nvSpPr>
+          <p:cNvPr id="48" name="Oval 47">
+            <a:extLst>
+              <a:ext uri="{FF2B5EF4-FFF2-40B4-BE49-F238E27FC236}">
+                <a16:creationId xmlns:a16="http://schemas.microsoft.com/office/drawing/2014/main" id="{B6CA119A-5D13-4B75-981F-E18680EAC9CF}"/>
+              </a:ext>
+            </a:extLst>
+          </p:cNvPr>
+          <p:cNvSpPr/>
+          <p:nvPr/>
+        </p:nvSpPr>
+        <p:spPr>
+          <a:xfrm>
+            <a:off x="8093006" y="653650"/>
+            <a:ext cx="380990" cy="380990"/>
+          </a:xfrm>
+          <a:prstGeom prst="ellipse">
+            <a:avLst/>
+          </a:prstGeom>
+        </p:spPr>
+        <p:style>
+          <a:lnRef idx="0">
+            <a:schemeClr val="accent2"/>
+          </a:lnRef>
+          <a:fillRef idx="3">
+            <a:schemeClr val="accent2"/>
+          </a:fillRef>
+          <a:effectRef idx="3">
+            <a:schemeClr val="accent2"/>
+          </a:effectRef>
+          <a:fontRef idx="minor">
+            <a:schemeClr val="lt1"/>
+          </a:fontRef>
+        </p:style>
+        <p:txBody>
+          <a:bodyPr rtlCol="0" anchor="ctr"/>
+          <a:lstStyle/>
+          <a:p>
+            <a:pPr algn="ctr"/>
+            <a:endParaRPr lang="en-US"/>
+          </a:p>
+        </p:txBody>
+      </p:sp>
+      <p:sp>
+        <p:nvSpPr>
+          <p:cNvPr id="49" name="Oval 48">
+            <a:extLst>
+              <a:ext uri="{FF2B5EF4-FFF2-40B4-BE49-F238E27FC236}">
+                <a16:creationId xmlns:a16="http://schemas.microsoft.com/office/drawing/2014/main" id="{D804035D-FCCA-4309-8742-17CC128C998C}"/>
+              </a:ext>
+            </a:extLst>
+          </p:cNvPr>
+          <p:cNvSpPr/>
+          <p:nvPr/>
+        </p:nvSpPr>
+        <p:spPr>
+          <a:xfrm>
+            <a:off x="8575606" y="653650"/>
+            <a:ext cx="380990" cy="380990"/>
+          </a:xfrm>
+          <a:prstGeom prst="ellipse">
+            <a:avLst/>
+          </a:prstGeom>
+        </p:spPr>
+        <p:style>
+          <a:lnRef idx="0">
+            <a:schemeClr val="accent1"/>
+          </a:lnRef>
+          <a:fillRef idx="3">
+            <a:schemeClr val="accent1"/>
+          </a:fillRef>
+          <a:effectRef idx="3">
+            <a:schemeClr val="accent1"/>
+          </a:effectRef>
+          <a:fontRef idx="minor">
+            <a:schemeClr val="lt1"/>
+          </a:fontRef>
+        </p:style>
+        <p:txBody>
+          <a:bodyPr rtlCol="0" anchor="ctr"/>
+          <a:lstStyle/>
+          <a:p>
+            <a:pPr algn="ctr"/>
+            <a:endParaRPr lang="en-US"/>
+          </a:p>
+        </p:txBody>
+      </p:sp>
+      <p:sp>
+        <p:nvSpPr>
+          <p:cNvPr id="50" name="Oval 49">
+            <a:extLst>
+              <a:ext uri="{FF2B5EF4-FFF2-40B4-BE49-F238E27FC236}">
+                <a16:creationId xmlns:a16="http://schemas.microsoft.com/office/drawing/2014/main" id="{E27D8FE8-E0A5-4D4A-99C2-31DD66D227A4}"/>
+              </a:ext>
+            </a:extLst>
+          </p:cNvPr>
+          <p:cNvSpPr/>
+          <p:nvPr/>
+        </p:nvSpPr>
+        <p:spPr>
+          <a:xfrm>
+            <a:off x="9058206" y="653650"/>
+            <a:ext cx="380990" cy="380990"/>
+          </a:xfrm>
+          <a:prstGeom prst="ellipse">
+            <a:avLst/>
+          </a:prstGeom>
+        </p:spPr>
+        <p:style>
+          <a:lnRef idx="0">
+            <a:schemeClr val="accent2"/>
+          </a:lnRef>
+          <a:fillRef idx="3">
+            <a:schemeClr val="accent2"/>
+          </a:fillRef>
+          <a:effectRef idx="3">
+            <a:schemeClr val="accent2"/>
+          </a:effectRef>
+          <a:fontRef idx="minor">
+            <a:schemeClr val="lt1"/>
+          </a:fontRef>
+        </p:style>
+        <p:txBody>
+          <a:bodyPr rtlCol="0" anchor="ctr"/>
+          <a:lstStyle/>
+          <a:p>
+            <a:pPr algn="ctr"/>
+            <a:endParaRPr lang="en-US"/>
+          </a:p>
+        </p:txBody>
+      </p:sp>
+      <p:sp>
+        <p:nvSpPr>
+          <p:cNvPr id="51" name="Oval 50">
+            <a:extLst>
+              <a:ext uri="{FF2B5EF4-FFF2-40B4-BE49-F238E27FC236}">
+                <a16:creationId xmlns:a16="http://schemas.microsoft.com/office/drawing/2014/main" id="{D0321F23-B4A8-4244-8AB1-32FE9FC66B2C}"/>
+              </a:ext>
+            </a:extLst>
+          </p:cNvPr>
+          <p:cNvSpPr/>
+          <p:nvPr/>
+        </p:nvSpPr>
+        <p:spPr>
+          <a:xfrm>
+            <a:off x="9540806" y="653650"/>
+            <a:ext cx="380990" cy="380990"/>
+          </a:xfrm>
+          <a:prstGeom prst="ellipse">
+            <a:avLst/>
+          </a:prstGeom>
+        </p:spPr>
+        <p:style>
+          <a:lnRef idx="0">
+            <a:schemeClr val="accent1"/>
+          </a:lnRef>
+          <a:fillRef idx="3">
+            <a:schemeClr val="accent1"/>
+          </a:fillRef>
+          <a:effectRef idx="3">
+            <a:schemeClr val="accent1"/>
+          </a:effectRef>
+          <a:fontRef idx="minor">
+            <a:schemeClr val="lt1"/>
+          </a:fontRef>
+        </p:style>
+        <p:txBody>
+          <a:bodyPr rtlCol="0" anchor="ctr"/>
+          <a:lstStyle/>
+          <a:p>
+            <a:pPr algn="ctr"/>
+            <a:endParaRPr lang="en-US"/>
+          </a:p>
+        </p:txBody>
+      </p:sp>
+      <p:sp>
+        <p:nvSpPr>
+          <p:cNvPr id="52" name="Oval 51">
+            <a:extLst>
+              <a:ext uri="{FF2B5EF4-FFF2-40B4-BE49-F238E27FC236}">
+                <a16:creationId xmlns:a16="http://schemas.microsoft.com/office/drawing/2014/main" id="{E82DC32A-F8E9-43B0-8A80-6783E81DF0C3}"/>
+              </a:ext>
+            </a:extLst>
+          </p:cNvPr>
+          <p:cNvSpPr/>
+          <p:nvPr/>
+        </p:nvSpPr>
+        <p:spPr>
+          <a:xfrm>
+            <a:off x="8093006" y="157194"/>
+            <a:ext cx="380990" cy="380990"/>
+          </a:xfrm>
+          <a:prstGeom prst="ellipse">
+            <a:avLst/>
+          </a:prstGeom>
+        </p:spPr>
+        <p:style>
+          <a:lnRef idx="0">
+            <a:schemeClr val="accent2"/>
+          </a:lnRef>
+          <a:fillRef idx="3">
+            <a:schemeClr val="accent2"/>
+          </a:fillRef>
+          <a:effectRef idx="3">
+            <a:schemeClr val="accent2"/>
+          </a:effectRef>
+          <a:fontRef idx="minor">
+            <a:schemeClr val="lt1"/>
+          </a:fontRef>
+        </p:style>
+        <p:txBody>
+          <a:bodyPr rtlCol="0" anchor="ctr"/>
+          <a:lstStyle/>
+          <a:p>
+            <a:pPr algn="ctr"/>
+            <a:endParaRPr lang="en-US"/>
+          </a:p>
+        </p:txBody>
+      </p:sp>
+      <p:sp>
+        <p:nvSpPr>
+          <p:cNvPr id="53" name="Oval 52">
+            <a:extLst>
+              <a:ext uri="{FF2B5EF4-FFF2-40B4-BE49-F238E27FC236}">
+                <a16:creationId xmlns:a16="http://schemas.microsoft.com/office/drawing/2014/main" id="{ADC2439A-2D2D-4366-ACAB-9AEBCEFCE511}"/>
+              </a:ext>
+            </a:extLst>
+          </p:cNvPr>
+          <p:cNvSpPr/>
+          <p:nvPr/>
+        </p:nvSpPr>
+        <p:spPr>
+          <a:xfrm>
+            <a:off x="8575606" y="157194"/>
+            <a:ext cx="380990" cy="380990"/>
+          </a:xfrm>
+          <a:prstGeom prst="ellipse">
+            <a:avLst/>
+          </a:prstGeom>
+        </p:spPr>
+        <p:style>
+          <a:lnRef idx="0">
+            <a:schemeClr val="accent2"/>
+          </a:lnRef>
+          <a:fillRef idx="3">
+            <a:schemeClr val="accent2"/>
+          </a:fillRef>
+          <a:effectRef idx="3">
+            <a:schemeClr val="accent2"/>
+          </a:effectRef>
+          <a:fontRef idx="minor">
+            <a:schemeClr val="lt1"/>
+          </a:fontRef>
+        </p:style>
+        <p:txBody>
+          <a:bodyPr rtlCol="0" anchor="ctr"/>
+          <a:lstStyle/>
+          <a:p>
+            <a:pPr algn="ctr"/>
+            <a:endParaRPr lang="en-US"/>
+          </a:p>
+        </p:txBody>
+      </p:sp>
+      <p:sp>
+        <p:nvSpPr>
+          <p:cNvPr id="54" name="Oval 53">
+            <a:extLst>
+              <a:ext uri="{FF2B5EF4-FFF2-40B4-BE49-F238E27FC236}">
+                <a16:creationId xmlns:a16="http://schemas.microsoft.com/office/drawing/2014/main" id="{BA119B19-B6A8-4253-A98F-E20A26E883F4}"/>
+              </a:ext>
+            </a:extLst>
+          </p:cNvPr>
+          <p:cNvSpPr/>
+          <p:nvPr/>
+        </p:nvSpPr>
+        <p:spPr>
+          <a:xfrm>
+            <a:off x="9058206" y="157194"/>
+            <a:ext cx="380990" cy="380990"/>
+          </a:xfrm>
+          <a:prstGeom prst="ellipse">
+            <a:avLst/>
+          </a:prstGeom>
+        </p:spPr>
+        <p:style>
+          <a:lnRef idx="0">
+            <a:schemeClr val="accent1"/>
+          </a:lnRef>
+          <a:fillRef idx="3">
+            <a:schemeClr val="accent1"/>
+          </a:fillRef>
+          <a:effectRef idx="3">
+            <a:schemeClr val="accent1"/>
+          </a:effectRef>
+          <a:fontRef idx="minor">
+            <a:schemeClr val="lt1"/>
+          </a:fontRef>
+        </p:style>
+        <p:txBody>
+          <a:bodyPr rtlCol="0" anchor="ctr"/>
+          <a:lstStyle/>
+          <a:p>
+            <a:pPr algn="ctr"/>
+            <a:endParaRPr lang="en-US"/>
+          </a:p>
+        </p:txBody>
+      </p:sp>
+      <p:sp>
+        <p:nvSpPr>
+          <p:cNvPr id="55" name="Oval 54">
+            <a:extLst>
+              <a:ext uri="{FF2B5EF4-FFF2-40B4-BE49-F238E27FC236}">
+                <a16:creationId xmlns:a16="http://schemas.microsoft.com/office/drawing/2014/main" id="{52D37B87-97FE-42D6-8A1A-75D3443B980E}"/>
+              </a:ext>
+            </a:extLst>
+          </p:cNvPr>
+          <p:cNvSpPr/>
+          <p:nvPr/>
+        </p:nvSpPr>
+        <p:spPr>
+          <a:xfrm>
+            <a:off x="9540806" y="157194"/>
+            <a:ext cx="380990" cy="380990"/>
+          </a:xfrm>
+          <a:prstGeom prst="ellipse">
+            <a:avLst/>
+          </a:prstGeom>
+        </p:spPr>
+        <p:style>
+          <a:lnRef idx="0">
+            <a:schemeClr val="accent1"/>
+          </a:lnRef>
+          <a:fillRef idx="3">
+            <a:schemeClr val="accent1"/>
+          </a:fillRef>
+          <a:effectRef idx="3">
+            <a:schemeClr val="accent1"/>
+          </a:effectRef>
+          <a:fontRef idx="minor">
+            <a:schemeClr val="lt1"/>
+          </a:fontRef>
+        </p:style>
+        <p:txBody>
+          <a:bodyPr rtlCol="0" anchor="ctr"/>
+          <a:lstStyle/>
+          <a:p>
+            <a:pPr algn="ctr"/>
+            <a:endParaRPr lang="en-US"/>
+          </a:p>
+        </p:txBody>
+      </p:sp>
+      <p:sp>
+        <p:nvSpPr>
+          <p:cNvPr id="56" name="Oval 55">
+            <a:extLst>
+              <a:ext uri="{FF2B5EF4-FFF2-40B4-BE49-F238E27FC236}">
+                <a16:creationId xmlns:a16="http://schemas.microsoft.com/office/drawing/2014/main" id="{E72A7D7C-FA54-458F-96C0-18452A6970B2}"/>
+              </a:ext>
+            </a:extLst>
+          </p:cNvPr>
+          <p:cNvSpPr/>
+          <p:nvPr/>
+        </p:nvSpPr>
+        <p:spPr>
+          <a:xfrm>
+            <a:off x="8099820" y="2143018"/>
+            <a:ext cx="380990" cy="380990"/>
+          </a:xfrm>
+          <a:prstGeom prst="ellipse">
+            <a:avLst/>
+          </a:prstGeom>
+        </p:spPr>
+        <p:style>
+          <a:lnRef idx="0">
+            <a:schemeClr val="accent1"/>
+          </a:lnRef>
+          <a:fillRef idx="3">
+            <a:schemeClr val="accent1"/>
+          </a:fillRef>
+          <a:effectRef idx="3">
+            <a:schemeClr val="accent1"/>
+          </a:effectRef>
+          <a:fontRef idx="minor">
+            <a:schemeClr val="lt1"/>
+          </a:fontRef>
+        </p:style>
+        <p:txBody>
+          <a:bodyPr rtlCol="0" anchor="ctr"/>
+          <a:lstStyle/>
+          <a:p>
+            <a:pPr algn="ctr"/>
+            <a:endParaRPr lang="en-US"/>
+          </a:p>
+        </p:txBody>
+      </p:sp>
+      <p:sp>
+        <p:nvSpPr>
+          <p:cNvPr id="57" name="Oval 56">
+            <a:extLst>
+              <a:ext uri="{FF2B5EF4-FFF2-40B4-BE49-F238E27FC236}">
+                <a16:creationId xmlns:a16="http://schemas.microsoft.com/office/drawing/2014/main" id="{94D1FDDA-2E73-428E-BDCD-B3A1081F642E}"/>
+              </a:ext>
+            </a:extLst>
+          </p:cNvPr>
+          <p:cNvSpPr/>
+          <p:nvPr/>
+        </p:nvSpPr>
+        <p:spPr>
+          <a:xfrm>
+            <a:off x="8582420" y="2143018"/>
+            <a:ext cx="380990" cy="380990"/>
+          </a:xfrm>
+          <a:prstGeom prst="ellipse">
+            <a:avLst/>
+          </a:prstGeom>
+        </p:spPr>
+        <p:style>
+          <a:lnRef idx="0">
+            <a:schemeClr val="accent2"/>
+          </a:lnRef>
+          <a:fillRef idx="3">
+            <a:schemeClr val="accent2"/>
+          </a:fillRef>
+          <a:effectRef idx="3">
+            <a:schemeClr val="accent2"/>
+          </a:effectRef>
+          <a:fontRef idx="minor">
+            <a:schemeClr val="lt1"/>
+          </a:fontRef>
+        </p:style>
+        <p:txBody>
+          <a:bodyPr rtlCol="0" anchor="ctr"/>
+          <a:lstStyle/>
+          <a:p>
+            <a:pPr algn="ctr"/>
+            <a:endParaRPr lang="en-US"/>
+          </a:p>
+        </p:txBody>
+      </p:sp>
+      <p:sp>
+        <p:nvSpPr>
+          <p:cNvPr id="58" name="Oval 57">
+            <a:extLst>
+              <a:ext uri="{FF2B5EF4-FFF2-40B4-BE49-F238E27FC236}">
+                <a16:creationId xmlns:a16="http://schemas.microsoft.com/office/drawing/2014/main" id="{C8256F48-9C45-41F4-BD24-C93C38C82817}"/>
+              </a:ext>
+            </a:extLst>
+          </p:cNvPr>
+          <p:cNvSpPr/>
+          <p:nvPr/>
+        </p:nvSpPr>
+        <p:spPr>
+          <a:xfrm>
+            <a:off x="9065020" y="2143018"/>
+            <a:ext cx="380990" cy="380990"/>
+          </a:xfrm>
+          <a:prstGeom prst="ellipse">
+            <a:avLst/>
+          </a:prstGeom>
+        </p:spPr>
+        <p:style>
+          <a:lnRef idx="0">
+            <a:schemeClr val="accent1"/>
+          </a:lnRef>
+          <a:fillRef idx="3">
+            <a:schemeClr val="accent1"/>
+          </a:fillRef>
+          <a:effectRef idx="3">
+            <a:schemeClr val="accent1"/>
+          </a:effectRef>
+          <a:fontRef idx="minor">
+            <a:schemeClr val="lt1"/>
+          </a:fontRef>
+        </p:style>
+        <p:txBody>
+          <a:bodyPr rtlCol="0" anchor="ctr"/>
+          <a:lstStyle/>
+          <a:p>
+            <a:pPr algn="ctr"/>
+            <a:endParaRPr lang="en-US"/>
+          </a:p>
+        </p:txBody>
+      </p:sp>
+      <p:sp>
+        <p:nvSpPr>
+          <p:cNvPr id="59" name="Oval 58">
+            <a:extLst>
+              <a:ext uri="{FF2B5EF4-FFF2-40B4-BE49-F238E27FC236}">
+                <a16:creationId xmlns:a16="http://schemas.microsoft.com/office/drawing/2014/main" id="{69E40392-3889-46DA-907C-6D87C555E862}"/>
+              </a:ext>
+            </a:extLst>
+          </p:cNvPr>
+          <p:cNvSpPr/>
+          <p:nvPr/>
+        </p:nvSpPr>
+        <p:spPr>
+          <a:xfrm>
+            <a:off x="9547620" y="2143018"/>
+            <a:ext cx="380990" cy="380990"/>
+          </a:xfrm>
+          <a:prstGeom prst="ellipse">
+            <a:avLst/>
+          </a:prstGeom>
+        </p:spPr>
+        <p:style>
+          <a:lnRef idx="0">
+            <a:schemeClr val="accent2"/>
+          </a:lnRef>
+          <a:fillRef idx="3">
+            <a:schemeClr val="accent2"/>
+          </a:fillRef>
+          <a:effectRef idx="3">
+            <a:schemeClr val="accent2"/>
+          </a:effectRef>
+          <a:fontRef idx="minor">
+            <a:schemeClr val="lt1"/>
+          </a:fontRef>
+        </p:style>
+        <p:txBody>
+          <a:bodyPr rtlCol="0" anchor="ctr"/>
+          <a:lstStyle/>
+          <a:p>
+            <a:pPr algn="ctr"/>
+            <a:endParaRPr lang="en-US"/>
+          </a:p>
+        </p:txBody>
+      </p:sp>
+      <p:sp>
+        <p:nvSpPr>
+          <p:cNvPr id="60" name="Oval 59">
+            <a:extLst>
+              <a:ext uri="{FF2B5EF4-FFF2-40B4-BE49-F238E27FC236}">
+                <a16:creationId xmlns:a16="http://schemas.microsoft.com/office/drawing/2014/main" id="{A9D0EC44-7EBB-4A8A-8A3A-D1093150F291}"/>
+              </a:ext>
+            </a:extLst>
+          </p:cNvPr>
+          <p:cNvSpPr/>
+          <p:nvPr/>
+        </p:nvSpPr>
+        <p:spPr>
+          <a:xfrm>
+            <a:off x="8096413" y="1646562"/>
+            <a:ext cx="380990" cy="380990"/>
+          </a:xfrm>
+          <a:prstGeom prst="ellipse">
+            <a:avLst/>
+          </a:prstGeom>
+        </p:spPr>
+        <p:style>
+          <a:lnRef idx="0">
+            <a:schemeClr val="accent1"/>
+          </a:lnRef>
+          <a:fillRef idx="3">
+            <a:schemeClr val="accent1"/>
+          </a:fillRef>
+          <a:effectRef idx="3">
+            <a:schemeClr val="accent1"/>
+          </a:effectRef>
+          <a:fontRef idx="minor">
+            <a:schemeClr val="lt1"/>
+          </a:fontRef>
+        </p:style>
+        <p:txBody>
+          <a:bodyPr rtlCol="0" anchor="ctr"/>
+          <a:lstStyle/>
+          <a:p>
+            <a:pPr algn="ctr"/>
+            <a:endParaRPr lang="en-US"/>
+          </a:p>
+        </p:txBody>
+      </p:sp>
+      <p:sp>
+        <p:nvSpPr>
+          <p:cNvPr id="61" name="Oval 60">
+            <a:extLst>
+              <a:ext uri="{FF2B5EF4-FFF2-40B4-BE49-F238E27FC236}">
+                <a16:creationId xmlns:a16="http://schemas.microsoft.com/office/drawing/2014/main" id="{E88CDB1A-01C5-44B4-A422-07165A811CA9}"/>
+              </a:ext>
+            </a:extLst>
+          </p:cNvPr>
+          <p:cNvSpPr/>
+          <p:nvPr/>
+        </p:nvSpPr>
+        <p:spPr>
+          <a:xfrm>
+            <a:off x="8579013" y="1646562"/>
+            <a:ext cx="380990" cy="380990"/>
+          </a:xfrm>
+          <a:prstGeom prst="ellipse">
+            <a:avLst/>
+          </a:prstGeom>
+        </p:spPr>
+        <p:style>
+          <a:lnRef idx="0">
+            <a:schemeClr val="accent2"/>
+          </a:lnRef>
+          <a:fillRef idx="3">
+            <a:schemeClr val="accent2"/>
+          </a:fillRef>
+          <a:effectRef idx="3">
+            <a:schemeClr val="accent2"/>
+          </a:effectRef>
+          <a:fontRef idx="minor">
+            <a:schemeClr val="lt1"/>
+          </a:fontRef>
+        </p:style>
+        <p:txBody>
+          <a:bodyPr rtlCol="0" anchor="ctr"/>
+          <a:lstStyle/>
+          <a:p>
+            <a:pPr algn="ctr"/>
+            <a:endParaRPr lang="en-US"/>
+          </a:p>
+        </p:txBody>
+      </p:sp>
+      <p:sp>
+        <p:nvSpPr>
+          <p:cNvPr id="62" name="Oval 61">
+            <a:extLst>
+              <a:ext uri="{FF2B5EF4-FFF2-40B4-BE49-F238E27FC236}">
+                <a16:creationId xmlns:a16="http://schemas.microsoft.com/office/drawing/2014/main" id="{5B5D38D1-FC47-4E92-95AB-EA1441C4FB33}"/>
+              </a:ext>
+            </a:extLst>
+          </p:cNvPr>
+          <p:cNvSpPr/>
+          <p:nvPr/>
+        </p:nvSpPr>
+        <p:spPr>
+          <a:xfrm>
+            <a:off x="9061613" y="1646562"/>
+            <a:ext cx="380990" cy="380990"/>
+          </a:xfrm>
+          <a:prstGeom prst="ellipse">
+            <a:avLst/>
+          </a:prstGeom>
+        </p:spPr>
+        <p:style>
+          <a:lnRef idx="0">
+            <a:schemeClr val="accent2"/>
+          </a:lnRef>
+          <a:fillRef idx="3">
+            <a:schemeClr val="accent2"/>
+          </a:fillRef>
+          <a:effectRef idx="3">
+            <a:schemeClr val="accent2"/>
+          </a:effectRef>
+          <a:fontRef idx="minor">
+            <a:schemeClr val="lt1"/>
+          </a:fontRef>
+        </p:style>
+        <p:txBody>
+          <a:bodyPr rtlCol="0" anchor="ctr"/>
+          <a:lstStyle/>
+          <a:p>
+            <a:pPr algn="ctr"/>
+            <a:endParaRPr lang="en-US"/>
+          </a:p>
+        </p:txBody>
+      </p:sp>
+      <p:sp>
+        <p:nvSpPr>
+          <p:cNvPr id="63" name="Oval 62">
+            <a:extLst>
+              <a:ext uri="{FF2B5EF4-FFF2-40B4-BE49-F238E27FC236}">
+                <a16:creationId xmlns:a16="http://schemas.microsoft.com/office/drawing/2014/main" id="{83793E54-C2B9-48C0-9403-015B44039B43}"/>
+              </a:ext>
+            </a:extLst>
+          </p:cNvPr>
+          <p:cNvSpPr/>
+          <p:nvPr/>
+        </p:nvSpPr>
+        <p:spPr>
+          <a:xfrm>
+            <a:off x="9544213" y="1646562"/>
+            <a:ext cx="380990" cy="380990"/>
+          </a:xfrm>
+          <a:prstGeom prst="ellipse">
+            <a:avLst/>
+          </a:prstGeom>
+        </p:spPr>
+        <p:style>
+          <a:lnRef idx="0">
+            <a:schemeClr val="accent1"/>
+          </a:lnRef>
+          <a:fillRef idx="3">
+            <a:schemeClr val="accent1"/>
+          </a:fillRef>
+          <a:effectRef idx="3">
+            <a:schemeClr val="accent1"/>
+          </a:effectRef>
+          <a:fontRef idx="minor">
+            <a:schemeClr val="lt1"/>
+          </a:fontRef>
+        </p:style>
+        <p:txBody>
+          <a:bodyPr rtlCol="0" anchor="ctr"/>
+          <a:lstStyle/>
+          <a:p>
+            <a:pPr algn="ctr"/>
+            <a:endParaRPr lang="en-US"/>
+          </a:p>
+        </p:txBody>
+      </p:sp>
+      <p:sp>
+        <p:nvSpPr>
+          <p:cNvPr id="73" name="TextBox 72">
+            <a:extLst>
+              <a:ext uri="{FF2B5EF4-FFF2-40B4-BE49-F238E27FC236}">
+                <a16:creationId xmlns:a16="http://schemas.microsoft.com/office/drawing/2014/main" id="{EE6F3813-6A31-48FB-B78F-3CEC64078BEA}"/>
+              </a:ext>
+            </a:extLst>
+          </p:cNvPr>
+          <p:cNvSpPr txBox="1"/>
+          <p:nvPr/>
+        </p:nvSpPr>
+        <p:spPr>
+          <a:xfrm>
+            <a:off x="2391745" y="4970112"/>
+            <a:ext cx="1353384" cy="369332"/>
+          </a:xfrm>
+          <a:prstGeom prst="rect">
+            <a:avLst/>
+          </a:prstGeom>
+          <a:noFill/>
+        </p:spPr>
+        <p:txBody>
+          <a:bodyPr wrap="none" rtlCol="0">
+            <a:spAutoFit/>
+          </a:bodyPr>
+          <a:lstStyle/>
+          <a:p>
+            <a:r>
+              <a:rPr lang="en-US" dirty="0"/>
+              <a:t>Low Entropy</a:t>
+            </a:r>
+          </a:p>
+        </p:txBody>
+      </p:sp>
+      <p:sp>
+        <p:nvSpPr>
+          <p:cNvPr id="143" name="TextBox 142">
+            <a:extLst>
+              <a:ext uri="{FF2B5EF4-FFF2-40B4-BE49-F238E27FC236}">
+                <a16:creationId xmlns:a16="http://schemas.microsoft.com/office/drawing/2014/main" id="{A4EAD623-F804-4D9E-AF2E-900C3B06F8EF}"/>
+              </a:ext>
+            </a:extLst>
+          </p:cNvPr>
+          <p:cNvSpPr txBox="1"/>
+          <p:nvPr/>
+        </p:nvSpPr>
+        <p:spPr>
+          <a:xfrm>
+            <a:off x="5155167" y="4970112"/>
+            <a:ext cx="1763047" cy="369332"/>
+          </a:xfrm>
+          <a:prstGeom prst="rect">
+            <a:avLst/>
+          </a:prstGeom>
+          <a:noFill/>
+        </p:spPr>
+        <p:txBody>
+          <a:bodyPr wrap="none" rtlCol="0">
+            <a:spAutoFit/>
+          </a:bodyPr>
+          <a:lstStyle/>
+          <a:p>
+            <a:r>
+              <a:rPr lang="en-US" dirty="0"/>
+              <a:t>Medium Entropy</a:t>
+            </a:r>
+          </a:p>
+        </p:txBody>
+      </p:sp>
+      <p:sp>
+        <p:nvSpPr>
+          <p:cNvPr id="144" name="TextBox 143">
+            <a:extLst>
+              <a:ext uri="{FF2B5EF4-FFF2-40B4-BE49-F238E27FC236}">
+                <a16:creationId xmlns:a16="http://schemas.microsoft.com/office/drawing/2014/main" id="{66892E6E-E452-4BC5-BDC9-47D7423DF97D}"/>
+              </a:ext>
+            </a:extLst>
+          </p:cNvPr>
+          <p:cNvSpPr txBox="1"/>
+          <p:nvPr/>
+        </p:nvSpPr>
+        <p:spPr>
+          <a:xfrm>
+            <a:off x="8306649" y="4970112"/>
+            <a:ext cx="1397562" cy="369332"/>
+          </a:xfrm>
+          <a:prstGeom prst="rect">
+            <a:avLst/>
+          </a:prstGeom>
+          <a:noFill/>
+        </p:spPr>
+        <p:txBody>
+          <a:bodyPr wrap="none" rtlCol="0">
+            <a:spAutoFit/>
+          </a:bodyPr>
+          <a:lstStyle/>
+          <a:p>
+            <a:r>
+              <a:rPr lang="en-US" dirty="0"/>
+              <a:t>High Entropy</a:t>
+            </a:r>
+          </a:p>
+        </p:txBody>
+      </p:sp>
+      <p:sp>
+        <p:nvSpPr>
+          <p:cNvPr id="145" name="TextBox 144">
+            <a:extLst>
+              <a:ext uri="{FF2B5EF4-FFF2-40B4-BE49-F238E27FC236}">
+                <a16:creationId xmlns:a16="http://schemas.microsoft.com/office/drawing/2014/main" id="{748FBE6F-886D-48B3-BD04-192F1D4F85F3}"/>
+              </a:ext>
+            </a:extLst>
+          </p:cNvPr>
+          <p:cNvSpPr txBox="1"/>
+          <p:nvPr/>
+        </p:nvSpPr>
+        <p:spPr>
+          <a:xfrm>
+            <a:off x="2217082" y="5242620"/>
+            <a:ext cx="1702710" cy="369332"/>
+          </a:xfrm>
+          <a:prstGeom prst="rect">
+            <a:avLst/>
+          </a:prstGeom>
+          <a:noFill/>
+        </p:spPr>
+        <p:txBody>
+          <a:bodyPr wrap="none" rtlCol="0">
+            <a:spAutoFit/>
+          </a:bodyPr>
+          <a:lstStyle/>
+          <a:p>
+            <a:r>
+              <a:rPr lang="en-US" dirty="0"/>
+              <a:t>High Knowledge</a:t>
+            </a:r>
+          </a:p>
+        </p:txBody>
+      </p:sp>
+      <p:sp>
+        <p:nvSpPr>
+          <p:cNvPr id="146" name="TextBox 145">
+            <a:extLst>
+              <a:ext uri="{FF2B5EF4-FFF2-40B4-BE49-F238E27FC236}">
+                <a16:creationId xmlns:a16="http://schemas.microsoft.com/office/drawing/2014/main" id="{6A41F021-4271-47C3-AEF4-62903872D478}"/>
+              </a:ext>
+            </a:extLst>
+          </p:cNvPr>
+          <p:cNvSpPr txBox="1"/>
+          <p:nvPr/>
+        </p:nvSpPr>
+        <p:spPr>
+          <a:xfrm>
+            <a:off x="5002592" y="5242620"/>
+            <a:ext cx="2068195" cy="369332"/>
+          </a:xfrm>
+          <a:prstGeom prst="rect">
+            <a:avLst/>
+          </a:prstGeom>
+          <a:noFill/>
+        </p:spPr>
+        <p:txBody>
+          <a:bodyPr wrap="none" rtlCol="0">
+            <a:spAutoFit/>
+          </a:bodyPr>
+          <a:lstStyle/>
+          <a:p>
+            <a:r>
+              <a:rPr lang="en-US" dirty="0"/>
+              <a:t>Medium Knowledge</a:t>
+            </a:r>
+          </a:p>
+        </p:txBody>
+      </p:sp>
+      <p:sp>
+        <p:nvSpPr>
+          <p:cNvPr id="147" name="TextBox 146">
+            <a:extLst>
+              <a:ext uri="{FF2B5EF4-FFF2-40B4-BE49-F238E27FC236}">
+                <a16:creationId xmlns:a16="http://schemas.microsoft.com/office/drawing/2014/main" id="{2DBA7947-51E4-4ED9-BD91-20A5F775DD5A}"/>
+              </a:ext>
+            </a:extLst>
+          </p:cNvPr>
+          <p:cNvSpPr txBox="1"/>
+          <p:nvPr/>
+        </p:nvSpPr>
+        <p:spPr>
+          <a:xfrm>
+            <a:off x="8176164" y="5242620"/>
+            <a:ext cx="1658531" cy="369332"/>
+          </a:xfrm>
+          <a:prstGeom prst="rect">
+            <a:avLst/>
+          </a:prstGeom>
+          <a:noFill/>
+        </p:spPr>
+        <p:txBody>
+          <a:bodyPr wrap="none" rtlCol="0">
+            <a:spAutoFit/>
+          </a:bodyPr>
+          <a:lstStyle/>
+          <a:p>
+            <a:r>
+              <a:rPr lang="en-US" dirty="0"/>
+              <a:t>Low Knowledge</a:t>
+            </a:r>
+          </a:p>
+        </p:txBody>
+      </p:sp>
+    </p:spTree>
+    <p:extLst>
+      <p:ext uri="{BB962C8B-B14F-4D97-AF65-F5344CB8AC3E}">
+        <p14:creationId xmlns:p14="http://schemas.microsoft.com/office/powerpoint/2010/main" val="1011354180"/>
+      </p:ext>
+    </p:extLst>
+  </p:cSld>
+  <p:clrMapOvr>
+    <a:masterClrMapping/>
+  </p:clrMapOvr>
+</p:sld>
+</file>
+
 <file path=ppt/slides/slide2.xml><?xml version="1.0" encoding="utf-8"?>
 <p:sld xmlns:a="http://schemas.openxmlformats.org/drawingml/2006/main" xmlns:r="http://schemas.openxmlformats.org/officeDocument/2006/relationships" xmlns:p="http://schemas.openxmlformats.org/presentationml/2006/main">
   <p:cSld>

--- a/ANN Diagram.pptx
+++ b/ANN Diagram.pptx
@@ -23,6 +23,7 @@
     <p:sldId id="271" r:id="rId17"/>
     <p:sldId id="272" r:id="rId18"/>
     <p:sldId id="273" r:id="rId19"/>
+    <p:sldId id="274" r:id="rId20"/>
   </p:sldIdLst>
   <p:sldSz cx="12192000" cy="6858000"/>
   <p:notesSz cx="6858000" cy="9144000"/>
@@ -299,7 +300,7 @@
           <a:p>
             <a:fld id="{C2F77027-3C40-4359-A277-7487BD58E41D}" type="datetimeFigureOut">
               <a:rPr lang="en-US" smtClean="0"/>
-              <a:t>12/22/2019</a:t>
+              <a:t>12/23/2019</a:t>
             </a:fld>
             <a:endParaRPr lang="en-US"/>
           </a:p>
@@ -497,7 +498,7 @@
           <a:p>
             <a:fld id="{C2F77027-3C40-4359-A277-7487BD58E41D}" type="datetimeFigureOut">
               <a:rPr lang="en-US" smtClean="0"/>
-              <a:t>12/22/2019</a:t>
+              <a:t>12/23/2019</a:t>
             </a:fld>
             <a:endParaRPr lang="en-US"/>
           </a:p>
@@ -705,7 +706,7 @@
           <a:p>
             <a:fld id="{C2F77027-3C40-4359-A277-7487BD58E41D}" type="datetimeFigureOut">
               <a:rPr lang="en-US" smtClean="0"/>
-              <a:t>12/22/2019</a:t>
+              <a:t>12/23/2019</a:t>
             </a:fld>
             <a:endParaRPr lang="en-US"/>
           </a:p>
@@ -903,7 +904,7 @@
           <a:p>
             <a:fld id="{C2F77027-3C40-4359-A277-7487BD58E41D}" type="datetimeFigureOut">
               <a:rPr lang="en-US" smtClean="0"/>
-              <a:t>12/22/2019</a:t>
+              <a:t>12/23/2019</a:t>
             </a:fld>
             <a:endParaRPr lang="en-US"/>
           </a:p>
@@ -1178,7 +1179,7 @@
           <a:p>
             <a:fld id="{C2F77027-3C40-4359-A277-7487BD58E41D}" type="datetimeFigureOut">
               <a:rPr lang="en-US" smtClean="0"/>
-              <a:t>12/22/2019</a:t>
+              <a:t>12/23/2019</a:t>
             </a:fld>
             <a:endParaRPr lang="en-US"/>
           </a:p>
@@ -1443,7 +1444,7 @@
           <a:p>
             <a:fld id="{C2F77027-3C40-4359-A277-7487BD58E41D}" type="datetimeFigureOut">
               <a:rPr lang="en-US" smtClean="0"/>
-              <a:t>12/22/2019</a:t>
+              <a:t>12/23/2019</a:t>
             </a:fld>
             <a:endParaRPr lang="en-US"/>
           </a:p>
@@ -1855,7 +1856,7 @@
           <a:p>
             <a:fld id="{C2F77027-3C40-4359-A277-7487BD58E41D}" type="datetimeFigureOut">
               <a:rPr lang="en-US" smtClean="0"/>
-              <a:t>12/22/2019</a:t>
+              <a:t>12/23/2019</a:t>
             </a:fld>
             <a:endParaRPr lang="en-US"/>
           </a:p>
@@ -1996,7 +1997,7 @@
           <a:p>
             <a:fld id="{C2F77027-3C40-4359-A277-7487BD58E41D}" type="datetimeFigureOut">
               <a:rPr lang="en-US" smtClean="0"/>
-              <a:t>12/22/2019</a:t>
+              <a:t>12/23/2019</a:t>
             </a:fld>
             <a:endParaRPr lang="en-US"/>
           </a:p>
@@ -2109,7 +2110,7 @@
           <a:p>
             <a:fld id="{C2F77027-3C40-4359-A277-7487BD58E41D}" type="datetimeFigureOut">
               <a:rPr lang="en-US" smtClean="0"/>
-              <a:t>12/22/2019</a:t>
+              <a:t>12/23/2019</a:t>
             </a:fld>
             <a:endParaRPr lang="en-US"/>
           </a:p>
@@ -2420,7 +2421,7 @@
           <a:p>
             <a:fld id="{C2F77027-3C40-4359-A277-7487BD58E41D}" type="datetimeFigureOut">
               <a:rPr lang="en-US" smtClean="0"/>
-              <a:t>12/22/2019</a:t>
+              <a:t>12/23/2019</a:t>
             </a:fld>
             <a:endParaRPr lang="en-US"/>
           </a:p>
@@ -2708,7 +2709,7 @@
           <a:p>
             <a:fld id="{C2F77027-3C40-4359-A277-7487BD58E41D}" type="datetimeFigureOut">
               <a:rPr lang="en-US" smtClean="0"/>
-              <a:t>12/22/2019</a:t>
+              <a:t>12/23/2019</a:t>
             </a:fld>
             <a:endParaRPr lang="en-US"/>
           </a:p>
@@ -2949,7 +2950,7 @@
           <a:p>
             <a:fld id="{C2F77027-3C40-4359-A277-7487BD58E41D}" type="datetimeFigureOut">
               <a:rPr lang="en-US" smtClean="0"/>
-              <a:t>12/22/2019</a:t>
+              <a:t>12/23/2019</a:t>
             </a:fld>
             <a:endParaRPr lang="en-US"/>
           </a:p>
@@ -38090,6 +38091,2274 @@
 </p:sld>
 </file>
 
+<file path=ppt/slides/slide19.xml><?xml version="1.0" encoding="utf-8"?>
+<p:sld xmlns:a="http://schemas.openxmlformats.org/drawingml/2006/main" xmlns:r="http://schemas.openxmlformats.org/officeDocument/2006/relationships" xmlns:p="http://schemas.openxmlformats.org/presentationml/2006/main">
+  <p:cSld>
+    <p:spTree>
+      <p:nvGrpSpPr>
+        <p:cNvPr id="1" name=""/>
+        <p:cNvGrpSpPr/>
+        <p:nvPr/>
+      </p:nvGrpSpPr>
+      <p:grpSpPr>
+        <a:xfrm>
+          <a:off x="0" y="0"/>
+          <a:ext cx="0" cy="0"/>
+          <a:chOff x="0" y="0"/>
+          <a:chExt cx="0" cy="0"/>
+        </a:xfrm>
+      </p:grpSpPr>
+      <mc:AlternateContent xmlns:mc="http://schemas.openxmlformats.org/markup-compatibility/2006">
+        <mc:Choice xmlns:a14="http://schemas.microsoft.com/office/drawing/2010/main" Requires="a14">
+          <p:sp>
+            <p:nvSpPr>
+              <p:cNvPr id="18" name="TextBox 17">
+                <a:extLst>
+                  <a:ext uri="{FF2B5EF4-FFF2-40B4-BE49-F238E27FC236}">
+                    <a16:creationId xmlns:a16="http://schemas.microsoft.com/office/drawing/2014/main" id="{2F1A8C2C-BACE-4389-A1C3-687A511655B1}"/>
+                  </a:ext>
+                </a:extLst>
+              </p:cNvPr>
+              <p:cNvSpPr txBox="1"/>
+              <p:nvPr/>
+            </p:nvSpPr>
+            <p:spPr>
+              <a:xfrm>
+                <a:off x="5176433" y="4484938"/>
+                <a:ext cx="283731" cy="161583"/>
+              </a:xfrm>
+              <a:prstGeom prst="rect">
+                <a:avLst/>
+              </a:prstGeom>
+              <a:noFill/>
+            </p:spPr>
+            <p:txBody>
+              <a:bodyPr wrap="none" lIns="0" tIns="0" rIns="0" bIns="0" rtlCol="0">
+                <a:spAutoFit/>
+              </a:bodyPr>
+              <a:lstStyle/>
+              <a:p>
+                <a14:m>
+                  <m:oMathPara xmlns:m="http://schemas.openxmlformats.org/officeDocument/2006/math">
+                    <m:oMathParaPr>
+                      <m:jc m:val="centerGroup"/>
+                    </m:oMathParaPr>
+                    <m:oMath xmlns:m="http://schemas.openxmlformats.org/officeDocument/2006/math">
+                      <m:r>
+                        <a:rPr lang="en-US" sz="1050" b="0" i="1" smtClean="0">
+                          <a:latin typeface="Cambria Math" panose="02040503050406030204" pitchFamily="18" charset="0"/>
+                        </a:rPr>
+                        <m:t>0.75</m:t>
+                      </m:r>
+                    </m:oMath>
+                  </m:oMathPara>
+                </a14:m>
+                <a:endParaRPr lang="en-US" sz="1050" dirty="0"/>
+              </a:p>
+            </p:txBody>
+          </p:sp>
+        </mc:Choice>
+        <mc:Fallback>
+          <p:sp>
+            <p:nvSpPr>
+              <p:cNvPr id="18" name="TextBox 17">
+                <a:extLst>
+                  <a:ext uri="{FF2B5EF4-FFF2-40B4-BE49-F238E27FC236}">
+                    <a16:creationId xmlns:a16="http://schemas.microsoft.com/office/drawing/2014/main" id="{2F1A8C2C-BACE-4389-A1C3-687A511655B1}"/>
+                  </a:ext>
+                </a:extLst>
+              </p:cNvPr>
+              <p:cNvSpPr txBox="1">
+                <a:spLocks noRot="1" noChangeAspect="1" noMove="1" noResize="1" noEditPoints="1" noAdjustHandles="1" noChangeArrowheads="1" noChangeShapeType="1" noTextEdit="1"/>
+              </p:cNvSpPr>
+              <p:nvPr/>
+            </p:nvSpPr>
+            <p:spPr>
+              <a:xfrm>
+                <a:off x="5176433" y="4484938"/>
+                <a:ext cx="283731" cy="161583"/>
+              </a:xfrm>
+              <a:prstGeom prst="rect">
+                <a:avLst/>
+              </a:prstGeom>
+              <a:blipFill>
+                <a:blip r:embed="rId2"/>
+                <a:stretch>
+                  <a:fillRect l="-10638" r="-12766" b="-11538"/>
+                </a:stretch>
+              </a:blipFill>
+            </p:spPr>
+            <p:txBody>
+              <a:bodyPr/>
+              <a:lstStyle/>
+              <a:p>
+                <a:r>
+                  <a:rPr lang="en-US">
+                    <a:noFill/>
+                  </a:rPr>
+                  <a:t> </a:t>
+                </a:r>
+              </a:p>
+            </p:txBody>
+          </p:sp>
+        </mc:Fallback>
+      </mc:AlternateContent>
+      <mc:AlternateContent xmlns:mc="http://schemas.openxmlformats.org/markup-compatibility/2006">
+        <mc:Choice xmlns:a14="http://schemas.microsoft.com/office/drawing/2010/main" Requires="a14">
+          <p:sp>
+            <p:nvSpPr>
+              <p:cNvPr id="19" name="TextBox 18">
+                <a:extLst>
+                  <a:ext uri="{FF2B5EF4-FFF2-40B4-BE49-F238E27FC236}">
+                    <a16:creationId xmlns:a16="http://schemas.microsoft.com/office/drawing/2014/main" id="{E97EA8C5-3861-4DF8-B240-A23FF6399F49}"/>
+                  </a:ext>
+                </a:extLst>
+              </p:cNvPr>
+              <p:cNvSpPr txBox="1"/>
+              <p:nvPr/>
+            </p:nvSpPr>
+            <p:spPr>
+              <a:xfrm>
+                <a:off x="5653525" y="4484938"/>
+                <a:ext cx="283731" cy="161583"/>
+              </a:xfrm>
+              <a:prstGeom prst="rect">
+                <a:avLst/>
+              </a:prstGeom>
+              <a:noFill/>
+            </p:spPr>
+            <p:txBody>
+              <a:bodyPr wrap="none" lIns="0" tIns="0" rIns="0" bIns="0" rtlCol="0">
+                <a:spAutoFit/>
+              </a:bodyPr>
+              <a:lstStyle/>
+              <a:p>
+                <a14:m>
+                  <m:oMathPara xmlns:m="http://schemas.openxmlformats.org/officeDocument/2006/math">
+                    <m:oMathParaPr>
+                      <m:jc m:val="centerGroup"/>
+                    </m:oMathParaPr>
+                    <m:oMath xmlns:m="http://schemas.openxmlformats.org/officeDocument/2006/math">
+                      <m:r>
+                        <a:rPr lang="en-US" sz="1050" b="0" i="1" smtClean="0">
+                          <a:latin typeface="Cambria Math" panose="02040503050406030204" pitchFamily="18" charset="0"/>
+                        </a:rPr>
+                        <m:t>0.75</m:t>
+                      </m:r>
+                    </m:oMath>
+                  </m:oMathPara>
+                </a14:m>
+                <a:endParaRPr lang="en-US" sz="1050" dirty="0"/>
+              </a:p>
+            </p:txBody>
+          </p:sp>
+        </mc:Choice>
+        <mc:Fallback>
+          <p:sp>
+            <p:nvSpPr>
+              <p:cNvPr id="19" name="TextBox 18">
+                <a:extLst>
+                  <a:ext uri="{FF2B5EF4-FFF2-40B4-BE49-F238E27FC236}">
+                    <a16:creationId xmlns:a16="http://schemas.microsoft.com/office/drawing/2014/main" id="{E97EA8C5-3861-4DF8-B240-A23FF6399F49}"/>
+                  </a:ext>
+                </a:extLst>
+              </p:cNvPr>
+              <p:cNvSpPr txBox="1">
+                <a:spLocks noRot="1" noChangeAspect="1" noMove="1" noResize="1" noEditPoints="1" noAdjustHandles="1" noChangeArrowheads="1" noChangeShapeType="1" noTextEdit="1"/>
+              </p:cNvSpPr>
+              <p:nvPr/>
+            </p:nvSpPr>
+            <p:spPr>
+              <a:xfrm>
+                <a:off x="5653525" y="4484938"/>
+                <a:ext cx="283731" cy="161583"/>
+              </a:xfrm>
+              <a:prstGeom prst="rect">
+                <a:avLst/>
+              </a:prstGeom>
+              <a:blipFill>
+                <a:blip r:embed="rId2"/>
+                <a:stretch>
+                  <a:fillRect l="-10638" r="-12766" b="-11538"/>
+                </a:stretch>
+              </a:blipFill>
+            </p:spPr>
+            <p:txBody>
+              <a:bodyPr/>
+              <a:lstStyle/>
+              <a:p>
+                <a:r>
+                  <a:rPr lang="en-US">
+                    <a:noFill/>
+                  </a:rPr>
+                  <a:t> </a:t>
+                </a:r>
+              </a:p>
+            </p:txBody>
+          </p:sp>
+        </mc:Fallback>
+      </mc:AlternateContent>
+      <mc:AlternateContent xmlns:mc="http://schemas.openxmlformats.org/markup-compatibility/2006">
+        <mc:Choice xmlns:a14="http://schemas.microsoft.com/office/drawing/2010/main" Requires="a14">
+          <p:sp>
+            <p:nvSpPr>
+              <p:cNvPr id="20" name="TextBox 19">
+                <a:extLst>
+                  <a:ext uri="{FF2B5EF4-FFF2-40B4-BE49-F238E27FC236}">
+                    <a16:creationId xmlns:a16="http://schemas.microsoft.com/office/drawing/2014/main" id="{351FBBD7-C099-450E-8BE3-90625326F84D}"/>
+                  </a:ext>
+                </a:extLst>
+              </p:cNvPr>
+              <p:cNvSpPr txBox="1"/>
+              <p:nvPr/>
+            </p:nvSpPr>
+            <p:spPr>
+              <a:xfrm>
+                <a:off x="6136125" y="4483796"/>
+                <a:ext cx="283731" cy="161583"/>
+              </a:xfrm>
+              <a:prstGeom prst="rect">
+                <a:avLst/>
+              </a:prstGeom>
+              <a:noFill/>
+            </p:spPr>
+            <p:txBody>
+              <a:bodyPr wrap="none" lIns="0" tIns="0" rIns="0" bIns="0" rtlCol="0">
+                <a:spAutoFit/>
+              </a:bodyPr>
+              <a:lstStyle/>
+              <a:p>
+                <a14:m>
+                  <m:oMathPara xmlns:m="http://schemas.openxmlformats.org/officeDocument/2006/math">
+                    <m:oMathParaPr>
+                      <m:jc m:val="centerGroup"/>
+                    </m:oMathParaPr>
+                    <m:oMath xmlns:m="http://schemas.openxmlformats.org/officeDocument/2006/math">
+                      <m:r>
+                        <a:rPr lang="en-US" sz="1050" b="0" i="1" smtClean="0">
+                          <a:latin typeface="Cambria Math" panose="02040503050406030204" pitchFamily="18" charset="0"/>
+                        </a:rPr>
+                        <m:t>0.75</m:t>
+                      </m:r>
+                    </m:oMath>
+                  </m:oMathPara>
+                </a14:m>
+                <a:endParaRPr lang="en-US" sz="1050" dirty="0"/>
+              </a:p>
+            </p:txBody>
+          </p:sp>
+        </mc:Choice>
+        <mc:Fallback>
+          <p:sp>
+            <p:nvSpPr>
+              <p:cNvPr id="20" name="TextBox 19">
+                <a:extLst>
+                  <a:ext uri="{FF2B5EF4-FFF2-40B4-BE49-F238E27FC236}">
+                    <a16:creationId xmlns:a16="http://schemas.microsoft.com/office/drawing/2014/main" id="{351FBBD7-C099-450E-8BE3-90625326F84D}"/>
+                  </a:ext>
+                </a:extLst>
+              </p:cNvPr>
+              <p:cNvSpPr txBox="1">
+                <a:spLocks noRot="1" noChangeAspect="1" noMove="1" noResize="1" noEditPoints="1" noAdjustHandles="1" noChangeArrowheads="1" noChangeShapeType="1" noTextEdit="1"/>
+              </p:cNvSpPr>
+              <p:nvPr/>
+            </p:nvSpPr>
+            <p:spPr>
+              <a:xfrm>
+                <a:off x="6136125" y="4483796"/>
+                <a:ext cx="283731" cy="161583"/>
+              </a:xfrm>
+              <a:prstGeom prst="rect">
+                <a:avLst/>
+              </a:prstGeom>
+              <a:blipFill>
+                <a:blip r:embed="rId3"/>
+                <a:stretch>
+                  <a:fillRect l="-10870" r="-13043" b="-11538"/>
+                </a:stretch>
+              </a:blipFill>
+            </p:spPr>
+            <p:txBody>
+              <a:bodyPr/>
+              <a:lstStyle/>
+              <a:p>
+                <a:r>
+                  <a:rPr lang="en-US">
+                    <a:noFill/>
+                  </a:rPr>
+                  <a:t> </a:t>
+                </a:r>
+              </a:p>
+            </p:txBody>
+          </p:sp>
+        </mc:Fallback>
+      </mc:AlternateContent>
+      <mc:AlternateContent xmlns:mc="http://schemas.openxmlformats.org/markup-compatibility/2006">
+        <mc:Choice xmlns:a14="http://schemas.microsoft.com/office/drawing/2010/main" Requires="a14">
+          <p:sp>
+            <p:nvSpPr>
+              <p:cNvPr id="21" name="TextBox 20">
+                <a:extLst>
+                  <a:ext uri="{FF2B5EF4-FFF2-40B4-BE49-F238E27FC236}">
+                    <a16:creationId xmlns:a16="http://schemas.microsoft.com/office/drawing/2014/main" id="{6DA26D56-1E74-4814-B53D-2CF4669C8740}"/>
+                  </a:ext>
+                </a:extLst>
+              </p:cNvPr>
+              <p:cNvSpPr txBox="1"/>
+              <p:nvPr/>
+            </p:nvSpPr>
+            <p:spPr>
+              <a:xfrm>
+                <a:off x="6613217" y="4483795"/>
+                <a:ext cx="283732" cy="161583"/>
+              </a:xfrm>
+              <a:prstGeom prst="rect">
+                <a:avLst/>
+              </a:prstGeom>
+              <a:noFill/>
+            </p:spPr>
+            <p:txBody>
+              <a:bodyPr wrap="none" lIns="0" tIns="0" rIns="0" bIns="0" rtlCol="0">
+                <a:spAutoFit/>
+              </a:bodyPr>
+              <a:lstStyle/>
+              <a:p>
+                <a14:m>
+                  <m:oMathPara xmlns:m="http://schemas.openxmlformats.org/officeDocument/2006/math">
+                    <m:oMathParaPr>
+                      <m:jc m:val="centerGroup"/>
+                    </m:oMathParaPr>
+                    <m:oMath xmlns:m="http://schemas.openxmlformats.org/officeDocument/2006/math">
+                      <m:r>
+                        <a:rPr lang="en-US" sz="1050" b="0" i="1" smtClean="0">
+                          <a:latin typeface="Cambria Math" panose="02040503050406030204" pitchFamily="18" charset="0"/>
+                        </a:rPr>
+                        <m:t>0.25</m:t>
+                      </m:r>
+                    </m:oMath>
+                  </m:oMathPara>
+                </a14:m>
+                <a:endParaRPr lang="en-US" sz="1050" dirty="0"/>
+              </a:p>
+            </p:txBody>
+          </p:sp>
+        </mc:Choice>
+        <mc:Fallback>
+          <p:sp>
+            <p:nvSpPr>
+              <p:cNvPr id="21" name="TextBox 20">
+                <a:extLst>
+                  <a:ext uri="{FF2B5EF4-FFF2-40B4-BE49-F238E27FC236}">
+                    <a16:creationId xmlns:a16="http://schemas.microsoft.com/office/drawing/2014/main" id="{6DA26D56-1E74-4814-B53D-2CF4669C8740}"/>
+                  </a:ext>
+                </a:extLst>
+              </p:cNvPr>
+              <p:cNvSpPr txBox="1">
+                <a:spLocks noRot="1" noChangeAspect="1" noMove="1" noResize="1" noEditPoints="1" noAdjustHandles="1" noChangeArrowheads="1" noChangeShapeType="1" noTextEdit="1"/>
+              </p:cNvSpPr>
+              <p:nvPr/>
+            </p:nvSpPr>
+            <p:spPr>
+              <a:xfrm>
+                <a:off x="6613217" y="4483795"/>
+                <a:ext cx="283732" cy="161583"/>
+              </a:xfrm>
+              <a:prstGeom prst="rect">
+                <a:avLst/>
+              </a:prstGeom>
+              <a:blipFill>
+                <a:blip r:embed="rId4"/>
+                <a:stretch>
+                  <a:fillRect l="-10870" r="-13043" b="-11538"/>
+                </a:stretch>
+              </a:blipFill>
+            </p:spPr>
+            <p:txBody>
+              <a:bodyPr/>
+              <a:lstStyle/>
+              <a:p>
+                <a:r>
+                  <a:rPr lang="en-US">
+                    <a:noFill/>
+                  </a:rPr>
+                  <a:t> </a:t>
+                </a:r>
+              </a:p>
+            </p:txBody>
+          </p:sp>
+        </mc:Fallback>
+      </mc:AlternateContent>
+      <p:sp>
+        <p:nvSpPr>
+          <p:cNvPr id="22" name="Oval 21">
+            <a:extLst>
+              <a:ext uri="{FF2B5EF4-FFF2-40B4-BE49-F238E27FC236}">
+                <a16:creationId xmlns:a16="http://schemas.microsoft.com/office/drawing/2014/main" id="{2400771C-2544-465F-A51C-01F5A3A09C06}"/>
+              </a:ext>
+            </a:extLst>
+          </p:cNvPr>
+          <p:cNvSpPr/>
+          <p:nvPr/>
+        </p:nvSpPr>
+        <p:spPr>
+          <a:xfrm>
+            <a:off x="2154042" y="4046166"/>
+            <a:ext cx="380990" cy="380990"/>
+          </a:xfrm>
+          <a:prstGeom prst="ellipse">
+            <a:avLst/>
+          </a:prstGeom>
+        </p:spPr>
+        <p:style>
+          <a:lnRef idx="0">
+            <a:schemeClr val="accent1"/>
+          </a:lnRef>
+          <a:fillRef idx="3">
+            <a:schemeClr val="accent1"/>
+          </a:fillRef>
+          <a:effectRef idx="3">
+            <a:schemeClr val="accent1"/>
+          </a:effectRef>
+          <a:fontRef idx="minor">
+            <a:schemeClr val="lt1"/>
+          </a:fontRef>
+        </p:style>
+        <p:txBody>
+          <a:bodyPr rtlCol="0" anchor="ctr"/>
+          <a:lstStyle/>
+          <a:p>
+            <a:pPr algn="ctr"/>
+            <a:endParaRPr lang="en-US"/>
+          </a:p>
+        </p:txBody>
+      </p:sp>
+      <p:grpSp>
+        <p:nvGrpSpPr>
+          <p:cNvPr id="23" name="Group 22">
+            <a:extLst>
+              <a:ext uri="{FF2B5EF4-FFF2-40B4-BE49-F238E27FC236}">
+                <a16:creationId xmlns:a16="http://schemas.microsoft.com/office/drawing/2014/main" id="{BD150ED7-4837-415B-A385-DAB03C0488F8}"/>
+              </a:ext>
+            </a:extLst>
+          </p:cNvPr>
+          <p:cNvGrpSpPr/>
+          <p:nvPr/>
+        </p:nvGrpSpPr>
+        <p:grpSpPr>
+          <a:xfrm>
+            <a:off x="1846184" y="3422832"/>
+            <a:ext cx="2444506" cy="1459438"/>
+            <a:chOff x="317501" y="3003545"/>
+            <a:chExt cx="2444506" cy="1459438"/>
+          </a:xfrm>
+          <a:effectLst>
+            <a:outerShdw blurRad="57150" dist="19050" dir="5400000" algn="ctr" rotWithShape="0">
+              <a:srgbClr val="000000">
+                <a:alpha val="63000"/>
+              </a:srgbClr>
+            </a:outerShdw>
+          </a:effectLst>
+        </p:grpSpPr>
+        <p:sp>
+          <p:nvSpPr>
+            <p:cNvPr id="24" name="Rectangle 23">
+              <a:extLst>
+                <a:ext uri="{FF2B5EF4-FFF2-40B4-BE49-F238E27FC236}">
+                  <a16:creationId xmlns:a16="http://schemas.microsoft.com/office/drawing/2014/main" id="{4AE9F054-919B-4E92-ADC2-56F89E5EA2AE}"/>
+                </a:ext>
+              </a:extLst>
+            </p:cNvPr>
+            <p:cNvSpPr/>
+            <p:nvPr/>
+          </p:nvSpPr>
+          <p:spPr>
+            <a:xfrm>
+              <a:off x="317501" y="3003545"/>
+              <a:ext cx="82550" cy="1459438"/>
+            </a:xfrm>
+            <a:prstGeom prst="rect">
+              <a:avLst/>
+            </a:prstGeom>
+            <a:solidFill>
+              <a:schemeClr val="tx1"/>
+            </a:solidFill>
+            <a:ln>
+              <a:solidFill>
+                <a:schemeClr val="tx1"/>
+              </a:solidFill>
+            </a:ln>
+          </p:spPr>
+          <p:style>
+            <a:lnRef idx="2">
+              <a:schemeClr val="accent1">
+                <a:shade val="50000"/>
+              </a:schemeClr>
+            </a:lnRef>
+            <a:fillRef idx="1">
+              <a:schemeClr val="accent1"/>
+            </a:fillRef>
+            <a:effectRef idx="0">
+              <a:schemeClr val="accent1"/>
+            </a:effectRef>
+            <a:fontRef idx="minor">
+              <a:schemeClr val="lt1"/>
+            </a:fontRef>
+          </p:style>
+          <p:txBody>
+            <a:bodyPr rtlCol="0" anchor="ctr"/>
+            <a:lstStyle/>
+            <a:p>
+              <a:pPr algn="ctr"/>
+              <a:endParaRPr lang="en-US"/>
+            </a:p>
+          </p:txBody>
+        </p:sp>
+        <p:sp>
+          <p:nvSpPr>
+            <p:cNvPr id="25" name="Rectangle 24">
+              <a:extLst>
+                <a:ext uri="{FF2B5EF4-FFF2-40B4-BE49-F238E27FC236}">
+                  <a16:creationId xmlns:a16="http://schemas.microsoft.com/office/drawing/2014/main" id="{05A09CF9-0290-4AF6-826F-BBAF3CD65344}"/>
+                </a:ext>
+              </a:extLst>
+            </p:cNvPr>
+            <p:cNvSpPr/>
+            <p:nvPr/>
+          </p:nvSpPr>
+          <p:spPr>
+            <a:xfrm>
+              <a:off x="2679457" y="3003545"/>
+              <a:ext cx="82550" cy="1459438"/>
+            </a:xfrm>
+            <a:prstGeom prst="rect">
+              <a:avLst/>
+            </a:prstGeom>
+            <a:solidFill>
+              <a:schemeClr val="tx1"/>
+            </a:solidFill>
+            <a:ln>
+              <a:solidFill>
+                <a:schemeClr val="tx1"/>
+              </a:solidFill>
+            </a:ln>
+          </p:spPr>
+          <p:style>
+            <a:lnRef idx="2">
+              <a:schemeClr val="accent1">
+                <a:shade val="50000"/>
+              </a:schemeClr>
+            </a:lnRef>
+            <a:fillRef idx="1">
+              <a:schemeClr val="accent1"/>
+            </a:fillRef>
+            <a:effectRef idx="0">
+              <a:schemeClr val="accent1"/>
+            </a:effectRef>
+            <a:fontRef idx="minor">
+              <a:schemeClr val="lt1"/>
+            </a:fontRef>
+          </p:style>
+          <p:txBody>
+            <a:bodyPr rtlCol="0" anchor="ctr"/>
+            <a:lstStyle/>
+            <a:p>
+              <a:pPr algn="ctr"/>
+              <a:endParaRPr lang="en-US"/>
+            </a:p>
+          </p:txBody>
+        </p:sp>
+        <p:sp>
+          <p:nvSpPr>
+            <p:cNvPr id="26" name="Rectangle 25">
+              <a:extLst>
+                <a:ext uri="{FF2B5EF4-FFF2-40B4-BE49-F238E27FC236}">
+                  <a16:creationId xmlns:a16="http://schemas.microsoft.com/office/drawing/2014/main" id="{365E294A-D5EC-4A7D-8881-DC6ACCC4CE2D}"/>
+                </a:ext>
+              </a:extLst>
+            </p:cNvPr>
+            <p:cNvSpPr/>
+            <p:nvPr/>
+          </p:nvSpPr>
+          <p:spPr>
+            <a:xfrm rot="16200000">
+              <a:off x="1498479" y="3199455"/>
+              <a:ext cx="82550" cy="2444506"/>
+            </a:xfrm>
+            <a:prstGeom prst="rect">
+              <a:avLst/>
+            </a:prstGeom>
+            <a:solidFill>
+              <a:schemeClr val="tx1"/>
+            </a:solidFill>
+            <a:ln>
+              <a:solidFill>
+                <a:schemeClr val="tx1"/>
+              </a:solidFill>
+            </a:ln>
+          </p:spPr>
+          <p:style>
+            <a:lnRef idx="2">
+              <a:schemeClr val="accent1">
+                <a:shade val="50000"/>
+              </a:schemeClr>
+            </a:lnRef>
+            <a:fillRef idx="1">
+              <a:schemeClr val="accent1"/>
+            </a:fillRef>
+            <a:effectRef idx="0">
+              <a:schemeClr val="accent1"/>
+            </a:effectRef>
+            <a:fontRef idx="minor">
+              <a:schemeClr val="lt1"/>
+            </a:fontRef>
+          </p:style>
+          <p:txBody>
+            <a:bodyPr rtlCol="0" anchor="ctr"/>
+            <a:lstStyle/>
+            <a:p>
+              <a:pPr algn="ctr"/>
+              <a:endParaRPr lang="en-US"/>
+            </a:p>
+          </p:txBody>
+        </p:sp>
+      </p:grpSp>
+      <p:sp>
+        <p:nvSpPr>
+          <p:cNvPr id="27" name="Oval 26">
+            <a:extLst>
+              <a:ext uri="{FF2B5EF4-FFF2-40B4-BE49-F238E27FC236}">
+                <a16:creationId xmlns:a16="http://schemas.microsoft.com/office/drawing/2014/main" id="{B9FE88C9-570E-4C2A-8E21-81FE14057046}"/>
+              </a:ext>
+            </a:extLst>
+          </p:cNvPr>
+          <p:cNvSpPr/>
+          <p:nvPr/>
+        </p:nvSpPr>
+        <p:spPr>
+          <a:xfrm>
+            <a:off x="2636642" y="4046166"/>
+            <a:ext cx="380990" cy="380990"/>
+          </a:xfrm>
+          <a:prstGeom prst="ellipse">
+            <a:avLst/>
+          </a:prstGeom>
+        </p:spPr>
+        <p:style>
+          <a:lnRef idx="0">
+            <a:schemeClr val="accent1"/>
+          </a:lnRef>
+          <a:fillRef idx="3">
+            <a:schemeClr val="accent1"/>
+          </a:fillRef>
+          <a:effectRef idx="3">
+            <a:schemeClr val="accent1"/>
+          </a:effectRef>
+          <a:fontRef idx="minor">
+            <a:schemeClr val="lt1"/>
+          </a:fontRef>
+        </p:style>
+        <p:txBody>
+          <a:bodyPr rtlCol="0" anchor="ctr"/>
+          <a:lstStyle/>
+          <a:p>
+            <a:pPr algn="ctr"/>
+            <a:endParaRPr lang="en-US"/>
+          </a:p>
+        </p:txBody>
+      </p:sp>
+      <p:sp>
+        <p:nvSpPr>
+          <p:cNvPr id="28" name="Oval 27">
+            <a:extLst>
+              <a:ext uri="{FF2B5EF4-FFF2-40B4-BE49-F238E27FC236}">
+                <a16:creationId xmlns:a16="http://schemas.microsoft.com/office/drawing/2014/main" id="{DEC9EC3E-8B89-4D04-9D6E-008007263F7A}"/>
+              </a:ext>
+            </a:extLst>
+          </p:cNvPr>
+          <p:cNvSpPr/>
+          <p:nvPr/>
+        </p:nvSpPr>
+        <p:spPr>
+          <a:xfrm>
+            <a:off x="3119242" y="4046166"/>
+            <a:ext cx="380990" cy="380990"/>
+          </a:xfrm>
+          <a:prstGeom prst="ellipse">
+            <a:avLst/>
+          </a:prstGeom>
+        </p:spPr>
+        <p:style>
+          <a:lnRef idx="0">
+            <a:schemeClr val="accent1"/>
+          </a:lnRef>
+          <a:fillRef idx="3">
+            <a:schemeClr val="accent1"/>
+          </a:fillRef>
+          <a:effectRef idx="3">
+            <a:schemeClr val="accent1"/>
+          </a:effectRef>
+          <a:fontRef idx="minor">
+            <a:schemeClr val="lt1"/>
+          </a:fontRef>
+        </p:style>
+        <p:txBody>
+          <a:bodyPr rtlCol="0" anchor="ctr"/>
+          <a:lstStyle/>
+          <a:p>
+            <a:pPr algn="ctr"/>
+            <a:endParaRPr lang="en-US"/>
+          </a:p>
+        </p:txBody>
+      </p:sp>
+      <p:sp>
+        <p:nvSpPr>
+          <p:cNvPr id="29" name="Oval 28">
+            <a:extLst>
+              <a:ext uri="{FF2B5EF4-FFF2-40B4-BE49-F238E27FC236}">
+                <a16:creationId xmlns:a16="http://schemas.microsoft.com/office/drawing/2014/main" id="{60D88076-3F28-42DB-9033-5DDEAAC47025}"/>
+              </a:ext>
+            </a:extLst>
+          </p:cNvPr>
+          <p:cNvSpPr/>
+          <p:nvPr/>
+        </p:nvSpPr>
+        <p:spPr>
+          <a:xfrm>
+            <a:off x="3601842" y="4046166"/>
+            <a:ext cx="380990" cy="380990"/>
+          </a:xfrm>
+          <a:prstGeom prst="ellipse">
+            <a:avLst/>
+          </a:prstGeom>
+        </p:spPr>
+        <p:style>
+          <a:lnRef idx="0">
+            <a:schemeClr val="accent1"/>
+          </a:lnRef>
+          <a:fillRef idx="3">
+            <a:schemeClr val="accent1"/>
+          </a:fillRef>
+          <a:effectRef idx="3">
+            <a:schemeClr val="accent1"/>
+          </a:effectRef>
+          <a:fontRef idx="minor">
+            <a:schemeClr val="lt1"/>
+          </a:fontRef>
+        </p:style>
+        <p:txBody>
+          <a:bodyPr rtlCol="0" anchor="ctr"/>
+          <a:lstStyle/>
+          <a:p>
+            <a:pPr algn="ctr"/>
+            <a:endParaRPr lang="en-US"/>
+          </a:p>
+        </p:txBody>
+      </p:sp>
+      <p:sp>
+        <p:nvSpPr>
+          <p:cNvPr id="30" name="Oval 29">
+            <a:extLst>
+              <a:ext uri="{FF2B5EF4-FFF2-40B4-BE49-F238E27FC236}">
+                <a16:creationId xmlns:a16="http://schemas.microsoft.com/office/drawing/2014/main" id="{A677CF11-175F-4D41-8889-9F68388BA49A}"/>
+              </a:ext>
+            </a:extLst>
+          </p:cNvPr>
+          <p:cNvSpPr/>
+          <p:nvPr/>
+        </p:nvSpPr>
+        <p:spPr>
+          <a:xfrm>
+            <a:off x="5122296" y="4046166"/>
+            <a:ext cx="380990" cy="380990"/>
+          </a:xfrm>
+          <a:prstGeom prst="ellipse">
+            <a:avLst/>
+          </a:prstGeom>
+        </p:spPr>
+        <p:style>
+          <a:lnRef idx="0">
+            <a:schemeClr val="accent1"/>
+          </a:lnRef>
+          <a:fillRef idx="3">
+            <a:schemeClr val="accent1"/>
+          </a:fillRef>
+          <a:effectRef idx="3">
+            <a:schemeClr val="accent1"/>
+          </a:effectRef>
+          <a:fontRef idx="minor">
+            <a:schemeClr val="lt1"/>
+          </a:fontRef>
+        </p:style>
+        <p:txBody>
+          <a:bodyPr rtlCol="0" anchor="ctr"/>
+          <a:lstStyle/>
+          <a:p>
+            <a:pPr algn="ctr"/>
+            <a:endParaRPr lang="en-US"/>
+          </a:p>
+        </p:txBody>
+      </p:sp>
+      <p:grpSp>
+        <p:nvGrpSpPr>
+          <p:cNvPr id="31" name="Group 30">
+            <a:extLst>
+              <a:ext uri="{FF2B5EF4-FFF2-40B4-BE49-F238E27FC236}">
+                <a16:creationId xmlns:a16="http://schemas.microsoft.com/office/drawing/2014/main" id="{4928F413-B8E7-406B-8AB8-9208DCD5AED6}"/>
+              </a:ext>
+            </a:extLst>
+          </p:cNvPr>
+          <p:cNvGrpSpPr/>
+          <p:nvPr/>
+        </p:nvGrpSpPr>
+        <p:grpSpPr>
+          <a:xfrm>
+            <a:off x="4814438" y="3422832"/>
+            <a:ext cx="2444506" cy="1459438"/>
+            <a:chOff x="3285755" y="3003545"/>
+            <a:chExt cx="2444506" cy="1459438"/>
+          </a:xfrm>
+          <a:effectLst>
+            <a:outerShdw blurRad="57150" dist="19050" dir="5400000" algn="ctr" rotWithShape="0">
+              <a:srgbClr val="000000">
+                <a:alpha val="63000"/>
+              </a:srgbClr>
+            </a:outerShdw>
+          </a:effectLst>
+        </p:grpSpPr>
+        <p:sp>
+          <p:nvSpPr>
+            <p:cNvPr id="32" name="Rectangle 31">
+              <a:extLst>
+                <a:ext uri="{FF2B5EF4-FFF2-40B4-BE49-F238E27FC236}">
+                  <a16:creationId xmlns:a16="http://schemas.microsoft.com/office/drawing/2014/main" id="{0AAB1BCD-F9DD-41ED-9FD1-DACDD121914C}"/>
+                </a:ext>
+              </a:extLst>
+            </p:cNvPr>
+            <p:cNvSpPr/>
+            <p:nvPr/>
+          </p:nvSpPr>
+          <p:spPr>
+            <a:xfrm>
+              <a:off x="3285755" y="3003545"/>
+              <a:ext cx="82550" cy="1459438"/>
+            </a:xfrm>
+            <a:prstGeom prst="rect">
+              <a:avLst/>
+            </a:prstGeom>
+            <a:solidFill>
+              <a:schemeClr val="tx1"/>
+            </a:solidFill>
+            <a:ln>
+              <a:solidFill>
+                <a:schemeClr val="tx1"/>
+              </a:solidFill>
+            </a:ln>
+          </p:spPr>
+          <p:style>
+            <a:lnRef idx="2">
+              <a:schemeClr val="accent1">
+                <a:shade val="50000"/>
+              </a:schemeClr>
+            </a:lnRef>
+            <a:fillRef idx="1">
+              <a:schemeClr val="accent1"/>
+            </a:fillRef>
+            <a:effectRef idx="0">
+              <a:schemeClr val="accent1"/>
+            </a:effectRef>
+            <a:fontRef idx="minor">
+              <a:schemeClr val="lt1"/>
+            </a:fontRef>
+          </p:style>
+          <p:txBody>
+            <a:bodyPr rtlCol="0" anchor="ctr"/>
+            <a:lstStyle/>
+            <a:p>
+              <a:pPr algn="ctr"/>
+              <a:endParaRPr lang="en-US"/>
+            </a:p>
+          </p:txBody>
+        </p:sp>
+        <p:sp>
+          <p:nvSpPr>
+            <p:cNvPr id="33" name="Rectangle 32">
+              <a:extLst>
+                <a:ext uri="{FF2B5EF4-FFF2-40B4-BE49-F238E27FC236}">
+                  <a16:creationId xmlns:a16="http://schemas.microsoft.com/office/drawing/2014/main" id="{B6DA8D50-D524-4208-9AD3-E12057D302B9}"/>
+                </a:ext>
+              </a:extLst>
+            </p:cNvPr>
+            <p:cNvSpPr/>
+            <p:nvPr/>
+          </p:nvSpPr>
+          <p:spPr>
+            <a:xfrm>
+              <a:off x="5647711" y="3003545"/>
+              <a:ext cx="82550" cy="1459438"/>
+            </a:xfrm>
+            <a:prstGeom prst="rect">
+              <a:avLst/>
+            </a:prstGeom>
+            <a:solidFill>
+              <a:schemeClr val="tx1"/>
+            </a:solidFill>
+            <a:ln>
+              <a:solidFill>
+                <a:schemeClr val="tx1"/>
+              </a:solidFill>
+            </a:ln>
+          </p:spPr>
+          <p:style>
+            <a:lnRef idx="2">
+              <a:schemeClr val="accent1">
+                <a:shade val="50000"/>
+              </a:schemeClr>
+            </a:lnRef>
+            <a:fillRef idx="1">
+              <a:schemeClr val="accent1"/>
+            </a:fillRef>
+            <a:effectRef idx="0">
+              <a:schemeClr val="accent1"/>
+            </a:effectRef>
+            <a:fontRef idx="minor">
+              <a:schemeClr val="lt1"/>
+            </a:fontRef>
+          </p:style>
+          <p:txBody>
+            <a:bodyPr rtlCol="0" anchor="ctr"/>
+            <a:lstStyle/>
+            <a:p>
+              <a:pPr algn="ctr"/>
+              <a:endParaRPr lang="en-US"/>
+            </a:p>
+          </p:txBody>
+        </p:sp>
+        <p:sp>
+          <p:nvSpPr>
+            <p:cNvPr id="34" name="Rectangle 33">
+              <a:extLst>
+                <a:ext uri="{FF2B5EF4-FFF2-40B4-BE49-F238E27FC236}">
+                  <a16:creationId xmlns:a16="http://schemas.microsoft.com/office/drawing/2014/main" id="{69B4D04F-5351-4065-A8AF-70189996FB57}"/>
+                </a:ext>
+              </a:extLst>
+            </p:cNvPr>
+            <p:cNvSpPr/>
+            <p:nvPr/>
+          </p:nvSpPr>
+          <p:spPr>
+            <a:xfrm rot="16200000">
+              <a:off x="4466733" y="3199455"/>
+              <a:ext cx="82550" cy="2444506"/>
+            </a:xfrm>
+            <a:prstGeom prst="rect">
+              <a:avLst/>
+            </a:prstGeom>
+            <a:solidFill>
+              <a:schemeClr val="tx1"/>
+            </a:solidFill>
+            <a:ln>
+              <a:solidFill>
+                <a:schemeClr val="tx1"/>
+              </a:solidFill>
+            </a:ln>
+          </p:spPr>
+          <p:style>
+            <a:lnRef idx="2">
+              <a:schemeClr val="accent1">
+                <a:shade val="50000"/>
+              </a:schemeClr>
+            </a:lnRef>
+            <a:fillRef idx="1">
+              <a:schemeClr val="accent1"/>
+            </a:fillRef>
+            <a:effectRef idx="0">
+              <a:schemeClr val="accent1"/>
+            </a:effectRef>
+            <a:fontRef idx="minor">
+              <a:schemeClr val="lt1"/>
+            </a:fontRef>
+          </p:style>
+          <p:txBody>
+            <a:bodyPr rtlCol="0" anchor="ctr"/>
+            <a:lstStyle/>
+            <a:p>
+              <a:pPr algn="ctr"/>
+              <a:endParaRPr lang="en-US"/>
+            </a:p>
+          </p:txBody>
+        </p:sp>
+      </p:grpSp>
+      <p:sp>
+        <p:nvSpPr>
+          <p:cNvPr id="35" name="Oval 34">
+            <a:extLst>
+              <a:ext uri="{FF2B5EF4-FFF2-40B4-BE49-F238E27FC236}">
+                <a16:creationId xmlns:a16="http://schemas.microsoft.com/office/drawing/2014/main" id="{EA957C6B-4F7B-43E5-B8BD-BE20E54F7815}"/>
+              </a:ext>
+            </a:extLst>
+          </p:cNvPr>
+          <p:cNvSpPr/>
+          <p:nvPr/>
+        </p:nvSpPr>
+        <p:spPr>
+          <a:xfrm>
+            <a:off x="5604896" y="4046166"/>
+            <a:ext cx="380990" cy="380990"/>
+          </a:xfrm>
+          <a:prstGeom prst="ellipse">
+            <a:avLst/>
+          </a:prstGeom>
+        </p:spPr>
+        <p:style>
+          <a:lnRef idx="0">
+            <a:schemeClr val="accent1"/>
+          </a:lnRef>
+          <a:fillRef idx="3">
+            <a:schemeClr val="accent1"/>
+          </a:fillRef>
+          <a:effectRef idx="3">
+            <a:schemeClr val="accent1"/>
+          </a:effectRef>
+          <a:fontRef idx="minor">
+            <a:schemeClr val="lt1"/>
+          </a:fontRef>
+        </p:style>
+        <p:txBody>
+          <a:bodyPr rtlCol="0" anchor="ctr"/>
+          <a:lstStyle/>
+          <a:p>
+            <a:pPr algn="ctr"/>
+            <a:endParaRPr lang="en-US"/>
+          </a:p>
+        </p:txBody>
+      </p:sp>
+      <p:sp>
+        <p:nvSpPr>
+          <p:cNvPr id="36" name="Oval 35">
+            <a:extLst>
+              <a:ext uri="{FF2B5EF4-FFF2-40B4-BE49-F238E27FC236}">
+                <a16:creationId xmlns:a16="http://schemas.microsoft.com/office/drawing/2014/main" id="{392B8AB9-AA89-43A5-9075-6ED6F1A3E232}"/>
+              </a:ext>
+            </a:extLst>
+          </p:cNvPr>
+          <p:cNvSpPr/>
+          <p:nvPr/>
+        </p:nvSpPr>
+        <p:spPr>
+          <a:xfrm>
+            <a:off x="6087496" y="4046166"/>
+            <a:ext cx="380990" cy="380990"/>
+          </a:xfrm>
+          <a:prstGeom prst="ellipse">
+            <a:avLst/>
+          </a:prstGeom>
+        </p:spPr>
+        <p:style>
+          <a:lnRef idx="0">
+            <a:schemeClr val="accent1"/>
+          </a:lnRef>
+          <a:fillRef idx="3">
+            <a:schemeClr val="accent1"/>
+          </a:fillRef>
+          <a:effectRef idx="3">
+            <a:schemeClr val="accent1"/>
+          </a:effectRef>
+          <a:fontRef idx="minor">
+            <a:schemeClr val="lt1"/>
+          </a:fontRef>
+        </p:style>
+        <p:txBody>
+          <a:bodyPr rtlCol="0" anchor="ctr"/>
+          <a:lstStyle/>
+          <a:p>
+            <a:pPr algn="ctr"/>
+            <a:endParaRPr lang="en-US"/>
+          </a:p>
+        </p:txBody>
+      </p:sp>
+      <p:sp>
+        <p:nvSpPr>
+          <p:cNvPr id="37" name="Oval 36">
+            <a:extLst>
+              <a:ext uri="{FF2B5EF4-FFF2-40B4-BE49-F238E27FC236}">
+                <a16:creationId xmlns:a16="http://schemas.microsoft.com/office/drawing/2014/main" id="{3B0DFD83-3892-4E20-BD32-9A7B9AABA83D}"/>
+              </a:ext>
+            </a:extLst>
+          </p:cNvPr>
+          <p:cNvSpPr/>
+          <p:nvPr/>
+        </p:nvSpPr>
+        <p:spPr>
+          <a:xfrm>
+            <a:off x="6570096" y="4046166"/>
+            <a:ext cx="380990" cy="380990"/>
+          </a:xfrm>
+          <a:prstGeom prst="ellipse">
+            <a:avLst/>
+          </a:prstGeom>
+        </p:spPr>
+        <p:style>
+          <a:lnRef idx="0">
+            <a:schemeClr val="accent2"/>
+          </a:lnRef>
+          <a:fillRef idx="3">
+            <a:schemeClr val="accent2"/>
+          </a:fillRef>
+          <a:effectRef idx="3">
+            <a:schemeClr val="accent2"/>
+          </a:effectRef>
+          <a:fontRef idx="minor">
+            <a:schemeClr val="lt1"/>
+          </a:fontRef>
+        </p:style>
+        <p:txBody>
+          <a:bodyPr rtlCol="0" anchor="ctr"/>
+          <a:lstStyle/>
+          <a:p>
+            <a:pPr algn="ctr"/>
+            <a:endParaRPr lang="en-US"/>
+          </a:p>
+        </p:txBody>
+      </p:sp>
+      <p:sp>
+        <p:nvSpPr>
+          <p:cNvPr id="38" name="Oval 37">
+            <a:extLst>
+              <a:ext uri="{FF2B5EF4-FFF2-40B4-BE49-F238E27FC236}">
+                <a16:creationId xmlns:a16="http://schemas.microsoft.com/office/drawing/2014/main" id="{C17ADE42-0A6F-40AF-9DF0-287B97B78ED8}"/>
+              </a:ext>
+            </a:extLst>
+          </p:cNvPr>
+          <p:cNvSpPr/>
+          <p:nvPr/>
+        </p:nvSpPr>
+        <p:spPr>
+          <a:xfrm>
+            <a:off x="8096413" y="4046166"/>
+            <a:ext cx="380990" cy="380990"/>
+          </a:xfrm>
+          <a:prstGeom prst="ellipse">
+            <a:avLst/>
+          </a:prstGeom>
+        </p:spPr>
+        <p:style>
+          <a:lnRef idx="0">
+            <a:schemeClr val="accent1"/>
+          </a:lnRef>
+          <a:fillRef idx="3">
+            <a:schemeClr val="accent1"/>
+          </a:fillRef>
+          <a:effectRef idx="3">
+            <a:schemeClr val="accent1"/>
+          </a:effectRef>
+          <a:fontRef idx="minor">
+            <a:schemeClr val="lt1"/>
+          </a:fontRef>
+        </p:style>
+        <p:txBody>
+          <a:bodyPr rtlCol="0" anchor="ctr"/>
+          <a:lstStyle/>
+          <a:p>
+            <a:pPr algn="ctr"/>
+            <a:endParaRPr lang="en-US"/>
+          </a:p>
+        </p:txBody>
+      </p:sp>
+      <p:grpSp>
+        <p:nvGrpSpPr>
+          <p:cNvPr id="39" name="Group 38">
+            <a:extLst>
+              <a:ext uri="{FF2B5EF4-FFF2-40B4-BE49-F238E27FC236}">
+                <a16:creationId xmlns:a16="http://schemas.microsoft.com/office/drawing/2014/main" id="{7CDF719D-CCD6-4926-A271-190AB422FECE}"/>
+              </a:ext>
+            </a:extLst>
+          </p:cNvPr>
+          <p:cNvGrpSpPr/>
+          <p:nvPr/>
+        </p:nvGrpSpPr>
+        <p:grpSpPr>
+          <a:xfrm>
+            <a:off x="7788555" y="3422832"/>
+            <a:ext cx="2444506" cy="1459438"/>
+            <a:chOff x="6259872" y="3003545"/>
+            <a:chExt cx="2444506" cy="1459438"/>
+          </a:xfrm>
+          <a:effectLst>
+            <a:outerShdw blurRad="57150" dist="19050" dir="5400000" algn="ctr" rotWithShape="0">
+              <a:srgbClr val="000000">
+                <a:alpha val="63000"/>
+              </a:srgbClr>
+            </a:outerShdw>
+          </a:effectLst>
+        </p:grpSpPr>
+        <p:sp>
+          <p:nvSpPr>
+            <p:cNvPr id="40" name="Rectangle 39">
+              <a:extLst>
+                <a:ext uri="{FF2B5EF4-FFF2-40B4-BE49-F238E27FC236}">
+                  <a16:creationId xmlns:a16="http://schemas.microsoft.com/office/drawing/2014/main" id="{A85D2B4D-B681-4A2D-AF82-9FCDE96E644E}"/>
+                </a:ext>
+              </a:extLst>
+            </p:cNvPr>
+            <p:cNvSpPr/>
+            <p:nvPr/>
+          </p:nvSpPr>
+          <p:spPr>
+            <a:xfrm>
+              <a:off x="6259872" y="3003545"/>
+              <a:ext cx="82550" cy="1459438"/>
+            </a:xfrm>
+            <a:prstGeom prst="rect">
+              <a:avLst/>
+            </a:prstGeom>
+            <a:solidFill>
+              <a:schemeClr val="tx1"/>
+            </a:solidFill>
+            <a:ln>
+              <a:solidFill>
+                <a:schemeClr val="tx1"/>
+              </a:solidFill>
+            </a:ln>
+          </p:spPr>
+          <p:style>
+            <a:lnRef idx="2">
+              <a:schemeClr val="accent1">
+                <a:shade val="50000"/>
+              </a:schemeClr>
+            </a:lnRef>
+            <a:fillRef idx="1">
+              <a:schemeClr val="accent1"/>
+            </a:fillRef>
+            <a:effectRef idx="0">
+              <a:schemeClr val="accent1"/>
+            </a:effectRef>
+            <a:fontRef idx="minor">
+              <a:schemeClr val="lt1"/>
+            </a:fontRef>
+          </p:style>
+          <p:txBody>
+            <a:bodyPr rtlCol="0" anchor="ctr"/>
+            <a:lstStyle/>
+            <a:p>
+              <a:pPr algn="ctr"/>
+              <a:endParaRPr lang="en-US"/>
+            </a:p>
+          </p:txBody>
+        </p:sp>
+        <p:sp>
+          <p:nvSpPr>
+            <p:cNvPr id="41" name="Rectangle 40">
+              <a:extLst>
+                <a:ext uri="{FF2B5EF4-FFF2-40B4-BE49-F238E27FC236}">
+                  <a16:creationId xmlns:a16="http://schemas.microsoft.com/office/drawing/2014/main" id="{439CE076-7306-4657-9196-93FCC96F828A}"/>
+                </a:ext>
+              </a:extLst>
+            </p:cNvPr>
+            <p:cNvSpPr/>
+            <p:nvPr/>
+          </p:nvSpPr>
+          <p:spPr>
+            <a:xfrm>
+              <a:off x="8621828" y="3003545"/>
+              <a:ext cx="82550" cy="1459438"/>
+            </a:xfrm>
+            <a:prstGeom prst="rect">
+              <a:avLst/>
+            </a:prstGeom>
+            <a:solidFill>
+              <a:schemeClr val="tx1"/>
+            </a:solidFill>
+            <a:ln>
+              <a:solidFill>
+                <a:schemeClr val="tx1"/>
+              </a:solidFill>
+            </a:ln>
+          </p:spPr>
+          <p:style>
+            <a:lnRef idx="2">
+              <a:schemeClr val="accent1">
+                <a:shade val="50000"/>
+              </a:schemeClr>
+            </a:lnRef>
+            <a:fillRef idx="1">
+              <a:schemeClr val="accent1"/>
+            </a:fillRef>
+            <a:effectRef idx="0">
+              <a:schemeClr val="accent1"/>
+            </a:effectRef>
+            <a:fontRef idx="minor">
+              <a:schemeClr val="lt1"/>
+            </a:fontRef>
+          </p:style>
+          <p:txBody>
+            <a:bodyPr rtlCol="0" anchor="ctr"/>
+            <a:lstStyle/>
+            <a:p>
+              <a:pPr algn="ctr"/>
+              <a:endParaRPr lang="en-US"/>
+            </a:p>
+          </p:txBody>
+        </p:sp>
+        <p:sp>
+          <p:nvSpPr>
+            <p:cNvPr id="42" name="Rectangle 41">
+              <a:extLst>
+                <a:ext uri="{FF2B5EF4-FFF2-40B4-BE49-F238E27FC236}">
+                  <a16:creationId xmlns:a16="http://schemas.microsoft.com/office/drawing/2014/main" id="{A49AA306-738F-48F4-A71D-79787A9EAC13}"/>
+                </a:ext>
+              </a:extLst>
+            </p:cNvPr>
+            <p:cNvSpPr/>
+            <p:nvPr/>
+          </p:nvSpPr>
+          <p:spPr>
+            <a:xfrm rot="16200000">
+              <a:off x="7440850" y="3199455"/>
+              <a:ext cx="82550" cy="2444506"/>
+            </a:xfrm>
+            <a:prstGeom prst="rect">
+              <a:avLst/>
+            </a:prstGeom>
+            <a:solidFill>
+              <a:schemeClr val="tx1"/>
+            </a:solidFill>
+            <a:ln>
+              <a:solidFill>
+                <a:schemeClr val="tx1"/>
+              </a:solidFill>
+            </a:ln>
+          </p:spPr>
+          <p:style>
+            <a:lnRef idx="2">
+              <a:schemeClr val="accent1">
+                <a:shade val="50000"/>
+              </a:schemeClr>
+            </a:lnRef>
+            <a:fillRef idx="1">
+              <a:schemeClr val="accent1"/>
+            </a:fillRef>
+            <a:effectRef idx="0">
+              <a:schemeClr val="accent1"/>
+            </a:effectRef>
+            <a:fontRef idx="minor">
+              <a:schemeClr val="lt1"/>
+            </a:fontRef>
+          </p:style>
+          <p:txBody>
+            <a:bodyPr rtlCol="0" anchor="ctr"/>
+            <a:lstStyle/>
+            <a:p>
+              <a:pPr algn="ctr"/>
+              <a:endParaRPr lang="en-US"/>
+            </a:p>
+          </p:txBody>
+        </p:sp>
+      </p:grpSp>
+      <p:sp>
+        <p:nvSpPr>
+          <p:cNvPr id="43" name="Oval 42">
+            <a:extLst>
+              <a:ext uri="{FF2B5EF4-FFF2-40B4-BE49-F238E27FC236}">
+                <a16:creationId xmlns:a16="http://schemas.microsoft.com/office/drawing/2014/main" id="{417B1F27-0B89-4117-9A0A-FADB71ACFDC3}"/>
+              </a:ext>
+            </a:extLst>
+          </p:cNvPr>
+          <p:cNvSpPr/>
+          <p:nvPr/>
+        </p:nvSpPr>
+        <p:spPr>
+          <a:xfrm>
+            <a:off x="8579013" y="4046166"/>
+            <a:ext cx="380990" cy="380990"/>
+          </a:xfrm>
+          <a:prstGeom prst="ellipse">
+            <a:avLst/>
+          </a:prstGeom>
+        </p:spPr>
+        <p:style>
+          <a:lnRef idx="0">
+            <a:schemeClr val="accent1"/>
+          </a:lnRef>
+          <a:fillRef idx="3">
+            <a:schemeClr val="accent1"/>
+          </a:fillRef>
+          <a:effectRef idx="3">
+            <a:schemeClr val="accent1"/>
+          </a:effectRef>
+          <a:fontRef idx="minor">
+            <a:schemeClr val="lt1"/>
+          </a:fontRef>
+        </p:style>
+        <p:txBody>
+          <a:bodyPr rtlCol="0" anchor="ctr"/>
+          <a:lstStyle/>
+          <a:p>
+            <a:pPr algn="ctr"/>
+            <a:endParaRPr lang="en-US"/>
+          </a:p>
+        </p:txBody>
+      </p:sp>
+      <p:sp>
+        <p:nvSpPr>
+          <p:cNvPr id="44" name="Oval 43">
+            <a:extLst>
+              <a:ext uri="{FF2B5EF4-FFF2-40B4-BE49-F238E27FC236}">
+                <a16:creationId xmlns:a16="http://schemas.microsoft.com/office/drawing/2014/main" id="{B4490C97-F178-4B3E-A7A6-208975EFD84C}"/>
+              </a:ext>
+            </a:extLst>
+          </p:cNvPr>
+          <p:cNvSpPr/>
+          <p:nvPr/>
+        </p:nvSpPr>
+        <p:spPr>
+          <a:xfrm>
+            <a:off x="9061613" y="4046166"/>
+            <a:ext cx="380990" cy="380990"/>
+          </a:xfrm>
+          <a:prstGeom prst="ellipse">
+            <a:avLst/>
+          </a:prstGeom>
+        </p:spPr>
+        <p:style>
+          <a:lnRef idx="0">
+            <a:schemeClr val="accent2"/>
+          </a:lnRef>
+          <a:fillRef idx="3">
+            <a:schemeClr val="accent2"/>
+          </a:fillRef>
+          <a:effectRef idx="3">
+            <a:schemeClr val="accent2"/>
+          </a:effectRef>
+          <a:fontRef idx="minor">
+            <a:schemeClr val="lt1"/>
+          </a:fontRef>
+        </p:style>
+        <p:txBody>
+          <a:bodyPr rtlCol="0" anchor="ctr"/>
+          <a:lstStyle/>
+          <a:p>
+            <a:pPr algn="ctr"/>
+            <a:endParaRPr lang="en-US"/>
+          </a:p>
+        </p:txBody>
+      </p:sp>
+      <p:sp>
+        <p:nvSpPr>
+          <p:cNvPr id="45" name="Oval 44">
+            <a:extLst>
+              <a:ext uri="{FF2B5EF4-FFF2-40B4-BE49-F238E27FC236}">
+                <a16:creationId xmlns:a16="http://schemas.microsoft.com/office/drawing/2014/main" id="{705210D0-5F62-4578-ACFA-AE5FB564C8A5}"/>
+              </a:ext>
+            </a:extLst>
+          </p:cNvPr>
+          <p:cNvSpPr/>
+          <p:nvPr/>
+        </p:nvSpPr>
+        <p:spPr>
+          <a:xfrm>
+            <a:off x="9544213" y="4046166"/>
+            <a:ext cx="380990" cy="380990"/>
+          </a:xfrm>
+          <a:prstGeom prst="ellipse">
+            <a:avLst/>
+          </a:prstGeom>
+        </p:spPr>
+        <p:style>
+          <a:lnRef idx="0">
+            <a:schemeClr val="accent2"/>
+          </a:lnRef>
+          <a:fillRef idx="3">
+            <a:schemeClr val="accent2"/>
+          </a:fillRef>
+          <a:effectRef idx="3">
+            <a:schemeClr val="accent2"/>
+          </a:effectRef>
+          <a:fontRef idx="minor">
+            <a:schemeClr val="lt1"/>
+          </a:fontRef>
+        </p:style>
+        <p:txBody>
+          <a:bodyPr rtlCol="0" anchor="ctr"/>
+          <a:lstStyle/>
+          <a:p>
+            <a:pPr algn="ctr"/>
+            <a:endParaRPr lang="en-US"/>
+          </a:p>
+        </p:txBody>
+      </p:sp>
+      <mc:AlternateContent xmlns:mc="http://schemas.openxmlformats.org/markup-compatibility/2006">
+        <mc:Choice xmlns:a14="http://schemas.microsoft.com/office/drawing/2010/main" Requires="a14">
+          <p:sp>
+            <p:nvSpPr>
+              <p:cNvPr id="96" name="TextBox 95">
+                <a:extLst>
+                  <a:ext uri="{FF2B5EF4-FFF2-40B4-BE49-F238E27FC236}">
+                    <a16:creationId xmlns:a16="http://schemas.microsoft.com/office/drawing/2014/main" id="{A43705F6-4866-459A-8A84-092B6F6E143F}"/>
+                  </a:ext>
+                </a:extLst>
+              </p:cNvPr>
+              <p:cNvSpPr txBox="1"/>
+              <p:nvPr/>
+            </p:nvSpPr>
+            <p:spPr>
+              <a:xfrm>
+                <a:off x="2286125" y="4483773"/>
+                <a:ext cx="105798" cy="161583"/>
+              </a:xfrm>
+              <a:prstGeom prst="rect">
+                <a:avLst/>
+              </a:prstGeom>
+              <a:noFill/>
+            </p:spPr>
+            <p:txBody>
+              <a:bodyPr wrap="none" lIns="0" tIns="0" rIns="0" bIns="0" rtlCol="0">
+                <a:spAutoFit/>
+              </a:bodyPr>
+              <a:lstStyle/>
+              <a:p>
+                <a14:m>
+                  <m:oMathPara xmlns:m="http://schemas.openxmlformats.org/officeDocument/2006/math">
+                    <m:oMathParaPr>
+                      <m:jc m:val="centerGroup"/>
+                    </m:oMathParaPr>
+                    <m:oMath xmlns:m="http://schemas.openxmlformats.org/officeDocument/2006/math">
+                      <m:r>
+                        <a:rPr lang="en-US" sz="1050" b="0" i="1" smtClean="0">
+                          <a:latin typeface="Cambria Math" panose="02040503050406030204" pitchFamily="18" charset="0"/>
+                        </a:rPr>
+                        <m:t>1</m:t>
+                      </m:r>
+                    </m:oMath>
+                  </m:oMathPara>
+                </a14:m>
+                <a:endParaRPr lang="en-US" sz="1050" dirty="0"/>
+              </a:p>
+            </p:txBody>
+          </p:sp>
+        </mc:Choice>
+        <mc:Fallback>
+          <p:sp>
+            <p:nvSpPr>
+              <p:cNvPr id="96" name="TextBox 95">
+                <a:extLst>
+                  <a:ext uri="{FF2B5EF4-FFF2-40B4-BE49-F238E27FC236}">
+                    <a16:creationId xmlns:a16="http://schemas.microsoft.com/office/drawing/2014/main" id="{A43705F6-4866-459A-8A84-092B6F6E143F}"/>
+                  </a:ext>
+                </a:extLst>
+              </p:cNvPr>
+              <p:cNvSpPr txBox="1">
+                <a:spLocks noRot="1" noChangeAspect="1" noMove="1" noResize="1" noEditPoints="1" noAdjustHandles="1" noChangeArrowheads="1" noChangeShapeType="1" noTextEdit="1"/>
+              </p:cNvSpPr>
+              <p:nvPr/>
+            </p:nvSpPr>
+            <p:spPr>
+              <a:xfrm>
+                <a:off x="2286125" y="4483773"/>
+                <a:ext cx="105798" cy="161583"/>
+              </a:xfrm>
+              <a:prstGeom prst="rect">
+                <a:avLst/>
+              </a:prstGeom>
+              <a:blipFill>
+                <a:blip r:embed="rId5"/>
+                <a:stretch>
+                  <a:fillRect l="-35294" r="-29412" b="-11538"/>
+                </a:stretch>
+              </a:blipFill>
+            </p:spPr>
+            <p:txBody>
+              <a:bodyPr/>
+              <a:lstStyle/>
+              <a:p>
+                <a:r>
+                  <a:rPr lang="en-US">
+                    <a:noFill/>
+                  </a:rPr>
+                  <a:t> </a:t>
+                </a:r>
+              </a:p>
+            </p:txBody>
+          </p:sp>
+        </mc:Fallback>
+      </mc:AlternateContent>
+      <mc:AlternateContent xmlns:mc="http://schemas.openxmlformats.org/markup-compatibility/2006">
+        <mc:Choice xmlns:a14="http://schemas.microsoft.com/office/drawing/2010/main" Requires="a14">
+          <p:sp>
+            <p:nvSpPr>
+              <p:cNvPr id="97" name="TextBox 96">
+                <a:extLst>
+                  <a:ext uri="{FF2B5EF4-FFF2-40B4-BE49-F238E27FC236}">
+                    <a16:creationId xmlns:a16="http://schemas.microsoft.com/office/drawing/2014/main" id="{28453B49-EE36-4AD1-95EE-6529D629F2FA}"/>
+                  </a:ext>
+                </a:extLst>
+              </p:cNvPr>
+              <p:cNvSpPr txBox="1"/>
+              <p:nvPr/>
+            </p:nvSpPr>
+            <p:spPr>
+              <a:xfrm>
+                <a:off x="2769707" y="4486822"/>
+                <a:ext cx="105798" cy="161583"/>
+              </a:xfrm>
+              <a:prstGeom prst="rect">
+                <a:avLst/>
+              </a:prstGeom>
+              <a:noFill/>
+            </p:spPr>
+            <p:txBody>
+              <a:bodyPr wrap="none" lIns="0" tIns="0" rIns="0" bIns="0" rtlCol="0">
+                <a:spAutoFit/>
+              </a:bodyPr>
+              <a:lstStyle/>
+              <a:p>
+                <a14:m>
+                  <m:oMathPara xmlns:m="http://schemas.openxmlformats.org/officeDocument/2006/math">
+                    <m:oMathParaPr>
+                      <m:jc m:val="centerGroup"/>
+                    </m:oMathParaPr>
+                    <m:oMath xmlns:m="http://schemas.openxmlformats.org/officeDocument/2006/math">
+                      <m:r>
+                        <a:rPr lang="en-US" sz="1050" b="0" i="1" smtClean="0">
+                          <a:latin typeface="Cambria Math" panose="02040503050406030204" pitchFamily="18" charset="0"/>
+                        </a:rPr>
+                        <m:t>1</m:t>
+                      </m:r>
+                    </m:oMath>
+                  </m:oMathPara>
+                </a14:m>
+                <a:endParaRPr lang="en-US" sz="1050" dirty="0"/>
+              </a:p>
+            </p:txBody>
+          </p:sp>
+        </mc:Choice>
+        <mc:Fallback>
+          <p:sp>
+            <p:nvSpPr>
+              <p:cNvPr id="97" name="TextBox 96">
+                <a:extLst>
+                  <a:ext uri="{FF2B5EF4-FFF2-40B4-BE49-F238E27FC236}">
+                    <a16:creationId xmlns:a16="http://schemas.microsoft.com/office/drawing/2014/main" id="{28453B49-EE36-4AD1-95EE-6529D629F2FA}"/>
+                  </a:ext>
+                </a:extLst>
+              </p:cNvPr>
+              <p:cNvSpPr txBox="1">
+                <a:spLocks noRot="1" noChangeAspect="1" noMove="1" noResize="1" noEditPoints="1" noAdjustHandles="1" noChangeArrowheads="1" noChangeShapeType="1" noTextEdit="1"/>
+              </p:cNvSpPr>
+              <p:nvPr/>
+            </p:nvSpPr>
+            <p:spPr>
+              <a:xfrm>
+                <a:off x="2769707" y="4486822"/>
+                <a:ext cx="105798" cy="161583"/>
+              </a:xfrm>
+              <a:prstGeom prst="rect">
+                <a:avLst/>
+              </a:prstGeom>
+              <a:blipFill>
+                <a:blip r:embed="rId5"/>
+                <a:stretch>
+                  <a:fillRect l="-33333" r="-22222" b="-7407"/>
+                </a:stretch>
+              </a:blipFill>
+            </p:spPr>
+            <p:txBody>
+              <a:bodyPr/>
+              <a:lstStyle/>
+              <a:p>
+                <a:r>
+                  <a:rPr lang="en-US">
+                    <a:noFill/>
+                  </a:rPr>
+                  <a:t> </a:t>
+                </a:r>
+              </a:p>
+            </p:txBody>
+          </p:sp>
+        </mc:Fallback>
+      </mc:AlternateContent>
+      <mc:AlternateContent xmlns:mc="http://schemas.openxmlformats.org/markup-compatibility/2006">
+        <mc:Choice xmlns:a14="http://schemas.microsoft.com/office/drawing/2010/main" Requires="a14">
+          <p:sp>
+            <p:nvSpPr>
+              <p:cNvPr id="98" name="TextBox 97">
+                <a:extLst>
+                  <a:ext uri="{FF2B5EF4-FFF2-40B4-BE49-F238E27FC236}">
+                    <a16:creationId xmlns:a16="http://schemas.microsoft.com/office/drawing/2014/main" id="{1E778EF5-BB26-4717-912D-D3326C64D20F}"/>
+                  </a:ext>
+                </a:extLst>
+              </p:cNvPr>
+              <p:cNvSpPr txBox="1"/>
+              <p:nvPr/>
+            </p:nvSpPr>
+            <p:spPr>
+              <a:xfrm>
+                <a:off x="3254362" y="4479603"/>
+                <a:ext cx="105798" cy="161583"/>
+              </a:xfrm>
+              <a:prstGeom prst="rect">
+                <a:avLst/>
+              </a:prstGeom>
+              <a:noFill/>
+            </p:spPr>
+            <p:txBody>
+              <a:bodyPr wrap="none" lIns="0" tIns="0" rIns="0" bIns="0" rtlCol="0">
+                <a:spAutoFit/>
+              </a:bodyPr>
+              <a:lstStyle/>
+              <a:p>
+                <a14:m>
+                  <m:oMathPara xmlns:m="http://schemas.openxmlformats.org/officeDocument/2006/math">
+                    <m:oMathParaPr>
+                      <m:jc m:val="centerGroup"/>
+                    </m:oMathParaPr>
+                    <m:oMath xmlns:m="http://schemas.openxmlformats.org/officeDocument/2006/math">
+                      <m:r>
+                        <a:rPr lang="en-US" sz="1050" b="0" i="1" smtClean="0">
+                          <a:latin typeface="Cambria Math" panose="02040503050406030204" pitchFamily="18" charset="0"/>
+                        </a:rPr>
+                        <m:t>1</m:t>
+                      </m:r>
+                    </m:oMath>
+                  </m:oMathPara>
+                </a14:m>
+                <a:endParaRPr lang="en-US" sz="1050" dirty="0"/>
+              </a:p>
+            </p:txBody>
+          </p:sp>
+        </mc:Choice>
+        <mc:Fallback>
+          <p:sp>
+            <p:nvSpPr>
+              <p:cNvPr id="98" name="TextBox 97">
+                <a:extLst>
+                  <a:ext uri="{FF2B5EF4-FFF2-40B4-BE49-F238E27FC236}">
+                    <a16:creationId xmlns:a16="http://schemas.microsoft.com/office/drawing/2014/main" id="{1E778EF5-BB26-4717-912D-D3326C64D20F}"/>
+                  </a:ext>
+                </a:extLst>
+              </p:cNvPr>
+              <p:cNvSpPr txBox="1">
+                <a:spLocks noRot="1" noChangeAspect="1" noMove="1" noResize="1" noEditPoints="1" noAdjustHandles="1" noChangeArrowheads="1" noChangeShapeType="1" noTextEdit="1"/>
+              </p:cNvSpPr>
+              <p:nvPr/>
+            </p:nvSpPr>
+            <p:spPr>
+              <a:xfrm>
+                <a:off x="3254362" y="4479603"/>
+                <a:ext cx="105798" cy="161583"/>
+              </a:xfrm>
+              <a:prstGeom prst="rect">
+                <a:avLst/>
+              </a:prstGeom>
+              <a:blipFill>
+                <a:blip r:embed="rId5"/>
+                <a:stretch>
+                  <a:fillRect l="-35294" r="-29412" b="-11538"/>
+                </a:stretch>
+              </a:blipFill>
+            </p:spPr>
+            <p:txBody>
+              <a:bodyPr/>
+              <a:lstStyle/>
+              <a:p>
+                <a:r>
+                  <a:rPr lang="en-US">
+                    <a:noFill/>
+                  </a:rPr>
+                  <a:t> </a:t>
+                </a:r>
+              </a:p>
+            </p:txBody>
+          </p:sp>
+        </mc:Fallback>
+      </mc:AlternateContent>
+      <mc:AlternateContent xmlns:mc="http://schemas.openxmlformats.org/markup-compatibility/2006">
+        <mc:Choice xmlns:a14="http://schemas.microsoft.com/office/drawing/2010/main" Requires="a14">
+          <p:sp>
+            <p:nvSpPr>
+              <p:cNvPr id="99" name="TextBox 98">
+                <a:extLst>
+                  <a:ext uri="{FF2B5EF4-FFF2-40B4-BE49-F238E27FC236}">
+                    <a16:creationId xmlns:a16="http://schemas.microsoft.com/office/drawing/2014/main" id="{33F37E70-4D87-4C1E-BB57-38BD532DE3CF}"/>
+                  </a:ext>
+                </a:extLst>
+              </p:cNvPr>
+              <p:cNvSpPr txBox="1"/>
+              <p:nvPr/>
+            </p:nvSpPr>
+            <p:spPr>
+              <a:xfrm>
+                <a:off x="3739438" y="4478079"/>
+                <a:ext cx="105798" cy="161583"/>
+              </a:xfrm>
+              <a:prstGeom prst="rect">
+                <a:avLst/>
+              </a:prstGeom>
+              <a:noFill/>
+            </p:spPr>
+            <p:txBody>
+              <a:bodyPr wrap="none" lIns="0" tIns="0" rIns="0" bIns="0" rtlCol="0">
+                <a:spAutoFit/>
+              </a:bodyPr>
+              <a:lstStyle/>
+              <a:p>
+                <a14:m>
+                  <m:oMathPara xmlns:m="http://schemas.openxmlformats.org/officeDocument/2006/math">
+                    <m:oMathParaPr>
+                      <m:jc m:val="centerGroup"/>
+                    </m:oMathParaPr>
+                    <m:oMath xmlns:m="http://schemas.openxmlformats.org/officeDocument/2006/math">
+                      <m:r>
+                        <a:rPr lang="en-US" sz="1050" b="0" i="1" smtClean="0">
+                          <a:latin typeface="Cambria Math" panose="02040503050406030204" pitchFamily="18" charset="0"/>
+                        </a:rPr>
+                        <m:t>1</m:t>
+                      </m:r>
+                    </m:oMath>
+                  </m:oMathPara>
+                </a14:m>
+                <a:endParaRPr lang="en-US" sz="1050" dirty="0"/>
+              </a:p>
+            </p:txBody>
+          </p:sp>
+        </mc:Choice>
+        <mc:Fallback>
+          <p:sp>
+            <p:nvSpPr>
+              <p:cNvPr id="99" name="TextBox 98">
+                <a:extLst>
+                  <a:ext uri="{FF2B5EF4-FFF2-40B4-BE49-F238E27FC236}">
+                    <a16:creationId xmlns:a16="http://schemas.microsoft.com/office/drawing/2014/main" id="{33F37E70-4D87-4C1E-BB57-38BD532DE3CF}"/>
+                  </a:ext>
+                </a:extLst>
+              </p:cNvPr>
+              <p:cNvSpPr txBox="1">
+                <a:spLocks noRot="1" noChangeAspect="1" noMove="1" noResize="1" noEditPoints="1" noAdjustHandles="1" noChangeArrowheads="1" noChangeShapeType="1" noTextEdit="1"/>
+              </p:cNvSpPr>
+              <p:nvPr/>
+            </p:nvSpPr>
+            <p:spPr>
+              <a:xfrm>
+                <a:off x="3739438" y="4478079"/>
+                <a:ext cx="105798" cy="161583"/>
+              </a:xfrm>
+              <a:prstGeom prst="rect">
+                <a:avLst/>
+              </a:prstGeom>
+              <a:blipFill>
+                <a:blip r:embed="rId5"/>
+                <a:stretch>
+                  <a:fillRect l="-33333" r="-22222" b="-11538"/>
+                </a:stretch>
+              </a:blipFill>
+            </p:spPr>
+            <p:txBody>
+              <a:bodyPr/>
+              <a:lstStyle/>
+              <a:p>
+                <a:r>
+                  <a:rPr lang="en-US">
+                    <a:noFill/>
+                  </a:rPr>
+                  <a:t> </a:t>
+                </a:r>
+              </a:p>
+            </p:txBody>
+          </p:sp>
+        </mc:Fallback>
+      </mc:AlternateContent>
+      <mc:AlternateContent xmlns:mc="http://schemas.openxmlformats.org/markup-compatibility/2006">
+        <mc:Choice xmlns:a14="http://schemas.microsoft.com/office/drawing/2010/main" Requires="a14">
+          <p:sp>
+            <p:nvSpPr>
+              <p:cNvPr id="100" name="TextBox 99">
+                <a:extLst>
+                  <a:ext uri="{FF2B5EF4-FFF2-40B4-BE49-F238E27FC236}">
+                    <a16:creationId xmlns:a16="http://schemas.microsoft.com/office/drawing/2014/main" id="{C71F5881-630E-40C3-98B0-8067705628C1}"/>
+                  </a:ext>
+                </a:extLst>
+              </p:cNvPr>
+              <p:cNvSpPr txBox="1"/>
+              <p:nvPr/>
+            </p:nvSpPr>
+            <p:spPr>
+              <a:xfrm>
+                <a:off x="8153717" y="4486080"/>
+                <a:ext cx="283732" cy="161583"/>
+              </a:xfrm>
+              <a:prstGeom prst="rect">
+                <a:avLst/>
+              </a:prstGeom>
+              <a:noFill/>
+            </p:spPr>
+            <p:txBody>
+              <a:bodyPr wrap="none" lIns="0" tIns="0" rIns="0" bIns="0" rtlCol="0">
+                <a:spAutoFit/>
+              </a:bodyPr>
+              <a:lstStyle/>
+              <a:p>
+                <a14:m>
+                  <m:oMathPara xmlns:m="http://schemas.openxmlformats.org/officeDocument/2006/math">
+                    <m:oMathParaPr>
+                      <m:jc m:val="centerGroup"/>
+                    </m:oMathParaPr>
+                    <m:oMath xmlns:m="http://schemas.openxmlformats.org/officeDocument/2006/math">
+                      <m:r>
+                        <a:rPr lang="en-US" sz="1050" b="0" i="1" smtClean="0">
+                          <a:latin typeface="Cambria Math" panose="02040503050406030204" pitchFamily="18" charset="0"/>
+                        </a:rPr>
+                        <m:t>0.50</m:t>
+                      </m:r>
+                    </m:oMath>
+                  </m:oMathPara>
+                </a14:m>
+                <a:endParaRPr lang="en-US" sz="1050" dirty="0"/>
+              </a:p>
+            </p:txBody>
+          </p:sp>
+        </mc:Choice>
+        <mc:Fallback>
+          <p:sp>
+            <p:nvSpPr>
+              <p:cNvPr id="100" name="TextBox 99">
+                <a:extLst>
+                  <a:ext uri="{FF2B5EF4-FFF2-40B4-BE49-F238E27FC236}">
+                    <a16:creationId xmlns:a16="http://schemas.microsoft.com/office/drawing/2014/main" id="{C71F5881-630E-40C3-98B0-8067705628C1}"/>
+                  </a:ext>
+                </a:extLst>
+              </p:cNvPr>
+              <p:cNvSpPr txBox="1">
+                <a:spLocks noRot="1" noChangeAspect="1" noMove="1" noResize="1" noEditPoints="1" noAdjustHandles="1" noChangeArrowheads="1" noChangeShapeType="1" noTextEdit="1"/>
+              </p:cNvSpPr>
+              <p:nvPr/>
+            </p:nvSpPr>
+            <p:spPr>
+              <a:xfrm>
+                <a:off x="8153717" y="4486080"/>
+                <a:ext cx="283732" cy="161583"/>
+              </a:xfrm>
+              <a:prstGeom prst="rect">
+                <a:avLst/>
+              </a:prstGeom>
+              <a:blipFill>
+                <a:blip r:embed="rId6"/>
+                <a:stretch>
+                  <a:fillRect l="-10870" r="-13043" b="-11538"/>
+                </a:stretch>
+              </a:blipFill>
+            </p:spPr>
+            <p:txBody>
+              <a:bodyPr/>
+              <a:lstStyle/>
+              <a:p>
+                <a:r>
+                  <a:rPr lang="en-US">
+                    <a:noFill/>
+                  </a:rPr>
+                  <a:t> </a:t>
+                </a:r>
+              </a:p>
+            </p:txBody>
+          </p:sp>
+        </mc:Fallback>
+      </mc:AlternateContent>
+      <mc:AlternateContent xmlns:mc="http://schemas.openxmlformats.org/markup-compatibility/2006">
+        <mc:Choice xmlns:a14="http://schemas.microsoft.com/office/drawing/2010/main" Requires="a14">
+          <p:sp>
+            <p:nvSpPr>
+              <p:cNvPr id="101" name="TextBox 100">
+                <a:extLst>
+                  <a:ext uri="{FF2B5EF4-FFF2-40B4-BE49-F238E27FC236}">
+                    <a16:creationId xmlns:a16="http://schemas.microsoft.com/office/drawing/2014/main" id="{48C37064-2338-45FF-B6CF-AC9EA3BC3D37}"/>
+                  </a:ext>
+                </a:extLst>
+              </p:cNvPr>
+              <p:cNvSpPr txBox="1"/>
+              <p:nvPr/>
+            </p:nvSpPr>
+            <p:spPr>
+              <a:xfrm>
+                <a:off x="8630809" y="4486080"/>
+                <a:ext cx="283732" cy="161583"/>
+              </a:xfrm>
+              <a:prstGeom prst="rect">
+                <a:avLst/>
+              </a:prstGeom>
+              <a:noFill/>
+            </p:spPr>
+            <p:txBody>
+              <a:bodyPr wrap="none" lIns="0" tIns="0" rIns="0" bIns="0" rtlCol="0">
+                <a:spAutoFit/>
+              </a:bodyPr>
+              <a:lstStyle/>
+              <a:p>
+                <a14:m>
+                  <m:oMathPara xmlns:m="http://schemas.openxmlformats.org/officeDocument/2006/math">
+                    <m:oMathParaPr>
+                      <m:jc m:val="centerGroup"/>
+                    </m:oMathParaPr>
+                    <m:oMath xmlns:m="http://schemas.openxmlformats.org/officeDocument/2006/math">
+                      <m:r>
+                        <a:rPr lang="en-US" sz="1050" b="0" i="1" smtClean="0">
+                          <a:latin typeface="Cambria Math" panose="02040503050406030204" pitchFamily="18" charset="0"/>
+                        </a:rPr>
+                        <m:t>0.50</m:t>
+                      </m:r>
+                    </m:oMath>
+                  </m:oMathPara>
+                </a14:m>
+                <a:endParaRPr lang="en-US" sz="1050" dirty="0"/>
+              </a:p>
+            </p:txBody>
+          </p:sp>
+        </mc:Choice>
+        <mc:Fallback>
+          <p:sp>
+            <p:nvSpPr>
+              <p:cNvPr id="101" name="TextBox 100">
+                <a:extLst>
+                  <a:ext uri="{FF2B5EF4-FFF2-40B4-BE49-F238E27FC236}">
+                    <a16:creationId xmlns:a16="http://schemas.microsoft.com/office/drawing/2014/main" id="{48C37064-2338-45FF-B6CF-AC9EA3BC3D37}"/>
+                  </a:ext>
+                </a:extLst>
+              </p:cNvPr>
+              <p:cNvSpPr txBox="1">
+                <a:spLocks noRot="1" noChangeAspect="1" noMove="1" noResize="1" noEditPoints="1" noAdjustHandles="1" noChangeArrowheads="1" noChangeShapeType="1" noTextEdit="1"/>
+              </p:cNvSpPr>
+              <p:nvPr/>
+            </p:nvSpPr>
+            <p:spPr>
+              <a:xfrm>
+                <a:off x="8630809" y="4486080"/>
+                <a:ext cx="283732" cy="161583"/>
+              </a:xfrm>
+              <a:prstGeom prst="rect">
+                <a:avLst/>
+              </a:prstGeom>
+              <a:blipFill>
+                <a:blip r:embed="rId6"/>
+                <a:stretch>
+                  <a:fillRect l="-10870" r="-13043" b="-11538"/>
+                </a:stretch>
+              </a:blipFill>
+            </p:spPr>
+            <p:txBody>
+              <a:bodyPr/>
+              <a:lstStyle/>
+              <a:p>
+                <a:r>
+                  <a:rPr lang="en-US">
+                    <a:noFill/>
+                  </a:rPr>
+                  <a:t> </a:t>
+                </a:r>
+              </a:p>
+            </p:txBody>
+          </p:sp>
+        </mc:Fallback>
+      </mc:AlternateContent>
+      <mc:AlternateContent xmlns:mc="http://schemas.openxmlformats.org/markup-compatibility/2006">
+        <mc:Choice xmlns:a14="http://schemas.microsoft.com/office/drawing/2010/main" Requires="a14">
+          <p:sp>
+            <p:nvSpPr>
+              <p:cNvPr id="102" name="TextBox 101">
+                <a:extLst>
+                  <a:ext uri="{FF2B5EF4-FFF2-40B4-BE49-F238E27FC236}">
+                    <a16:creationId xmlns:a16="http://schemas.microsoft.com/office/drawing/2014/main" id="{B2A96107-4B45-43E6-B4CF-AE0F362520F0}"/>
+                  </a:ext>
+                </a:extLst>
+              </p:cNvPr>
+              <p:cNvSpPr txBox="1"/>
+              <p:nvPr/>
+            </p:nvSpPr>
+            <p:spPr>
+              <a:xfrm>
+                <a:off x="9113409" y="4484938"/>
+                <a:ext cx="283732" cy="161583"/>
+              </a:xfrm>
+              <a:prstGeom prst="rect">
+                <a:avLst/>
+              </a:prstGeom>
+              <a:noFill/>
+            </p:spPr>
+            <p:txBody>
+              <a:bodyPr wrap="none" lIns="0" tIns="0" rIns="0" bIns="0" rtlCol="0">
+                <a:spAutoFit/>
+              </a:bodyPr>
+              <a:lstStyle/>
+              <a:p>
+                <a14:m>
+                  <m:oMathPara xmlns:m="http://schemas.openxmlformats.org/officeDocument/2006/math">
+                    <m:oMathParaPr>
+                      <m:jc m:val="centerGroup"/>
+                    </m:oMathParaPr>
+                    <m:oMath xmlns:m="http://schemas.openxmlformats.org/officeDocument/2006/math">
+                      <m:r>
+                        <a:rPr lang="en-US" sz="1050" b="0" i="1" smtClean="0">
+                          <a:latin typeface="Cambria Math" panose="02040503050406030204" pitchFamily="18" charset="0"/>
+                        </a:rPr>
+                        <m:t>0.50</m:t>
+                      </m:r>
+                    </m:oMath>
+                  </m:oMathPara>
+                </a14:m>
+                <a:endParaRPr lang="en-US" sz="1050" dirty="0"/>
+              </a:p>
+            </p:txBody>
+          </p:sp>
+        </mc:Choice>
+        <mc:Fallback>
+          <p:sp>
+            <p:nvSpPr>
+              <p:cNvPr id="102" name="TextBox 101">
+                <a:extLst>
+                  <a:ext uri="{FF2B5EF4-FFF2-40B4-BE49-F238E27FC236}">
+                    <a16:creationId xmlns:a16="http://schemas.microsoft.com/office/drawing/2014/main" id="{B2A96107-4B45-43E6-B4CF-AE0F362520F0}"/>
+                  </a:ext>
+                </a:extLst>
+              </p:cNvPr>
+              <p:cNvSpPr txBox="1">
+                <a:spLocks noRot="1" noChangeAspect="1" noMove="1" noResize="1" noEditPoints="1" noAdjustHandles="1" noChangeArrowheads="1" noChangeShapeType="1" noTextEdit="1"/>
+              </p:cNvSpPr>
+              <p:nvPr/>
+            </p:nvSpPr>
+            <p:spPr>
+              <a:xfrm>
+                <a:off x="9113409" y="4484938"/>
+                <a:ext cx="283732" cy="161583"/>
+              </a:xfrm>
+              <a:prstGeom prst="rect">
+                <a:avLst/>
+              </a:prstGeom>
+              <a:blipFill>
+                <a:blip r:embed="rId6"/>
+                <a:stretch>
+                  <a:fillRect l="-10638" r="-10638" b="-11538"/>
+                </a:stretch>
+              </a:blipFill>
+            </p:spPr>
+            <p:txBody>
+              <a:bodyPr/>
+              <a:lstStyle/>
+              <a:p>
+                <a:r>
+                  <a:rPr lang="en-US">
+                    <a:noFill/>
+                  </a:rPr>
+                  <a:t> </a:t>
+                </a:r>
+              </a:p>
+            </p:txBody>
+          </p:sp>
+        </mc:Fallback>
+      </mc:AlternateContent>
+      <mc:AlternateContent xmlns:mc="http://schemas.openxmlformats.org/markup-compatibility/2006">
+        <mc:Choice xmlns:a14="http://schemas.microsoft.com/office/drawing/2010/main" Requires="a14">
+          <p:sp>
+            <p:nvSpPr>
+              <p:cNvPr id="103" name="TextBox 102">
+                <a:extLst>
+                  <a:ext uri="{FF2B5EF4-FFF2-40B4-BE49-F238E27FC236}">
+                    <a16:creationId xmlns:a16="http://schemas.microsoft.com/office/drawing/2014/main" id="{D1F0E12D-F320-4598-8B88-561F72DF1894}"/>
+                  </a:ext>
+                </a:extLst>
+              </p:cNvPr>
+              <p:cNvSpPr txBox="1"/>
+              <p:nvPr/>
+            </p:nvSpPr>
+            <p:spPr>
+              <a:xfrm>
+                <a:off x="9590501" y="4484937"/>
+                <a:ext cx="283732" cy="161583"/>
+              </a:xfrm>
+              <a:prstGeom prst="rect">
+                <a:avLst/>
+              </a:prstGeom>
+              <a:noFill/>
+            </p:spPr>
+            <p:txBody>
+              <a:bodyPr wrap="none" lIns="0" tIns="0" rIns="0" bIns="0" rtlCol="0">
+                <a:spAutoFit/>
+              </a:bodyPr>
+              <a:lstStyle/>
+              <a:p>
+                <a14:m>
+                  <m:oMathPara xmlns:m="http://schemas.openxmlformats.org/officeDocument/2006/math">
+                    <m:oMathParaPr>
+                      <m:jc m:val="centerGroup"/>
+                    </m:oMathParaPr>
+                    <m:oMath xmlns:m="http://schemas.openxmlformats.org/officeDocument/2006/math">
+                      <m:r>
+                        <a:rPr lang="en-US" sz="1050" b="0" i="1" smtClean="0">
+                          <a:latin typeface="Cambria Math" panose="02040503050406030204" pitchFamily="18" charset="0"/>
+                        </a:rPr>
+                        <m:t>0.50</m:t>
+                      </m:r>
+                    </m:oMath>
+                  </m:oMathPara>
+                </a14:m>
+                <a:endParaRPr lang="en-US" sz="1050" dirty="0"/>
+              </a:p>
+            </p:txBody>
+          </p:sp>
+        </mc:Choice>
+        <mc:Fallback>
+          <p:sp>
+            <p:nvSpPr>
+              <p:cNvPr id="103" name="TextBox 102">
+                <a:extLst>
+                  <a:ext uri="{FF2B5EF4-FFF2-40B4-BE49-F238E27FC236}">
+                    <a16:creationId xmlns:a16="http://schemas.microsoft.com/office/drawing/2014/main" id="{D1F0E12D-F320-4598-8B88-561F72DF1894}"/>
+                  </a:ext>
+                </a:extLst>
+              </p:cNvPr>
+              <p:cNvSpPr txBox="1">
+                <a:spLocks noRot="1" noChangeAspect="1" noMove="1" noResize="1" noEditPoints="1" noAdjustHandles="1" noChangeArrowheads="1" noChangeShapeType="1" noTextEdit="1"/>
+              </p:cNvSpPr>
+              <p:nvPr/>
+            </p:nvSpPr>
+            <p:spPr>
+              <a:xfrm>
+                <a:off x="9590501" y="4484937"/>
+                <a:ext cx="283732" cy="161583"/>
+              </a:xfrm>
+              <a:prstGeom prst="rect">
+                <a:avLst/>
+              </a:prstGeom>
+              <a:blipFill>
+                <a:blip r:embed="rId7"/>
+                <a:stretch>
+                  <a:fillRect l="-10638" r="-12766" b="-11538"/>
+                </a:stretch>
+              </a:blipFill>
+            </p:spPr>
+            <p:txBody>
+              <a:bodyPr/>
+              <a:lstStyle/>
+              <a:p>
+                <a:r>
+                  <a:rPr lang="en-US">
+                    <a:noFill/>
+                  </a:rPr>
+                  <a:t> </a:t>
+                </a:r>
+              </a:p>
+            </p:txBody>
+          </p:sp>
+        </mc:Fallback>
+      </mc:AlternateContent>
+    </p:spTree>
+    <p:extLst>
+      <p:ext uri="{BB962C8B-B14F-4D97-AF65-F5344CB8AC3E}">
+        <p14:creationId xmlns:p14="http://schemas.microsoft.com/office/powerpoint/2010/main" val="3198466653"/>
+      </p:ext>
+    </p:extLst>
+  </p:cSld>
+  <p:clrMapOvr>
+    <a:masterClrMapping/>
+  </p:clrMapOvr>
+</p:sld>
+</file>
+
 <file path=ppt/slides/slide2.xml><?xml version="1.0" encoding="utf-8"?>
 <p:sld xmlns:a="http://schemas.openxmlformats.org/drawingml/2006/main" xmlns:r="http://schemas.openxmlformats.org/officeDocument/2006/relationships" xmlns:p="http://schemas.openxmlformats.org/presentationml/2006/main">
   <p:cSld>
